--- a/slides/On-Campus/09_01_OSandFileWriting.pptx
+++ b/slides/On-Campus/09_01_OSandFileWriting.pptx
@@ -5,18 +5,20 @@
     <p:sldMasterId id="2147483648" r:id="rId1"/>
   </p:sldMasterIdLst>
   <p:notesMasterIdLst>
-    <p:notesMasterId r:id="rId8"/>
+    <p:notesMasterId r:id="rId10"/>
   </p:notesMasterIdLst>
   <p:handoutMasterIdLst>
-    <p:handoutMasterId r:id="rId9"/>
+    <p:handoutMasterId r:id="rId11"/>
   </p:handoutMasterIdLst>
   <p:sldIdLst>
     <p:sldId id="256" r:id="rId2"/>
     <p:sldId id="257" r:id="rId3"/>
     <p:sldId id="258" r:id="rId4"/>
     <p:sldId id="259" r:id="rId5"/>
-    <p:sldId id="260" r:id="rId6"/>
-    <p:sldId id="261" r:id="rId7"/>
+    <p:sldId id="262" r:id="rId6"/>
+    <p:sldId id="260" r:id="rId7"/>
+    <p:sldId id="261" r:id="rId8"/>
+    <p:sldId id="263" r:id="rId9"/>
   </p:sldIdLst>
   <p:sldSz cx="13817600" cy="7772400"/>
   <p:notesSz cx="6858000" cy="9144000"/>
@@ -137,6 +139,121 @@
 </p:presentation>
 </file>
 
+<file path=ppt/changesInfos/changesInfo1.xml><?xml version="1.0" encoding="utf-8"?>
+<pc:chgInfo xmlns:a="http://schemas.openxmlformats.org/drawingml/2006/main" xmlns:r="http://schemas.openxmlformats.org/officeDocument/2006/relationships" xmlns:ac="http://schemas.microsoft.com/office/drawing/2013/main/command" xmlns:pc="http://schemas.microsoft.com/office/powerpoint/2013/main/command">
+  <pc:docChgLst>
+    <pc:chgData name="Moraes,Marcia" userId="c9c67e8a-58e2-4733-9a1c-5d44fec4775b" providerId="ADAL" clId="{0D3D1F53-216D-468A-B6D0-42132F61F75F}"/>
+    <pc:docChg chg="undo custSel addSld modSld">
+      <pc:chgData name="Moraes,Marcia" userId="c9c67e8a-58e2-4733-9a1c-5d44fec4775b" providerId="ADAL" clId="{0D3D1F53-216D-468A-B6D0-42132F61F75F}" dt="2021-10-15T16:42:14.455" v="761" actId="20577"/>
+      <pc:docMkLst>
+        <pc:docMk/>
+      </pc:docMkLst>
+      <pc:sldChg chg="addSp delSp modSp">
+        <pc:chgData name="Moraes,Marcia" userId="c9c67e8a-58e2-4733-9a1c-5d44fec4775b" providerId="ADAL" clId="{0D3D1F53-216D-468A-B6D0-42132F61F75F}" dt="2021-10-15T16:36:45.556" v="201"/>
+        <pc:sldMkLst>
+          <pc:docMk/>
+          <pc:sldMk cId="1414971557" sldId="261"/>
+        </pc:sldMkLst>
+        <pc:spChg chg="mod">
+          <ac:chgData name="Moraes,Marcia" userId="c9c67e8a-58e2-4733-9a1c-5d44fec4775b" providerId="ADAL" clId="{0D3D1F53-216D-468A-B6D0-42132F61F75F}" dt="2021-10-15T16:25:10.262" v="199" actId="14100"/>
+          <ac:spMkLst>
+            <pc:docMk/>
+            <pc:sldMk cId="1414971557" sldId="261"/>
+            <ac:spMk id="3" creationId="{40252F01-3FE5-5946-9A8A-B4CCC96D0FB9}"/>
+          </ac:spMkLst>
+        </pc:spChg>
+        <pc:spChg chg="add del">
+          <ac:chgData name="Moraes,Marcia" userId="c9c67e8a-58e2-4733-9a1c-5d44fec4775b" providerId="ADAL" clId="{0D3D1F53-216D-468A-B6D0-42132F61F75F}" dt="2021-10-15T16:36:45.556" v="201"/>
+          <ac:spMkLst>
+            <pc:docMk/>
+            <pc:sldMk cId="1414971557" sldId="261"/>
+            <ac:spMk id="4" creationId="{F5B7A9AF-0EB8-46C4-85F8-8243A00F3F41}"/>
+          </ac:spMkLst>
+        </pc:spChg>
+      </pc:sldChg>
+      <pc:sldChg chg="addSp delSp modSp add">
+        <pc:chgData name="Moraes,Marcia" userId="c9c67e8a-58e2-4733-9a1c-5d44fec4775b" providerId="ADAL" clId="{0D3D1F53-216D-468A-B6D0-42132F61F75F}" dt="2021-10-15T16:08:43.425" v="114" actId="6549"/>
+        <pc:sldMkLst>
+          <pc:docMk/>
+          <pc:sldMk cId="1073705540" sldId="262"/>
+        </pc:sldMkLst>
+        <pc:spChg chg="mod">
+          <ac:chgData name="Moraes,Marcia" userId="c9c67e8a-58e2-4733-9a1c-5d44fec4775b" providerId="ADAL" clId="{0D3D1F53-216D-468A-B6D0-42132F61F75F}" dt="2021-10-15T15:53:35.265" v="17" actId="20577"/>
+          <ac:spMkLst>
+            <pc:docMk/>
+            <pc:sldMk cId="1073705540" sldId="262"/>
+            <ac:spMk id="2" creationId="{5146BE39-F900-D74A-98E1-D0DC21ED6DE4}"/>
+          </ac:spMkLst>
+        </pc:spChg>
+        <pc:spChg chg="del">
+          <ac:chgData name="Moraes,Marcia" userId="c9c67e8a-58e2-4733-9a1c-5d44fec4775b" providerId="ADAL" clId="{0D3D1F53-216D-468A-B6D0-42132F61F75F}" dt="2021-10-15T15:53:38.097" v="18" actId="478"/>
+          <ac:spMkLst>
+            <pc:docMk/>
+            <pc:sldMk cId="1073705540" sldId="262"/>
+            <ac:spMk id="3" creationId="{A7AC7B47-7900-C64C-B0ED-5E713CF58922}"/>
+          </ac:spMkLst>
+        </pc:spChg>
+        <pc:spChg chg="add del mod">
+          <ac:chgData name="Moraes,Marcia" userId="c9c67e8a-58e2-4733-9a1c-5d44fec4775b" providerId="ADAL" clId="{0D3D1F53-216D-468A-B6D0-42132F61F75F}" dt="2021-10-15T15:53:40.988" v="19" actId="478"/>
+          <ac:spMkLst>
+            <pc:docMk/>
+            <pc:sldMk cId="1073705540" sldId="262"/>
+            <ac:spMk id="5" creationId="{4C568911-C431-4DB0-8C66-4536F62D75A6}"/>
+          </ac:spMkLst>
+        </pc:spChg>
+        <pc:spChg chg="add mod">
+          <ac:chgData name="Moraes,Marcia" userId="c9c67e8a-58e2-4733-9a1c-5d44fec4775b" providerId="ADAL" clId="{0D3D1F53-216D-468A-B6D0-42132F61F75F}" dt="2021-10-15T16:08:43.425" v="114" actId="6549"/>
+          <ac:spMkLst>
+            <pc:docMk/>
+            <pc:sldMk cId="1073705540" sldId="262"/>
+            <ac:spMk id="7" creationId="{73BBBBB6-EEBB-4AA4-A4B0-BFF4F8288806}"/>
+          </ac:spMkLst>
+        </pc:spChg>
+        <pc:picChg chg="add del mod">
+          <ac:chgData name="Moraes,Marcia" userId="c9c67e8a-58e2-4733-9a1c-5d44fec4775b" providerId="ADAL" clId="{0D3D1F53-216D-468A-B6D0-42132F61F75F}" dt="2021-10-15T15:59:11.949" v="56" actId="478"/>
+          <ac:picMkLst>
+            <pc:docMk/>
+            <pc:sldMk cId="1073705540" sldId="262"/>
+            <ac:picMk id="6" creationId="{891D9ECF-4251-43D5-B050-6FDBE2420DEB}"/>
+          </ac:picMkLst>
+        </pc:picChg>
+        <pc:picChg chg="add mod">
+          <ac:chgData name="Moraes,Marcia" userId="c9c67e8a-58e2-4733-9a1c-5d44fec4775b" providerId="ADAL" clId="{0D3D1F53-216D-468A-B6D0-42132F61F75F}" dt="2021-10-15T15:59:54.559" v="60" actId="208"/>
+          <ac:picMkLst>
+            <pc:docMk/>
+            <pc:sldMk cId="1073705540" sldId="262"/>
+            <ac:picMk id="8" creationId="{133CEE42-FC11-40BA-B427-2113532BFE07}"/>
+          </ac:picMkLst>
+        </pc:picChg>
+      </pc:sldChg>
+      <pc:sldChg chg="modSp add">
+        <pc:chgData name="Moraes,Marcia" userId="c9c67e8a-58e2-4733-9a1c-5d44fec4775b" providerId="ADAL" clId="{0D3D1F53-216D-468A-B6D0-42132F61F75F}" dt="2021-10-15T16:42:14.455" v="761" actId="20577"/>
+        <pc:sldMkLst>
+          <pc:docMk/>
+          <pc:sldMk cId="2060984493" sldId="263"/>
+        </pc:sldMkLst>
+        <pc:spChg chg="mod">
+          <ac:chgData name="Moraes,Marcia" userId="c9c67e8a-58e2-4733-9a1c-5d44fec4775b" providerId="ADAL" clId="{0D3D1F53-216D-468A-B6D0-42132F61F75F}" dt="2021-10-15T16:36:57.708" v="218" actId="20577"/>
+          <ac:spMkLst>
+            <pc:docMk/>
+            <pc:sldMk cId="2060984493" sldId="263"/>
+            <ac:spMk id="2" creationId="{92A43DD0-D58F-9445-8665-67B628298C4C}"/>
+          </ac:spMkLst>
+        </pc:spChg>
+        <pc:spChg chg="mod">
+          <ac:chgData name="Moraes,Marcia" userId="c9c67e8a-58e2-4733-9a1c-5d44fec4775b" providerId="ADAL" clId="{0D3D1F53-216D-468A-B6D0-42132F61F75F}" dt="2021-10-15T16:42:14.455" v="761" actId="20577"/>
+          <ac:spMkLst>
+            <pc:docMk/>
+            <pc:sldMk cId="2060984493" sldId="263"/>
+            <ac:spMk id="3" creationId="{40252F01-3FE5-5946-9A8A-B4CCC96D0FB9}"/>
+          </ac:spMkLst>
+        </pc:spChg>
+      </pc:sldChg>
+    </pc:docChg>
+  </pc:docChgLst>
+</pc:chgInfo>
+</file>
+
 <file path=ppt/handoutMasters/handoutMaster1.xml><?xml version="1.0" encoding="utf-8"?>
 <p:handoutMaster xmlns:a="http://schemas.openxmlformats.org/drawingml/2006/main" xmlns:r="http://schemas.openxmlformats.org/officeDocument/2006/relationships" xmlns:p="http://schemas.openxmlformats.org/presentationml/2006/main">
   <p:cSld>
@@ -219,7 +336,7 @@
           <a:p>
             <a:fld id="{4D7E51A5-B478-1E40-8CBB-0DAA8831E99D}" type="datetimeFigureOut">
               <a:rPr lang="en-US" smtClean="0"/>
-              <a:t>4/13/20</a:t>
+              <a:t>10/15/2021</a:t>
             </a:fld>
             <a:endParaRPr lang="en-US"/>
           </a:p>
@@ -384,7 +501,7 @@
           <a:p>
             <a:fld id="{D0ED587F-861E-6740-9643-E3DDAE89B8D6}" type="datetimeFigureOut">
               <a:rPr lang="en-US" smtClean="0"/>
-              <a:t>4/13/20</a:t>
+              <a:t>10/15/2021</a:t>
             </a:fld>
             <a:endParaRPr lang="en-US"/>
           </a:p>
@@ -8651,7 +8768,7 @@
           <p:cNvPr id="2" name="Title 1">
             <a:extLst>
               <a:ext uri="{FF2B5EF4-FFF2-40B4-BE49-F238E27FC236}">
-                <a16:creationId xmlns:a16="http://schemas.microsoft.com/office/drawing/2014/main" id="{28869225-903E-C84A-94F6-965D9022496B}"/>
+                <a16:creationId xmlns:a16="http://schemas.microsoft.com/office/drawing/2014/main" id="{5146BE39-F900-D74A-98E1-D0DC21ED6DE4}"/>
               </a:ext>
             </a:extLst>
           </p:cNvPr>
@@ -8669,17 +8786,17 @@
           <a:p>
             <a:r>
               <a:rPr lang="en-US" dirty="0"/>
-              <a:t>File Object in Java</a:t>
+              <a:t>Files and Streams</a:t>
             </a:r>
           </a:p>
         </p:txBody>
       </p:sp>
       <p:sp>
         <p:nvSpPr>
-          <p:cNvPr id="3" name="Text Placeholder 2">
+          <p:cNvPr id="7" name="Text Placeholder 2">
             <a:extLst>
               <a:ext uri="{FF2B5EF4-FFF2-40B4-BE49-F238E27FC236}">
-                <a16:creationId xmlns:a16="http://schemas.microsoft.com/office/drawing/2014/main" id="{B3F7BCF3-D0E2-8047-B0A5-8223896AEC37}"/>
+                <a16:creationId xmlns:a16="http://schemas.microsoft.com/office/drawing/2014/main" id="{73BBBBB6-EEBB-4AA4-A4B0-BFF4F8288806}"/>
               </a:ext>
             </a:extLst>
           </p:cNvPr>
@@ -8692,233 +8809,168 @@
         </p:nvSpPr>
         <p:spPr>
           <a:xfrm>
-            <a:off x="628072" y="1331206"/>
-            <a:ext cx="12561453" cy="5747471"/>
+            <a:off x="7453424" y="1711730"/>
+            <a:ext cx="6364176" cy="5344284"/>
           </a:xfrm>
         </p:spPr>
         <p:txBody>
           <a:bodyPr/>
           <a:lstStyle/>
           <a:p>
-            <a:pPr fontAlgn="base"/>
-            <a:r>
-              <a:rPr lang="en-US" dirty="0"/>
-              <a:t>Has a number of useful methods when dealing with Files</a:t>
-            </a:r>
-          </a:p>
-          <a:p>
-            <a:pPr fontAlgn="base"/>
-            <a:r>
-              <a:rPr lang="en-US" b="1" dirty="0"/>
-              <a:t>File </a:t>
-            </a:r>
-            <a:r>
-              <a:rPr lang="en-US" b="1" dirty="0" err="1"/>
-              <a:t>myFile</a:t>
-            </a:r>
-            <a:r>
-              <a:rPr lang="en-US" b="1" dirty="0"/>
-              <a:t>  = new File(“filename”);</a:t>
-            </a:r>
-          </a:p>
-          <a:p>
-            <a:pPr lvl="1" fontAlgn="base"/>
-            <a:r>
-              <a:rPr lang="en-US" dirty="0"/>
-              <a:t>Creates or reads a file based on the </a:t>
-            </a:r>
-            <a:r>
-              <a:rPr lang="en-US" i="1" dirty="0" err="1"/>
-              <a:t>path+filename</a:t>
-            </a:r>
-            <a:r>
-              <a:rPr lang="en-US" i="1" dirty="0"/>
-              <a:t> </a:t>
-            </a:r>
-            <a:r>
-              <a:rPr lang="en-US" dirty="0"/>
-              <a:t> given</a:t>
-            </a:r>
-          </a:p>
-          <a:p>
-            <a:pPr lvl="1" fontAlgn="base"/>
-            <a:r>
-              <a:rPr lang="en-US" dirty="0"/>
-              <a:t>Actually connects to the location which is a </a:t>
-            </a:r>
-            <a:r>
-              <a:rPr lang="en-US" b="1" dirty="0"/>
-              <a:t>‘stream of bytes’</a:t>
-            </a:r>
+            <a:pPr marL="0" indent="0" fontAlgn="base">
+              <a:buNone/>
+            </a:pPr>
+            <a:r>
+              <a:rPr lang="en-US" dirty="0"/>
+              <a:t>To read we used:</a:t>
+            </a:r>
+          </a:p>
+          <a:p>
+            <a:pPr marL="0" indent="0" fontAlgn="base">
+              <a:buNone/>
+            </a:pPr>
+            <a:r>
+              <a:rPr lang="en-US" b="1" dirty="0">
+                <a:latin typeface="Consolas" panose="020B0609020204030204" pitchFamily="49" charset="0"/>
+                <a:cs typeface="Consolas" panose="020B0609020204030204" pitchFamily="49" charset="0"/>
+              </a:rPr>
+              <a:t>Scanner in = new Scanner(new File("input.txt"));</a:t>
+            </a:r>
+          </a:p>
+          <a:p>
+            <a:pPr marL="0" indent="0" fontAlgn="base">
+              <a:buNone/>
+            </a:pPr>
+            <a:endParaRPr lang="en-US" b="1" dirty="0">
+              <a:latin typeface="Consolas" panose="020B0609020204030204" pitchFamily="49" charset="0"/>
+            </a:endParaRPr>
+          </a:p>
+          <a:p>
+            <a:pPr marL="0" indent="0" fontAlgn="base">
+              <a:buNone/>
+            </a:pPr>
+            <a:endParaRPr lang="en-US" b="1" dirty="0">
+              <a:latin typeface="Consolas" panose="020B0609020204030204" pitchFamily="49" charset="0"/>
+            </a:endParaRPr>
+          </a:p>
+          <a:p>
+            <a:pPr marL="0" indent="0" fontAlgn="base">
+              <a:buNone/>
+            </a:pPr>
+            <a:endParaRPr lang="en-US" b="1" dirty="0">
+              <a:latin typeface="Consolas" panose="020B0609020204030204" pitchFamily="49" charset="0"/>
+            </a:endParaRPr>
+          </a:p>
+          <a:p>
+            <a:pPr marL="0" indent="0" fontAlgn="base">
+              <a:buNone/>
+            </a:pPr>
+            <a:endParaRPr lang="en-US" b="1" dirty="0">
+              <a:latin typeface="Consolas" panose="020B0609020204030204" pitchFamily="49" charset="0"/>
+            </a:endParaRPr>
+          </a:p>
+          <a:p>
+            <a:pPr marL="0" indent="0" fontAlgn="base">
+              <a:buNone/>
+            </a:pPr>
+            <a:r>
+              <a:rPr lang="en-US" dirty="0"/>
+              <a:t>To write we will use:</a:t>
+            </a:r>
+          </a:p>
+          <a:p>
+            <a:pPr marL="0" indent="0" fontAlgn="base">
+              <a:buNone/>
+            </a:pPr>
+            <a:r>
+              <a:rPr lang="en-US" b="1" dirty="0" err="1">
+                <a:latin typeface="Consolas" panose="020B0609020204030204" pitchFamily="49" charset="0"/>
+              </a:rPr>
+              <a:t>PrintWriter</a:t>
+            </a:r>
+            <a:r>
+              <a:rPr lang="en-US" b="1" dirty="0">
+                <a:latin typeface="Consolas" panose="020B0609020204030204" pitchFamily="49" charset="0"/>
+              </a:rPr>
+              <a:t> writer = </a:t>
+            </a:r>
+          </a:p>
+          <a:p>
+            <a:pPr marL="0" indent="0" fontAlgn="base">
+              <a:buNone/>
+            </a:pPr>
+            <a:r>
+              <a:rPr lang="en-US" b="1" dirty="0">
+                <a:latin typeface="Consolas" panose="020B0609020204030204" pitchFamily="49" charset="0"/>
+              </a:rPr>
+              <a:t>        new </a:t>
+            </a:r>
+            <a:r>
+              <a:rPr lang="en-US" b="1" dirty="0" err="1">
+                <a:latin typeface="Consolas" panose="020B0609020204030204" pitchFamily="49" charset="0"/>
+              </a:rPr>
+              <a:t>PrintWriter</a:t>
+            </a:r>
+            <a:r>
+              <a:rPr lang="en-US" b="1" dirty="0">
+                <a:latin typeface="Consolas" panose="020B0609020204030204" pitchFamily="49" charset="0"/>
+              </a:rPr>
+              <a:t>(new File(“notes.txt”);</a:t>
+            </a:r>
+          </a:p>
+          <a:p>
+            <a:pPr marL="0" indent="0" fontAlgn="base">
+              <a:buNone/>
+            </a:pPr>
             <a:endParaRPr lang="en-US" dirty="0"/>
           </a:p>
           <a:p>
-            <a:pPr fontAlgn="base"/>
-            <a:r>
-              <a:rPr lang="en-US" dirty="0"/>
-              <a:t>For example</a:t>
-            </a:r>
-          </a:p>
-          <a:p>
-            <a:pPr fontAlgn="base"/>
-            <a:r>
-              <a:rPr lang="en-US" dirty="0"/>
-              <a:t>File </a:t>
-            </a:r>
-            <a:r>
-              <a:rPr lang="en-US" dirty="0" err="1"/>
-              <a:t>myFile</a:t>
-            </a:r>
-            <a:r>
-              <a:rPr lang="en-US" dirty="0"/>
-              <a:t> = new File(“</a:t>
-            </a:r>
-            <a:r>
-              <a:rPr lang="en-US" dirty="0" err="1"/>
-              <a:t>output.txt</a:t>
-            </a:r>
-            <a:r>
-              <a:rPr lang="en-US" dirty="0"/>
-              <a:t>”);</a:t>
-            </a:r>
-          </a:p>
-          <a:p>
-            <a:pPr lvl="1" fontAlgn="base"/>
-            <a:r>
-              <a:rPr lang="en-US" dirty="0"/>
-              <a:t>Creates a file in the same directory as that you are executing the java file from - so relative to your program</a:t>
-            </a:r>
-          </a:p>
-          <a:p>
-            <a:pPr fontAlgn="base"/>
-            <a:r>
-              <a:rPr lang="en-US" dirty="0"/>
-              <a:t>File </a:t>
-            </a:r>
-            <a:r>
-              <a:rPr lang="en-US" dirty="0" err="1"/>
-              <a:t>myfile</a:t>
-            </a:r>
-            <a:r>
-              <a:rPr lang="en-US" dirty="0"/>
-              <a:t> = new File(“/Users/</a:t>
-            </a:r>
-            <a:r>
-              <a:rPr lang="en-US" dirty="0" err="1"/>
-              <a:t>lionelle</a:t>
-            </a:r>
-            <a:r>
-              <a:rPr lang="en-US" dirty="0"/>
-              <a:t>/</a:t>
-            </a:r>
-            <a:r>
-              <a:rPr lang="en-US" dirty="0" err="1"/>
-              <a:t>output.txt</a:t>
-            </a:r>
-            <a:r>
-              <a:rPr lang="en-US" dirty="0"/>
-              <a:t>”);</a:t>
-            </a:r>
-          </a:p>
-          <a:p>
-            <a:pPr lvl="1" fontAlgn="base"/>
-            <a:r>
-              <a:rPr lang="en-US" dirty="0"/>
-              <a:t>Creates a file based on the </a:t>
-            </a:r>
-            <a:r>
-              <a:rPr lang="en-US" b="1" dirty="0"/>
-              <a:t>absolute</a:t>
-            </a:r>
-            <a:r>
-              <a:rPr lang="en-US" dirty="0"/>
-              <a:t> path that is Root -&gt; Users -&gt; </a:t>
-            </a:r>
-            <a:r>
-              <a:rPr lang="en-US" dirty="0" err="1"/>
-              <a:t>lionelle</a:t>
-            </a:r>
-            <a:r>
-              <a:rPr lang="en-US" dirty="0"/>
-              <a:t> (folder) -&gt; </a:t>
-            </a:r>
-            <a:r>
-              <a:rPr lang="en-US" dirty="0" err="1"/>
-              <a:t>output.txt</a:t>
-            </a:r>
+            <a:pPr marL="0" indent="0" fontAlgn="base">
+              <a:buNone/>
+            </a:pPr>
             <a:endParaRPr lang="en-US" dirty="0"/>
-          </a:p>
-          <a:p>
-            <a:pPr fontAlgn="base"/>
-            <a:r>
-              <a:rPr lang="en-US" dirty="0"/>
-              <a:t>File </a:t>
-            </a:r>
-            <a:r>
-              <a:rPr lang="en-US" dirty="0" err="1"/>
-              <a:t>myfile</a:t>
-            </a:r>
-            <a:r>
-              <a:rPr lang="en-US" dirty="0"/>
-              <a:t> = new File(“../</a:t>
-            </a:r>
-            <a:r>
-              <a:rPr lang="en-US" dirty="0" err="1"/>
-              <a:t>output.txt</a:t>
-            </a:r>
-            <a:r>
-              <a:rPr lang="en-US" dirty="0"/>
-              <a:t>”);</a:t>
-            </a:r>
-          </a:p>
-          <a:p>
-            <a:pPr lvl="1" fontAlgn="base"/>
-            <a:r>
-              <a:rPr lang="en-US" dirty="0"/>
-              <a:t>What does this do?</a:t>
-            </a:r>
-          </a:p>
-          <a:p>
-            <a:pPr fontAlgn="base"/>
-            <a:r>
-              <a:rPr lang="en-US" dirty="0"/>
-              <a:t>To write, you need objects like </a:t>
-            </a:r>
-            <a:r>
-              <a:rPr lang="en-US" dirty="0" err="1"/>
-              <a:t>BufferedWriter</a:t>
-            </a:r>
-            <a:r>
-              <a:rPr lang="en-US" dirty="0"/>
-              <a:t> or </a:t>
-            </a:r>
-            <a:r>
-              <a:rPr lang="en-US" dirty="0" err="1"/>
-              <a:t>PrintWriter</a:t>
-            </a:r>
-            <a:endParaRPr lang="en-US" dirty="0"/>
-          </a:p>
-          <a:p>
-            <a:pPr fontAlgn="base"/>
-            <a:r>
-              <a:rPr lang="en-US" dirty="0"/>
-              <a:t>To read, you need objects like </a:t>
-            </a:r>
-            <a:r>
-              <a:rPr lang="en-US" dirty="0" err="1"/>
-              <a:t>BufferedStreamReader</a:t>
-            </a:r>
-            <a:r>
-              <a:rPr lang="en-US" dirty="0"/>
-              <a:t> or Scanner</a:t>
-            </a:r>
           </a:p>
         </p:txBody>
       </p:sp>
+      <p:pic>
+        <p:nvPicPr>
+          <p:cNvPr id="8" name="Picture 7">
+            <a:extLst>
+              <a:ext uri="{FF2B5EF4-FFF2-40B4-BE49-F238E27FC236}">
+                <a16:creationId xmlns:a16="http://schemas.microsoft.com/office/drawing/2014/main" id="{133CEE42-FC11-40BA-B427-2113532BFE07}"/>
+              </a:ext>
+            </a:extLst>
+          </p:cNvPr>
+          <p:cNvPicPr>
+            <a:picLocks noChangeAspect="1"/>
+          </p:cNvPicPr>
+          <p:nvPr/>
+        </p:nvPicPr>
+        <p:blipFill>
+          <a:blip r:embed="rId2"/>
+          <a:stretch>
+            <a:fillRect/>
+          </a:stretch>
+        </p:blipFill>
+        <p:spPr>
+          <a:xfrm>
+            <a:off x="249275" y="1711730"/>
+            <a:ext cx="7176624" cy="4476419"/>
+          </a:xfrm>
+          <a:prstGeom prst="rect">
+            <a:avLst/>
+          </a:prstGeom>
+          <a:ln>
+            <a:solidFill>
+              <a:srgbClr val="092529"/>
+            </a:solidFill>
+          </a:ln>
+        </p:spPr>
+      </p:pic>
     </p:spTree>
     <p:extLst>
       <p:ext uri="{BB962C8B-B14F-4D97-AF65-F5344CB8AC3E}">
-        <p14:creationId xmlns:p14="http://schemas.microsoft.com/office/powerpoint/2010/main" val="295429786"/>
+        <p14:creationId xmlns:p14="http://schemas.microsoft.com/office/powerpoint/2010/main" val="1073705540"/>
       </p:ext>
     </p:extLst>
   </p:cSld>
@@ -8962,6 +9014,317 @@
           <p:cNvPr id="2" name="Title 1">
             <a:extLst>
               <a:ext uri="{FF2B5EF4-FFF2-40B4-BE49-F238E27FC236}">
+                <a16:creationId xmlns:a16="http://schemas.microsoft.com/office/drawing/2014/main" id="{28869225-903E-C84A-94F6-965D9022496B}"/>
+              </a:ext>
+            </a:extLst>
+          </p:cNvPr>
+          <p:cNvSpPr>
+            <a:spLocks noGrp="1"/>
+          </p:cNvSpPr>
+          <p:nvPr>
+            <p:ph type="title"/>
+          </p:nvPr>
+        </p:nvSpPr>
+        <p:spPr/>
+        <p:txBody>
+          <a:bodyPr/>
+          <a:lstStyle/>
+          <a:p>
+            <a:r>
+              <a:rPr lang="en-US" dirty="0"/>
+              <a:t>File Object in Java</a:t>
+            </a:r>
+          </a:p>
+        </p:txBody>
+      </p:sp>
+      <p:sp>
+        <p:nvSpPr>
+          <p:cNvPr id="3" name="Text Placeholder 2">
+            <a:extLst>
+              <a:ext uri="{FF2B5EF4-FFF2-40B4-BE49-F238E27FC236}">
+                <a16:creationId xmlns:a16="http://schemas.microsoft.com/office/drawing/2014/main" id="{B3F7BCF3-D0E2-8047-B0A5-8223896AEC37}"/>
+              </a:ext>
+            </a:extLst>
+          </p:cNvPr>
+          <p:cNvSpPr>
+            <a:spLocks noGrp="1"/>
+          </p:cNvSpPr>
+          <p:nvPr>
+            <p:ph type="body" sz="quarter" idx="10"/>
+          </p:nvPr>
+        </p:nvSpPr>
+        <p:spPr>
+          <a:xfrm>
+            <a:off x="628072" y="1331206"/>
+            <a:ext cx="12561453" cy="5747471"/>
+          </a:xfrm>
+        </p:spPr>
+        <p:txBody>
+          <a:bodyPr/>
+          <a:lstStyle/>
+          <a:p>
+            <a:pPr fontAlgn="base"/>
+            <a:r>
+              <a:rPr lang="en-US" dirty="0"/>
+              <a:t>Has a number of useful methods when dealing with Files</a:t>
+            </a:r>
+          </a:p>
+          <a:p>
+            <a:pPr fontAlgn="base"/>
+            <a:r>
+              <a:rPr lang="en-US" b="1" dirty="0"/>
+              <a:t>File </a:t>
+            </a:r>
+            <a:r>
+              <a:rPr lang="en-US" b="1" dirty="0" err="1"/>
+              <a:t>myFile</a:t>
+            </a:r>
+            <a:r>
+              <a:rPr lang="en-US" b="1" dirty="0"/>
+              <a:t>  = new File(“filename”);</a:t>
+            </a:r>
+          </a:p>
+          <a:p>
+            <a:pPr lvl="1" fontAlgn="base"/>
+            <a:r>
+              <a:rPr lang="en-US" dirty="0"/>
+              <a:t>Creates or reads a file based on the </a:t>
+            </a:r>
+            <a:r>
+              <a:rPr lang="en-US" i="1" dirty="0" err="1"/>
+              <a:t>path+filename</a:t>
+            </a:r>
+            <a:r>
+              <a:rPr lang="en-US" i="1" dirty="0"/>
+              <a:t> </a:t>
+            </a:r>
+            <a:r>
+              <a:rPr lang="en-US" dirty="0"/>
+              <a:t> given</a:t>
+            </a:r>
+          </a:p>
+          <a:p>
+            <a:pPr lvl="1" fontAlgn="base"/>
+            <a:r>
+              <a:rPr lang="en-US" dirty="0"/>
+              <a:t>Actually connects to the location which is a </a:t>
+            </a:r>
+            <a:r>
+              <a:rPr lang="en-US" b="1" dirty="0"/>
+              <a:t>‘stream of bytes’</a:t>
+            </a:r>
+            <a:endParaRPr lang="en-US" dirty="0"/>
+          </a:p>
+          <a:p>
+            <a:pPr fontAlgn="base"/>
+            <a:r>
+              <a:rPr lang="en-US" dirty="0"/>
+              <a:t>For example</a:t>
+            </a:r>
+          </a:p>
+          <a:p>
+            <a:pPr fontAlgn="base"/>
+            <a:r>
+              <a:rPr lang="en-US" dirty="0"/>
+              <a:t>File </a:t>
+            </a:r>
+            <a:r>
+              <a:rPr lang="en-US" dirty="0" err="1"/>
+              <a:t>myFile</a:t>
+            </a:r>
+            <a:r>
+              <a:rPr lang="en-US" dirty="0"/>
+              <a:t> = new File(“</a:t>
+            </a:r>
+            <a:r>
+              <a:rPr lang="en-US" dirty="0" err="1"/>
+              <a:t>output.txt</a:t>
+            </a:r>
+            <a:r>
+              <a:rPr lang="en-US" dirty="0"/>
+              <a:t>”);</a:t>
+            </a:r>
+          </a:p>
+          <a:p>
+            <a:pPr lvl="1" fontAlgn="base"/>
+            <a:r>
+              <a:rPr lang="en-US" dirty="0"/>
+              <a:t>Creates a file in the same directory as that you are executing the java file from - so relative to your program</a:t>
+            </a:r>
+          </a:p>
+          <a:p>
+            <a:pPr fontAlgn="base"/>
+            <a:r>
+              <a:rPr lang="en-US" dirty="0"/>
+              <a:t>File </a:t>
+            </a:r>
+            <a:r>
+              <a:rPr lang="en-US" dirty="0" err="1"/>
+              <a:t>myfile</a:t>
+            </a:r>
+            <a:r>
+              <a:rPr lang="en-US" dirty="0"/>
+              <a:t> = new File(“/Users/</a:t>
+            </a:r>
+            <a:r>
+              <a:rPr lang="en-US" dirty="0" err="1"/>
+              <a:t>lionelle</a:t>
+            </a:r>
+            <a:r>
+              <a:rPr lang="en-US" dirty="0"/>
+              <a:t>/</a:t>
+            </a:r>
+            <a:r>
+              <a:rPr lang="en-US" dirty="0" err="1"/>
+              <a:t>output.txt</a:t>
+            </a:r>
+            <a:r>
+              <a:rPr lang="en-US" dirty="0"/>
+              <a:t>”);</a:t>
+            </a:r>
+          </a:p>
+          <a:p>
+            <a:pPr lvl="1" fontAlgn="base"/>
+            <a:r>
+              <a:rPr lang="en-US" dirty="0"/>
+              <a:t>Creates a file based on the </a:t>
+            </a:r>
+            <a:r>
+              <a:rPr lang="en-US" b="1" dirty="0"/>
+              <a:t>absolute</a:t>
+            </a:r>
+            <a:r>
+              <a:rPr lang="en-US" dirty="0"/>
+              <a:t> path that is Root -&gt; Users -&gt; </a:t>
+            </a:r>
+            <a:r>
+              <a:rPr lang="en-US" dirty="0" err="1"/>
+              <a:t>lionelle</a:t>
+            </a:r>
+            <a:r>
+              <a:rPr lang="en-US" dirty="0"/>
+              <a:t> (folder) -&gt; </a:t>
+            </a:r>
+            <a:r>
+              <a:rPr lang="en-US" dirty="0" err="1"/>
+              <a:t>output.txt</a:t>
+            </a:r>
+            <a:endParaRPr lang="en-US" dirty="0"/>
+          </a:p>
+          <a:p>
+            <a:pPr fontAlgn="base"/>
+            <a:r>
+              <a:rPr lang="en-US" dirty="0"/>
+              <a:t>File </a:t>
+            </a:r>
+            <a:r>
+              <a:rPr lang="en-US" dirty="0" err="1"/>
+              <a:t>myfile</a:t>
+            </a:r>
+            <a:r>
+              <a:rPr lang="en-US" dirty="0"/>
+              <a:t> = new File(“../</a:t>
+            </a:r>
+            <a:r>
+              <a:rPr lang="en-US" dirty="0" err="1"/>
+              <a:t>output.txt</a:t>
+            </a:r>
+            <a:r>
+              <a:rPr lang="en-US" dirty="0"/>
+              <a:t>”);</a:t>
+            </a:r>
+          </a:p>
+          <a:p>
+            <a:pPr lvl="1" fontAlgn="base"/>
+            <a:r>
+              <a:rPr lang="en-US" dirty="0"/>
+              <a:t>What does this do?</a:t>
+            </a:r>
+          </a:p>
+          <a:p>
+            <a:pPr fontAlgn="base"/>
+            <a:r>
+              <a:rPr lang="en-US" dirty="0"/>
+              <a:t>To write, you need objects like </a:t>
+            </a:r>
+            <a:r>
+              <a:rPr lang="en-US" dirty="0" err="1"/>
+              <a:t>BufferedWriter</a:t>
+            </a:r>
+            <a:r>
+              <a:rPr lang="en-US" dirty="0"/>
+              <a:t> or </a:t>
+            </a:r>
+            <a:r>
+              <a:rPr lang="en-US" dirty="0" err="1"/>
+              <a:t>PrintWriter</a:t>
+            </a:r>
+            <a:endParaRPr lang="en-US" dirty="0"/>
+          </a:p>
+          <a:p>
+            <a:pPr fontAlgn="base"/>
+            <a:r>
+              <a:rPr lang="en-US" dirty="0"/>
+              <a:t>To read, you need objects like </a:t>
+            </a:r>
+            <a:r>
+              <a:rPr lang="en-US" dirty="0" err="1"/>
+              <a:t>BufferedStreamReader</a:t>
+            </a:r>
+            <a:r>
+              <a:rPr lang="en-US" dirty="0"/>
+              <a:t> or Scanner</a:t>
+            </a:r>
+          </a:p>
+        </p:txBody>
+      </p:sp>
+    </p:spTree>
+    <p:extLst>
+      <p:ext uri="{BB962C8B-B14F-4D97-AF65-F5344CB8AC3E}">
+        <p14:creationId xmlns:p14="http://schemas.microsoft.com/office/powerpoint/2010/main" val="295429786"/>
+      </p:ext>
+    </p:extLst>
+  </p:cSld>
+  <p:clrMapOvr>
+    <a:masterClrMapping/>
+  </p:clrMapOvr>
+  <mc:AlternateContent xmlns:mc="http://schemas.openxmlformats.org/markup-compatibility/2006" xmlns:p14="http://schemas.microsoft.com/office/powerpoint/2010/main">
+    <mc:Choice Requires="p14">
+      <p:transition p14:dur="300">
+        <p:fade/>
+      </p:transition>
+    </mc:Choice>
+    <mc:Fallback xmlns="">
+      <p:transition>
+        <p:fade/>
+      </p:transition>
+    </mc:Fallback>
+  </mc:AlternateContent>
+</p:sld>
+</file>
+
+<file path=ppt/slides/slide7.xml><?xml version="1.0" encoding="utf-8"?>
+<p:sld xmlns:a="http://schemas.openxmlformats.org/drawingml/2006/main" xmlns:r="http://schemas.openxmlformats.org/officeDocument/2006/relationships" xmlns:p="http://schemas.openxmlformats.org/presentationml/2006/main">
+  <p:cSld>
+    <p:spTree>
+      <p:nvGrpSpPr>
+        <p:cNvPr id="1" name=""/>
+        <p:cNvGrpSpPr/>
+        <p:nvPr/>
+      </p:nvGrpSpPr>
+      <p:grpSpPr>
+        <a:xfrm>
+          <a:off x="0" y="0"/>
+          <a:ext cx="0" cy="0"/>
+          <a:chOff x="0" y="0"/>
+          <a:chExt cx="0" cy="0"/>
+        </a:xfrm>
+      </p:grpSpPr>
+      <p:sp>
+        <p:nvSpPr>
+          <p:cNvPr id="2" name="Title 1">
+            <a:extLst>
+              <a:ext uri="{FF2B5EF4-FFF2-40B4-BE49-F238E27FC236}">
                 <a16:creationId xmlns:a16="http://schemas.microsoft.com/office/drawing/2014/main" id="{92A43DD0-D58F-9445-8665-67B628298C4C}"/>
               </a:ext>
             </a:extLst>
@@ -9003,8 +9366,8 @@
         </p:nvSpPr>
         <p:spPr>
           <a:xfrm>
-            <a:off x="628075" y="1776683"/>
-            <a:ext cx="12561453" cy="4437177"/>
+            <a:off x="628075" y="1626781"/>
+            <a:ext cx="12561453" cy="4959488"/>
           </a:xfrm>
         </p:spPr>
         <p:txBody>
@@ -9111,15 +9474,7 @@
             </a:r>
             <a:r>
               <a:rPr lang="en-US" dirty="0"/>
-              <a:t>(new File(“</a:t>
-            </a:r>
-            <a:r>
-              <a:rPr lang="en-US" dirty="0" err="1"/>
-              <a:t>notes.md</a:t>
-            </a:r>
-            <a:r>
-              <a:rPr lang="en-US" dirty="0"/>
-              <a:t>”);</a:t>
+              <a:t>(new File(“notes.txt”));</a:t>
             </a:r>
           </a:p>
           <a:p>
@@ -9152,7 +9507,18 @@
             </a:r>
             <a:r>
               <a:rPr lang="en-US" dirty="0"/>
-              <a:t>(“this would append right after the one above”);</a:t>
+              <a:t>(“ this would append right after the one above”);</a:t>
+            </a:r>
+          </a:p>
+          <a:p>
+            <a:pPr lvl="1" fontAlgn="base"/>
+            <a:r>
+              <a:rPr lang="en-US" dirty="0" err="1"/>
+              <a:t>writer.close</a:t>
+            </a:r>
+            <a:r>
+              <a:rPr lang="en-US" dirty="0"/>
+              <a:t>(); //we need to close the stream after writing in the file!</a:t>
             </a:r>
           </a:p>
         </p:txBody>
@@ -9161,6 +9527,245 @@
     <p:extLst>
       <p:ext uri="{BB962C8B-B14F-4D97-AF65-F5344CB8AC3E}">
         <p14:creationId xmlns:p14="http://schemas.microsoft.com/office/powerpoint/2010/main" val="1414971557"/>
+      </p:ext>
+    </p:extLst>
+  </p:cSld>
+  <p:clrMapOvr>
+    <a:masterClrMapping/>
+  </p:clrMapOvr>
+  <mc:AlternateContent xmlns:mc="http://schemas.openxmlformats.org/markup-compatibility/2006" xmlns:p14="http://schemas.microsoft.com/office/powerpoint/2010/main">
+    <mc:Choice Requires="p14">
+      <p:transition p14:dur="300">
+        <p:fade/>
+      </p:transition>
+    </mc:Choice>
+    <mc:Fallback xmlns="">
+      <p:transition>
+        <p:fade/>
+      </p:transition>
+    </mc:Fallback>
+  </mc:AlternateContent>
+</p:sld>
+</file>
+
+<file path=ppt/slides/slide8.xml><?xml version="1.0" encoding="utf-8"?>
+<p:sld xmlns:a="http://schemas.openxmlformats.org/drawingml/2006/main" xmlns:r="http://schemas.openxmlformats.org/officeDocument/2006/relationships" xmlns:p="http://schemas.openxmlformats.org/presentationml/2006/main">
+  <p:cSld>
+    <p:spTree>
+      <p:nvGrpSpPr>
+        <p:cNvPr id="1" name=""/>
+        <p:cNvGrpSpPr/>
+        <p:nvPr/>
+      </p:nvGrpSpPr>
+      <p:grpSpPr>
+        <a:xfrm>
+          <a:off x="0" y="0"/>
+          <a:ext cx="0" cy="0"/>
+          <a:chOff x="0" y="0"/>
+          <a:chExt cx="0" cy="0"/>
+        </a:xfrm>
+      </p:grpSpPr>
+      <p:sp>
+        <p:nvSpPr>
+          <p:cNvPr id="2" name="Title 1">
+            <a:extLst>
+              <a:ext uri="{FF2B5EF4-FFF2-40B4-BE49-F238E27FC236}">
+                <a16:creationId xmlns:a16="http://schemas.microsoft.com/office/drawing/2014/main" id="{92A43DD0-D58F-9445-8665-67B628298C4C}"/>
+              </a:ext>
+            </a:extLst>
+          </p:cNvPr>
+          <p:cNvSpPr>
+            <a:spLocks noGrp="1"/>
+          </p:cNvSpPr>
+          <p:nvPr>
+            <p:ph type="title"/>
+          </p:nvPr>
+        </p:nvSpPr>
+        <p:spPr/>
+        <p:txBody>
+          <a:bodyPr/>
+          <a:lstStyle/>
+          <a:p>
+            <a:r>
+              <a:rPr lang="en-US" dirty="0"/>
+              <a:t>Group Coding</a:t>
+            </a:r>
+          </a:p>
+        </p:txBody>
+      </p:sp>
+      <p:sp>
+        <p:nvSpPr>
+          <p:cNvPr id="3" name="Text Placeholder 2">
+            <a:extLst>
+              <a:ext uri="{FF2B5EF4-FFF2-40B4-BE49-F238E27FC236}">
+                <a16:creationId xmlns:a16="http://schemas.microsoft.com/office/drawing/2014/main" id="{40252F01-3FE5-5946-9A8A-B4CCC96D0FB9}"/>
+              </a:ext>
+            </a:extLst>
+          </p:cNvPr>
+          <p:cNvSpPr>
+            <a:spLocks noGrp="1"/>
+          </p:cNvSpPr>
+          <p:nvPr>
+            <p:ph type="body" sz="quarter" idx="10"/>
+          </p:nvPr>
+        </p:nvSpPr>
+        <p:spPr>
+          <a:xfrm>
+            <a:off x="628075" y="1626781"/>
+            <a:ext cx="12561453" cy="4689554"/>
+          </a:xfrm>
+        </p:spPr>
+        <p:txBody>
+          <a:bodyPr/>
+          <a:lstStyle/>
+          <a:p>
+            <a:pPr fontAlgn="base"/>
+            <a:r>
+              <a:rPr lang="en-US" sz="2400" dirty="0"/>
+              <a:t>Write a method that receives a file </a:t>
+            </a:r>
+            <a:r>
+              <a:rPr lang="en-US" sz="2400"/>
+              <a:t>name and generates </a:t>
+            </a:r>
+            <a:r>
+              <a:rPr lang="en-US" sz="2400" dirty="0"/>
+              <a:t>100 integer numbers from 0-100 and write each number into a text file. Each number should be in a different line. </a:t>
+            </a:r>
+          </a:p>
+          <a:p>
+            <a:pPr fontAlgn="base"/>
+            <a:r>
+              <a:rPr lang="en-US" sz="2400" dirty="0"/>
+              <a:t>What do you need to know?</a:t>
+            </a:r>
+          </a:p>
+          <a:p>
+            <a:pPr lvl="1" fontAlgn="base"/>
+            <a:r>
+              <a:rPr lang="en-US" sz="1800" dirty="0"/>
+              <a:t>Random Class</a:t>
+            </a:r>
+          </a:p>
+          <a:p>
+            <a:pPr lvl="2" fontAlgn="base"/>
+            <a:r>
+              <a:rPr lang="en-US" dirty="0"/>
+              <a:t>Random rand = new Random();</a:t>
+            </a:r>
+          </a:p>
+          <a:p>
+            <a:pPr lvl="2" fontAlgn="base"/>
+            <a:r>
+              <a:rPr lang="en-US" dirty="0"/>
+              <a:t>int </a:t>
+            </a:r>
+            <a:r>
+              <a:rPr lang="en-US" dirty="0" err="1"/>
+              <a:t>numberInt</a:t>
+            </a:r>
+            <a:r>
+              <a:rPr lang="en-US" dirty="0"/>
+              <a:t> = </a:t>
+            </a:r>
+            <a:r>
+              <a:rPr lang="en-US" dirty="0" err="1"/>
+              <a:t>rand.nextInt</a:t>
+            </a:r>
+            <a:r>
+              <a:rPr lang="en-US" dirty="0"/>
+              <a:t>(</a:t>
+            </a:r>
+            <a:r>
+              <a:rPr lang="en-US" dirty="0" err="1"/>
+              <a:t>upperbound</a:t>
+            </a:r>
+            <a:r>
+              <a:rPr lang="en-US" dirty="0"/>
+              <a:t>); //generates a random int number 0-upperbound</a:t>
+            </a:r>
+          </a:p>
+          <a:p>
+            <a:pPr lvl="2" fontAlgn="base"/>
+            <a:r>
+              <a:rPr lang="en-US" dirty="0"/>
+              <a:t>double </a:t>
+            </a:r>
+            <a:r>
+              <a:rPr lang="en-US" dirty="0" err="1"/>
+              <a:t>numberDouble</a:t>
+            </a:r>
+            <a:r>
+              <a:rPr lang="en-US" dirty="0"/>
+              <a:t> = </a:t>
+            </a:r>
+            <a:r>
+              <a:rPr lang="en-US" dirty="0" err="1"/>
+              <a:t>rand.nextDouble</a:t>
+            </a:r>
+            <a:r>
+              <a:rPr lang="en-US" dirty="0"/>
+              <a:t>(); //generates a random double number 0.0 – 1.0</a:t>
+            </a:r>
+          </a:p>
+          <a:p>
+            <a:pPr lvl="1" fontAlgn="base"/>
+            <a:r>
+              <a:rPr lang="en-US" sz="1800" dirty="0" err="1"/>
+              <a:t>PrintWriter</a:t>
+            </a:r>
+            <a:r>
+              <a:rPr lang="en-US" sz="1800" dirty="0"/>
+              <a:t> and File Class</a:t>
+            </a:r>
+          </a:p>
+          <a:p>
+            <a:pPr lvl="2" fontAlgn="base"/>
+            <a:r>
+              <a:rPr lang="en-US" dirty="0" err="1"/>
+              <a:t>Printwriter</a:t>
+            </a:r>
+            <a:r>
+              <a:rPr lang="en-US" dirty="0"/>
+              <a:t> = new </a:t>
+            </a:r>
+            <a:r>
+              <a:rPr lang="en-US" dirty="0" err="1"/>
+              <a:t>PrintWriter</a:t>
+            </a:r>
+            <a:r>
+              <a:rPr lang="en-US" dirty="0"/>
+              <a:t>(new File(“notes.txt”));</a:t>
+            </a:r>
+          </a:p>
+          <a:p>
+            <a:pPr lvl="2" fontAlgn="base"/>
+            <a:r>
+              <a:rPr lang="en-US" dirty="0" err="1"/>
+              <a:t>writer.println</a:t>
+            </a:r>
+            <a:r>
+              <a:rPr lang="en-US" dirty="0"/>
+              <a:t>(“#These are my notes”);</a:t>
+            </a:r>
+          </a:p>
+          <a:p>
+            <a:pPr lvl="2" fontAlgn="base"/>
+            <a:r>
+              <a:rPr lang="en-US" dirty="0" err="1"/>
+              <a:t>writer.close</a:t>
+            </a:r>
+            <a:r>
+              <a:rPr lang="en-US" dirty="0"/>
+              <a:t>(); //we need to close the stream after writing in the file!</a:t>
+            </a:r>
+          </a:p>
+        </p:txBody>
+      </p:sp>
+    </p:spTree>
+    <p:extLst>
+      <p:ext uri="{BB962C8B-B14F-4D97-AF65-F5344CB8AC3E}">
+        <p14:creationId xmlns:p14="http://schemas.microsoft.com/office/powerpoint/2010/main" val="2060984493"/>
       </p:ext>
     </p:extLst>
   </p:cSld>

--- a/slides/On-Campus/09_01_OSandFileWriting.pptx
+++ b/slides/On-Campus/09_01_OSandFileWriting.pptx
@@ -5,20 +5,21 @@
     <p:sldMasterId id="2147483648" r:id="rId1"/>
   </p:sldMasterIdLst>
   <p:notesMasterIdLst>
-    <p:notesMasterId r:id="rId10"/>
+    <p:notesMasterId r:id="rId11"/>
   </p:notesMasterIdLst>
   <p:handoutMasterIdLst>
-    <p:handoutMasterId r:id="rId11"/>
+    <p:handoutMasterId r:id="rId12"/>
   </p:handoutMasterIdLst>
   <p:sldIdLst>
     <p:sldId id="256" r:id="rId2"/>
-    <p:sldId id="257" r:id="rId3"/>
-    <p:sldId id="258" r:id="rId4"/>
-    <p:sldId id="259" r:id="rId5"/>
-    <p:sldId id="262" r:id="rId6"/>
-    <p:sldId id="260" r:id="rId7"/>
-    <p:sldId id="261" r:id="rId8"/>
-    <p:sldId id="263" r:id="rId9"/>
+    <p:sldId id="266" r:id="rId3"/>
+    <p:sldId id="257" r:id="rId4"/>
+    <p:sldId id="258" r:id="rId5"/>
+    <p:sldId id="259" r:id="rId6"/>
+    <p:sldId id="262" r:id="rId7"/>
+    <p:sldId id="260" r:id="rId8"/>
+    <p:sldId id="261" r:id="rId9"/>
+    <p:sldId id="263" r:id="rId10"/>
   </p:sldIdLst>
   <p:sldSz cx="13817600" cy="7772400"/>
   <p:notesSz cx="6858000" cy="9144000"/>
@@ -336,7 +337,7 @@
           <a:p>
             <a:fld id="{4D7E51A5-B478-1E40-8CBB-0DAA8831E99D}" type="datetimeFigureOut">
               <a:rPr lang="en-US" smtClean="0"/>
-              <a:t>10/15/2021</a:t>
+              <a:t>10/17/21</a:t>
             </a:fld>
             <a:endParaRPr lang="en-US"/>
           </a:p>
@@ -501,7 +502,7 @@
           <a:p>
             <a:fld id="{D0ED587F-861E-6740-9643-E3DDAE89B8D6}" type="datetimeFigureOut">
               <a:rPr lang="en-US" smtClean="0"/>
-              <a:t>10/15/2021</a:t>
+              <a:t>10/17/21</a:t>
             </a:fld>
             <a:endParaRPr lang="en-US"/>
           </a:p>
@@ -4128,6 +4129,602 @@
 </p:sldLayout>
 </file>
 
+<file path=ppt/slideLayouts/slideLayout25.xml><?xml version="1.0" encoding="utf-8"?>
+<p:sldLayout xmlns:a="http://schemas.openxmlformats.org/drawingml/2006/main" xmlns:r="http://schemas.openxmlformats.org/officeDocument/2006/relationships" xmlns:p="http://schemas.openxmlformats.org/presentationml/2006/main" matchingName="Title and Content">
+  <p:cSld name="1_Title and Content">
+    <p:spTree>
+      <p:nvGrpSpPr>
+        <p:cNvPr id="1" name="Shape 53"/>
+        <p:cNvGrpSpPr/>
+        <p:nvPr/>
+      </p:nvGrpSpPr>
+      <p:grpSpPr>
+        <a:xfrm>
+          <a:off x="0" y="0"/>
+          <a:ext cx="0" cy="0"/>
+          <a:chOff x="0" y="0"/>
+          <a:chExt cx="0" cy="0"/>
+        </a:xfrm>
+      </p:grpSpPr>
+      <p:grpSp>
+        <p:nvGrpSpPr>
+          <p:cNvPr id="54" name="Google Shape;54;p14"/>
+          <p:cNvGrpSpPr/>
+          <p:nvPr/>
+        </p:nvGrpSpPr>
+        <p:grpSpPr>
+          <a:xfrm>
+            <a:off x="0" y="7372875"/>
+            <a:ext cx="13849756" cy="400074"/>
+            <a:chOff x="0" y="7372350"/>
+            <a:chExt cx="13817700" cy="400053"/>
+          </a:xfrm>
+        </p:grpSpPr>
+        <p:sp>
+          <p:nvSpPr>
+            <p:cNvPr id="55" name="Google Shape;55;p14"/>
+            <p:cNvSpPr/>
+            <p:nvPr/>
+          </p:nvSpPr>
+          <p:spPr>
+            <a:xfrm>
+              <a:off x="0" y="7372350"/>
+              <a:ext cx="13817700" cy="399900"/>
+            </a:xfrm>
+            <a:prstGeom prst="rect">
+              <a:avLst/>
+            </a:prstGeom>
+            <a:solidFill>
+              <a:schemeClr val="dk2"/>
+            </a:solidFill>
+            <a:ln>
+              <a:noFill/>
+            </a:ln>
+          </p:spPr>
+          <p:txBody>
+            <a:bodyPr spcFirstLastPara="1" wrap="square" lIns="60500" tIns="30250" rIns="60500" bIns="30250" anchor="ctr" anchorCtr="0">
+              <a:noAutofit/>
+            </a:bodyPr>
+            <a:lstStyle/>
+            <a:p>
+              <a:pPr marL="0" marR="0" lvl="0" indent="0" algn="ctr" rtl="0">
+                <a:spcBef>
+                  <a:spcPts val="0"/>
+                </a:spcBef>
+                <a:spcAft>
+                  <a:spcPts val="0"/>
+                </a:spcAft>
+                <a:buNone/>
+              </a:pPr>
+              <a:endParaRPr sz="1964" b="0" i="0" u="none" strike="noStrike" cap="none">
+                <a:solidFill>
+                  <a:schemeClr val="lt1"/>
+                </a:solidFill>
+                <a:latin typeface="Arial"/>
+                <a:ea typeface="Arial"/>
+                <a:cs typeface="Arial"/>
+                <a:sym typeface="Arial"/>
+              </a:endParaRPr>
+            </a:p>
+          </p:txBody>
+        </p:sp>
+        <p:pic>
+          <p:nvPicPr>
+            <p:cNvPr id="56" name="Google Shape;56;p14"/>
+            <p:cNvPicPr preferRelativeResize="0"/>
+            <p:nvPr/>
+          </p:nvPicPr>
+          <p:blipFill rotWithShape="1">
+            <a:blip r:embed="rId2">
+              <a:alphaModFix/>
+            </a:blip>
+            <a:srcRect/>
+            <a:stretch/>
+          </p:blipFill>
+          <p:spPr>
+            <a:xfrm>
+              <a:off x="152257" y="7372351"/>
+              <a:ext cx="1788558" cy="400050"/>
+            </a:xfrm>
+            <a:prstGeom prst="rect">
+              <a:avLst/>
+            </a:prstGeom>
+            <a:noFill/>
+            <a:ln>
+              <a:noFill/>
+            </a:ln>
+          </p:spPr>
+        </p:pic>
+        <p:sp>
+          <p:nvSpPr>
+            <p:cNvPr id="57" name="Google Shape;57;p14"/>
+            <p:cNvSpPr/>
+            <p:nvPr/>
+          </p:nvSpPr>
+          <p:spPr>
+            <a:xfrm>
+              <a:off x="0" y="7372351"/>
+              <a:ext cx="13817700" cy="399900"/>
+            </a:xfrm>
+            <a:prstGeom prst="rect">
+              <a:avLst/>
+            </a:prstGeom>
+            <a:solidFill>
+              <a:schemeClr val="dk2"/>
+            </a:solidFill>
+            <a:ln>
+              <a:noFill/>
+            </a:ln>
+          </p:spPr>
+          <p:txBody>
+            <a:bodyPr spcFirstLastPara="1" wrap="square" lIns="60500" tIns="30250" rIns="60500" bIns="30250" anchor="ctr" anchorCtr="0">
+              <a:noAutofit/>
+            </a:bodyPr>
+            <a:lstStyle/>
+            <a:p>
+              <a:pPr marL="0" marR="0" lvl="0" indent="0" algn="ctr" rtl="0">
+                <a:spcBef>
+                  <a:spcPts val="0"/>
+                </a:spcBef>
+                <a:spcAft>
+                  <a:spcPts val="0"/>
+                </a:spcAft>
+                <a:buNone/>
+              </a:pPr>
+              <a:endParaRPr sz="1964" b="0" i="0" u="none" strike="noStrike" cap="none">
+                <a:solidFill>
+                  <a:schemeClr val="lt1"/>
+                </a:solidFill>
+                <a:latin typeface="Arial"/>
+                <a:ea typeface="Arial"/>
+                <a:cs typeface="Arial"/>
+                <a:sym typeface="Arial"/>
+              </a:endParaRPr>
+            </a:p>
+          </p:txBody>
+        </p:sp>
+        <p:pic>
+          <p:nvPicPr>
+            <p:cNvPr id="58" name="Google Shape;58;p14"/>
+            <p:cNvPicPr preferRelativeResize="0"/>
+            <p:nvPr/>
+          </p:nvPicPr>
+          <p:blipFill rotWithShape="1">
+            <a:blip r:embed="rId2">
+              <a:alphaModFix/>
+            </a:blip>
+            <a:srcRect/>
+            <a:stretch/>
+          </p:blipFill>
+          <p:spPr>
+            <a:xfrm>
+              <a:off x="152257" y="7372352"/>
+              <a:ext cx="1788558" cy="400050"/>
+            </a:xfrm>
+            <a:prstGeom prst="rect">
+              <a:avLst/>
+            </a:prstGeom>
+            <a:noFill/>
+            <a:ln>
+              <a:noFill/>
+            </a:ln>
+          </p:spPr>
+        </p:pic>
+      </p:grpSp>
+      <p:sp>
+        <p:nvSpPr>
+          <p:cNvPr id="59" name="Google Shape;59;p14"/>
+          <p:cNvSpPr txBox="1">
+            <a:spLocks noGrp="1"/>
+          </p:cNvSpPr>
+          <p:nvPr>
+            <p:ph type="title"/>
+          </p:nvPr>
+        </p:nvSpPr>
+        <p:spPr>
+          <a:xfrm>
+            <a:off x="628075" y="905258"/>
+            <a:ext cx="12561413" cy="1015467"/>
+          </a:xfrm>
+          <a:prstGeom prst="rect">
+            <a:avLst/>
+          </a:prstGeom>
+          <a:noFill/>
+          <a:ln>
+            <a:noFill/>
+          </a:ln>
+        </p:spPr>
+        <p:txBody>
+          <a:bodyPr spcFirstLastPara="1" wrap="square" lIns="60500" tIns="60500" rIns="60500" bIns="60500" anchor="b" anchorCtr="0">
+            <a:noAutofit/>
+          </a:bodyPr>
+          <a:lstStyle>
+            <a:lvl1pPr marR="0" lvl="0" algn="l" rtl="0">
+              <a:spcBef>
+                <a:spcPts val="0"/>
+              </a:spcBef>
+              <a:spcAft>
+                <a:spcPts val="0"/>
+              </a:spcAft>
+              <a:buClr>
+                <a:schemeClr val="dk2"/>
+              </a:buClr>
+              <a:buSzPts val="3600"/>
+              <a:buFont typeface="Arial"/>
+              <a:buNone/>
+              <a:defRPr sz="5440" b="0" i="0" u="none" strike="noStrike" cap="none">
+                <a:solidFill>
+                  <a:schemeClr val="dk2"/>
+                </a:solidFill>
+                <a:latin typeface="Arial"/>
+                <a:ea typeface="Arial"/>
+                <a:cs typeface="Arial"/>
+                <a:sym typeface="Arial"/>
+              </a:defRPr>
+            </a:lvl1pPr>
+            <a:lvl2pPr lvl="1" rtl="0">
+              <a:spcBef>
+                <a:spcPts val="0"/>
+              </a:spcBef>
+              <a:spcAft>
+                <a:spcPts val="0"/>
+              </a:spcAft>
+              <a:buSzPts val="900"/>
+              <a:buNone/>
+              <a:defRPr sz="1813"/>
+            </a:lvl2pPr>
+            <a:lvl3pPr lvl="2" rtl="0">
+              <a:spcBef>
+                <a:spcPts val="0"/>
+              </a:spcBef>
+              <a:spcAft>
+                <a:spcPts val="0"/>
+              </a:spcAft>
+              <a:buSzPts val="900"/>
+              <a:buNone/>
+              <a:defRPr sz="1813"/>
+            </a:lvl3pPr>
+            <a:lvl4pPr lvl="3" rtl="0">
+              <a:spcBef>
+                <a:spcPts val="0"/>
+              </a:spcBef>
+              <a:spcAft>
+                <a:spcPts val="0"/>
+              </a:spcAft>
+              <a:buSzPts val="900"/>
+              <a:buNone/>
+              <a:defRPr sz="1813"/>
+            </a:lvl4pPr>
+            <a:lvl5pPr lvl="4" rtl="0">
+              <a:spcBef>
+                <a:spcPts val="0"/>
+              </a:spcBef>
+              <a:spcAft>
+                <a:spcPts val="0"/>
+              </a:spcAft>
+              <a:buSzPts val="900"/>
+              <a:buNone/>
+              <a:defRPr sz="1813"/>
+            </a:lvl5pPr>
+            <a:lvl6pPr lvl="5" rtl="0">
+              <a:spcBef>
+                <a:spcPts val="0"/>
+              </a:spcBef>
+              <a:spcAft>
+                <a:spcPts val="0"/>
+              </a:spcAft>
+              <a:buSzPts val="900"/>
+              <a:buNone/>
+              <a:defRPr sz="1813"/>
+            </a:lvl6pPr>
+            <a:lvl7pPr lvl="6" rtl="0">
+              <a:spcBef>
+                <a:spcPts val="0"/>
+              </a:spcBef>
+              <a:spcAft>
+                <a:spcPts val="0"/>
+              </a:spcAft>
+              <a:buSzPts val="900"/>
+              <a:buNone/>
+              <a:defRPr sz="1813"/>
+            </a:lvl7pPr>
+            <a:lvl8pPr lvl="7" rtl="0">
+              <a:spcBef>
+                <a:spcPts val="0"/>
+              </a:spcBef>
+              <a:spcAft>
+                <a:spcPts val="0"/>
+              </a:spcAft>
+              <a:buSzPts val="900"/>
+              <a:buNone/>
+              <a:defRPr sz="1813"/>
+            </a:lvl8pPr>
+            <a:lvl9pPr lvl="8" rtl="0">
+              <a:spcBef>
+                <a:spcPts val="0"/>
+              </a:spcBef>
+              <a:spcAft>
+                <a:spcPts val="0"/>
+              </a:spcAft>
+              <a:buSzPts val="900"/>
+              <a:buNone/>
+              <a:defRPr sz="1813"/>
+            </a:lvl9pPr>
+          </a:lstStyle>
+          <a:p>
+            <a:endParaRPr/>
+          </a:p>
+        </p:txBody>
+      </p:sp>
+      <p:sp>
+        <p:nvSpPr>
+          <p:cNvPr id="60" name="Google Shape;60;p14"/>
+          <p:cNvSpPr txBox="1">
+            <a:spLocks noGrp="1"/>
+          </p:cNvSpPr>
+          <p:nvPr>
+            <p:ph type="body" idx="1"/>
+          </p:nvPr>
+        </p:nvSpPr>
+        <p:spPr>
+          <a:xfrm>
+            <a:off x="628075" y="2487883"/>
+            <a:ext cx="12561413" cy="2015520"/>
+          </a:xfrm>
+          <a:prstGeom prst="rect">
+            <a:avLst/>
+          </a:prstGeom>
+          <a:noFill/>
+          <a:ln>
+            <a:noFill/>
+          </a:ln>
+        </p:spPr>
+        <p:txBody>
+          <a:bodyPr spcFirstLastPara="1" wrap="square" lIns="60500" tIns="60500" rIns="60500" bIns="60500" anchor="t" anchorCtr="0">
+            <a:noAutofit/>
+          </a:bodyPr>
+          <a:lstStyle>
+            <a:lvl1pPr marL="690875" marR="0" lvl="0" indent="-460583" algn="l" rtl="0">
+              <a:lnSpc>
+                <a:spcPct val="120000"/>
+              </a:lnSpc>
+              <a:spcBef>
+                <a:spcPts val="604"/>
+              </a:spcBef>
+              <a:spcAft>
+                <a:spcPts val="0"/>
+              </a:spcAft>
+              <a:buClr>
+                <a:schemeClr val="dk1"/>
+              </a:buClr>
+              <a:buSzPts val="1200"/>
+              <a:buFont typeface="Arial"/>
+              <a:buChar char="•"/>
+              <a:defRPr sz="1813" b="0" i="0" u="none" strike="noStrike" cap="none">
+                <a:solidFill>
+                  <a:schemeClr val="dk1"/>
+                </a:solidFill>
+                <a:latin typeface="Proxima Nova"/>
+                <a:ea typeface="Proxima Nova"/>
+                <a:cs typeface="Proxima Nova"/>
+                <a:sym typeface="Proxima Nova"/>
+              </a:defRPr>
+            </a:lvl1pPr>
+            <a:lvl2pPr marL="1381750" marR="0" lvl="1" indent="-450988" algn="l" rtl="0">
+              <a:lnSpc>
+                <a:spcPct val="120000"/>
+              </a:lnSpc>
+              <a:spcBef>
+                <a:spcPts val="604"/>
+              </a:spcBef>
+              <a:spcAft>
+                <a:spcPts val="0"/>
+              </a:spcAft>
+              <a:buClr>
+                <a:schemeClr val="dk1"/>
+              </a:buClr>
+              <a:buSzPts val="1100"/>
+              <a:buFont typeface="Arial"/>
+              <a:buChar char="–"/>
+              <a:defRPr sz="1662" b="0" i="0" u="none" strike="noStrike" cap="none">
+                <a:solidFill>
+                  <a:schemeClr val="dk1"/>
+                </a:solidFill>
+                <a:latin typeface="Proxima Nova"/>
+                <a:ea typeface="Proxima Nova"/>
+                <a:cs typeface="Proxima Nova"/>
+                <a:sym typeface="Proxima Nova"/>
+              </a:defRPr>
+            </a:lvl2pPr>
+            <a:lvl3pPr marL="2072625" marR="0" lvl="2" indent="-450988" algn="l" rtl="0">
+              <a:lnSpc>
+                <a:spcPct val="120000"/>
+              </a:lnSpc>
+              <a:spcBef>
+                <a:spcPts val="604"/>
+              </a:spcBef>
+              <a:spcAft>
+                <a:spcPts val="0"/>
+              </a:spcAft>
+              <a:buClr>
+                <a:schemeClr val="dk1"/>
+              </a:buClr>
+              <a:buSzPts val="1100"/>
+              <a:buFont typeface="Arial"/>
+              <a:buChar char="•"/>
+              <a:defRPr sz="1662" b="0" i="0" u="none" strike="noStrike" cap="none">
+                <a:solidFill>
+                  <a:schemeClr val="dk1"/>
+                </a:solidFill>
+                <a:latin typeface="Proxima Nova"/>
+                <a:ea typeface="Proxima Nova"/>
+                <a:cs typeface="Proxima Nova"/>
+                <a:sym typeface="Proxima Nova"/>
+              </a:defRPr>
+            </a:lvl3pPr>
+            <a:lvl4pPr marL="2763500" marR="0" lvl="3" indent="-450988" algn="l" rtl="0">
+              <a:lnSpc>
+                <a:spcPct val="120000"/>
+              </a:lnSpc>
+              <a:spcBef>
+                <a:spcPts val="604"/>
+              </a:spcBef>
+              <a:spcAft>
+                <a:spcPts val="0"/>
+              </a:spcAft>
+              <a:buClr>
+                <a:schemeClr val="dk1"/>
+              </a:buClr>
+              <a:buSzPts val="1100"/>
+              <a:buFont typeface="Arial"/>
+              <a:buChar char="–"/>
+              <a:defRPr sz="1662" b="0" i="0" u="none" strike="noStrike" cap="none">
+                <a:solidFill>
+                  <a:schemeClr val="dk1"/>
+                </a:solidFill>
+                <a:latin typeface="Proxima Nova"/>
+                <a:ea typeface="Proxima Nova"/>
+                <a:cs typeface="Proxima Nova"/>
+                <a:sym typeface="Proxima Nova"/>
+              </a:defRPr>
+            </a:lvl4pPr>
+            <a:lvl5pPr marL="3454375" marR="0" lvl="4" indent="-450988" algn="l" rtl="0">
+              <a:spcBef>
+                <a:spcPts val="604"/>
+              </a:spcBef>
+              <a:spcAft>
+                <a:spcPts val="0"/>
+              </a:spcAft>
+              <a:buClr>
+                <a:schemeClr val="dk1"/>
+              </a:buClr>
+              <a:buSzPts val="1100"/>
+              <a:buFont typeface="Arial"/>
+              <a:buChar char="»"/>
+              <a:defRPr sz="1662" b="0" i="0" u="none" strike="noStrike" cap="none">
+                <a:solidFill>
+                  <a:schemeClr val="dk1"/>
+                </a:solidFill>
+                <a:latin typeface="Source Sans Pro"/>
+                <a:ea typeface="Source Sans Pro"/>
+                <a:cs typeface="Source Sans Pro"/>
+                <a:sym typeface="Source Sans Pro"/>
+              </a:defRPr>
+            </a:lvl5pPr>
+            <a:lvl6pPr marL="4145250" marR="0" lvl="5" indent="-537347" algn="l" rtl="0">
+              <a:spcBef>
+                <a:spcPts val="604"/>
+              </a:spcBef>
+              <a:spcAft>
+                <a:spcPts val="0"/>
+              </a:spcAft>
+              <a:buClr>
+                <a:schemeClr val="dk1"/>
+              </a:buClr>
+              <a:buSzPts val="2000"/>
+              <a:buFont typeface="Arial"/>
+              <a:buChar char="•"/>
+              <a:defRPr sz="3022" b="0" i="0" u="none" strike="noStrike" cap="none">
+                <a:solidFill>
+                  <a:schemeClr val="dk1"/>
+                </a:solidFill>
+                <a:latin typeface="Arial"/>
+                <a:ea typeface="Arial"/>
+                <a:cs typeface="Arial"/>
+                <a:sym typeface="Arial"/>
+              </a:defRPr>
+            </a:lvl6pPr>
+            <a:lvl7pPr marL="4836124" marR="0" lvl="6" indent="-537347" algn="l" rtl="0">
+              <a:spcBef>
+                <a:spcPts val="604"/>
+              </a:spcBef>
+              <a:spcAft>
+                <a:spcPts val="0"/>
+              </a:spcAft>
+              <a:buClr>
+                <a:schemeClr val="dk1"/>
+              </a:buClr>
+              <a:buSzPts val="2000"/>
+              <a:buFont typeface="Arial"/>
+              <a:buChar char="•"/>
+              <a:defRPr sz="3022" b="0" i="0" u="none" strike="noStrike" cap="none">
+                <a:solidFill>
+                  <a:schemeClr val="dk1"/>
+                </a:solidFill>
+                <a:latin typeface="Arial"/>
+                <a:ea typeface="Arial"/>
+                <a:cs typeface="Arial"/>
+                <a:sym typeface="Arial"/>
+              </a:defRPr>
+            </a:lvl7pPr>
+            <a:lvl8pPr marL="5526999" marR="0" lvl="7" indent="-537347" algn="l" rtl="0">
+              <a:spcBef>
+                <a:spcPts val="604"/>
+              </a:spcBef>
+              <a:spcAft>
+                <a:spcPts val="0"/>
+              </a:spcAft>
+              <a:buClr>
+                <a:schemeClr val="dk1"/>
+              </a:buClr>
+              <a:buSzPts val="2000"/>
+              <a:buFont typeface="Arial"/>
+              <a:buChar char="•"/>
+              <a:defRPr sz="3022" b="0" i="0" u="none" strike="noStrike" cap="none">
+                <a:solidFill>
+                  <a:schemeClr val="dk1"/>
+                </a:solidFill>
+                <a:latin typeface="Arial"/>
+                <a:ea typeface="Arial"/>
+                <a:cs typeface="Arial"/>
+                <a:sym typeface="Arial"/>
+              </a:defRPr>
+            </a:lvl8pPr>
+            <a:lvl9pPr marL="6217874" marR="0" lvl="8" indent="-537347" algn="l" rtl="0">
+              <a:spcBef>
+                <a:spcPts val="604"/>
+              </a:spcBef>
+              <a:spcAft>
+                <a:spcPts val="0"/>
+              </a:spcAft>
+              <a:buClr>
+                <a:schemeClr val="dk1"/>
+              </a:buClr>
+              <a:buSzPts val="2000"/>
+              <a:buFont typeface="Arial"/>
+              <a:buChar char="•"/>
+              <a:defRPr sz="3022" b="0" i="0" u="none" strike="noStrike" cap="none">
+                <a:solidFill>
+                  <a:schemeClr val="dk1"/>
+                </a:solidFill>
+                <a:latin typeface="Arial"/>
+                <a:ea typeface="Arial"/>
+                <a:cs typeface="Arial"/>
+                <a:sym typeface="Arial"/>
+              </a:defRPr>
+            </a:lvl9pPr>
+          </a:lstStyle>
+          <a:p>
+            <a:endParaRPr/>
+          </a:p>
+        </p:txBody>
+      </p:sp>
+    </p:spTree>
+    <p:extLst>
+      <p:ext uri="{BB962C8B-B14F-4D97-AF65-F5344CB8AC3E}">
+        <p14:creationId xmlns:p14="http://schemas.microsoft.com/office/powerpoint/2010/main" val="3595370233"/>
+      </p:ext>
+    </p:extLst>
+  </p:cSld>
+  <p:clrMapOvr>
+    <a:masterClrMapping/>
+  </p:clrMapOvr>
+  <p:transition>
+    <p:fade/>
+  </p:transition>
+</p:sldLayout>
+</file>
+
 <file path=ppt/slideLayouts/slideLayout3.xml><?xml version="1.0" encoding="utf-8"?>
 <p:sldLayout xmlns:a="http://schemas.openxmlformats.org/drawingml/2006/main" xmlns:r="http://schemas.openxmlformats.org/officeDocument/2006/relationships" xmlns:p="http://schemas.openxmlformats.org/presentationml/2006/main" preserve="1" userDrawn="1">
   <p:cSld name="Title Green Ram CSU">
@@ -6433,6 +7030,7 @@
     <p:sldLayoutId id="2147483677" r:id="rId22"/>
     <p:sldLayoutId id="2147483692" r:id="rId23"/>
     <p:sldLayoutId id="2147483672" r:id="rId24"/>
+    <p:sldLayoutId id="2147483693" r:id="rId25"/>
   </p:sldLayoutIdLst>
   <mc:AlternateContent xmlns:mc="http://schemas.openxmlformats.org/markup-compatibility/2006" xmlns:p14="http://schemas.microsoft.com/office/powerpoint/2010/main">
     <mc:Choice Requires="p14">
@@ -6847,6 +7445,264 @@
           <p:cNvPr id="4" name="Title 3">
             <a:extLst>
               <a:ext uri="{FF2B5EF4-FFF2-40B4-BE49-F238E27FC236}">
+                <a16:creationId xmlns:a16="http://schemas.microsoft.com/office/drawing/2014/main" id="{119AD8F2-D5DB-A84B-A5B3-F7935E3E6D1D}"/>
+              </a:ext>
+            </a:extLst>
+          </p:cNvPr>
+          <p:cNvSpPr>
+            <a:spLocks noGrp="1"/>
+          </p:cNvSpPr>
+          <p:nvPr>
+            <p:ph type="title"/>
+          </p:nvPr>
+        </p:nvSpPr>
+        <p:spPr>
+          <a:xfrm>
+            <a:off x="628076" y="607804"/>
+            <a:ext cx="5642096" cy="916848"/>
+          </a:xfrm>
+        </p:spPr>
+        <p:txBody>
+          <a:bodyPr/>
+          <a:lstStyle/>
+          <a:p>
+            <a:r>
+              <a:rPr lang="en-US" dirty="0"/>
+              <a:t>Announcements</a:t>
+            </a:r>
+          </a:p>
+        </p:txBody>
+      </p:sp>
+      <p:sp>
+        <p:nvSpPr>
+          <p:cNvPr id="5" name="Text Placeholder 4">
+            <a:extLst>
+              <a:ext uri="{FF2B5EF4-FFF2-40B4-BE49-F238E27FC236}">
+                <a16:creationId xmlns:a16="http://schemas.microsoft.com/office/drawing/2014/main" id="{1BBD0DB5-379A-304F-9307-E7B1A89B08F7}"/>
+              </a:ext>
+            </a:extLst>
+          </p:cNvPr>
+          <p:cNvSpPr>
+            <a:spLocks noGrp="1"/>
+          </p:cNvSpPr>
+          <p:nvPr>
+            <p:ph type="body" idx="1"/>
+          </p:nvPr>
+        </p:nvSpPr>
+        <p:spPr>
+          <a:xfrm>
+            <a:off x="628076" y="1647163"/>
+            <a:ext cx="8846458" cy="5035859"/>
+          </a:xfrm>
+        </p:spPr>
+        <p:txBody>
+          <a:bodyPr/>
+          <a:lstStyle/>
+          <a:p>
+            <a:pPr marL="930762" lvl="1" indent="0">
+              <a:buNone/>
+            </a:pPr>
+            <a:endParaRPr lang="en-US" dirty="0"/>
+          </a:p>
+          <a:p>
+            <a:r>
+              <a:rPr lang="en-US" dirty="0"/>
+              <a:t>Make sure to review knowledge checks and </a:t>
+            </a:r>
+            <a:r>
+              <a:rPr lang="en-US" b="1" dirty="0"/>
+              <a:t>spread out</a:t>
+            </a:r>
+            <a:r>
+              <a:rPr lang="en-US" dirty="0"/>
+              <a:t> their use!</a:t>
+            </a:r>
+          </a:p>
+          <a:p>
+            <a:endParaRPr lang="en-US" dirty="0"/>
+          </a:p>
+          <a:p>
+            <a:r>
+              <a:rPr lang="en-US" dirty="0"/>
+              <a:t>More on exams soon, but highest grades :</a:t>
+            </a:r>
+          </a:p>
+          <a:p>
+            <a:pPr lvl="1"/>
+            <a:r>
+              <a:rPr lang="en-US" dirty="0"/>
+              <a:t>Students who attended classes had higher grades</a:t>
+            </a:r>
+          </a:p>
+          <a:p>
+            <a:pPr lvl="1"/>
+            <a:r>
+              <a:rPr lang="en-US" dirty="0"/>
+              <a:t>Students who did readings </a:t>
+            </a:r>
+            <a:r>
+              <a:rPr lang="en-US" b="1" u="sng" dirty="0"/>
+              <a:t>before</a:t>
+            </a:r>
+            <a:r>
+              <a:rPr lang="en-US" dirty="0"/>
+              <a:t> attending had even higher grades</a:t>
+            </a:r>
+          </a:p>
+          <a:p>
+            <a:pPr lvl="1"/>
+            <a:endParaRPr lang="en-US" dirty="0"/>
+          </a:p>
+          <a:p>
+            <a:r>
+              <a:rPr lang="en-US" dirty="0"/>
+              <a:t>Will be adding additional help sessions and times, watch announcements. </a:t>
+            </a:r>
+          </a:p>
+          <a:p>
+            <a:endParaRPr lang="en-US" dirty="0"/>
+          </a:p>
+          <a:p>
+            <a:r>
+              <a:rPr lang="en-US" dirty="0"/>
+              <a:t>Tuesday/Thursday help desk – students who are asking for help on that day’s lab – have priority!</a:t>
+            </a:r>
+          </a:p>
+          <a:p>
+            <a:pPr lvl="1"/>
+            <a:r>
+              <a:rPr lang="en-US" dirty="0"/>
+              <a:t>Correlation – don’t wait until Tuesday to ask questions on P3, those who are starting P4 will have priority! </a:t>
+            </a:r>
+          </a:p>
+        </p:txBody>
+      </p:sp>
+      <p:sp>
+        <p:nvSpPr>
+          <p:cNvPr id="6" name="TextBox 5">
+            <a:extLst>
+              <a:ext uri="{FF2B5EF4-FFF2-40B4-BE49-F238E27FC236}">
+                <a16:creationId xmlns:a16="http://schemas.microsoft.com/office/drawing/2014/main" id="{32A3B87A-BBC0-704B-AC99-3984206450D5}"/>
+              </a:ext>
+            </a:extLst>
+          </p:cNvPr>
+          <p:cNvSpPr txBox="1"/>
+          <p:nvPr/>
+        </p:nvSpPr>
+        <p:spPr>
+          <a:xfrm>
+            <a:off x="9744412" y="2150737"/>
+            <a:ext cx="3892958" cy="1487523"/>
+          </a:xfrm>
+          <a:prstGeom prst="rect">
+            <a:avLst/>
+          </a:prstGeom>
+          <a:noFill/>
+        </p:spPr>
+        <p:txBody>
+          <a:bodyPr wrap="square" rtlCol="0">
+            <a:spAutoFit/>
+          </a:bodyPr>
+          <a:lstStyle/>
+          <a:p>
+            <a:r>
+              <a:rPr lang="en-US" sz="3022" dirty="0" err="1"/>
+              <a:t>Todo</a:t>
+            </a:r>
+            <a:r>
+              <a:rPr lang="en-US" sz="3022" dirty="0"/>
+              <a:t>:</a:t>
+            </a:r>
+          </a:p>
+          <a:p>
+            <a:r>
+              <a:rPr lang="en-US" sz="3022" dirty="0"/>
+              <a:t>Practical 3 – finish it this week</a:t>
+            </a:r>
+          </a:p>
+        </p:txBody>
+      </p:sp>
+      <p:sp>
+        <p:nvSpPr>
+          <p:cNvPr id="7" name="TextBox 6">
+            <a:extLst>
+              <a:ext uri="{FF2B5EF4-FFF2-40B4-BE49-F238E27FC236}">
+                <a16:creationId xmlns:a16="http://schemas.microsoft.com/office/drawing/2014/main" id="{BF16D510-BC74-4FA5-AFD2-193B039115A5}"/>
+              </a:ext>
+            </a:extLst>
+          </p:cNvPr>
+          <p:cNvSpPr txBox="1"/>
+          <p:nvPr/>
+        </p:nvSpPr>
+        <p:spPr>
+          <a:xfrm>
+            <a:off x="7228114" y="362857"/>
+            <a:ext cx="6125029" cy="707886"/>
+          </a:xfrm>
+          <a:prstGeom prst="rect">
+            <a:avLst/>
+          </a:prstGeom>
+          <a:solidFill>
+            <a:schemeClr val="accent2"/>
+          </a:solidFill>
+        </p:spPr>
+        <p:txBody>
+          <a:bodyPr wrap="square" rtlCol="0">
+            <a:spAutoFit/>
+          </a:bodyPr>
+          <a:lstStyle/>
+          <a:p>
+            <a:r>
+              <a:rPr lang="en-US" b="1" dirty="0"/>
+              <a:t>Opening Question: </a:t>
+            </a:r>
+          </a:p>
+          <a:p>
+            <a:r>
+              <a:rPr lang="en-US" dirty="0"/>
+              <a:t>How are you coming on practical 3?</a:t>
+            </a:r>
+          </a:p>
+        </p:txBody>
+      </p:sp>
+    </p:spTree>
+    <p:extLst>
+      <p:ext uri="{BB962C8B-B14F-4D97-AF65-F5344CB8AC3E}">
+        <p14:creationId xmlns:p14="http://schemas.microsoft.com/office/powerpoint/2010/main" val="926474781"/>
+      </p:ext>
+    </p:extLst>
+  </p:cSld>
+  <p:clrMapOvr>
+    <a:masterClrMapping/>
+  </p:clrMapOvr>
+  <p:transition>
+    <p:fade/>
+  </p:transition>
+</p:sld>
+</file>
+
+<file path=ppt/slides/slide3.xml><?xml version="1.0" encoding="utf-8"?>
+<p:sld xmlns:a="http://schemas.openxmlformats.org/drawingml/2006/main" xmlns:r="http://schemas.openxmlformats.org/officeDocument/2006/relationships" xmlns:p="http://schemas.openxmlformats.org/presentationml/2006/main">
+  <p:cSld>
+    <p:spTree>
+      <p:nvGrpSpPr>
+        <p:cNvPr id="1" name=""/>
+        <p:cNvGrpSpPr/>
+        <p:nvPr/>
+      </p:nvGrpSpPr>
+      <p:grpSpPr>
+        <a:xfrm>
+          <a:off x="0" y="0"/>
+          <a:ext cx="0" cy="0"/>
+          <a:chOff x="0" y="0"/>
+          <a:chExt cx="0" cy="0"/>
+        </a:xfrm>
+      </p:grpSpPr>
+      <p:sp>
+        <p:nvSpPr>
+          <p:cNvPr id="4" name="Title 3">
+            <a:extLst>
+              <a:ext uri="{FF2B5EF4-FFF2-40B4-BE49-F238E27FC236}">
                 <a16:creationId xmlns:a16="http://schemas.microsoft.com/office/drawing/2014/main" id="{10679320-E876-6B42-93CB-7BF9A5E3216A}"/>
               </a:ext>
             </a:extLst>
@@ -7356,1131 +8212,6 @@
     <p:extLst>
       <p:ext uri="{BB962C8B-B14F-4D97-AF65-F5344CB8AC3E}">
         <p14:creationId xmlns:p14="http://schemas.microsoft.com/office/powerpoint/2010/main" val="1215184239"/>
-      </p:ext>
-    </p:extLst>
-  </p:cSld>
-  <p:clrMapOvr>
-    <a:masterClrMapping/>
-  </p:clrMapOvr>
-  <mc:AlternateContent xmlns:mc="http://schemas.openxmlformats.org/markup-compatibility/2006" xmlns:p14="http://schemas.microsoft.com/office/powerpoint/2010/main">
-    <mc:Choice Requires="p14">
-      <p:transition p14:dur="300">
-        <p:fade/>
-      </p:transition>
-    </mc:Choice>
-    <mc:Fallback xmlns="">
-      <p:transition>
-        <p:fade/>
-      </p:transition>
-    </mc:Fallback>
-  </mc:AlternateContent>
-</p:sld>
-</file>
-
-<file path=ppt/slides/slide3.xml><?xml version="1.0" encoding="utf-8"?>
-<p:sld xmlns:a="http://schemas.openxmlformats.org/drawingml/2006/main" xmlns:r="http://schemas.openxmlformats.org/officeDocument/2006/relationships" xmlns:p="http://schemas.openxmlformats.org/presentationml/2006/main">
-  <p:cSld>
-    <p:spTree>
-      <p:nvGrpSpPr>
-        <p:cNvPr id="1" name=""/>
-        <p:cNvGrpSpPr/>
-        <p:nvPr/>
-      </p:nvGrpSpPr>
-      <p:grpSpPr>
-        <a:xfrm>
-          <a:off x="0" y="0"/>
-          <a:ext cx="0" cy="0"/>
-          <a:chOff x="0" y="0"/>
-          <a:chExt cx="0" cy="0"/>
-        </a:xfrm>
-      </p:grpSpPr>
-      <p:sp>
-        <p:nvSpPr>
-          <p:cNvPr id="2" name="Title 1">
-            <a:extLst>
-              <a:ext uri="{FF2B5EF4-FFF2-40B4-BE49-F238E27FC236}">
-                <a16:creationId xmlns:a16="http://schemas.microsoft.com/office/drawing/2014/main" id="{FD687248-3208-9A44-9A51-EB618781B9A2}"/>
-              </a:ext>
-            </a:extLst>
-          </p:cNvPr>
-          <p:cNvSpPr>
-            <a:spLocks noGrp="1"/>
-          </p:cNvSpPr>
-          <p:nvPr>
-            <p:ph type="title"/>
-          </p:nvPr>
-        </p:nvSpPr>
-        <p:spPr/>
-        <p:txBody>
-          <a:bodyPr/>
-          <a:lstStyle/>
-          <a:p>
-            <a:r>
-              <a:rPr lang="en-US" dirty="0"/>
-              <a:t>File Systems</a:t>
-            </a:r>
-          </a:p>
-        </p:txBody>
-      </p:sp>
-      <p:sp>
-        <p:nvSpPr>
-          <p:cNvPr id="3" name="Text Placeholder 2">
-            <a:extLst>
-              <a:ext uri="{FF2B5EF4-FFF2-40B4-BE49-F238E27FC236}">
-                <a16:creationId xmlns:a16="http://schemas.microsoft.com/office/drawing/2014/main" id="{59B974EA-6283-0E4B-AE4B-8490A3073B18}"/>
-              </a:ext>
-            </a:extLst>
-          </p:cNvPr>
-          <p:cNvSpPr>
-            <a:spLocks noGrp="1"/>
-          </p:cNvSpPr>
-          <p:nvPr>
-            <p:ph type="body" sz="quarter" idx="10"/>
-          </p:nvPr>
-        </p:nvSpPr>
-        <p:spPr>
-          <a:xfrm>
-            <a:off x="628075" y="1776683"/>
-            <a:ext cx="6801425" cy="5386117"/>
-          </a:xfrm>
-        </p:spPr>
-        <p:txBody>
-          <a:bodyPr/>
-          <a:lstStyle/>
-          <a:p>
-            <a:pPr fontAlgn="base"/>
-            <a:r>
-              <a:rPr lang="en-US" dirty="0"/>
-              <a:t>Program that helps manage files and other programs</a:t>
-            </a:r>
-          </a:p>
-          <a:p>
-            <a:pPr fontAlgn="base"/>
-            <a:r>
-              <a:rPr lang="en-US" dirty="0"/>
-              <a:t>Directory Structure</a:t>
-            </a:r>
-          </a:p>
-          <a:p>
-            <a:pPr lvl="1" fontAlgn="base"/>
-            <a:r>
-              <a:rPr lang="en-US" dirty="0"/>
-              <a:t>Relative</a:t>
-            </a:r>
-          </a:p>
-          <a:p>
-            <a:pPr lvl="2" fontAlgn="base"/>
-            <a:r>
-              <a:rPr lang="en-US" dirty="0"/>
-              <a:t>Based on current location</a:t>
-            </a:r>
-          </a:p>
-          <a:p>
-            <a:pPr lvl="1" fontAlgn="base"/>
-            <a:r>
-              <a:rPr lang="en-US" dirty="0"/>
-              <a:t>Absolute </a:t>
-            </a:r>
-          </a:p>
-          <a:p>
-            <a:pPr lvl="2" fontAlgn="base"/>
-            <a:r>
-              <a:rPr lang="en-US" dirty="0"/>
-              <a:t>Based on Root</a:t>
-            </a:r>
-          </a:p>
-          <a:p>
-            <a:pPr fontAlgn="base"/>
-            <a:r>
-              <a:rPr lang="en-US" dirty="0"/>
-              <a:t>Key “shortcuts”</a:t>
-            </a:r>
-          </a:p>
-          <a:p>
-            <a:pPr lvl="1" fontAlgn="base"/>
-            <a:r>
-              <a:rPr lang="en-US" dirty="0"/>
-              <a:t>.  (yes dot) - current directory </a:t>
-            </a:r>
-          </a:p>
-          <a:p>
-            <a:pPr lvl="1" fontAlgn="base"/>
-            <a:r>
-              <a:rPr lang="en-US" dirty="0"/>
-              <a:t>..  (directory above)</a:t>
-            </a:r>
-          </a:p>
-          <a:p>
-            <a:pPr fontAlgn="base"/>
-            <a:r>
-              <a:rPr lang="en-US" dirty="0"/>
-              <a:t>Let’s look at an example</a:t>
-            </a:r>
-          </a:p>
-        </p:txBody>
-      </p:sp>
-      <p:sp>
-        <p:nvSpPr>
-          <p:cNvPr id="4" name="Rectangle 3">
-            <a:extLst>
-              <a:ext uri="{FF2B5EF4-FFF2-40B4-BE49-F238E27FC236}">
-                <a16:creationId xmlns:a16="http://schemas.microsoft.com/office/drawing/2014/main" id="{4B1CA35D-E1B4-554E-BB6E-D5F69DC1DD09}"/>
-              </a:ext>
-            </a:extLst>
-          </p:cNvPr>
-          <p:cNvSpPr/>
-          <p:nvPr/>
-        </p:nvSpPr>
-        <p:spPr>
-          <a:xfrm>
-            <a:off x="8626952" y="1193178"/>
-            <a:ext cx="2859041" cy="610917"/>
-          </a:xfrm>
-          <a:prstGeom prst="rect">
-            <a:avLst/>
-          </a:prstGeom>
-          <a:solidFill>
-            <a:schemeClr val="tx2"/>
-          </a:solidFill>
-          <a:ln>
-            <a:noFill/>
-          </a:ln>
-          <a:effectLst/>
-        </p:spPr>
-        <p:style>
-          <a:lnRef idx="1">
-            <a:schemeClr val="accent1"/>
-          </a:lnRef>
-          <a:fillRef idx="3">
-            <a:schemeClr val="accent1"/>
-          </a:fillRef>
-          <a:effectRef idx="2">
-            <a:schemeClr val="accent1"/>
-          </a:effectRef>
-          <a:fontRef idx="minor">
-            <a:schemeClr val="lt1"/>
-          </a:fontRef>
-        </p:style>
-        <p:txBody>
-          <a:bodyPr lIns="274320" tIns="182880" rIns="274320" bIns="182880" rtlCol="0" anchor="ctr"/>
-          <a:lstStyle/>
-          <a:p>
-            <a:pPr algn="ctr"/>
-            <a:r>
-              <a:rPr lang="en-US" dirty="0">
-                <a:latin typeface="Proxima Nova" charset="0"/>
-                <a:ea typeface="Proxima Nova" charset="0"/>
-                <a:cs typeface="Proxima Nova" charset="0"/>
-              </a:rPr>
-              <a:t>Root - c:/ or / </a:t>
-            </a:r>
-          </a:p>
-        </p:txBody>
-      </p:sp>
-      <p:sp>
-        <p:nvSpPr>
-          <p:cNvPr id="5" name="Rounded Rectangle 4">
-            <a:extLst>
-              <a:ext uri="{FF2B5EF4-FFF2-40B4-BE49-F238E27FC236}">
-                <a16:creationId xmlns:a16="http://schemas.microsoft.com/office/drawing/2014/main" id="{E0B36019-6279-6E42-8303-B547088E4847}"/>
-              </a:ext>
-            </a:extLst>
-          </p:cNvPr>
-          <p:cNvSpPr/>
-          <p:nvPr/>
-        </p:nvSpPr>
-        <p:spPr>
-          <a:xfrm>
-            <a:off x="6908800" y="2692398"/>
-            <a:ext cx="2057400" cy="610917"/>
-          </a:xfrm>
-          <a:prstGeom prst="roundRect">
-            <a:avLst/>
-          </a:prstGeom>
-          <a:solidFill>
-            <a:schemeClr val="tx2"/>
-          </a:solidFill>
-          <a:ln>
-            <a:noFill/>
-          </a:ln>
-          <a:effectLst/>
-        </p:spPr>
-        <p:style>
-          <a:lnRef idx="1">
-            <a:schemeClr val="accent1"/>
-          </a:lnRef>
-          <a:fillRef idx="3">
-            <a:schemeClr val="accent1"/>
-          </a:fillRef>
-          <a:effectRef idx="2">
-            <a:schemeClr val="accent1"/>
-          </a:effectRef>
-          <a:fontRef idx="minor">
-            <a:schemeClr val="lt1"/>
-          </a:fontRef>
-        </p:style>
-        <p:txBody>
-          <a:bodyPr lIns="274320" tIns="182880" rIns="274320" bIns="182880" rtlCol="0" anchor="ctr"/>
-          <a:lstStyle/>
-          <a:p>
-            <a:pPr algn="ctr"/>
-            <a:r>
-              <a:rPr lang="en-US" dirty="0">
-                <a:latin typeface="Proxima Nova" charset="0"/>
-                <a:ea typeface="Proxima Nova" charset="0"/>
-                <a:cs typeface="Proxima Nova" charset="0"/>
-              </a:rPr>
-              <a:t>Directory - A</a:t>
-            </a:r>
-          </a:p>
-        </p:txBody>
-      </p:sp>
-      <p:sp>
-        <p:nvSpPr>
-          <p:cNvPr id="6" name="Rounded Rectangle 5">
-            <a:extLst>
-              <a:ext uri="{FF2B5EF4-FFF2-40B4-BE49-F238E27FC236}">
-                <a16:creationId xmlns:a16="http://schemas.microsoft.com/office/drawing/2014/main" id="{12C8C45A-F945-F842-B0F1-3E04A2222B00}"/>
-              </a:ext>
-            </a:extLst>
-          </p:cNvPr>
-          <p:cNvSpPr/>
-          <p:nvPr/>
-        </p:nvSpPr>
-        <p:spPr>
-          <a:xfrm>
-            <a:off x="11132125" y="2692399"/>
-            <a:ext cx="2057400" cy="610917"/>
-          </a:xfrm>
-          <a:prstGeom prst="roundRect">
-            <a:avLst/>
-          </a:prstGeom>
-          <a:solidFill>
-            <a:schemeClr val="tx2"/>
-          </a:solidFill>
-          <a:ln>
-            <a:noFill/>
-          </a:ln>
-          <a:effectLst/>
-        </p:spPr>
-        <p:style>
-          <a:lnRef idx="1">
-            <a:schemeClr val="accent1"/>
-          </a:lnRef>
-          <a:fillRef idx="3">
-            <a:schemeClr val="accent1"/>
-          </a:fillRef>
-          <a:effectRef idx="2">
-            <a:schemeClr val="accent1"/>
-          </a:effectRef>
-          <a:fontRef idx="minor">
-            <a:schemeClr val="lt1"/>
-          </a:fontRef>
-        </p:style>
-        <p:txBody>
-          <a:bodyPr lIns="274320" tIns="182880" rIns="274320" bIns="182880" rtlCol="0" anchor="ctr"/>
-          <a:lstStyle/>
-          <a:p>
-            <a:pPr algn="ctr"/>
-            <a:r>
-              <a:rPr lang="en-US" dirty="0">
-                <a:latin typeface="Proxima Nova" charset="0"/>
-                <a:ea typeface="Proxima Nova" charset="0"/>
-                <a:cs typeface="Proxima Nova" charset="0"/>
-              </a:rPr>
-              <a:t>Directory - B</a:t>
-            </a:r>
-          </a:p>
-        </p:txBody>
-      </p:sp>
-      <p:sp>
-        <p:nvSpPr>
-          <p:cNvPr id="7" name="Rounded Rectangle 6">
-            <a:extLst>
-              <a:ext uri="{FF2B5EF4-FFF2-40B4-BE49-F238E27FC236}">
-                <a16:creationId xmlns:a16="http://schemas.microsoft.com/office/drawing/2014/main" id="{B4437A79-2C55-2F47-805C-1A6023C447B8}"/>
-              </a:ext>
-            </a:extLst>
-          </p:cNvPr>
-          <p:cNvSpPr/>
-          <p:nvPr/>
-        </p:nvSpPr>
-        <p:spPr>
-          <a:xfrm>
-            <a:off x="8252112" y="4023927"/>
-            <a:ext cx="2057400" cy="610917"/>
-          </a:xfrm>
-          <a:prstGeom prst="roundRect">
-            <a:avLst/>
-          </a:prstGeom>
-          <a:solidFill>
-            <a:schemeClr val="tx2"/>
-          </a:solidFill>
-          <a:ln>
-            <a:noFill/>
-          </a:ln>
-          <a:effectLst/>
-        </p:spPr>
-        <p:style>
-          <a:lnRef idx="1">
-            <a:schemeClr val="accent1"/>
-          </a:lnRef>
-          <a:fillRef idx="3">
-            <a:schemeClr val="accent1"/>
-          </a:fillRef>
-          <a:effectRef idx="2">
-            <a:schemeClr val="accent1"/>
-          </a:effectRef>
-          <a:fontRef idx="minor">
-            <a:schemeClr val="lt1"/>
-          </a:fontRef>
-        </p:style>
-        <p:txBody>
-          <a:bodyPr lIns="274320" tIns="182880" rIns="274320" bIns="182880" rtlCol="0" anchor="ctr"/>
-          <a:lstStyle/>
-          <a:p>
-            <a:pPr algn="ctr"/>
-            <a:r>
-              <a:rPr lang="en-US" dirty="0">
-                <a:latin typeface="Proxima Nova" charset="0"/>
-                <a:ea typeface="Proxima Nova" charset="0"/>
-                <a:cs typeface="Proxima Nova" charset="0"/>
-              </a:rPr>
-              <a:t>Directory - C</a:t>
-            </a:r>
-          </a:p>
-        </p:txBody>
-      </p:sp>
-      <p:sp>
-        <p:nvSpPr>
-          <p:cNvPr id="8" name="Snip and Round Single Corner Rectangle 7">
-            <a:extLst>
-              <a:ext uri="{FF2B5EF4-FFF2-40B4-BE49-F238E27FC236}">
-                <a16:creationId xmlns:a16="http://schemas.microsoft.com/office/drawing/2014/main" id="{EBD2AEB5-1904-FE48-B905-C80E4EDEC11A}"/>
-              </a:ext>
-            </a:extLst>
-          </p:cNvPr>
-          <p:cNvSpPr/>
-          <p:nvPr/>
-        </p:nvSpPr>
-        <p:spPr>
-          <a:xfrm>
-            <a:off x="6730711" y="4023925"/>
-            <a:ext cx="1054100" cy="610917"/>
-          </a:xfrm>
-          <a:prstGeom prst="snipRoundRect">
-            <a:avLst/>
-          </a:prstGeom>
-          <a:solidFill>
-            <a:schemeClr val="accent6"/>
-          </a:solidFill>
-          <a:ln>
-            <a:noFill/>
-          </a:ln>
-          <a:effectLst/>
-        </p:spPr>
-        <p:style>
-          <a:lnRef idx="1">
-            <a:schemeClr val="accent1"/>
-          </a:lnRef>
-          <a:fillRef idx="3">
-            <a:schemeClr val="accent1"/>
-          </a:fillRef>
-          <a:effectRef idx="2">
-            <a:schemeClr val="accent1"/>
-          </a:effectRef>
-          <a:fontRef idx="minor">
-            <a:schemeClr val="lt1"/>
-          </a:fontRef>
-        </p:style>
-        <p:txBody>
-          <a:bodyPr lIns="274320" tIns="182880" rIns="274320" bIns="182880" rtlCol="0" anchor="ctr"/>
-          <a:lstStyle/>
-          <a:p>
-            <a:pPr algn="ctr"/>
-            <a:r>
-              <a:rPr lang="en-US" dirty="0">
-                <a:latin typeface="Proxima Nova" charset="0"/>
-                <a:ea typeface="Proxima Nova" charset="0"/>
-                <a:cs typeface="Proxima Nova" charset="0"/>
-              </a:rPr>
-              <a:t>File</a:t>
-            </a:r>
-          </a:p>
-        </p:txBody>
-      </p:sp>
-      <p:sp>
-        <p:nvSpPr>
-          <p:cNvPr id="10" name="Snip and Round Single Corner Rectangle 9">
-            <a:extLst>
-              <a:ext uri="{FF2B5EF4-FFF2-40B4-BE49-F238E27FC236}">
-                <a16:creationId xmlns:a16="http://schemas.microsoft.com/office/drawing/2014/main" id="{004114DA-0097-904B-BDAC-9674C7D4899F}"/>
-              </a:ext>
-            </a:extLst>
-          </p:cNvPr>
-          <p:cNvSpPr/>
-          <p:nvPr/>
-        </p:nvSpPr>
-        <p:spPr>
-          <a:xfrm>
-            <a:off x="9520668" y="2675819"/>
-            <a:ext cx="1054100" cy="610917"/>
-          </a:xfrm>
-          <a:prstGeom prst="snipRoundRect">
-            <a:avLst/>
-          </a:prstGeom>
-          <a:solidFill>
-            <a:schemeClr val="accent6"/>
-          </a:solidFill>
-          <a:ln>
-            <a:noFill/>
-          </a:ln>
-          <a:effectLst/>
-        </p:spPr>
-        <p:style>
-          <a:lnRef idx="1">
-            <a:schemeClr val="accent1"/>
-          </a:lnRef>
-          <a:fillRef idx="3">
-            <a:schemeClr val="accent1"/>
-          </a:fillRef>
-          <a:effectRef idx="2">
-            <a:schemeClr val="accent1"/>
-          </a:effectRef>
-          <a:fontRef idx="minor">
-            <a:schemeClr val="lt1"/>
-          </a:fontRef>
-        </p:style>
-        <p:txBody>
-          <a:bodyPr lIns="274320" tIns="182880" rIns="274320" bIns="182880" rtlCol="0" anchor="ctr"/>
-          <a:lstStyle/>
-          <a:p>
-            <a:pPr algn="ctr"/>
-            <a:r>
-              <a:rPr lang="en-US" dirty="0">
-                <a:latin typeface="Proxima Nova" charset="0"/>
-                <a:ea typeface="Proxima Nova" charset="0"/>
-                <a:cs typeface="Proxima Nova" charset="0"/>
-              </a:rPr>
-              <a:t>File</a:t>
-            </a:r>
-          </a:p>
-        </p:txBody>
-      </p:sp>
-      <p:sp>
-        <p:nvSpPr>
-          <p:cNvPr id="11" name="Snip and Round Single Corner Rectangle 10">
-            <a:extLst>
-              <a:ext uri="{FF2B5EF4-FFF2-40B4-BE49-F238E27FC236}">
-                <a16:creationId xmlns:a16="http://schemas.microsoft.com/office/drawing/2014/main" id="{D175F9D2-5082-774A-90EB-44AFB1318E10}"/>
-              </a:ext>
-            </a:extLst>
-          </p:cNvPr>
-          <p:cNvSpPr/>
-          <p:nvPr/>
-        </p:nvSpPr>
-        <p:spPr>
-          <a:xfrm>
-            <a:off x="12366911" y="4023926"/>
-            <a:ext cx="1054100" cy="610917"/>
-          </a:xfrm>
-          <a:prstGeom prst="snipRoundRect">
-            <a:avLst/>
-          </a:prstGeom>
-          <a:solidFill>
-            <a:schemeClr val="accent6"/>
-          </a:solidFill>
-          <a:ln>
-            <a:noFill/>
-          </a:ln>
-          <a:effectLst/>
-        </p:spPr>
-        <p:style>
-          <a:lnRef idx="1">
-            <a:schemeClr val="accent1"/>
-          </a:lnRef>
-          <a:fillRef idx="3">
-            <a:schemeClr val="accent1"/>
-          </a:fillRef>
-          <a:effectRef idx="2">
-            <a:schemeClr val="accent1"/>
-          </a:effectRef>
-          <a:fontRef idx="minor">
-            <a:schemeClr val="lt1"/>
-          </a:fontRef>
-        </p:style>
-        <p:txBody>
-          <a:bodyPr lIns="274320" tIns="182880" rIns="274320" bIns="182880" rtlCol="0" anchor="ctr"/>
-          <a:lstStyle/>
-          <a:p>
-            <a:pPr algn="ctr"/>
-            <a:r>
-              <a:rPr lang="en-US" dirty="0">
-                <a:latin typeface="Proxima Nova" charset="0"/>
-                <a:ea typeface="Proxima Nova" charset="0"/>
-                <a:cs typeface="Proxima Nova" charset="0"/>
-              </a:rPr>
-              <a:t>File</a:t>
-            </a:r>
-          </a:p>
-        </p:txBody>
-      </p:sp>
-      <p:sp>
-        <p:nvSpPr>
-          <p:cNvPr id="12" name="Snip and Round Single Corner Rectangle 11">
-            <a:extLst>
-              <a:ext uri="{FF2B5EF4-FFF2-40B4-BE49-F238E27FC236}">
-                <a16:creationId xmlns:a16="http://schemas.microsoft.com/office/drawing/2014/main" id="{EFCF30F9-DE88-174C-856C-6578547793D0}"/>
-              </a:ext>
-            </a:extLst>
-          </p:cNvPr>
-          <p:cNvSpPr/>
-          <p:nvPr/>
-        </p:nvSpPr>
-        <p:spPr>
-          <a:xfrm>
-            <a:off x="10958943" y="4023926"/>
-            <a:ext cx="1054100" cy="610917"/>
-          </a:xfrm>
-          <a:prstGeom prst="snipRoundRect">
-            <a:avLst/>
-          </a:prstGeom>
-          <a:solidFill>
-            <a:schemeClr val="accent6"/>
-          </a:solidFill>
-          <a:ln>
-            <a:noFill/>
-          </a:ln>
-          <a:effectLst/>
-        </p:spPr>
-        <p:style>
-          <a:lnRef idx="1">
-            <a:schemeClr val="accent1"/>
-          </a:lnRef>
-          <a:fillRef idx="3">
-            <a:schemeClr val="accent1"/>
-          </a:fillRef>
-          <a:effectRef idx="2">
-            <a:schemeClr val="accent1"/>
-          </a:effectRef>
-          <a:fontRef idx="minor">
-            <a:schemeClr val="lt1"/>
-          </a:fontRef>
-        </p:style>
-        <p:txBody>
-          <a:bodyPr lIns="274320" tIns="182880" rIns="274320" bIns="182880" rtlCol="0" anchor="ctr"/>
-          <a:lstStyle/>
-          <a:p>
-            <a:pPr algn="ctr"/>
-            <a:r>
-              <a:rPr lang="en-US" dirty="0">
-                <a:latin typeface="Proxima Nova" charset="0"/>
-                <a:ea typeface="Proxima Nova" charset="0"/>
-                <a:cs typeface="Proxima Nova" charset="0"/>
-              </a:rPr>
-              <a:t>File</a:t>
-            </a:r>
-          </a:p>
-        </p:txBody>
-      </p:sp>
-      <p:sp>
-        <p:nvSpPr>
-          <p:cNvPr id="13" name="Snip and Round Single Corner Rectangle 12">
-            <a:extLst>
-              <a:ext uri="{FF2B5EF4-FFF2-40B4-BE49-F238E27FC236}">
-                <a16:creationId xmlns:a16="http://schemas.microsoft.com/office/drawing/2014/main" id="{C2D394EB-832D-B24C-A691-BCAB4324DDD2}"/>
-              </a:ext>
-            </a:extLst>
-          </p:cNvPr>
-          <p:cNvSpPr/>
-          <p:nvPr/>
-        </p:nvSpPr>
-        <p:spPr>
-          <a:xfrm>
-            <a:off x="8140121" y="5498441"/>
-            <a:ext cx="1054100" cy="610917"/>
-          </a:xfrm>
-          <a:prstGeom prst="snipRoundRect">
-            <a:avLst/>
-          </a:prstGeom>
-          <a:solidFill>
-            <a:schemeClr val="accent6"/>
-          </a:solidFill>
-          <a:ln>
-            <a:noFill/>
-          </a:ln>
-          <a:effectLst/>
-        </p:spPr>
-        <p:style>
-          <a:lnRef idx="1">
-            <a:schemeClr val="accent1"/>
-          </a:lnRef>
-          <a:fillRef idx="3">
-            <a:schemeClr val="accent1"/>
-          </a:fillRef>
-          <a:effectRef idx="2">
-            <a:schemeClr val="accent1"/>
-          </a:effectRef>
-          <a:fontRef idx="minor">
-            <a:schemeClr val="lt1"/>
-          </a:fontRef>
-        </p:style>
-        <p:txBody>
-          <a:bodyPr lIns="274320" tIns="182880" rIns="274320" bIns="182880" rtlCol="0" anchor="ctr"/>
-          <a:lstStyle/>
-          <a:p>
-            <a:pPr algn="ctr"/>
-            <a:r>
-              <a:rPr lang="en-US" dirty="0">
-                <a:latin typeface="Proxima Nova" charset="0"/>
-                <a:ea typeface="Proxima Nova" charset="0"/>
-                <a:cs typeface="Proxima Nova" charset="0"/>
-              </a:rPr>
-              <a:t>File</a:t>
-            </a:r>
-          </a:p>
-        </p:txBody>
-      </p:sp>
-      <p:sp>
-        <p:nvSpPr>
-          <p:cNvPr id="14" name="Snip and Round Single Corner Rectangle 13">
-            <a:extLst>
-              <a:ext uri="{FF2B5EF4-FFF2-40B4-BE49-F238E27FC236}">
-                <a16:creationId xmlns:a16="http://schemas.microsoft.com/office/drawing/2014/main" id="{834AC1DE-DC27-534A-9FAA-1596326BF494}"/>
-              </a:ext>
-            </a:extLst>
-          </p:cNvPr>
-          <p:cNvSpPr/>
-          <p:nvPr/>
-        </p:nvSpPr>
-        <p:spPr>
-          <a:xfrm>
-            <a:off x="9488918" y="5498441"/>
-            <a:ext cx="1054100" cy="610917"/>
-          </a:xfrm>
-          <a:prstGeom prst="snipRoundRect">
-            <a:avLst/>
-          </a:prstGeom>
-          <a:solidFill>
-            <a:schemeClr val="accent6"/>
-          </a:solidFill>
-          <a:ln>
-            <a:noFill/>
-          </a:ln>
-          <a:effectLst/>
-        </p:spPr>
-        <p:style>
-          <a:lnRef idx="1">
-            <a:schemeClr val="accent1"/>
-          </a:lnRef>
-          <a:fillRef idx="3">
-            <a:schemeClr val="accent1"/>
-          </a:fillRef>
-          <a:effectRef idx="2">
-            <a:schemeClr val="accent1"/>
-          </a:effectRef>
-          <a:fontRef idx="minor">
-            <a:schemeClr val="lt1"/>
-          </a:fontRef>
-        </p:style>
-        <p:txBody>
-          <a:bodyPr lIns="274320" tIns="182880" rIns="274320" bIns="182880" rtlCol="0" anchor="ctr"/>
-          <a:lstStyle/>
-          <a:p>
-            <a:pPr algn="ctr"/>
-            <a:r>
-              <a:rPr lang="en-US" dirty="0">
-                <a:latin typeface="Proxima Nova" charset="0"/>
-                <a:ea typeface="Proxima Nova" charset="0"/>
-                <a:cs typeface="Proxima Nova" charset="0"/>
-              </a:rPr>
-              <a:t>File</a:t>
-            </a:r>
-          </a:p>
-        </p:txBody>
-      </p:sp>
-      <p:cxnSp>
-        <p:nvCxnSpPr>
-          <p:cNvPr id="16" name="Straight Arrow Connector 15">
-            <a:extLst>
-              <a:ext uri="{FF2B5EF4-FFF2-40B4-BE49-F238E27FC236}">
-                <a16:creationId xmlns:a16="http://schemas.microsoft.com/office/drawing/2014/main" id="{2FCF30AF-3544-0B4D-9BCC-1A7639736405}"/>
-              </a:ext>
-            </a:extLst>
-          </p:cNvPr>
-          <p:cNvCxnSpPr>
-            <a:stCxn id="4" idx="2"/>
-            <a:endCxn id="5" idx="0"/>
-          </p:cNvCxnSpPr>
-          <p:nvPr/>
-        </p:nvCxnSpPr>
-        <p:spPr>
-          <a:xfrm flipH="1">
-            <a:off x="7937500" y="1804095"/>
-            <a:ext cx="2118973" cy="888303"/>
-          </a:xfrm>
-          <a:prstGeom prst="straightConnector1">
-            <a:avLst/>
-          </a:prstGeom>
-          <a:ln>
-            <a:tailEnd type="triangle"/>
-          </a:ln>
-        </p:spPr>
-        <p:style>
-          <a:lnRef idx="2">
-            <a:schemeClr val="accent1"/>
-          </a:lnRef>
-          <a:fillRef idx="0">
-            <a:schemeClr val="accent1"/>
-          </a:fillRef>
-          <a:effectRef idx="1">
-            <a:schemeClr val="accent1"/>
-          </a:effectRef>
-          <a:fontRef idx="minor">
-            <a:schemeClr val="tx1"/>
-          </a:fontRef>
-        </p:style>
-      </p:cxnSp>
-      <p:cxnSp>
-        <p:nvCxnSpPr>
-          <p:cNvPr id="18" name="Straight Arrow Connector 17">
-            <a:extLst>
-              <a:ext uri="{FF2B5EF4-FFF2-40B4-BE49-F238E27FC236}">
-                <a16:creationId xmlns:a16="http://schemas.microsoft.com/office/drawing/2014/main" id="{78A20591-D6A7-764A-A3F8-4D556FE53E5E}"/>
-              </a:ext>
-            </a:extLst>
-          </p:cNvPr>
-          <p:cNvCxnSpPr>
-            <a:stCxn id="4" idx="2"/>
-            <a:endCxn id="10" idx="3"/>
-          </p:cNvCxnSpPr>
-          <p:nvPr/>
-        </p:nvCxnSpPr>
-        <p:spPr>
-          <a:xfrm flipH="1">
-            <a:off x="10047718" y="1804095"/>
-            <a:ext cx="8755" cy="871724"/>
-          </a:xfrm>
-          <a:prstGeom prst="straightConnector1">
-            <a:avLst/>
-          </a:prstGeom>
-          <a:ln>
-            <a:tailEnd type="triangle"/>
-          </a:ln>
-        </p:spPr>
-        <p:style>
-          <a:lnRef idx="2">
-            <a:schemeClr val="accent1"/>
-          </a:lnRef>
-          <a:fillRef idx="0">
-            <a:schemeClr val="accent1"/>
-          </a:fillRef>
-          <a:effectRef idx="1">
-            <a:schemeClr val="accent1"/>
-          </a:effectRef>
-          <a:fontRef idx="minor">
-            <a:schemeClr val="tx1"/>
-          </a:fontRef>
-        </p:style>
-      </p:cxnSp>
-      <p:cxnSp>
-        <p:nvCxnSpPr>
-          <p:cNvPr id="20" name="Straight Arrow Connector 19">
-            <a:extLst>
-              <a:ext uri="{FF2B5EF4-FFF2-40B4-BE49-F238E27FC236}">
-                <a16:creationId xmlns:a16="http://schemas.microsoft.com/office/drawing/2014/main" id="{847E2E3A-D9AD-304F-AAAE-885A5EB7A75C}"/>
-              </a:ext>
-            </a:extLst>
-          </p:cNvPr>
-          <p:cNvCxnSpPr>
-            <a:stCxn id="4" idx="2"/>
-            <a:endCxn id="6" idx="0"/>
-          </p:cNvCxnSpPr>
-          <p:nvPr/>
-        </p:nvCxnSpPr>
-        <p:spPr>
-          <a:xfrm>
-            <a:off x="10056473" y="1804095"/>
-            <a:ext cx="2104352" cy="888304"/>
-          </a:xfrm>
-          <a:prstGeom prst="straightConnector1">
-            <a:avLst/>
-          </a:prstGeom>
-          <a:ln>
-            <a:tailEnd type="triangle"/>
-          </a:ln>
-        </p:spPr>
-        <p:style>
-          <a:lnRef idx="2">
-            <a:schemeClr val="accent1"/>
-          </a:lnRef>
-          <a:fillRef idx="0">
-            <a:schemeClr val="accent1"/>
-          </a:fillRef>
-          <a:effectRef idx="1">
-            <a:schemeClr val="accent1"/>
-          </a:effectRef>
-          <a:fontRef idx="minor">
-            <a:schemeClr val="tx1"/>
-          </a:fontRef>
-        </p:style>
-      </p:cxnSp>
-      <p:cxnSp>
-        <p:nvCxnSpPr>
-          <p:cNvPr id="22" name="Straight Arrow Connector 21">
-            <a:extLst>
-              <a:ext uri="{FF2B5EF4-FFF2-40B4-BE49-F238E27FC236}">
-                <a16:creationId xmlns:a16="http://schemas.microsoft.com/office/drawing/2014/main" id="{7B1FB6EF-673A-C348-AF36-2AC03CE2FB4B}"/>
-              </a:ext>
-            </a:extLst>
-          </p:cNvPr>
-          <p:cNvCxnSpPr>
-            <a:stCxn id="5" idx="2"/>
-            <a:endCxn id="8" idx="3"/>
-          </p:cNvCxnSpPr>
-          <p:nvPr/>
-        </p:nvCxnSpPr>
-        <p:spPr>
-          <a:xfrm flipH="1">
-            <a:off x="7257761" y="3303315"/>
-            <a:ext cx="679739" cy="720610"/>
-          </a:xfrm>
-          <a:prstGeom prst="straightConnector1">
-            <a:avLst/>
-          </a:prstGeom>
-          <a:ln>
-            <a:tailEnd type="triangle"/>
-          </a:ln>
-        </p:spPr>
-        <p:style>
-          <a:lnRef idx="2">
-            <a:schemeClr val="accent1"/>
-          </a:lnRef>
-          <a:fillRef idx="0">
-            <a:schemeClr val="accent1"/>
-          </a:fillRef>
-          <a:effectRef idx="1">
-            <a:schemeClr val="accent1"/>
-          </a:effectRef>
-          <a:fontRef idx="minor">
-            <a:schemeClr val="tx1"/>
-          </a:fontRef>
-        </p:style>
-      </p:cxnSp>
-      <p:cxnSp>
-        <p:nvCxnSpPr>
-          <p:cNvPr id="24" name="Straight Arrow Connector 23">
-            <a:extLst>
-              <a:ext uri="{FF2B5EF4-FFF2-40B4-BE49-F238E27FC236}">
-                <a16:creationId xmlns:a16="http://schemas.microsoft.com/office/drawing/2014/main" id="{4292E14C-B28D-C24A-ADAB-8DA4FC4ABBE3}"/>
-              </a:ext>
-            </a:extLst>
-          </p:cNvPr>
-          <p:cNvCxnSpPr>
-            <a:stCxn id="5" idx="2"/>
-            <a:endCxn id="7" idx="0"/>
-          </p:cNvCxnSpPr>
-          <p:nvPr/>
-        </p:nvCxnSpPr>
-        <p:spPr>
-          <a:xfrm>
-            <a:off x="7937500" y="3303315"/>
-            <a:ext cx="1343312" cy="720612"/>
-          </a:xfrm>
-          <a:prstGeom prst="straightConnector1">
-            <a:avLst/>
-          </a:prstGeom>
-          <a:ln>
-            <a:tailEnd type="triangle"/>
-          </a:ln>
-        </p:spPr>
-        <p:style>
-          <a:lnRef idx="2">
-            <a:schemeClr val="accent1"/>
-          </a:lnRef>
-          <a:fillRef idx="0">
-            <a:schemeClr val="accent1"/>
-          </a:fillRef>
-          <a:effectRef idx="1">
-            <a:schemeClr val="accent1"/>
-          </a:effectRef>
-          <a:fontRef idx="minor">
-            <a:schemeClr val="tx1"/>
-          </a:fontRef>
-        </p:style>
-      </p:cxnSp>
-      <p:cxnSp>
-        <p:nvCxnSpPr>
-          <p:cNvPr id="26" name="Straight Arrow Connector 25">
-            <a:extLst>
-              <a:ext uri="{FF2B5EF4-FFF2-40B4-BE49-F238E27FC236}">
-                <a16:creationId xmlns:a16="http://schemas.microsoft.com/office/drawing/2014/main" id="{8E96F5AA-40EC-7846-8741-E05D5BFDB32E}"/>
-              </a:ext>
-            </a:extLst>
-          </p:cNvPr>
-          <p:cNvCxnSpPr>
-            <a:stCxn id="7" idx="2"/>
-            <a:endCxn id="13" idx="3"/>
-          </p:cNvCxnSpPr>
-          <p:nvPr/>
-        </p:nvCxnSpPr>
-        <p:spPr>
-          <a:xfrm flipH="1">
-            <a:off x="8667171" y="4634844"/>
-            <a:ext cx="613641" cy="863597"/>
-          </a:xfrm>
-          <a:prstGeom prst="straightConnector1">
-            <a:avLst/>
-          </a:prstGeom>
-          <a:ln>
-            <a:tailEnd type="triangle"/>
-          </a:ln>
-        </p:spPr>
-        <p:style>
-          <a:lnRef idx="2">
-            <a:schemeClr val="accent1"/>
-          </a:lnRef>
-          <a:fillRef idx="0">
-            <a:schemeClr val="accent1"/>
-          </a:fillRef>
-          <a:effectRef idx="1">
-            <a:schemeClr val="accent1"/>
-          </a:effectRef>
-          <a:fontRef idx="minor">
-            <a:schemeClr val="tx1"/>
-          </a:fontRef>
-        </p:style>
-      </p:cxnSp>
-      <p:cxnSp>
-        <p:nvCxnSpPr>
-          <p:cNvPr id="28" name="Straight Arrow Connector 27">
-            <a:extLst>
-              <a:ext uri="{FF2B5EF4-FFF2-40B4-BE49-F238E27FC236}">
-                <a16:creationId xmlns:a16="http://schemas.microsoft.com/office/drawing/2014/main" id="{CA5D65D2-3A69-DB4F-AFCF-905B65774BAB}"/>
-              </a:ext>
-            </a:extLst>
-          </p:cNvPr>
-          <p:cNvCxnSpPr>
-            <a:stCxn id="7" idx="2"/>
-            <a:endCxn id="14" idx="3"/>
-          </p:cNvCxnSpPr>
-          <p:nvPr/>
-        </p:nvCxnSpPr>
-        <p:spPr>
-          <a:xfrm>
-            <a:off x="9280812" y="4634844"/>
-            <a:ext cx="735156" cy="863597"/>
-          </a:xfrm>
-          <a:prstGeom prst="straightConnector1">
-            <a:avLst/>
-          </a:prstGeom>
-          <a:ln>
-            <a:tailEnd type="triangle"/>
-          </a:ln>
-        </p:spPr>
-        <p:style>
-          <a:lnRef idx="2">
-            <a:schemeClr val="accent1"/>
-          </a:lnRef>
-          <a:fillRef idx="0">
-            <a:schemeClr val="accent1"/>
-          </a:fillRef>
-          <a:effectRef idx="1">
-            <a:schemeClr val="accent1"/>
-          </a:effectRef>
-          <a:fontRef idx="minor">
-            <a:schemeClr val="tx1"/>
-          </a:fontRef>
-        </p:style>
-      </p:cxnSp>
-      <p:cxnSp>
-        <p:nvCxnSpPr>
-          <p:cNvPr id="31" name="Straight Arrow Connector 30">
-            <a:extLst>
-              <a:ext uri="{FF2B5EF4-FFF2-40B4-BE49-F238E27FC236}">
-                <a16:creationId xmlns:a16="http://schemas.microsoft.com/office/drawing/2014/main" id="{FCBC81A6-9FDD-C44F-A53F-ADE8A703E28A}"/>
-              </a:ext>
-            </a:extLst>
-          </p:cNvPr>
-          <p:cNvCxnSpPr>
-            <a:stCxn id="6" idx="2"/>
-            <a:endCxn id="12" idx="3"/>
-          </p:cNvCxnSpPr>
-          <p:nvPr/>
-        </p:nvCxnSpPr>
-        <p:spPr>
-          <a:xfrm flipH="1">
-            <a:off x="11485993" y="3303316"/>
-            <a:ext cx="674832" cy="720610"/>
-          </a:xfrm>
-          <a:prstGeom prst="straightConnector1">
-            <a:avLst/>
-          </a:prstGeom>
-          <a:ln>
-            <a:tailEnd type="triangle"/>
-          </a:ln>
-        </p:spPr>
-        <p:style>
-          <a:lnRef idx="2">
-            <a:schemeClr val="accent1"/>
-          </a:lnRef>
-          <a:fillRef idx="0">
-            <a:schemeClr val="accent1"/>
-          </a:fillRef>
-          <a:effectRef idx="1">
-            <a:schemeClr val="accent1"/>
-          </a:effectRef>
-          <a:fontRef idx="minor">
-            <a:schemeClr val="tx1"/>
-          </a:fontRef>
-        </p:style>
-      </p:cxnSp>
-      <p:cxnSp>
-        <p:nvCxnSpPr>
-          <p:cNvPr id="33" name="Straight Arrow Connector 32">
-            <a:extLst>
-              <a:ext uri="{FF2B5EF4-FFF2-40B4-BE49-F238E27FC236}">
-                <a16:creationId xmlns:a16="http://schemas.microsoft.com/office/drawing/2014/main" id="{87931675-0CBC-3643-A350-D0A855F13618}"/>
-              </a:ext>
-            </a:extLst>
-          </p:cNvPr>
-          <p:cNvCxnSpPr>
-            <a:stCxn id="6" idx="2"/>
-            <a:endCxn id="11" idx="3"/>
-          </p:cNvCxnSpPr>
-          <p:nvPr/>
-        </p:nvCxnSpPr>
-        <p:spPr>
-          <a:xfrm>
-            <a:off x="12160825" y="3303316"/>
-            <a:ext cx="733136" cy="720610"/>
-          </a:xfrm>
-          <a:prstGeom prst="straightConnector1">
-            <a:avLst/>
-          </a:prstGeom>
-          <a:ln>
-            <a:tailEnd type="triangle"/>
-          </a:ln>
-        </p:spPr>
-        <p:style>
-          <a:lnRef idx="2">
-            <a:schemeClr val="accent1"/>
-          </a:lnRef>
-          <a:fillRef idx="0">
-            <a:schemeClr val="accent1"/>
-          </a:fillRef>
-          <a:effectRef idx="1">
-            <a:schemeClr val="accent1"/>
-          </a:effectRef>
-          <a:fontRef idx="minor">
-            <a:schemeClr val="tx1"/>
-          </a:fontRef>
-        </p:style>
-      </p:cxnSp>
-    </p:spTree>
-    <p:extLst>
-      <p:ext uri="{BB962C8B-B14F-4D97-AF65-F5344CB8AC3E}">
-        <p14:creationId xmlns:p14="http://schemas.microsoft.com/office/powerpoint/2010/main" val="3523469521"/>
       </p:ext>
     </p:extLst>
   </p:cSld>
@@ -8524,7 +8255,7 @@
           <p:cNvPr id="2" name="Title 1">
             <a:extLst>
               <a:ext uri="{FF2B5EF4-FFF2-40B4-BE49-F238E27FC236}">
-                <a16:creationId xmlns:a16="http://schemas.microsoft.com/office/drawing/2014/main" id="{5146BE39-F900-D74A-98E1-D0DC21ED6DE4}"/>
+                <a16:creationId xmlns:a16="http://schemas.microsoft.com/office/drawing/2014/main" id="{FD687248-3208-9A44-9A51-EB618781B9A2}"/>
               </a:ext>
             </a:extLst>
           </p:cNvPr>
@@ -8542,7 +8273,7 @@
           <a:p>
             <a:r>
               <a:rPr lang="en-US" dirty="0"/>
-              <a:t>Try For Yourself</a:t>
+              <a:t>File Systems</a:t>
             </a:r>
           </a:p>
         </p:txBody>
@@ -8552,7 +8283,7 @@
           <p:cNvPr id="3" name="Text Placeholder 2">
             <a:extLst>
               <a:ext uri="{FF2B5EF4-FFF2-40B4-BE49-F238E27FC236}">
-                <a16:creationId xmlns:a16="http://schemas.microsoft.com/office/drawing/2014/main" id="{A7AC7B47-7900-C64C-B0ED-5E713CF58922}"/>
+                <a16:creationId xmlns:a16="http://schemas.microsoft.com/office/drawing/2014/main" id="{59B974EA-6283-0E4B-AE4B-8490A3073B18}"/>
               </a:ext>
             </a:extLst>
           </p:cNvPr>
@@ -8565,8 +8296,8 @@
         </p:nvSpPr>
         <p:spPr>
           <a:xfrm>
-            <a:off x="628076" y="1463722"/>
-            <a:ext cx="10309556" cy="5815182"/>
+            <a:off x="628075" y="1776683"/>
+            <a:ext cx="6801425" cy="5386117"/>
           </a:xfrm>
         </p:spPr>
         <p:txBody>
@@ -8576,155 +8307,1036 @@
             <a:pPr fontAlgn="base"/>
             <a:r>
               <a:rPr lang="en-US" dirty="0"/>
-              <a:t>Open Terminal</a:t>
+              <a:t>Program that helps manage files and other programs</a:t>
+            </a:r>
+          </a:p>
+          <a:p>
+            <a:pPr fontAlgn="base"/>
+            <a:r>
+              <a:rPr lang="en-US" dirty="0"/>
+              <a:t>Directory Structure</a:t>
             </a:r>
           </a:p>
           <a:p>
             <a:pPr lvl="1" fontAlgn="base"/>
             <a:r>
-              <a:rPr lang="en-US" sz="1400" dirty="0"/>
-              <a:t>Mac OS - type</a:t>
-            </a:r>
-            <a:r>
-              <a:rPr lang="en-US" dirty="0"/>
-              <a:t> ⌘ + spacebar. Then type ‘terminal’</a:t>
-            </a:r>
-            <a:endParaRPr lang="en-US" sz="1400" dirty="0"/>
+              <a:rPr lang="en-US" dirty="0"/>
+              <a:t>Relative</a:t>
+            </a:r>
+          </a:p>
+          <a:p>
+            <a:pPr lvl="2" fontAlgn="base"/>
+            <a:r>
+              <a:rPr lang="en-US" dirty="0"/>
+              <a:t>Based on current location</a:t>
+            </a:r>
           </a:p>
           <a:p>
             <a:pPr lvl="1" fontAlgn="base"/>
             <a:r>
               <a:rPr lang="en-US" dirty="0"/>
-              <a:t>Windows OS  - go to search bar, type </a:t>
-            </a:r>
-            <a:r>
-              <a:rPr lang="en-US" dirty="0" err="1"/>
-              <a:t>cmd</a:t>
-            </a:r>
-            <a:r>
-              <a:rPr lang="en-US" dirty="0"/>
-              <a:t> (or terminal) </a:t>
+              <a:t>Absolute </a:t>
+            </a:r>
+          </a:p>
+          <a:p>
+            <a:pPr lvl="2" fontAlgn="base"/>
+            <a:r>
+              <a:rPr lang="en-US" dirty="0"/>
+              <a:t>Based on Root</a:t>
             </a:r>
           </a:p>
           <a:p>
             <a:pPr fontAlgn="base"/>
             <a:r>
               <a:rPr lang="en-US" dirty="0"/>
-              <a:t>First, let’s see where you are at:</a:t>
+              <a:t>Key “shortcuts”</a:t>
             </a:r>
           </a:p>
           <a:p>
             <a:pPr lvl="1" fontAlgn="base"/>
             <a:r>
               <a:rPr lang="en-US" dirty="0"/>
-              <a:t>Mac OS - type </a:t>
-            </a:r>
-            <a:r>
-              <a:rPr lang="en-US" b="1" dirty="0" err="1"/>
-              <a:t>pwd</a:t>
-            </a:r>
-            <a:endParaRPr lang="en-US" dirty="0"/>
+              <a:t>.  (yes dot) - current directory </a:t>
+            </a:r>
           </a:p>
           <a:p>
             <a:pPr lvl="1" fontAlgn="base"/>
             <a:r>
               <a:rPr lang="en-US" dirty="0"/>
-              <a:t>Windows - type </a:t>
-            </a:r>
-            <a:r>
-              <a:rPr lang="en-US" sz="1800" b="1" dirty="0"/>
-              <a:t>echo %cd%</a:t>
-            </a:r>
-            <a:endParaRPr lang="en-US" dirty="0"/>
-          </a:p>
-          <a:p>
-            <a:pPr lvl="1" fontAlgn="base"/>
-            <a:r>
-              <a:rPr lang="en-US" dirty="0"/>
-              <a:t>This is your present working directory -&gt;  </a:t>
-            </a:r>
-            <a:r>
-              <a:rPr lang="en-US" dirty="0" err="1"/>
-              <a:t>pwd</a:t>
-            </a:r>
-            <a:r>
-              <a:rPr lang="en-US" dirty="0"/>
-              <a:t> should have given absolute path</a:t>
+              <a:t>..  (directory above)</a:t>
             </a:r>
           </a:p>
           <a:p>
             <a:pPr fontAlgn="base"/>
             <a:r>
               <a:rPr lang="en-US" dirty="0"/>
-              <a:t>List your files</a:t>
-            </a:r>
-          </a:p>
-          <a:p>
-            <a:pPr lvl="1" fontAlgn="base"/>
-            <a:r>
-              <a:rPr lang="en-US" dirty="0"/>
-              <a:t>Mac OS - type </a:t>
-            </a:r>
-            <a:r>
-              <a:rPr lang="en-US" b="1" dirty="0"/>
-              <a:t>ls</a:t>
-            </a:r>
-            <a:endParaRPr lang="en-US" dirty="0"/>
-          </a:p>
-          <a:p>
-            <a:pPr lvl="1" fontAlgn="base"/>
-            <a:r>
-              <a:rPr lang="en-US" dirty="0"/>
-              <a:t>Windows - type </a:t>
-            </a:r>
-            <a:r>
-              <a:rPr lang="en-US" b="1" dirty="0" err="1"/>
-              <a:t>dir</a:t>
-            </a:r>
-            <a:endParaRPr lang="en-US" dirty="0"/>
-          </a:p>
-          <a:p>
-            <a:pPr fontAlgn="base"/>
-            <a:r>
-              <a:rPr lang="en-US" dirty="0"/>
-              <a:t>Change directors </a:t>
-            </a:r>
-          </a:p>
-          <a:p>
-            <a:pPr lvl="1" fontAlgn="base"/>
-            <a:r>
-              <a:rPr lang="en-US" b="1" dirty="0"/>
-              <a:t>cd  </a:t>
-            </a:r>
-            <a:r>
-              <a:rPr lang="en-US" dirty="0"/>
-              <a:t>_directory you want to change to_  (For example) </a:t>
-            </a:r>
-            <a:r>
-              <a:rPr lang="en-US" b="1" dirty="0"/>
-              <a:t>cd Desktop </a:t>
-            </a:r>
-          </a:p>
-          <a:p>
-            <a:pPr lvl="1" fontAlgn="base"/>
-            <a:r>
-              <a:rPr lang="en-US" b="1" dirty="0"/>
-              <a:t>cd Downloads </a:t>
-            </a:r>
-          </a:p>
-          <a:p>
-            <a:pPr fontAlgn="base"/>
-            <a:r>
-              <a:rPr lang="en-US" dirty="0"/>
-              <a:t>Try to list your files from within this directory, and see your present working directory. </a:t>
+              <a:t>Let’s look at an example</a:t>
             </a:r>
           </a:p>
         </p:txBody>
       </p:sp>
+      <p:sp>
+        <p:nvSpPr>
+          <p:cNvPr id="4" name="Rectangle 3">
+            <a:extLst>
+              <a:ext uri="{FF2B5EF4-FFF2-40B4-BE49-F238E27FC236}">
+                <a16:creationId xmlns:a16="http://schemas.microsoft.com/office/drawing/2014/main" id="{4B1CA35D-E1B4-554E-BB6E-D5F69DC1DD09}"/>
+              </a:ext>
+            </a:extLst>
+          </p:cNvPr>
+          <p:cNvSpPr/>
+          <p:nvPr/>
+        </p:nvSpPr>
+        <p:spPr>
+          <a:xfrm>
+            <a:off x="8626952" y="1193178"/>
+            <a:ext cx="2859041" cy="610917"/>
+          </a:xfrm>
+          <a:prstGeom prst="rect">
+            <a:avLst/>
+          </a:prstGeom>
+          <a:solidFill>
+            <a:schemeClr val="tx2"/>
+          </a:solidFill>
+          <a:ln>
+            <a:noFill/>
+          </a:ln>
+          <a:effectLst/>
+        </p:spPr>
+        <p:style>
+          <a:lnRef idx="1">
+            <a:schemeClr val="accent1"/>
+          </a:lnRef>
+          <a:fillRef idx="3">
+            <a:schemeClr val="accent1"/>
+          </a:fillRef>
+          <a:effectRef idx="2">
+            <a:schemeClr val="accent1"/>
+          </a:effectRef>
+          <a:fontRef idx="minor">
+            <a:schemeClr val="lt1"/>
+          </a:fontRef>
+        </p:style>
+        <p:txBody>
+          <a:bodyPr lIns="274320" tIns="182880" rIns="274320" bIns="182880" rtlCol="0" anchor="ctr"/>
+          <a:lstStyle/>
+          <a:p>
+            <a:pPr algn="ctr"/>
+            <a:r>
+              <a:rPr lang="en-US" dirty="0">
+                <a:latin typeface="Proxima Nova" charset="0"/>
+                <a:ea typeface="Proxima Nova" charset="0"/>
+                <a:cs typeface="Proxima Nova" charset="0"/>
+              </a:rPr>
+              <a:t>Root - c:/ or / </a:t>
+            </a:r>
+          </a:p>
+        </p:txBody>
+      </p:sp>
+      <p:sp>
+        <p:nvSpPr>
+          <p:cNvPr id="5" name="Rounded Rectangle 4">
+            <a:extLst>
+              <a:ext uri="{FF2B5EF4-FFF2-40B4-BE49-F238E27FC236}">
+                <a16:creationId xmlns:a16="http://schemas.microsoft.com/office/drawing/2014/main" id="{E0B36019-6279-6E42-8303-B547088E4847}"/>
+              </a:ext>
+            </a:extLst>
+          </p:cNvPr>
+          <p:cNvSpPr/>
+          <p:nvPr/>
+        </p:nvSpPr>
+        <p:spPr>
+          <a:xfrm>
+            <a:off x="6908800" y="2692398"/>
+            <a:ext cx="2057400" cy="610917"/>
+          </a:xfrm>
+          <a:prstGeom prst="roundRect">
+            <a:avLst/>
+          </a:prstGeom>
+          <a:solidFill>
+            <a:schemeClr val="tx2"/>
+          </a:solidFill>
+          <a:ln>
+            <a:noFill/>
+          </a:ln>
+          <a:effectLst/>
+        </p:spPr>
+        <p:style>
+          <a:lnRef idx="1">
+            <a:schemeClr val="accent1"/>
+          </a:lnRef>
+          <a:fillRef idx="3">
+            <a:schemeClr val="accent1"/>
+          </a:fillRef>
+          <a:effectRef idx="2">
+            <a:schemeClr val="accent1"/>
+          </a:effectRef>
+          <a:fontRef idx="minor">
+            <a:schemeClr val="lt1"/>
+          </a:fontRef>
+        </p:style>
+        <p:txBody>
+          <a:bodyPr lIns="274320" tIns="182880" rIns="274320" bIns="182880" rtlCol="0" anchor="ctr"/>
+          <a:lstStyle/>
+          <a:p>
+            <a:pPr algn="ctr"/>
+            <a:r>
+              <a:rPr lang="en-US" dirty="0">
+                <a:latin typeface="Proxima Nova" charset="0"/>
+                <a:ea typeface="Proxima Nova" charset="0"/>
+                <a:cs typeface="Proxima Nova" charset="0"/>
+              </a:rPr>
+              <a:t>Directory - A</a:t>
+            </a:r>
+          </a:p>
+        </p:txBody>
+      </p:sp>
+      <p:sp>
+        <p:nvSpPr>
+          <p:cNvPr id="6" name="Rounded Rectangle 5">
+            <a:extLst>
+              <a:ext uri="{FF2B5EF4-FFF2-40B4-BE49-F238E27FC236}">
+                <a16:creationId xmlns:a16="http://schemas.microsoft.com/office/drawing/2014/main" id="{12C8C45A-F945-F842-B0F1-3E04A2222B00}"/>
+              </a:ext>
+            </a:extLst>
+          </p:cNvPr>
+          <p:cNvSpPr/>
+          <p:nvPr/>
+        </p:nvSpPr>
+        <p:spPr>
+          <a:xfrm>
+            <a:off x="11132125" y="2692399"/>
+            <a:ext cx="2057400" cy="610917"/>
+          </a:xfrm>
+          <a:prstGeom prst="roundRect">
+            <a:avLst/>
+          </a:prstGeom>
+          <a:solidFill>
+            <a:schemeClr val="tx2"/>
+          </a:solidFill>
+          <a:ln>
+            <a:noFill/>
+          </a:ln>
+          <a:effectLst/>
+        </p:spPr>
+        <p:style>
+          <a:lnRef idx="1">
+            <a:schemeClr val="accent1"/>
+          </a:lnRef>
+          <a:fillRef idx="3">
+            <a:schemeClr val="accent1"/>
+          </a:fillRef>
+          <a:effectRef idx="2">
+            <a:schemeClr val="accent1"/>
+          </a:effectRef>
+          <a:fontRef idx="minor">
+            <a:schemeClr val="lt1"/>
+          </a:fontRef>
+        </p:style>
+        <p:txBody>
+          <a:bodyPr lIns="274320" tIns="182880" rIns="274320" bIns="182880" rtlCol="0" anchor="ctr"/>
+          <a:lstStyle/>
+          <a:p>
+            <a:pPr algn="ctr"/>
+            <a:r>
+              <a:rPr lang="en-US" dirty="0">
+                <a:latin typeface="Proxima Nova" charset="0"/>
+                <a:ea typeface="Proxima Nova" charset="0"/>
+                <a:cs typeface="Proxima Nova" charset="0"/>
+              </a:rPr>
+              <a:t>Directory - B</a:t>
+            </a:r>
+          </a:p>
+        </p:txBody>
+      </p:sp>
+      <p:sp>
+        <p:nvSpPr>
+          <p:cNvPr id="7" name="Rounded Rectangle 6">
+            <a:extLst>
+              <a:ext uri="{FF2B5EF4-FFF2-40B4-BE49-F238E27FC236}">
+                <a16:creationId xmlns:a16="http://schemas.microsoft.com/office/drawing/2014/main" id="{B4437A79-2C55-2F47-805C-1A6023C447B8}"/>
+              </a:ext>
+            </a:extLst>
+          </p:cNvPr>
+          <p:cNvSpPr/>
+          <p:nvPr/>
+        </p:nvSpPr>
+        <p:spPr>
+          <a:xfrm>
+            <a:off x="8252112" y="4023927"/>
+            <a:ext cx="2057400" cy="610917"/>
+          </a:xfrm>
+          <a:prstGeom prst="roundRect">
+            <a:avLst/>
+          </a:prstGeom>
+          <a:solidFill>
+            <a:schemeClr val="tx2"/>
+          </a:solidFill>
+          <a:ln>
+            <a:noFill/>
+          </a:ln>
+          <a:effectLst/>
+        </p:spPr>
+        <p:style>
+          <a:lnRef idx="1">
+            <a:schemeClr val="accent1"/>
+          </a:lnRef>
+          <a:fillRef idx="3">
+            <a:schemeClr val="accent1"/>
+          </a:fillRef>
+          <a:effectRef idx="2">
+            <a:schemeClr val="accent1"/>
+          </a:effectRef>
+          <a:fontRef idx="minor">
+            <a:schemeClr val="lt1"/>
+          </a:fontRef>
+        </p:style>
+        <p:txBody>
+          <a:bodyPr lIns="274320" tIns="182880" rIns="274320" bIns="182880" rtlCol="0" anchor="ctr"/>
+          <a:lstStyle/>
+          <a:p>
+            <a:pPr algn="ctr"/>
+            <a:r>
+              <a:rPr lang="en-US" dirty="0">
+                <a:latin typeface="Proxima Nova" charset="0"/>
+                <a:ea typeface="Proxima Nova" charset="0"/>
+                <a:cs typeface="Proxima Nova" charset="0"/>
+              </a:rPr>
+              <a:t>Directory - C</a:t>
+            </a:r>
+          </a:p>
+        </p:txBody>
+      </p:sp>
+      <p:sp>
+        <p:nvSpPr>
+          <p:cNvPr id="8" name="Snip and Round Single Corner Rectangle 7">
+            <a:extLst>
+              <a:ext uri="{FF2B5EF4-FFF2-40B4-BE49-F238E27FC236}">
+                <a16:creationId xmlns:a16="http://schemas.microsoft.com/office/drawing/2014/main" id="{EBD2AEB5-1904-FE48-B905-C80E4EDEC11A}"/>
+              </a:ext>
+            </a:extLst>
+          </p:cNvPr>
+          <p:cNvSpPr/>
+          <p:nvPr/>
+        </p:nvSpPr>
+        <p:spPr>
+          <a:xfrm>
+            <a:off x="6730711" y="4023925"/>
+            <a:ext cx="1054100" cy="610917"/>
+          </a:xfrm>
+          <a:prstGeom prst="snipRoundRect">
+            <a:avLst/>
+          </a:prstGeom>
+          <a:solidFill>
+            <a:schemeClr val="accent6"/>
+          </a:solidFill>
+          <a:ln>
+            <a:noFill/>
+          </a:ln>
+          <a:effectLst/>
+        </p:spPr>
+        <p:style>
+          <a:lnRef idx="1">
+            <a:schemeClr val="accent1"/>
+          </a:lnRef>
+          <a:fillRef idx="3">
+            <a:schemeClr val="accent1"/>
+          </a:fillRef>
+          <a:effectRef idx="2">
+            <a:schemeClr val="accent1"/>
+          </a:effectRef>
+          <a:fontRef idx="minor">
+            <a:schemeClr val="lt1"/>
+          </a:fontRef>
+        </p:style>
+        <p:txBody>
+          <a:bodyPr lIns="274320" tIns="182880" rIns="274320" bIns="182880" rtlCol="0" anchor="ctr"/>
+          <a:lstStyle/>
+          <a:p>
+            <a:pPr algn="ctr"/>
+            <a:r>
+              <a:rPr lang="en-US" dirty="0">
+                <a:latin typeface="Proxima Nova" charset="0"/>
+                <a:ea typeface="Proxima Nova" charset="0"/>
+                <a:cs typeface="Proxima Nova" charset="0"/>
+              </a:rPr>
+              <a:t>File</a:t>
+            </a:r>
+          </a:p>
+        </p:txBody>
+      </p:sp>
+      <p:sp>
+        <p:nvSpPr>
+          <p:cNvPr id="10" name="Snip and Round Single Corner Rectangle 9">
+            <a:extLst>
+              <a:ext uri="{FF2B5EF4-FFF2-40B4-BE49-F238E27FC236}">
+                <a16:creationId xmlns:a16="http://schemas.microsoft.com/office/drawing/2014/main" id="{004114DA-0097-904B-BDAC-9674C7D4899F}"/>
+              </a:ext>
+            </a:extLst>
+          </p:cNvPr>
+          <p:cNvSpPr/>
+          <p:nvPr/>
+        </p:nvSpPr>
+        <p:spPr>
+          <a:xfrm>
+            <a:off x="9520668" y="2675819"/>
+            <a:ext cx="1054100" cy="610917"/>
+          </a:xfrm>
+          <a:prstGeom prst="snipRoundRect">
+            <a:avLst/>
+          </a:prstGeom>
+          <a:solidFill>
+            <a:schemeClr val="accent6"/>
+          </a:solidFill>
+          <a:ln>
+            <a:noFill/>
+          </a:ln>
+          <a:effectLst/>
+        </p:spPr>
+        <p:style>
+          <a:lnRef idx="1">
+            <a:schemeClr val="accent1"/>
+          </a:lnRef>
+          <a:fillRef idx="3">
+            <a:schemeClr val="accent1"/>
+          </a:fillRef>
+          <a:effectRef idx="2">
+            <a:schemeClr val="accent1"/>
+          </a:effectRef>
+          <a:fontRef idx="minor">
+            <a:schemeClr val="lt1"/>
+          </a:fontRef>
+        </p:style>
+        <p:txBody>
+          <a:bodyPr lIns="274320" tIns="182880" rIns="274320" bIns="182880" rtlCol="0" anchor="ctr"/>
+          <a:lstStyle/>
+          <a:p>
+            <a:pPr algn="ctr"/>
+            <a:r>
+              <a:rPr lang="en-US" dirty="0">
+                <a:latin typeface="Proxima Nova" charset="0"/>
+                <a:ea typeface="Proxima Nova" charset="0"/>
+                <a:cs typeface="Proxima Nova" charset="0"/>
+              </a:rPr>
+              <a:t>File</a:t>
+            </a:r>
+          </a:p>
+        </p:txBody>
+      </p:sp>
+      <p:sp>
+        <p:nvSpPr>
+          <p:cNvPr id="11" name="Snip and Round Single Corner Rectangle 10">
+            <a:extLst>
+              <a:ext uri="{FF2B5EF4-FFF2-40B4-BE49-F238E27FC236}">
+                <a16:creationId xmlns:a16="http://schemas.microsoft.com/office/drawing/2014/main" id="{D175F9D2-5082-774A-90EB-44AFB1318E10}"/>
+              </a:ext>
+            </a:extLst>
+          </p:cNvPr>
+          <p:cNvSpPr/>
+          <p:nvPr/>
+        </p:nvSpPr>
+        <p:spPr>
+          <a:xfrm>
+            <a:off x="12366911" y="4023926"/>
+            <a:ext cx="1054100" cy="610917"/>
+          </a:xfrm>
+          <a:prstGeom prst="snipRoundRect">
+            <a:avLst/>
+          </a:prstGeom>
+          <a:solidFill>
+            <a:schemeClr val="accent6"/>
+          </a:solidFill>
+          <a:ln>
+            <a:noFill/>
+          </a:ln>
+          <a:effectLst/>
+        </p:spPr>
+        <p:style>
+          <a:lnRef idx="1">
+            <a:schemeClr val="accent1"/>
+          </a:lnRef>
+          <a:fillRef idx="3">
+            <a:schemeClr val="accent1"/>
+          </a:fillRef>
+          <a:effectRef idx="2">
+            <a:schemeClr val="accent1"/>
+          </a:effectRef>
+          <a:fontRef idx="minor">
+            <a:schemeClr val="lt1"/>
+          </a:fontRef>
+        </p:style>
+        <p:txBody>
+          <a:bodyPr lIns="274320" tIns="182880" rIns="274320" bIns="182880" rtlCol="0" anchor="ctr"/>
+          <a:lstStyle/>
+          <a:p>
+            <a:pPr algn="ctr"/>
+            <a:r>
+              <a:rPr lang="en-US" dirty="0">
+                <a:latin typeface="Proxima Nova" charset="0"/>
+                <a:ea typeface="Proxima Nova" charset="0"/>
+                <a:cs typeface="Proxima Nova" charset="0"/>
+              </a:rPr>
+              <a:t>File</a:t>
+            </a:r>
+          </a:p>
+        </p:txBody>
+      </p:sp>
+      <p:sp>
+        <p:nvSpPr>
+          <p:cNvPr id="12" name="Snip and Round Single Corner Rectangle 11">
+            <a:extLst>
+              <a:ext uri="{FF2B5EF4-FFF2-40B4-BE49-F238E27FC236}">
+                <a16:creationId xmlns:a16="http://schemas.microsoft.com/office/drawing/2014/main" id="{EFCF30F9-DE88-174C-856C-6578547793D0}"/>
+              </a:ext>
+            </a:extLst>
+          </p:cNvPr>
+          <p:cNvSpPr/>
+          <p:nvPr/>
+        </p:nvSpPr>
+        <p:spPr>
+          <a:xfrm>
+            <a:off x="10958943" y="4023926"/>
+            <a:ext cx="1054100" cy="610917"/>
+          </a:xfrm>
+          <a:prstGeom prst="snipRoundRect">
+            <a:avLst/>
+          </a:prstGeom>
+          <a:solidFill>
+            <a:schemeClr val="accent6"/>
+          </a:solidFill>
+          <a:ln>
+            <a:noFill/>
+          </a:ln>
+          <a:effectLst/>
+        </p:spPr>
+        <p:style>
+          <a:lnRef idx="1">
+            <a:schemeClr val="accent1"/>
+          </a:lnRef>
+          <a:fillRef idx="3">
+            <a:schemeClr val="accent1"/>
+          </a:fillRef>
+          <a:effectRef idx="2">
+            <a:schemeClr val="accent1"/>
+          </a:effectRef>
+          <a:fontRef idx="minor">
+            <a:schemeClr val="lt1"/>
+          </a:fontRef>
+        </p:style>
+        <p:txBody>
+          <a:bodyPr lIns="274320" tIns="182880" rIns="274320" bIns="182880" rtlCol="0" anchor="ctr"/>
+          <a:lstStyle/>
+          <a:p>
+            <a:pPr algn="ctr"/>
+            <a:r>
+              <a:rPr lang="en-US" dirty="0">
+                <a:latin typeface="Proxima Nova" charset="0"/>
+                <a:ea typeface="Proxima Nova" charset="0"/>
+                <a:cs typeface="Proxima Nova" charset="0"/>
+              </a:rPr>
+              <a:t>File</a:t>
+            </a:r>
+          </a:p>
+        </p:txBody>
+      </p:sp>
+      <p:sp>
+        <p:nvSpPr>
+          <p:cNvPr id="13" name="Snip and Round Single Corner Rectangle 12">
+            <a:extLst>
+              <a:ext uri="{FF2B5EF4-FFF2-40B4-BE49-F238E27FC236}">
+                <a16:creationId xmlns:a16="http://schemas.microsoft.com/office/drawing/2014/main" id="{C2D394EB-832D-B24C-A691-BCAB4324DDD2}"/>
+              </a:ext>
+            </a:extLst>
+          </p:cNvPr>
+          <p:cNvSpPr/>
+          <p:nvPr/>
+        </p:nvSpPr>
+        <p:spPr>
+          <a:xfrm>
+            <a:off x="8140121" y="5498441"/>
+            <a:ext cx="1054100" cy="610917"/>
+          </a:xfrm>
+          <a:prstGeom prst="snipRoundRect">
+            <a:avLst/>
+          </a:prstGeom>
+          <a:solidFill>
+            <a:schemeClr val="accent6"/>
+          </a:solidFill>
+          <a:ln>
+            <a:noFill/>
+          </a:ln>
+          <a:effectLst/>
+        </p:spPr>
+        <p:style>
+          <a:lnRef idx="1">
+            <a:schemeClr val="accent1"/>
+          </a:lnRef>
+          <a:fillRef idx="3">
+            <a:schemeClr val="accent1"/>
+          </a:fillRef>
+          <a:effectRef idx="2">
+            <a:schemeClr val="accent1"/>
+          </a:effectRef>
+          <a:fontRef idx="minor">
+            <a:schemeClr val="lt1"/>
+          </a:fontRef>
+        </p:style>
+        <p:txBody>
+          <a:bodyPr lIns="274320" tIns="182880" rIns="274320" bIns="182880" rtlCol="0" anchor="ctr"/>
+          <a:lstStyle/>
+          <a:p>
+            <a:pPr algn="ctr"/>
+            <a:r>
+              <a:rPr lang="en-US" dirty="0">
+                <a:latin typeface="Proxima Nova" charset="0"/>
+                <a:ea typeface="Proxima Nova" charset="0"/>
+                <a:cs typeface="Proxima Nova" charset="0"/>
+              </a:rPr>
+              <a:t>File</a:t>
+            </a:r>
+          </a:p>
+        </p:txBody>
+      </p:sp>
+      <p:sp>
+        <p:nvSpPr>
+          <p:cNvPr id="14" name="Snip and Round Single Corner Rectangle 13">
+            <a:extLst>
+              <a:ext uri="{FF2B5EF4-FFF2-40B4-BE49-F238E27FC236}">
+                <a16:creationId xmlns:a16="http://schemas.microsoft.com/office/drawing/2014/main" id="{834AC1DE-DC27-534A-9FAA-1596326BF494}"/>
+              </a:ext>
+            </a:extLst>
+          </p:cNvPr>
+          <p:cNvSpPr/>
+          <p:nvPr/>
+        </p:nvSpPr>
+        <p:spPr>
+          <a:xfrm>
+            <a:off x="9488918" y="5498441"/>
+            <a:ext cx="1054100" cy="610917"/>
+          </a:xfrm>
+          <a:prstGeom prst="snipRoundRect">
+            <a:avLst/>
+          </a:prstGeom>
+          <a:solidFill>
+            <a:schemeClr val="accent6"/>
+          </a:solidFill>
+          <a:ln>
+            <a:noFill/>
+          </a:ln>
+          <a:effectLst/>
+        </p:spPr>
+        <p:style>
+          <a:lnRef idx="1">
+            <a:schemeClr val="accent1"/>
+          </a:lnRef>
+          <a:fillRef idx="3">
+            <a:schemeClr val="accent1"/>
+          </a:fillRef>
+          <a:effectRef idx="2">
+            <a:schemeClr val="accent1"/>
+          </a:effectRef>
+          <a:fontRef idx="minor">
+            <a:schemeClr val="lt1"/>
+          </a:fontRef>
+        </p:style>
+        <p:txBody>
+          <a:bodyPr lIns="274320" tIns="182880" rIns="274320" bIns="182880" rtlCol="0" anchor="ctr"/>
+          <a:lstStyle/>
+          <a:p>
+            <a:pPr algn="ctr"/>
+            <a:r>
+              <a:rPr lang="en-US" dirty="0">
+                <a:latin typeface="Proxima Nova" charset="0"/>
+                <a:ea typeface="Proxima Nova" charset="0"/>
+                <a:cs typeface="Proxima Nova" charset="0"/>
+              </a:rPr>
+              <a:t>File</a:t>
+            </a:r>
+          </a:p>
+        </p:txBody>
+      </p:sp>
+      <p:cxnSp>
+        <p:nvCxnSpPr>
+          <p:cNvPr id="16" name="Straight Arrow Connector 15">
+            <a:extLst>
+              <a:ext uri="{FF2B5EF4-FFF2-40B4-BE49-F238E27FC236}">
+                <a16:creationId xmlns:a16="http://schemas.microsoft.com/office/drawing/2014/main" id="{2FCF30AF-3544-0B4D-9BCC-1A7639736405}"/>
+              </a:ext>
+            </a:extLst>
+          </p:cNvPr>
+          <p:cNvCxnSpPr>
+            <a:stCxn id="4" idx="2"/>
+            <a:endCxn id="5" idx="0"/>
+          </p:cNvCxnSpPr>
+          <p:nvPr/>
+        </p:nvCxnSpPr>
+        <p:spPr>
+          <a:xfrm flipH="1">
+            <a:off x="7937500" y="1804095"/>
+            <a:ext cx="2118973" cy="888303"/>
+          </a:xfrm>
+          <a:prstGeom prst="straightConnector1">
+            <a:avLst/>
+          </a:prstGeom>
+          <a:ln>
+            <a:tailEnd type="triangle"/>
+          </a:ln>
+        </p:spPr>
+        <p:style>
+          <a:lnRef idx="2">
+            <a:schemeClr val="accent1"/>
+          </a:lnRef>
+          <a:fillRef idx="0">
+            <a:schemeClr val="accent1"/>
+          </a:fillRef>
+          <a:effectRef idx="1">
+            <a:schemeClr val="accent1"/>
+          </a:effectRef>
+          <a:fontRef idx="minor">
+            <a:schemeClr val="tx1"/>
+          </a:fontRef>
+        </p:style>
+      </p:cxnSp>
+      <p:cxnSp>
+        <p:nvCxnSpPr>
+          <p:cNvPr id="18" name="Straight Arrow Connector 17">
+            <a:extLst>
+              <a:ext uri="{FF2B5EF4-FFF2-40B4-BE49-F238E27FC236}">
+                <a16:creationId xmlns:a16="http://schemas.microsoft.com/office/drawing/2014/main" id="{78A20591-D6A7-764A-A3F8-4D556FE53E5E}"/>
+              </a:ext>
+            </a:extLst>
+          </p:cNvPr>
+          <p:cNvCxnSpPr>
+            <a:stCxn id="4" idx="2"/>
+            <a:endCxn id="10" idx="3"/>
+          </p:cNvCxnSpPr>
+          <p:nvPr/>
+        </p:nvCxnSpPr>
+        <p:spPr>
+          <a:xfrm flipH="1">
+            <a:off x="10047718" y="1804095"/>
+            <a:ext cx="8755" cy="871724"/>
+          </a:xfrm>
+          <a:prstGeom prst="straightConnector1">
+            <a:avLst/>
+          </a:prstGeom>
+          <a:ln>
+            <a:tailEnd type="triangle"/>
+          </a:ln>
+        </p:spPr>
+        <p:style>
+          <a:lnRef idx="2">
+            <a:schemeClr val="accent1"/>
+          </a:lnRef>
+          <a:fillRef idx="0">
+            <a:schemeClr val="accent1"/>
+          </a:fillRef>
+          <a:effectRef idx="1">
+            <a:schemeClr val="accent1"/>
+          </a:effectRef>
+          <a:fontRef idx="minor">
+            <a:schemeClr val="tx1"/>
+          </a:fontRef>
+        </p:style>
+      </p:cxnSp>
+      <p:cxnSp>
+        <p:nvCxnSpPr>
+          <p:cNvPr id="20" name="Straight Arrow Connector 19">
+            <a:extLst>
+              <a:ext uri="{FF2B5EF4-FFF2-40B4-BE49-F238E27FC236}">
+                <a16:creationId xmlns:a16="http://schemas.microsoft.com/office/drawing/2014/main" id="{847E2E3A-D9AD-304F-AAAE-885A5EB7A75C}"/>
+              </a:ext>
+            </a:extLst>
+          </p:cNvPr>
+          <p:cNvCxnSpPr>
+            <a:stCxn id="4" idx="2"/>
+            <a:endCxn id="6" idx="0"/>
+          </p:cNvCxnSpPr>
+          <p:nvPr/>
+        </p:nvCxnSpPr>
+        <p:spPr>
+          <a:xfrm>
+            <a:off x="10056473" y="1804095"/>
+            <a:ext cx="2104352" cy="888304"/>
+          </a:xfrm>
+          <a:prstGeom prst="straightConnector1">
+            <a:avLst/>
+          </a:prstGeom>
+          <a:ln>
+            <a:tailEnd type="triangle"/>
+          </a:ln>
+        </p:spPr>
+        <p:style>
+          <a:lnRef idx="2">
+            <a:schemeClr val="accent1"/>
+          </a:lnRef>
+          <a:fillRef idx="0">
+            <a:schemeClr val="accent1"/>
+          </a:fillRef>
+          <a:effectRef idx="1">
+            <a:schemeClr val="accent1"/>
+          </a:effectRef>
+          <a:fontRef idx="minor">
+            <a:schemeClr val="tx1"/>
+          </a:fontRef>
+        </p:style>
+      </p:cxnSp>
+      <p:cxnSp>
+        <p:nvCxnSpPr>
+          <p:cNvPr id="22" name="Straight Arrow Connector 21">
+            <a:extLst>
+              <a:ext uri="{FF2B5EF4-FFF2-40B4-BE49-F238E27FC236}">
+                <a16:creationId xmlns:a16="http://schemas.microsoft.com/office/drawing/2014/main" id="{7B1FB6EF-673A-C348-AF36-2AC03CE2FB4B}"/>
+              </a:ext>
+            </a:extLst>
+          </p:cNvPr>
+          <p:cNvCxnSpPr>
+            <a:stCxn id="5" idx="2"/>
+            <a:endCxn id="8" idx="3"/>
+          </p:cNvCxnSpPr>
+          <p:nvPr/>
+        </p:nvCxnSpPr>
+        <p:spPr>
+          <a:xfrm flipH="1">
+            <a:off x="7257761" y="3303315"/>
+            <a:ext cx="679739" cy="720610"/>
+          </a:xfrm>
+          <a:prstGeom prst="straightConnector1">
+            <a:avLst/>
+          </a:prstGeom>
+          <a:ln>
+            <a:tailEnd type="triangle"/>
+          </a:ln>
+        </p:spPr>
+        <p:style>
+          <a:lnRef idx="2">
+            <a:schemeClr val="accent1"/>
+          </a:lnRef>
+          <a:fillRef idx="0">
+            <a:schemeClr val="accent1"/>
+          </a:fillRef>
+          <a:effectRef idx="1">
+            <a:schemeClr val="accent1"/>
+          </a:effectRef>
+          <a:fontRef idx="minor">
+            <a:schemeClr val="tx1"/>
+          </a:fontRef>
+        </p:style>
+      </p:cxnSp>
+      <p:cxnSp>
+        <p:nvCxnSpPr>
+          <p:cNvPr id="24" name="Straight Arrow Connector 23">
+            <a:extLst>
+              <a:ext uri="{FF2B5EF4-FFF2-40B4-BE49-F238E27FC236}">
+                <a16:creationId xmlns:a16="http://schemas.microsoft.com/office/drawing/2014/main" id="{4292E14C-B28D-C24A-ADAB-8DA4FC4ABBE3}"/>
+              </a:ext>
+            </a:extLst>
+          </p:cNvPr>
+          <p:cNvCxnSpPr>
+            <a:stCxn id="5" idx="2"/>
+            <a:endCxn id="7" idx="0"/>
+          </p:cNvCxnSpPr>
+          <p:nvPr/>
+        </p:nvCxnSpPr>
+        <p:spPr>
+          <a:xfrm>
+            <a:off x="7937500" y="3303315"/>
+            <a:ext cx="1343312" cy="720612"/>
+          </a:xfrm>
+          <a:prstGeom prst="straightConnector1">
+            <a:avLst/>
+          </a:prstGeom>
+          <a:ln>
+            <a:tailEnd type="triangle"/>
+          </a:ln>
+        </p:spPr>
+        <p:style>
+          <a:lnRef idx="2">
+            <a:schemeClr val="accent1"/>
+          </a:lnRef>
+          <a:fillRef idx="0">
+            <a:schemeClr val="accent1"/>
+          </a:fillRef>
+          <a:effectRef idx="1">
+            <a:schemeClr val="accent1"/>
+          </a:effectRef>
+          <a:fontRef idx="minor">
+            <a:schemeClr val="tx1"/>
+          </a:fontRef>
+        </p:style>
+      </p:cxnSp>
+      <p:cxnSp>
+        <p:nvCxnSpPr>
+          <p:cNvPr id="26" name="Straight Arrow Connector 25">
+            <a:extLst>
+              <a:ext uri="{FF2B5EF4-FFF2-40B4-BE49-F238E27FC236}">
+                <a16:creationId xmlns:a16="http://schemas.microsoft.com/office/drawing/2014/main" id="{8E96F5AA-40EC-7846-8741-E05D5BFDB32E}"/>
+              </a:ext>
+            </a:extLst>
+          </p:cNvPr>
+          <p:cNvCxnSpPr>
+            <a:stCxn id="7" idx="2"/>
+            <a:endCxn id="13" idx="3"/>
+          </p:cNvCxnSpPr>
+          <p:nvPr/>
+        </p:nvCxnSpPr>
+        <p:spPr>
+          <a:xfrm flipH="1">
+            <a:off x="8667171" y="4634844"/>
+            <a:ext cx="613641" cy="863597"/>
+          </a:xfrm>
+          <a:prstGeom prst="straightConnector1">
+            <a:avLst/>
+          </a:prstGeom>
+          <a:ln>
+            <a:tailEnd type="triangle"/>
+          </a:ln>
+        </p:spPr>
+        <p:style>
+          <a:lnRef idx="2">
+            <a:schemeClr val="accent1"/>
+          </a:lnRef>
+          <a:fillRef idx="0">
+            <a:schemeClr val="accent1"/>
+          </a:fillRef>
+          <a:effectRef idx="1">
+            <a:schemeClr val="accent1"/>
+          </a:effectRef>
+          <a:fontRef idx="minor">
+            <a:schemeClr val="tx1"/>
+          </a:fontRef>
+        </p:style>
+      </p:cxnSp>
+      <p:cxnSp>
+        <p:nvCxnSpPr>
+          <p:cNvPr id="28" name="Straight Arrow Connector 27">
+            <a:extLst>
+              <a:ext uri="{FF2B5EF4-FFF2-40B4-BE49-F238E27FC236}">
+                <a16:creationId xmlns:a16="http://schemas.microsoft.com/office/drawing/2014/main" id="{CA5D65D2-3A69-DB4F-AFCF-905B65774BAB}"/>
+              </a:ext>
+            </a:extLst>
+          </p:cNvPr>
+          <p:cNvCxnSpPr>
+            <a:stCxn id="7" idx="2"/>
+            <a:endCxn id="14" idx="3"/>
+          </p:cNvCxnSpPr>
+          <p:nvPr/>
+        </p:nvCxnSpPr>
+        <p:spPr>
+          <a:xfrm>
+            <a:off x="9280812" y="4634844"/>
+            <a:ext cx="735156" cy="863597"/>
+          </a:xfrm>
+          <a:prstGeom prst="straightConnector1">
+            <a:avLst/>
+          </a:prstGeom>
+          <a:ln>
+            <a:tailEnd type="triangle"/>
+          </a:ln>
+        </p:spPr>
+        <p:style>
+          <a:lnRef idx="2">
+            <a:schemeClr val="accent1"/>
+          </a:lnRef>
+          <a:fillRef idx="0">
+            <a:schemeClr val="accent1"/>
+          </a:fillRef>
+          <a:effectRef idx="1">
+            <a:schemeClr val="accent1"/>
+          </a:effectRef>
+          <a:fontRef idx="minor">
+            <a:schemeClr val="tx1"/>
+          </a:fontRef>
+        </p:style>
+      </p:cxnSp>
+      <p:cxnSp>
+        <p:nvCxnSpPr>
+          <p:cNvPr id="31" name="Straight Arrow Connector 30">
+            <a:extLst>
+              <a:ext uri="{FF2B5EF4-FFF2-40B4-BE49-F238E27FC236}">
+                <a16:creationId xmlns:a16="http://schemas.microsoft.com/office/drawing/2014/main" id="{FCBC81A6-9FDD-C44F-A53F-ADE8A703E28A}"/>
+              </a:ext>
+            </a:extLst>
+          </p:cNvPr>
+          <p:cNvCxnSpPr>
+            <a:stCxn id="6" idx="2"/>
+            <a:endCxn id="12" idx="3"/>
+          </p:cNvCxnSpPr>
+          <p:nvPr/>
+        </p:nvCxnSpPr>
+        <p:spPr>
+          <a:xfrm flipH="1">
+            <a:off x="11485993" y="3303316"/>
+            <a:ext cx="674832" cy="720610"/>
+          </a:xfrm>
+          <a:prstGeom prst="straightConnector1">
+            <a:avLst/>
+          </a:prstGeom>
+          <a:ln>
+            <a:tailEnd type="triangle"/>
+          </a:ln>
+        </p:spPr>
+        <p:style>
+          <a:lnRef idx="2">
+            <a:schemeClr val="accent1"/>
+          </a:lnRef>
+          <a:fillRef idx="0">
+            <a:schemeClr val="accent1"/>
+          </a:fillRef>
+          <a:effectRef idx="1">
+            <a:schemeClr val="accent1"/>
+          </a:effectRef>
+          <a:fontRef idx="minor">
+            <a:schemeClr val="tx1"/>
+          </a:fontRef>
+        </p:style>
+      </p:cxnSp>
+      <p:cxnSp>
+        <p:nvCxnSpPr>
+          <p:cNvPr id="33" name="Straight Arrow Connector 32">
+            <a:extLst>
+              <a:ext uri="{FF2B5EF4-FFF2-40B4-BE49-F238E27FC236}">
+                <a16:creationId xmlns:a16="http://schemas.microsoft.com/office/drawing/2014/main" id="{87931675-0CBC-3643-A350-D0A855F13618}"/>
+              </a:ext>
+            </a:extLst>
+          </p:cNvPr>
+          <p:cNvCxnSpPr>
+            <a:stCxn id="6" idx="2"/>
+            <a:endCxn id="11" idx="3"/>
+          </p:cNvCxnSpPr>
+          <p:nvPr/>
+        </p:nvCxnSpPr>
+        <p:spPr>
+          <a:xfrm>
+            <a:off x="12160825" y="3303316"/>
+            <a:ext cx="733136" cy="720610"/>
+          </a:xfrm>
+          <a:prstGeom prst="straightConnector1">
+            <a:avLst/>
+          </a:prstGeom>
+          <a:ln>
+            <a:tailEnd type="triangle"/>
+          </a:ln>
+        </p:spPr>
+        <p:style>
+          <a:lnRef idx="2">
+            <a:schemeClr val="accent1"/>
+          </a:lnRef>
+          <a:fillRef idx="0">
+            <a:schemeClr val="accent1"/>
+          </a:fillRef>
+          <a:effectRef idx="1">
+            <a:schemeClr val="accent1"/>
+          </a:effectRef>
+          <a:fontRef idx="minor">
+            <a:schemeClr val="tx1"/>
+          </a:fontRef>
+        </p:style>
+      </p:cxnSp>
     </p:spTree>
     <p:extLst>
       <p:ext uri="{BB962C8B-B14F-4D97-AF65-F5344CB8AC3E}">
-        <p14:creationId xmlns:p14="http://schemas.microsoft.com/office/powerpoint/2010/main" val="685287961"/>
+        <p14:creationId xmlns:p14="http://schemas.microsoft.com/office/powerpoint/2010/main" val="3523469521"/>
       </p:ext>
     </p:extLst>
   </p:cSld>
@@ -8786,17 +9398,17 @@
           <a:p>
             <a:r>
               <a:rPr lang="en-US" dirty="0"/>
-              <a:t>Files and Streams</a:t>
+              <a:t>Try For Yourself</a:t>
             </a:r>
           </a:p>
         </p:txBody>
       </p:sp>
       <p:sp>
         <p:nvSpPr>
-          <p:cNvPr id="7" name="Text Placeholder 2">
+          <p:cNvPr id="3" name="Text Placeholder 2">
             <a:extLst>
               <a:ext uri="{FF2B5EF4-FFF2-40B4-BE49-F238E27FC236}">
-                <a16:creationId xmlns:a16="http://schemas.microsoft.com/office/drawing/2014/main" id="{73BBBBB6-EEBB-4AA4-A4B0-BFF4F8288806}"/>
+                <a16:creationId xmlns:a16="http://schemas.microsoft.com/office/drawing/2014/main" id="{A7AC7B47-7900-C64C-B0ED-5E713CF58922}"/>
               </a:ext>
             </a:extLst>
           </p:cNvPr>
@@ -8809,168 +9421,174 @@
         </p:nvSpPr>
         <p:spPr>
           <a:xfrm>
-            <a:off x="7453424" y="1711730"/>
-            <a:ext cx="6364176" cy="5344284"/>
+            <a:off x="628076" y="1463722"/>
+            <a:ext cx="10309556" cy="5815182"/>
           </a:xfrm>
         </p:spPr>
         <p:txBody>
           <a:bodyPr/>
           <a:lstStyle/>
           <a:p>
-            <a:pPr marL="0" indent="0" fontAlgn="base">
-              <a:buNone/>
-            </a:pPr>
-            <a:r>
-              <a:rPr lang="en-US" dirty="0"/>
-              <a:t>To read we used:</a:t>
-            </a:r>
-          </a:p>
-          <a:p>
-            <a:pPr marL="0" indent="0" fontAlgn="base">
-              <a:buNone/>
-            </a:pPr>
-            <a:r>
-              <a:rPr lang="en-US" b="1" dirty="0">
-                <a:latin typeface="Consolas" panose="020B0609020204030204" pitchFamily="49" charset="0"/>
-                <a:cs typeface="Consolas" panose="020B0609020204030204" pitchFamily="49" charset="0"/>
-              </a:rPr>
-              <a:t>Scanner in = new Scanner(new File("input.txt"));</a:t>
-            </a:r>
-          </a:p>
-          <a:p>
-            <a:pPr marL="0" indent="0" fontAlgn="base">
-              <a:buNone/>
-            </a:pPr>
-            <a:endParaRPr lang="en-US" b="1" dirty="0">
-              <a:latin typeface="Consolas" panose="020B0609020204030204" pitchFamily="49" charset="0"/>
-            </a:endParaRPr>
-          </a:p>
-          <a:p>
-            <a:pPr marL="0" indent="0" fontAlgn="base">
-              <a:buNone/>
-            </a:pPr>
-            <a:endParaRPr lang="en-US" b="1" dirty="0">
-              <a:latin typeface="Consolas" panose="020B0609020204030204" pitchFamily="49" charset="0"/>
-            </a:endParaRPr>
-          </a:p>
-          <a:p>
-            <a:pPr marL="0" indent="0" fontAlgn="base">
-              <a:buNone/>
-            </a:pPr>
-            <a:endParaRPr lang="en-US" b="1" dirty="0">
-              <a:latin typeface="Consolas" panose="020B0609020204030204" pitchFamily="49" charset="0"/>
-            </a:endParaRPr>
-          </a:p>
-          <a:p>
-            <a:pPr marL="0" indent="0" fontAlgn="base">
-              <a:buNone/>
-            </a:pPr>
-            <a:endParaRPr lang="en-US" b="1" dirty="0">
-              <a:latin typeface="Consolas" panose="020B0609020204030204" pitchFamily="49" charset="0"/>
-            </a:endParaRPr>
-          </a:p>
-          <a:p>
-            <a:pPr marL="0" indent="0" fontAlgn="base">
-              <a:buNone/>
-            </a:pPr>
-            <a:r>
-              <a:rPr lang="en-US" dirty="0"/>
-              <a:t>To write we will use:</a:t>
-            </a:r>
-          </a:p>
-          <a:p>
-            <a:pPr marL="0" indent="0" fontAlgn="base">
-              <a:buNone/>
-            </a:pPr>
-            <a:r>
-              <a:rPr lang="en-US" b="1" dirty="0" err="1">
-                <a:latin typeface="Consolas" panose="020B0609020204030204" pitchFamily="49" charset="0"/>
-              </a:rPr>
-              <a:t>PrintWriter</a:t>
-            </a:r>
-            <a:r>
-              <a:rPr lang="en-US" b="1" dirty="0">
-                <a:latin typeface="Consolas" panose="020B0609020204030204" pitchFamily="49" charset="0"/>
-              </a:rPr>
-              <a:t> writer = </a:t>
-            </a:r>
-          </a:p>
-          <a:p>
-            <a:pPr marL="0" indent="0" fontAlgn="base">
-              <a:buNone/>
-            </a:pPr>
-            <a:r>
-              <a:rPr lang="en-US" b="1" dirty="0">
-                <a:latin typeface="Consolas" panose="020B0609020204030204" pitchFamily="49" charset="0"/>
-              </a:rPr>
-              <a:t>        new </a:t>
-            </a:r>
-            <a:r>
-              <a:rPr lang="en-US" b="1" dirty="0" err="1">
-                <a:latin typeface="Consolas" panose="020B0609020204030204" pitchFamily="49" charset="0"/>
-              </a:rPr>
-              <a:t>PrintWriter</a:t>
-            </a:r>
-            <a:r>
-              <a:rPr lang="en-US" b="1" dirty="0">
-                <a:latin typeface="Consolas" panose="020B0609020204030204" pitchFamily="49" charset="0"/>
-              </a:rPr>
-              <a:t>(new File(“notes.txt”);</a:t>
-            </a:r>
-          </a:p>
-          <a:p>
-            <a:pPr marL="0" indent="0" fontAlgn="base">
-              <a:buNone/>
-            </a:pPr>
+            <a:pPr fontAlgn="base"/>
+            <a:r>
+              <a:rPr lang="en-US" dirty="0"/>
+              <a:t>Open Terminal</a:t>
+            </a:r>
+          </a:p>
+          <a:p>
+            <a:pPr lvl="1" fontAlgn="base"/>
+            <a:r>
+              <a:rPr lang="en-US" sz="1400" dirty="0"/>
+              <a:t>Mac OS - type</a:t>
+            </a:r>
+            <a:r>
+              <a:rPr lang="en-US" dirty="0"/>
+              <a:t> ⌘ + spacebar. Then type ‘terminal’</a:t>
+            </a:r>
+            <a:endParaRPr lang="en-US" sz="1400" dirty="0"/>
+          </a:p>
+          <a:p>
+            <a:pPr lvl="1" fontAlgn="base"/>
+            <a:r>
+              <a:rPr lang="en-US" dirty="0"/>
+              <a:t>Windows OS  - go to search bar, type </a:t>
+            </a:r>
+            <a:r>
+              <a:rPr lang="en-US" dirty="0" err="1"/>
+              <a:t>wt</a:t>
+            </a:r>
+            <a:r>
+              <a:rPr lang="en-US" dirty="0"/>
+              <a:t> (or </a:t>
+            </a:r>
+            <a:r>
+              <a:rPr lang="en-US" dirty="0" err="1"/>
+              <a:t>cmd</a:t>
+            </a:r>
+            <a:r>
+              <a:rPr lang="en-US" dirty="0"/>
+              <a:t>) </a:t>
+            </a:r>
+          </a:p>
+          <a:p>
+            <a:pPr fontAlgn="base"/>
+            <a:r>
+              <a:rPr lang="en-US" dirty="0"/>
+              <a:t>First, let’s see where you are at:</a:t>
+            </a:r>
+          </a:p>
+          <a:p>
+            <a:pPr lvl="1" fontAlgn="base"/>
+            <a:r>
+              <a:rPr lang="en-US" dirty="0"/>
+              <a:t>Mac OS - type </a:t>
+            </a:r>
+            <a:r>
+              <a:rPr lang="en-US" b="1" dirty="0" err="1"/>
+              <a:t>pwd</a:t>
+            </a:r>
             <a:endParaRPr lang="en-US" dirty="0"/>
           </a:p>
           <a:p>
-            <a:pPr marL="0" indent="0" fontAlgn="base">
-              <a:buNone/>
-            </a:pPr>
+            <a:pPr lvl="1" fontAlgn="base"/>
+            <a:r>
+              <a:rPr lang="en-US" dirty="0"/>
+              <a:t>Windows - type </a:t>
+            </a:r>
+            <a:r>
+              <a:rPr lang="en-US" sz="1800" b="1" dirty="0"/>
+              <a:t>echo %cd%</a:t>
+            </a:r>
             <a:endParaRPr lang="en-US" dirty="0"/>
+          </a:p>
+          <a:p>
+            <a:pPr lvl="1" fontAlgn="base"/>
+            <a:r>
+              <a:rPr lang="en-US" dirty="0"/>
+              <a:t>This is your present working directory -&gt;  </a:t>
+            </a:r>
+            <a:r>
+              <a:rPr lang="en-US" dirty="0" err="1"/>
+              <a:t>pwd</a:t>
+            </a:r>
+            <a:r>
+              <a:rPr lang="en-US" dirty="0"/>
+              <a:t> should have given absolute path</a:t>
+            </a:r>
+          </a:p>
+          <a:p>
+            <a:pPr fontAlgn="base"/>
+            <a:r>
+              <a:rPr lang="en-US" dirty="0"/>
+              <a:t>List your files</a:t>
+            </a:r>
+          </a:p>
+          <a:p>
+            <a:pPr lvl="1" fontAlgn="base"/>
+            <a:r>
+              <a:rPr lang="en-US" dirty="0"/>
+              <a:t>Mac OS - type </a:t>
+            </a:r>
+            <a:r>
+              <a:rPr lang="en-US" b="1" dirty="0"/>
+              <a:t>ls</a:t>
+            </a:r>
+            <a:endParaRPr lang="en-US" dirty="0"/>
+          </a:p>
+          <a:p>
+            <a:pPr lvl="1" fontAlgn="base"/>
+            <a:r>
+              <a:rPr lang="en-US" dirty="0"/>
+              <a:t>Windows - type </a:t>
+            </a:r>
+            <a:r>
+              <a:rPr lang="en-US" b="1" dirty="0" err="1"/>
+              <a:t>dir</a:t>
+            </a:r>
+            <a:endParaRPr lang="en-US" dirty="0"/>
+          </a:p>
+          <a:p>
+            <a:pPr fontAlgn="base"/>
+            <a:r>
+              <a:rPr lang="en-US" dirty="0"/>
+              <a:t>Change directors </a:t>
+            </a:r>
+          </a:p>
+          <a:p>
+            <a:pPr lvl="1" fontAlgn="base"/>
+            <a:r>
+              <a:rPr lang="en-US" b="1" dirty="0"/>
+              <a:t>cd  </a:t>
+            </a:r>
+            <a:r>
+              <a:rPr lang="en-US" dirty="0"/>
+              <a:t>_directory you want to change to_  (For example) </a:t>
+            </a:r>
+            <a:r>
+              <a:rPr lang="en-US" b="1" dirty="0"/>
+              <a:t>cd Desktop </a:t>
+            </a:r>
+          </a:p>
+          <a:p>
+            <a:pPr lvl="1" fontAlgn="base"/>
+            <a:r>
+              <a:rPr lang="en-US" b="1" dirty="0"/>
+              <a:t>cd Downloads </a:t>
+            </a:r>
+          </a:p>
+          <a:p>
+            <a:pPr fontAlgn="base"/>
+            <a:r>
+              <a:rPr lang="en-US" dirty="0"/>
+              <a:t>Try to list your files from within this directory, and see your present working directory. </a:t>
+            </a:r>
           </a:p>
         </p:txBody>
       </p:sp>
-      <p:pic>
-        <p:nvPicPr>
-          <p:cNvPr id="8" name="Picture 7">
-            <a:extLst>
-              <a:ext uri="{FF2B5EF4-FFF2-40B4-BE49-F238E27FC236}">
-                <a16:creationId xmlns:a16="http://schemas.microsoft.com/office/drawing/2014/main" id="{133CEE42-FC11-40BA-B427-2113532BFE07}"/>
-              </a:ext>
-            </a:extLst>
-          </p:cNvPr>
-          <p:cNvPicPr>
-            <a:picLocks noChangeAspect="1"/>
-          </p:cNvPicPr>
-          <p:nvPr/>
-        </p:nvPicPr>
-        <p:blipFill>
-          <a:blip r:embed="rId2"/>
-          <a:stretch>
-            <a:fillRect/>
-          </a:stretch>
-        </p:blipFill>
-        <p:spPr>
-          <a:xfrm>
-            <a:off x="249275" y="1711730"/>
-            <a:ext cx="7176624" cy="4476419"/>
-          </a:xfrm>
-          <a:prstGeom prst="rect">
-            <a:avLst/>
-          </a:prstGeom>
-          <a:ln>
-            <a:solidFill>
-              <a:srgbClr val="092529"/>
-            </a:solidFill>
-          </a:ln>
-        </p:spPr>
-      </p:pic>
     </p:spTree>
     <p:extLst>
       <p:ext uri="{BB962C8B-B14F-4D97-AF65-F5344CB8AC3E}">
-        <p14:creationId xmlns:p14="http://schemas.microsoft.com/office/powerpoint/2010/main" val="1073705540"/>
+        <p14:creationId xmlns:p14="http://schemas.microsoft.com/office/powerpoint/2010/main" val="685287961"/>
       </p:ext>
     </p:extLst>
   </p:cSld>
@@ -9014,7 +9632,7 @@
           <p:cNvPr id="2" name="Title 1">
             <a:extLst>
               <a:ext uri="{FF2B5EF4-FFF2-40B4-BE49-F238E27FC236}">
-                <a16:creationId xmlns:a16="http://schemas.microsoft.com/office/drawing/2014/main" id="{28869225-903E-C84A-94F6-965D9022496B}"/>
+                <a16:creationId xmlns:a16="http://schemas.microsoft.com/office/drawing/2014/main" id="{5146BE39-F900-D74A-98E1-D0DC21ED6DE4}"/>
               </a:ext>
             </a:extLst>
           </p:cNvPr>
@@ -9032,17 +9650,17 @@
           <a:p>
             <a:r>
               <a:rPr lang="en-US" dirty="0"/>
-              <a:t>File Object in Java</a:t>
+              <a:t>Files and Streams</a:t>
             </a:r>
           </a:p>
         </p:txBody>
       </p:sp>
       <p:sp>
         <p:nvSpPr>
-          <p:cNvPr id="3" name="Text Placeholder 2">
+          <p:cNvPr id="7" name="Text Placeholder 2">
             <a:extLst>
               <a:ext uri="{FF2B5EF4-FFF2-40B4-BE49-F238E27FC236}">
-                <a16:creationId xmlns:a16="http://schemas.microsoft.com/office/drawing/2014/main" id="{B3F7BCF3-D0E2-8047-B0A5-8223896AEC37}"/>
+                <a16:creationId xmlns:a16="http://schemas.microsoft.com/office/drawing/2014/main" id="{73BBBBB6-EEBB-4AA4-A4B0-BFF4F8288806}"/>
               </a:ext>
             </a:extLst>
           </p:cNvPr>
@@ -9055,233 +9673,168 @@
         </p:nvSpPr>
         <p:spPr>
           <a:xfrm>
-            <a:off x="628072" y="1331206"/>
-            <a:ext cx="12561453" cy="5747471"/>
+            <a:off x="7453424" y="1711730"/>
+            <a:ext cx="6364176" cy="5344284"/>
           </a:xfrm>
         </p:spPr>
         <p:txBody>
           <a:bodyPr/>
           <a:lstStyle/>
           <a:p>
-            <a:pPr fontAlgn="base"/>
-            <a:r>
-              <a:rPr lang="en-US" dirty="0"/>
-              <a:t>Has a number of useful methods when dealing with Files</a:t>
-            </a:r>
-          </a:p>
-          <a:p>
-            <a:pPr fontAlgn="base"/>
-            <a:r>
-              <a:rPr lang="en-US" b="1" dirty="0"/>
-              <a:t>File </a:t>
-            </a:r>
-            <a:r>
-              <a:rPr lang="en-US" b="1" dirty="0" err="1"/>
-              <a:t>myFile</a:t>
-            </a:r>
-            <a:r>
-              <a:rPr lang="en-US" b="1" dirty="0"/>
-              <a:t>  = new File(“filename”);</a:t>
-            </a:r>
-          </a:p>
-          <a:p>
-            <a:pPr lvl="1" fontAlgn="base"/>
-            <a:r>
-              <a:rPr lang="en-US" dirty="0"/>
-              <a:t>Creates or reads a file based on the </a:t>
-            </a:r>
-            <a:r>
-              <a:rPr lang="en-US" i="1" dirty="0" err="1"/>
-              <a:t>path+filename</a:t>
-            </a:r>
-            <a:r>
-              <a:rPr lang="en-US" i="1" dirty="0"/>
-              <a:t> </a:t>
-            </a:r>
-            <a:r>
-              <a:rPr lang="en-US" dirty="0"/>
-              <a:t> given</a:t>
-            </a:r>
-          </a:p>
-          <a:p>
-            <a:pPr lvl="1" fontAlgn="base"/>
-            <a:r>
-              <a:rPr lang="en-US" dirty="0"/>
-              <a:t>Actually connects to the location which is a </a:t>
-            </a:r>
-            <a:r>
-              <a:rPr lang="en-US" b="1" dirty="0"/>
-              <a:t>‘stream of bytes’</a:t>
-            </a:r>
+            <a:pPr marL="0" indent="0" fontAlgn="base">
+              <a:buNone/>
+            </a:pPr>
+            <a:r>
+              <a:rPr lang="en-US" dirty="0"/>
+              <a:t>To read we used:</a:t>
+            </a:r>
+          </a:p>
+          <a:p>
+            <a:pPr marL="0" indent="0" fontAlgn="base">
+              <a:buNone/>
+            </a:pPr>
+            <a:r>
+              <a:rPr lang="en-US" b="1" dirty="0">
+                <a:latin typeface="Consolas" panose="020B0609020204030204" pitchFamily="49" charset="0"/>
+                <a:cs typeface="Consolas" panose="020B0609020204030204" pitchFamily="49" charset="0"/>
+              </a:rPr>
+              <a:t>Scanner in = new Scanner(new File("input.txt"));</a:t>
+            </a:r>
+          </a:p>
+          <a:p>
+            <a:pPr marL="0" indent="0" fontAlgn="base">
+              <a:buNone/>
+            </a:pPr>
+            <a:endParaRPr lang="en-US" b="1" dirty="0">
+              <a:latin typeface="Consolas" panose="020B0609020204030204" pitchFamily="49" charset="0"/>
+            </a:endParaRPr>
+          </a:p>
+          <a:p>
+            <a:pPr marL="0" indent="0" fontAlgn="base">
+              <a:buNone/>
+            </a:pPr>
+            <a:endParaRPr lang="en-US" b="1" dirty="0">
+              <a:latin typeface="Consolas" panose="020B0609020204030204" pitchFamily="49" charset="0"/>
+            </a:endParaRPr>
+          </a:p>
+          <a:p>
+            <a:pPr marL="0" indent="0" fontAlgn="base">
+              <a:buNone/>
+            </a:pPr>
+            <a:endParaRPr lang="en-US" b="1" dirty="0">
+              <a:latin typeface="Consolas" panose="020B0609020204030204" pitchFamily="49" charset="0"/>
+            </a:endParaRPr>
+          </a:p>
+          <a:p>
+            <a:pPr marL="0" indent="0" fontAlgn="base">
+              <a:buNone/>
+            </a:pPr>
+            <a:endParaRPr lang="en-US" b="1" dirty="0">
+              <a:latin typeface="Consolas" panose="020B0609020204030204" pitchFamily="49" charset="0"/>
+            </a:endParaRPr>
+          </a:p>
+          <a:p>
+            <a:pPr marL="0" indent="0" fontAlgn="base">
+              <a:buNone/>
+            </a:pPr>
+            <a:r>
+              <a:rPr lang="en-US" dirty="0"/>
+              <a:t>To write we will use:</a:t>
+            </a:r>
+          </a:p>
+          <a:p>
+            <a:pPr marL="0" indent="0" fontAlgn="base">
+              <a:buNone/>
+            </a:pPr>
+            <a:r>
+              <a:rPr lang="en-US" b="1" dirty="0" err="1">
+                <a:latin typeface="Consolas" panose="020B0609020204030204" pitchFamily="49" charset="0"/>
+              </a:rPr>
+              <a:t>PrintWriter</a:t>
+            </a:r>
+            <a:r>
+              <a:rPr lang="en-US" b="1" dirty="0">
+                <a:latin typeface="Consolas" panose="020B0609020204030204" pitchFamily="49" charset="0"/>
+              </a:rPr>
+              <a:t> writer = </a:t>
+            </a:r>
+          </a:p>
+          <a:p>
+            <a:pPr marL="0" indent="0" fontAlgn="base">
+              <a:buNone/>
+            </a:pPr>
+            <a:r>
+              <a:rPr lang="en-US" b="1" dirty="0">
+                <a:latin typeface="Consolas" panose="020B0609020204030204" pitchFamily="49" charset="0"/>
+              </a:rPr>
+              <a:t>        new </a:t>
+            </a:r>
+            <a:r>
+              <a:rPr lang="en-US" b="1" dirty="0" err="1">
+                <a:latin typeface="Consolas" panose="020B0609020204030204" pitchFamily="49" charset="0"/>
+              </a:rPr>
+              <a:t>PrintWriter</a:t>
+            </a:r>
+            <a:r>
+              <a:rPr lang="en-US" b="1" dirty="0">
+                <a:latin typeface="Consolas" panose="020B0609020204030204" pitchFamily="49" charset="0"/>
+              </a:rPr>
+              <a:t>(new File(“notes.txt”);</a:t>
+            </a:r>
+          </a:p>
+          <a:p>
+            <a:pPr marL="0" indent="0" fontAlgn="base">
+              <a:buNone/>
+            </a:pPr>
             <a:endParaRPr lang="en-US" dirty="0"/>
           </a:p>
           <a:p>
-            <a:pPr fontAlgn="base"/>
-            <a:r>
-              <a:rPr lang="en-US" dirty="0"/>
-              <a:t>For example</a:t>
-            </a:r>
-          </a:p>
-          <a:p>
-            <a:pPr fontAlgn="base"/>
-            <a:r>
-              <a:rPr lang="en-US" dirty="0"/>
-              <a:t>File </a:t>
-            </a:r>
-            <a:r>
-              <a:rPr lang="en-US" dirty="0" err="1"/>
-              <a:t>myFile</a:t>
-            </a:r>
-            <a:r>
-              <a:rPr lang="en-US" dirty="0"/>
-              <a:t> = new File(“</a:t>
-            </a:r>
-            <a:r>
-              <a:rPr lang="en-US" dirty="0" err="1"/>
-              <a:t>output.txt</a:t>
-            </a:r>
-            <a:r>
-              <a:rPr lang="en-US" dirty="0"/>
-              <a:t>”);</a:t>
-            </a:r>
-          </a:p>
-          <a:p>
-            <a:pPr lvl="1" fontAlgn="base"/>
-            <a:r>
-              <a:rPr lang="en-US" dirty="0"/>
-              <a:t>Creates a file in the same directory as that you are executing the java file from - so relative to your program</a:t>
-            </a:r>
-          </a:p>
-          <a:p>
-            <a:pPr fontAlgn="base"/>
-            <a:r>
-              <a:rPr lang="en-US" dirty="0"/>
-              <a:t>File </a:t>
-            </a:r>
-            <a:r>
-              <a:rPr lang="en-US" dirty="0" err="1"/>
-              <a:t>myfile</a:t>
-            </a:r>
-            <a:r>
-              <a:rPr lang="en-US" dirty="0"/>
-              <a:t> = new File(“/Users/</a:t>
-            </a:r>
-            <a:r>
-              <a:rPr lang="en-US" dirty="0" err="1"/>
-              <a:t>lionelle</a:t>
-            </a:r>
-            <a:r>
-              <a:rPr lang="en-US" dirty="0"/>
-              <a:t>/</a:t>
-            </a:r>
-            <a:r>
-              <a:rPr lang="en-US" dirty="0" err="1"/>
-              <a:t>output.txt</a:t>
-            </a:r>
-            <a:r>
-              <a:rPr lang="en-US" dirty="0"/>
-              <a:t>”);</a:t>
-            </a:r>
-          </a:p>
-          <a:p>
-            <a:pPr lvl="1" fontAlgn="base"/>
-            <a:r>
-              <a:rPr lang="en-US" dirty="0"/>
-              <a:t>Creates a file based on the </a:t>
-            </a:r>
-            <a:r>
-              <a:rPr lang="en-US" b="1" dirty="0"/>
-              <a:t>absolute</a:t>
-            </a:r>
-            <a:r>
-              <a:rPr lang="en-US" dirty="0"/>
-              <a:t> path that is Root -&gt; Users -&gt; </a:t>
-            </a:r>
-            <a:r>
-              <a:rPr lang="en-US" dirty="0" err="1"/>
-              <a:t>lionelle</a:t>
-            </a:r>
-            <a:r>
-              <a:rPr lang="en-US" dirty="0"/>
-              <a:t> (folder) -&gt; </a:t>
-            </a:r>
-            <a:r>
-              <a:rPr lang="en-US" dirty="0" err="1"/>
-              <a:t>output.txt</a:t>
-            </a:r>
+            <a:pPr marL="0" indent="0" fontAlgn="base">
+              <a:buNone/>
+            </a:pPr>
             <a:endParaRPr lang="en-US" dirty="0"/>
-          </a:p>
-          <a:p>
-            <a:pPr fontAlgn="base"/>
-            <a:r>
-              <a:rPr lang="en-US" dirty="0"/>
-              <a:t>File </a:t>
-            </a:r>
-            <a:r>
-              <a:rPr lang="en-US" dirty="0" err="1"/>
-              <a:t>myfile</a:t>
-            </a:r>
-            <a:r>
-              <a:rPr lang="en-US" dirty="0"/>
-              <a:t> = new File(“../</a:t>
-            </a:r>
-            <a:r>
-              <a:rPr lang="en-US" dirty="0" err="1"/>
-              <a:t>output.txt</a:t>
-            </a:r>
-            <a:r>
-              <a:rPr lang="en-US" dirty="0"/>
-              <a:t>”);</a:t>
-            </a:r>
-          </a:p>
-          <a:p>
-            <a:pPr lvl="1" fontAlgn="base"/>
-            <a:r>
-              <a:rPr lang="en-US" dirty="0"/>
-              <a:t>What does this do?</a:t>
-            </a:r>
-          </a:p>
-          <a:p>
-            <a:pPr fontAlgn="base"/>
-            <a:r>
-              <a:rPr lang="en-US" dirty="0"/>
-              <a:t>To write, you need objects like </a:t>
-            </a:r>
-            <a:r>
-              <a:rPr lang="en-US" dirty="0" err="1"/>
-              <a:t>BufferedWriter</a:t>
-            </a:r>
-            <a:r>
-              <a:rPr lang="en-US" dirty="0"/>
-              <a:t> or </a:t>
-            </a:r>
-            <a:r>
-              <a:rPr lang="en-US" dirty="0" err="1"/>
-              <a:t>PrintWriter</a:t>
-            </a:r>
-            <a:endParaRPr lang="en-US" dirty="0"/>
-          </a:p>
-          <a:p>
-            <a:pPr fontAlgn="base"/>
-            <a:r>
-              <a:rPr lang="en-US" dirty="0"/>
-              <a:t>To read, you need objects like </a:t>
-            </a:r>
-            <a:r>
-              <a:rPr lang="en-US" dirty="0" err="1"/>
-              <a:t>BufferedStreamReader</a:t>
-            </a:r>
-            <a:r>
-              <a:rPr lang="en-US" dirty="0"/>
-              <a:t> or Scanner</a:t>
-            </a:r>
           </a:p>
         </p:txBody>
       </p:sp>
+      <p:pic>
+        <p:nvPicPr>
+          <p:cNvPr id="8" name="Picture 7">
+            <a:extLst>
+              <a:ext uri="{FF2B5EF4-FFF2-40B4-BE49-F238E27FC236}">
+                <a16:creationId xmlns:a16="http://schemas.microsoft.com/office/drawing/2014/main" id="{133CEE42-FC11-40BA-B427-2113532BFE07}"/>
+              </a:ext>
+            </a:extLst>
+          </p:cNvPr>
+          <p:cNvPicPr>
+            <a:picLocks noChangeAspect="1"/>
+          </p:cNvPicPr>
+          <p:nvPr/>
+        </p:nvPicPr>
+        <p:blipFill>
+          <a:blip r:embed="rId2"/>
+          <a:stretch>
+            <a:fillRect/>
+          </a:stretch>
+        </p:blipFill>
+        <p:spPr>
+          <a:xfrm>
+            <a:off x="249275" y="1711730"/>
+            <a:ext cx="7176624" cy="4476419"/>
+          </a:xfrm>
+          <a:prstGeom prst="rect">
+            <a:avLst/>
+          </a:prstGeom>
+          <a:ln>
+            <a:solidFill>
+              <a:srgbClr val="092529"/>
+            </a:solidFill>
+          </a:ln>
+        </p:spPr>
+      </p:pic>
     </p:spTree>
     <p:extLst>
       <p:ext uri="{BB962C8B-B14F-4D97-AF65-F5344CB8AC3E}">
-        <p14:creationId xmlns:p14="http://schemas.microsoft.com/office/powerpoint/2010/main" val="295429786"/>
+        <p14:creationId xmlns:p14="http://schemas.microsoft.com/office/powerpoint/2010/main" val="1073705540"/>
       </p:ext>
     </p:extLst>
   </p:cSld>
@@ -9325,6 +9878,317 @@
           <p:cNvPr id="2" name="Title 1">
             <a:extLst>
               <a:ext uri="{FF2B5EF4-FFF2-40B4-BE49-F238E27FC236}">
+                <a16:creationId xmlns:a16="http://schemas.microsoft.com/office/drawing/2014/main" id="{28869225-903E-C84A-94F6-965D9022496B}"/>
+              </a:ext>
+            </a:extLst>
+          </p:cNvPr>
+          <p:cNvSpPr>
+            <a:spLocks noGrp="1"/>
+          </p:cNvSpPr>
+          <p:nvPr>
+            <p:ph type="title"/>
+          </p:nvPr>
+        </p:nvSpPr>
+        <p:spPr/>
+        <p:txBody>
+          <a:bodyPr/>
+          <a:lstStyle/>
+          <a:p>
+            <a:r>
+              <a:rPr lang="en-US" dirty="0"/>
+              <a:t>File Object in Java</a:t>
+            </a:r>
+          </a:p>
+        </p:txBody>
+      </p:sp>
+      <p:sp>
+        <p:nvSpPr>
+          <p:cNvPr id="3" name="Text Placeholder 2">
+            <a:extLst>
+              <a:ext uri="{FF2B5EF4-FFF2-40B4-BE49-F238E27FC236}">
+                <a16:creationId xmlns:a16="http://schemas.microsoft.com/office/drawing/2014/main" id="{B3F7BCF3-D0E2-8047-B0A5-8223896AEC37}"/>
+              </a:ext>
+            </a:extLst>
+          </p:cNvPr>
+          <p:cNvSpPr>
+            <a:spLocks noGrp="1"/>
+          </p:cNvSpPr>
+          <p:nvPr>
+            <p:ph type="body" sz="quarter" idx="10"/>
+          </p:nvPr>
+        </p:nvSpPr>
+        <p:spPr>
+          <a:xfrm>
+            <a:off x="628072" y="1331206"/>
+            <a:ext cx="12561453" cy="5747471"/>
+          </a:xfrm>
+        </p:spPr>
+        <p:txBody>
+          <a:bodyPr/>
+          <a:lstStyle/>
+          <a:p>
+            <a:pPr fontAlgn="base"/>
+            <a:r>
+              <a:rPr lang="en-US" dirty="0"/>
+              <a:t>Has a number of useful methods when dealing with Files</a:t>
+            </a:r>
+          </a:p>
+          <a:p>
+            <a:pPr fontAlgn="base"/>
+            <a:r>
+              <a:rPr lang="en-US" b="1" dirty="0"/>
+              <a:t>File </a:t>
+            </a:r>
+            <a:r>
+              <a:rPr lang="en-US" b="1" dirty="0" err="1"/>
+              <a:t>myFile</a:t>
+            </a:r>
+            <a:r>
+              <a:rPr lang="en-US" b="1" dirty="0"/>
+              <a:t>  = new File(“filename”);</a:t>
+            </a:r>
+          </a:p>
+          <a:p>
+            <a:pPr lvl="1" fontAlgn="base"/>
+            <a:r>
+              <a:rPr lang="en-US" dirty="0"/>
+              <a:t>Creates or reads a file based on the </a:t>
+            </a:r>
+            <a:r>
+              <a:rPr lang="en-US" i="1" dirty="0" err="1"/>
+              <a:t>path+filename</a:t>
+            </a:r>
+            <a:r>
+              <a:rPr lang="en-US" i="1" dirty="0"/>
+              <a:t> </a:t>
+            </a:r>
+            <a:r>
+              <a:rPr lang="en-US" dirty="0"/>
+              <a:t> given</a:t>
+            </a:r>
+          </a:p>
+          <a:p>
+            <a:pPr lvl="1" fontAlgn="base"/>
+            <a:r>
+              <a:rPr lang="en-US" dirty="0"/>
+              <a:t>Connects to the location which is a </a:t>
+            </a:r>
+            <a:r>
+              <a:rPr lang="en-US" b="1" dirty="0"/>
+              <a:t>‘stream of bytes’</a:t>
+            </a:r>
+            <a:endParaRPr lang="en-US" dirty="0"/>
+          </a:p>
+          <a:p>
+            <a:pPr fontAlgn="base"/>
+            <a:r>
+              <a:rPr lang="en-US" dirty="0"/>
+              <a:t>For example</a:t>
+            </a:r>
+          </a:p>
+          <a:p>
+            <a:pPr fontAlgn="base"/>
+            <a:r>
+              <a:rPr lang="en-US" dirty="0"/>
+              <a:t>File </a:t>
+            </a:r>
+            <a:r>
+              <a:rPr lang="en-US" dirty="0" err="1"/>
+              <a:t>myFile</a:t>
+            </a:r>
+            <a:r>
+              <a:rPr lang="en-US" dirty="0"/>
+              <a:t> = new File(“</a:t>
+            </a:r>
+            <a:r>
+              <a:rPr lang="en-US" dirty="0" err="1"/>
+              <a:t>output.txt</a:t>
+            </a:r>
+            <a:r>
+              <a:rPr lang="en-US" dirty="0"/>
+              <a:t>”);</a:t>
+            </a:r>
+          </a:p>
+          <a:p>
+            <a:pPr lvl="1" fontAlgn="base"/>
+            <a:r>
+              <a:rPr lang="en-US" dirty="0"/>
+              <a:t>Creates a file in the same directory as that you are executing the java file from - so relative to your program</a:t>
+            </a:r>
+          </a:p>
+          <a:p>
+            <a:pPr fontAlgn="base"/>
+            <a:r>
+              <a:rPr lang="en-US" dirty="0"/>
+              <a:t>File </a:t>
+            </a:r>
+            <a:r>
+              <a:rPr lang="en-US" dirty="0" err="1"/>
+              <a:t>myfile</a:t>
+            </a:r>
+            <a:r>
+              <a:rPr lang="en-US" dirty="0"/>
+              <a:t> = new File(“/Users/</a:t>
+            </a:r>
+            <a:r>
+              <a:rPr lang="en-US" dirty="0" err="1"/>
+              <a:t>lionelle</a:t>
+            </a:r>
+            <a:r>
+              <a:rPr lang="en-US" dirty="0"/>
+              <a:t>/</a:t>
+            </a:r>
+            <a:r>
+              <a:rPr lang="en-US" dirty="0" err="1"/>
+              <a:t>output.txt</a:t>
+            </a:r>
+            <a:r>
+              <a:rPr lang="en-US" dirty="0"/>
+              <a:t>”);</a:t>
+            </a:r>
+          </a:p>
+          <a:p>
+            <a:pPr lvl="1" fontAlgn="base"/>
+            <a:r>
+              <a:rPr lang="en-US" dirty="0"/>
+              <a:t>Creates a file based on the </a:t>
+            </a:r>
+            <a:r>
+              <a:rPr lang="en-US" b="1" dirty="0"/>
+              <a:t>absolute</a:t>
+            </a:r>
+            <a:r>
+              <a:rPr lang="en-US" dirty="0"/>
+              <a:t> path that is Root -&gt; Users -&gt; </a:t>
+            </a:r>
+            <a:r>
+              <a:rPr lang="en-US" dirty="0" err="1"/>
+              <a:t>lionelle</a:t>
+            </a:r>
+            <a:r>
+              <a:rPr lang="en-US" dirty="0"/>
+              <a:t> (folder) -&gt; </a:t>
+            </a:r>
+            <a:r>
+              <a:rPr lang="en-US" dirty="0" err="1"/>
+              <a:t>output.txt</a:t>
+            </a:r>
+            <a:endParaRPr lang="en-US" dirty="0"/>
+          </a:p>
+          <a:p>
+            <a:pPr fontAlgn="base"/>
+            <a:r>
+              <a:rPr lang="en-US" dirty="0"/>
+              <a:t>File </a:t>
+            </a:r>
+            <a:r>
+              <a:rPr lang="en-US" dirty="0" err="1"/>
+              <a:t>myfile</a:t>
+            </a:r>
+            <a:r>
+              <a:rPr lang="en-US" dirty="0"/>
+              <a:t> = new File(“../</a:t>
+            </a:r>
+            <a:r>
+              <a:rPr lang="en-US" dirty="0" err="1"/>
+              <a:t>output.txt</a:t>
+            </a:r>
+            <a:r>
+              <a:rPr lang="en-US" dirty="0"/>
+              <a:t>”);</a:t>
+            </a:r>
+          </a:p>
+          <a:p>
+            <a:pPr lvl="1" fontAlgn="base"/>
+            <a:r>
+              <a:rPr lang="en-US" dirty="0"/>
+              <a:t>What does this do?</a:t>
+            </a:r>
+          </a:p>
+          <a:p>
+            <a:pPr fontAlgn="base"/>
+            <a:r>
+              <a:rPr lang="en-US" dirty="0"/>
+              <a:t>To write, you need objects like </a:t>
+            </a:r>
+            <a:r>
+              <a:rPr lang="en-US" dirty="0" err="1"/>
+              <a:t>BufferedWriter</a:t>
+            </a:r>
+            <a:r>
+              <a:rPr lang="en-US" dirty="0"/>
+              <a:t> or </a:t>
+            </a:r>
+            <a:r>
+              <a:rPr lang="en-US" dirty="0" err="1"/>
+              <a:t>PrintWriter</a:t>
+            </a:r>
+            <a:endParaRPr lang="en-US" dirty="0"/>
+          </a:p>
+          <a:p>
+            <a:pPr fontAlgn="base"/>
+            <a:r>
+              <a:rPr lang="en-US" dirty="0"/>
+              <a:t>To read, you need objects like </a:t>
+            </a:r>
+            <a:r>
+              <a:rPr lang="en-US" dirty="0" err="1"/>
+              <a:t>BufferedStreamReader</a:t>
+            </a:r>
+            <a:r>
+              <a:rPr lang="en-US" dirty="0"/>
+              <a:t> or Scanner</a:t>
+            </a:r>
+          </a:p>
+        </p:txBody>
+      </p:sp>
+    </p:spTree>
+    <p:extLst>
+      <p:ext uri="{BB962C8B-B14F-4D97-AF65-F5344CB8AC3E}">
+        <p14:creationId xmlns:p14="http://schemas.microsoft.com/office/powerpoint/2010/main" val="295429786"/>
+      </p:ext>
+    </p:extLst>
+  </p:cSld>
+  <p:clrMapOvr>
+    <a:masterClrMapping/>
+  </p:clrMapOvr>
+  <mc:AlternateContent xmlns:mc="http://schemas.openxmlformats.org/markup-compatibility/2006" xmlns:p14="http://schemas.microsoft.com/office/powerpoint/2010/main">
+    <mc:Choice Requires="p14">
+      <p:transition p14:dur="300">
+        <p:fade/>
+      </p:transition>
+    </mc:Choice>
+    <mc:Fallback xmlns="">
+      <p:transition>
+        <p:fade/>
+      </p:transition>
+    </mc:Fallback>
+  </mc:AlternateContent>
+</p:sld>
+</file>
+
+<file path=ppt/slides/slide8.xml><?xml version="1.0" encoding="utf-8"?>
+<p:sld xmlns:a="http://schemas.openxmlformats.org/drawingml/2006/main" xmlns:r="http://schemas.openxmlformats.org/officeDocument/2006/relationships" xmlns:p="http://schemas.openxmlformats.org/presentationml/2006/main">
+  <p:cSld>
+    <p:spTree>
+      <p:nvGrpSpPr>
+        <p:cNvPr id="1" name=""/>
+        <p:cNvGrpSpPr/>
+        <p:nvPr/>
+      </p:nvGrpSpPr>
+      <p:grpSpPr>
+        <a:xfrm>
+          <a:off x="0" y="0"/>
+          <a:ext cx="0" cy="0"/>
+          <a:chOff x="0" y="0"/>
+          <a:chExt cx="0" cy="0"/>
+        </a:xfrm>
+      </p:grpSpPr>
+      <p:sp>
+        <p:nvSpPr>
+          <p:cNvPr id="2" name="Title 1">
+            <a:extLst>
+              <a:ext uri="{FF2B5EF4-FFF2-40B4-BE49-F238E27FC236}">
                 <a16:creationId xmlns:a16="http://schemas.microsoft.com/office/drawing/2014/main" id="{92A43DD0-D58F-9445-8665-67B628298C4C}"/>
               </a:ext>
             </a:extLst>
@@ -9548,7 +10412,7 @@
 </p:sld>
 </file>
 
-<file path=ppt/slides/slide8.xml><?xml version="1.0" encoding="utf-8"?>
+<file path=ppt/slides/slide9.xml><?xml version="1.0" encoding="utf-8"?>
 <p:sld xmlns:a="http://schemas.openxmlformats.org/drawingml/2006/main" xmlns:r="http://schemas.openxmlformats.org/officeDocument/2006/relationships" xmlns:p="http://schemas.openxmlformats.org/presentationml/2006/main">
   <p:cSld>
     <p:spTree>

--- a/slides/On-Campus/09_01_OSandFileWriting.pptx
+++ b/slides/On-Campus/09_01_OSandFileWriting.pptx
@@ -337,7 +337,7 @@
           <a:p>
             <a:fld id="{4D7E51A5-B478-1E40-8CBB-0DAA8831E99D}" type="datetimeFigureOut">
               <a:rPr lang="en-US" smtClean="0"/>
-              <a:t>10/17/21</a:t>
+              <a:t>3/12/2022</a:t>
             </a:fld>
             <a:endParaRPr lang="en-US"/>
           </a:p>
@@ -502,7 +502,7 @@
           <a:p>
             <a:fld id="{D0ED587F-861E-6740-9643-E3DDAE89B8D6}" type="datetimeFigureOut">
               <a:rPr lang="en-US" smtClean="0"/>
-              <a:t>10/17/21</a:t>
+              <a:t>3/12/2022</a:t>
             </a:fld>
             <a:endParaRPr lang="en-US"/>
           </a:p>

--- a/slides/On-Campus/09_01_OSandFileWriting.pptx
+++ b/slides/On-Campus/09_01_OSandFileWriting.pptx
@@ -150,7 +150,7 @@
   <pc:docChgLst>
     <pc:chgData name="Marcia Moraes" userId="c9c67e8a-58e2-4733-9a1c-5d44fec4775b" providerId="ADAL" clId="{9C8383A8-73D2-4259-9F6A-069219C27C46}"/>
     <pc:docChg chg="undo custSel addSld delSld modSld sldOrd modMainMaster">
-      <pc:chgData name="Marcia Moraes" userId="c9c67e8a-58e2-4733-9a1c-5d44fec4775b" providerId="ADAL" clId="{9C8383A8-73D2-4259-9F6A-069219C27C46}" dt="2023-03-16T20:56:59.313" v="1254" actId="20577"/>
+      <pc:chgData name="Marcia Moraes" userId="c9c67e8a-58e2-4733-9a1c-5d44fec4775b" providerId="ADAL" clId="{9C8383A8-73D2-4259-9F6A-069219C27C46}" dt="2023-03-16T22:25:10.259" v="1275" actId="20577"/>
       <pc:docMkLst>
         <pc:docMk/>
       </pc:docMkLst>
@@ -405,7 +405,7 @@
         </pc:picChg>
       </pc:sldChg>
       <pc:sldChg chg="modSp">
-        <pc:chgData name="Marcia Moraes" userId="c9c67e8a-58e2-4733-9a1c-5d44fec4775b" providerId="ADAL" clId="{9C8383A8-73D2-4259-9F6A-069219C27C46}" dt="2023-03-16T20:56:59.313" v="1254" actId="20577"/>
+        <pc:chgData name="Marcia Moraes" userId="c9c67e8a-58e2-4733-9a1c-5d44fec4775b" providerId="ADAL" clId="{9C8383A8-73D2-4259-9F6A-069219C27C46}" dt="2023-03-16T22:25:10.259" v="1275" actId="20577"/>
         <pc:sldMkLst>
           <pc:docMk/>
           <pc:sldMk cId="2060984493" sldId="263"/>
@@ -419,7 +419,7 @@
           </ac:spMkLst>
         </pc:spChg>
         <pc:spChg chg="mod">
-          <ac:chgData name="Marcia Moraes" userId="c9c67e8a-58e2-4733-9a1c-5d44fec4775b" providerId="ADAL" clId="{9C8383A8-73D2-4259-9F6A-069219C27C46}" dt="2023-03-16T20:56:59.313" v="1254" actId="20577"/>
+          <ac:chgData name="Marcia Moraes" userId="c9c67e8a-58e2-4733-9a1c-5d44fec4775b" providerId="ADAL" clId="{9C8383A8-73D2-4259-9F6A-069219C27C46}" dt="2023-03-16T22:25:10.259" v="1275" actId="20577"/>
           <ac:spMkLst>
             <pc:docMk/>
             <pc:sldMk cId="2060984493" sldId="263"/>
@@ -16966,7 +16966,7 @@
         <p:spPr>
           <a:xfrm>
             <a:off x="628075" y="1626781"/>
-            <a:ext cx="12561453" cy="1177310"/>
+            <a:ext cx="12561453" cy="2066784"/>
           </a:xfrm>
         </p:spPr>
         <p:txBody>
@@ -16980,13 +16980,31 @@
             </a:r>
           </a:p>
           <a:p>
+            <a:pPr lvl="1" fontAlgn="base"/>
+            <a:r>
+              <a:rPr lang="en-US" sz="2200"/>
+              <a:t>Files available: </a:t>
+            </a:r>
+            <a:r>
+              <a:rPr lang="en-US" sz="2200">
+                <a:hlinkClick r:id="rId2"/>
+              </a:rPr>
+              <a:t>https://github.com/CSU-CompSci-CS163-4/Handouts/tree/main/ClassExamples/09FileWrite</a:t>
+            </a:r>
+            <a:r>
+              <a:rPr lang="en-US" sz="2200"/>
+              <a:t> </a:t>
+            </a:r>
+            <a:endParaRPr lang="en-US" sz="2200" dirty="0"/>
+          </a:p>
+          <a:p>
             <a:pPr fontAlgn="base"/>
             <a:r>
               <a:rPr lang="en-US" sz="2400" dirty="0"/>
               <a:t>In Class Activity on </a:t>
             </a:r>
             <a:r>
-              <a:rPr lang="en-US" sz="2400"/>
+              <a:rPr lang="en-US" sz="2400" dirty="0" err="1"/>
               <a:t>zybooks</a:t>
             </a:r>
             <a:endParaRPr lang="en-US" dirty="0"/>

--- a/slides/On-Campus/09_01_OSandFileWriting.pptx
+++ b/slides/On-Campus/09_01_OSandFileWriting.pptx
@@ -149,718 +149,37 @@
 <pc:chgInfo xmlns:a="http://schemas.openxmlformats.org/drawingml/2006/main" xmlns:r="http://schemas.openxmlformats.org/officeDocument/2006/relationships" xmlns:ac="http://schemas.microsoft.com/office/drawing/2013/main/command" xmlns:pc="http://schemas.microsoft.com/office/powerpoint/2013/main/command">
   <pc:docChgLst>
     <pc:chgData name="Marcia Moraes" userId="c9c67e8a-58e2-4733-9a1c-5d44fec4775b" providerId="ADAL" clId="{9C8383A8-73D2-4259-9F6A-069219C27C46}"/>
-    <pc:docChg chg="undo custSel addSld delSld modSld sldOrd modMainMaster">
-      <pc:chgData name="Marcia Moraes" userId="c9c67e8a-58e2-4733-9a1c-5d44fec4775b" providerId="ADAL" clId="{9C8383A8-73D2-4259-9F6A-069219C27C46}" dt="2023-03-16T22:25:10.259" v="1275" actId="20577"/>
+  </pc:docChgLst>
+  <pc:docChgLst>
+    <pc:chgData name="Marcia Moraes" userId="c9c67e8a-58e2-4733-9a1c-5d44fec4775b" providerId="ADAL" clId="{46BE5373-9D09-4F87-A123-1FD85A8E0B47}"/>
+    <pc:docChg chg="modSld">
+      <pc:chgData name="Marcia Moraes" userId="c9c67e8a-58e2-4733-9a1c-5d44fec4775b" providerId="ADAL" clId="{46BE5373-9D09-4F87-A123-1FD85A8E0B47}" dt="2023-10-11T00:09:37.199" v="0"/>
       <pc:docMkLst>
         <pc:docMk/>
       </pc:docMkLst>
-      <pc:sldChg chg="modSp">
-        <pc:chgData name="Marcia Moraes" userId="c9c67e8a-58e2-4733-9a1c-5d44fec4775b" providerId="ADAL" clId="{9C8383A8-73D2-4259-9F6A-069219C27C46}" dt="2023-03-16T19:10:42.015" v="238" actId="14100"/>
-        <pc:sldMkLst>
-          <pc:docMk/>
-          <pc:sldMk cId="1215184239" sldId="257"/>
-        </pc:sldMkLst>
-        <pc:spChg chg="mod">
-          <ac:chgData name="Marcia Moraes" userId="c9c67e8a-58e2-4733-9a1c-5d44fec4775b" providerId="ADAL" clId="{9C8383A8-73D2-4259-9F6A-069219C27C46}" dt="2023-03-16T19:10:37.143" v="237" actId="1076"/>
-          <ac:spMkLst>
-            <pc:docMk/>
-            <pc:sldMk cId="1215184239" sldId="257"/>
-            <ac:spMk id="5" creationId="{CAC14D4E-C8ED-1542-8759-DC4F11EF5270}"/>
-          </ac:spMkLst>
-        </pc:spChg>
-        <pc:picChg chg="mod">
-          <ac:chgData name="Marcia Moraes" userId="c9c67e8a-58e2-4733-9a1c-5d44fec4775b" providerId="ADAL" clId="{9C8383A8-73D2-4259-9F6A-069219C27C46}" dt="2023-03-16T19:10:42.015" v="238" actId="14100"/>
-          <ac:picMkLst>
-            <pc:docMk/>
-            <pc:sldMk cId="1215184239" sldId="257"/>
-            <ac:picMk id="1026" creationId="{9E5CD636-2724-B041-8DA8-FC69662EF064}"/>
-          </ac:picMkLst>
-        </pc:picChg>
-      </pc:sldChg>
-      <pc:sldChg chg="modSp">
-        <pc:chgData name="Marcia Moraes" userId="c9c67e8a-58e2-4733-9a1c-5d44fec4775b" providerId="ADAL" clId="{9C8383A8-73D2-4259-9F6A-069219C27C46}" dt="2023-03-16T19:05:44.594" v="94"/>
-        <pc:sldMkLst>
-          <pc:docMk/>
-          <pc:sldMk cId="3523469521" sldId="258"/>
-        </pc:sldMkLst>
-        <pc:spChg chg="mod">
-          <ac:chgData name="Marcia Moraes" userId="c9c67e8a-58e2-4733-9a1c-5d44fec4775b" providerId="ADAL" clId="{9C8383A8-73D2-4259-9F6A-069219C27C46}" dt="2023-03-16T19:05:44.594" v="94"/>
-          <ac:spMkLst>
-            <pc:docMk/>
-            <pc:sldMk cId="3523469521" sldId="258"/>
-            <ac:spMk id="3" creationId="{59B974EA-6283-0E4B-AE4B-8490A3073B18}"/>
-          </ac:spMkLst>
-        </pc:spChg>
-        <pc:spChg chg="mod">
-          <ac:chgData name="Marcia Moraes" userId="c9c67e8a-58e2-4733-9a1c-5d44fec4775b" providerId="ADAL" clId="{9C8383A8-73D2-4259-9F6A-069219C27C46}" dt="2023-03-16T19:04:40.020" v="73" actId="1076"/>
-          <ac:spMkLst>
-            <pc:docMk/>
-            <pc:sldMk cId="3523469521" sldId="258"/>
-            <ac:spMk id="4" creationId="{4B1CA35D-E1B4-554E-BB6E-D5F69DC1DD09}"/>
-          </ac:spMkLst>
-        </pc:spChg>
-        <pc:spChg chg="mod">
-          <ac:chgData name="Marcia Moraes" userId="c9c67e8a-58e2-4733-9a1c-5d44fec4775b" providerId="ADAL" clId="{9C8383A8-73D2-4259-9F6A-069219C27C46}" dt="2023-03-16T19:04:40.020" v="73" actId="1076"/>
-          <ac:spMkLst>
-            <pc:docMk/>
-            <pc:sldMk cId="3523469521" sldId="258"/>
-            <ac:spMk id="5" creationId="{E0B36019-6279-6E42-8303-B547088E4847}"/>
-          </ac:spMkLst>
-        </pc:spChg>
-        <pc:spChg chg="mod">
-          <ac:chgData name="Marcia Moraes" userId="c9c67e8a-58e2-4733-9a1c-5d44fec4775b" providerId="ADAL" clId="{9C8383A8-73D2-4259-9F6A-069219C27C46}" dt="2023-03-16T19:04:40.020" v="73" actId="1076"/>
-          <ac:spMkLst>
-            <pc:docMk/>
-            <pc:sldMk cId="3523469521" sldId="258"/>
-            <ac:spMk id="6" creationId="{12C8C45A-F945-F842-B0F1-3E04A2222B00}"/>
-          </ac:spMkLst>
-        </pc:spChg>
-        <pc:spChg chg="mod">
-          <ac:chgData name="Marcia Moraes" userId="c9c67e8a-58e2-4733-9a1c-5d44fec4775b" providerId="ADAL" clId="{9C8383A8-73D2-4259-9F6A-069219C27C46}" dt="2023-03-16T19:04:40.020" v="73" actId="1076"/>
-          <ac:spMkLst>
-            <pc:docMk/>
-            <pc:sldMk cId="3523469521" sldId="258"/>
-            <ac:spMk id="7" creationId="{B4437A79-2C55-2F47-805C-1A6023C447B8}"/>
-          </ac:spMkLst>
-        </pc:spChg>
-        <pc:spChg chg="mod">
-          <ac:chgData name="Marcia Moraes" userId="c9c67e8a-58e2-4733-9a1c-5d44fec4775b" providerId="ADAL" clId="{9C8383A8-73D2-4259-9F6A-069219C27C46}" dt="2023-03-16T19:04:40.020" v="73" actId="1076"/>
-          <ac:spMkLst>
-            <pc:docMk/>
-            <pc:sldMk cId="3523469521" sldId="258"/>
-            <ac:spMk id="8" creationId="{EBD2AEB5-1904-FE48-B905-C80E4EDEC11A}"/>
-          </ac:spMkLst>
-        </pc:spChg>
-        <pc:spChg chg="mod">
-          <ac:chgData name="Marcia Moraes" userId="c9c67e8a-58e2-4733-9a1c-5d44fec4775b" providerId="ADAL" clId="{9C8383A8-73D2-4259-9F6A-069219C27C46}" dt="2023-03-16T19:04:40.020" v="73" actId="1076"/>
-          <ac:spMkLst>
-            <pc:docMk/>
-            <pc:sldMk cId="3523469521" sldId="258"/>
-            <ac:spMk id="10" creationId="{004114DA-0097-904B-BDAC-9674C7D4899F}"/>
-          </ac:spMkLst>
-        </pc:spChg>
-        <pc:spChg chg="mod">
-          <ac:chgData name="Marcia Moraes" userId="c9c67e8a-58e2-4733-9a1c-5d44fec4775b" providerId="ADAL" clId="{9C8383A8-73D2-4259-9F6A-069219C27C46}" dt="2023-03-16T19:04:40.020" v="73" actId="1076"/>
-          <ac:spMkLst>
-            <pc:docMk/>
-            <pc:sldMk cId="3523469521" sldId="258"/>
-            <ac:spMk id="11" creationId="{D175F9D2-5082-774A-90EB-44AFB1318E10}"/>
-          </ac:spMkLst>
-        </pc:spChg>
-        <pc:spChg chg="mod">
-          <ac:chgData name="Marcia Moraes" userId="c9c67e8a-58e2-4733-9a1c-5d44fec4775b" providerId="ADAL" clId="{9C8383A8-73D2-4259-9F6A-069219C27C46}" dt="2023-03-16T19:04:40.020" v="73" actId="1076"/>
-          <ac:spMkLst>
-            <pc:docMk/>
-            <pc:sldMk cId="3523469521" sldId="258"/>
-            <ac:spMk id="12" creationId="{EFCF30F9-DE88-174C-856C-6578547793D0}"/>
-          </ac:spMkLst>
-        </pc:spChg>
-        <pc:spChg chg="mod">
-          <ac:chgData name="Marcia Moraes" userId="c9c67e8a-58e2-4733-9a1c-5d44fec4775b" providerId="ADAL" clId="{9C8383A8-73D2-4259-9F6A-069219C27C46}" dt="2023-03-16T19:04:40.020" v="73" actId="1076"/>
-          <ac:spMkLst>
-            <pc:docMk/>
-            <pc:sldMk cId="3523469521" sldId="258"/>
-            <ac:spMk id="13" creationId="{C2D394EB-832D-B24C-A691-BCAB4324DDD2}"/>
-          </ac:spMkLst>
-        </pc:spChg>
-        <pc:spChg chg="mod">
-          <ac:chgData name="Marcia Moraes" userId="c9c67e8a-58e2-4733-9a1c-5d44fec4775b" providerId="ADAL" clId="{9C8383A8-73D2-4259-9F6A-069219C27C46}" dt="2023-03-16T19:04:40.020" v="73" actId="1076"/>
-          <ac:spMkLst>
-            <pc:docMk/>
-            <pc:sldMk cId="3523469521" sldId="258"/>
-            <ac:spMk id="14" creationId="{834AC1DE-DC27-534A-9FAA-1596326BF494}"/>
-          </ac:spMkLst>
-        </pc:spChg>
-        <pc:cxnChg chg="mod">
-          <ac:chgData name="Marcia Moraes" userId="c9c67e8a-58e2-4733-9a1c-5d44fec4775b" providerId="ADAL" clId="{9C8383A8-73D2-4259-9F6A-069219C27C46}" dt="2023-03-16T19:04:40.020" v="73" actId="1076"/>
-          <ac:cxnSpMkLst>
-            <pc:docMk/>
-            <pc:sldMk cId="3523469521" sldId="258"/>
-            <ac:cxnSpMk id="16" creationId="{2FCF30AF-3544-0B4D-9BCC-1A7639736405}"/>
-          </ac:cxnSpMkLst>
-        </pc:cxnChg>
-        <pc:cxnChg chg="mod">
-          <ac:chgData name="Marcia Moraes" userId="c9c67e8a-58e2-4733-9a1c-5d44fec4775b" providerId="ADAL" clId="{9C8383A8-73D2-4259-9F6A-069219C27C46}" dt="2023-03-16T19:04:40.020" v="73" actId="1076"/>
-          <ac:cxnSpMkLst>
-            <pc:docMk/>
-            <pc:sldMk cId="3523469521" sldId="258"/>
-            <ac:cxnSpMk id="18" creationId="{78A20591-D6A7-764A-A3F8-4D556FE53E5E}"/>
-          </ac:cxnSpMkLst>
-        </pc:cxnChg>
-        <pc:cxnChg chg="mod">
-          <ac:chgData name="Marcia Moraes" userId="c9c67e8a-58e2-4733-9a1c-5d44fec4775b" providerId="ADAL" clId="{9C8383A8-73D2-4259-9F6A-069219C27C46}" dt="2023-03-16T19:04:40.020" v="73" actId="1076"/>
-          <ac:cxnSpMkLst>
-            <pc:docMk/>
-            <pc:sldMk cId="3523469521" sldId="258"/>
-            <ac:cxnSpMk id="20" creationId="{847E2E3A-D9AD-304F-AAAE-885A5EB7A75C}"/>
-          </ac:cxnSpMkLst>
-        </pc:cxnChg>
-        <pc:cxnChg chg="mod">
-          <ac:chgData name="Marcia Moraes" userId="c9c67e8a-58e2-4733-9a1c-5d44fec4775b" providerId="ADAL" clId="{9C8383A8-73D2-4259-9F6A-069219C27C46}" dt="2023-03-16T19:04:40.020" v="73" actId="1076"/>
-          <ac:cxnSpMkLst>
-            <pc:docMk/>
-            <pc:sldMk cId="3523469521" sldId="258"/>
-            <ac:cxnSpMk id="22" creationId="{7B1FB6EF-673A-C348-AF36-2AC03CE2FB4B}"/>
-          </ac:cxnSpMkLst>
-        </pc:cxnChg>
-        <pc:cxnChg chg="mod">
-          <ac:chgData name="Marcia Moraes" userId="c9c67e8a-58e2-4733-9a1c-5d44fec4775b" providerId="ADAL" clId="{9C8383A8-73D2-4259-9F6A-069219C27C46}" dt="2023-03-16T19:04:40.020" v="73" actId="1076"/>
-          <ac:cxnSpMkLst>
-            <pc:docMk/>
-            <pc:sldMk cId="3523469521" sldId="258"/>
-            <ac:cxnSpMk id="24" creationId="{4292E14C-B28D-C24A-ADAB-8DA4FC4ABBE3}"/>
-          </ac:cxnSpMkLst>
-        </pc:cxnChg>
-        <pc:cxnChg chg="mod">
-          <ac:chgData name="Marcia Moraes" userId="c9c67e8a-58e2-4733-9a1c-5d44fec4775b" providerId="ADAL" clId="{9C8383A8-73D2-4259-9F6A-069219C27C46}" dt="2023-03-16T19:04:40.020" v="73" actId="1076"/>
-          <ac:cxnSpMkLst>
-            <pc:docMk/>
-            <pc:sldMk cId="3523469521" sldId="258"/>
-            <ac:cxnSpMk id="26" creationId="{8E96F5AA-40EC-7846-8741-E05D5BFDB32E}"/>
-          </ac:cxnSpMkLst>
-        </pc:cxnChg>
-        <pc:cxnChg chg="mod">
-          <ac:chgData name="Marcia Moraes" userId="c9c67e8a-58e2-4733-9a1c-5d44fec4775b" providerId="ADAL" clId="{9C8383A8-73D2-4259-9F6A-069219C27C46}" dt="2023-03-16T19:04:40.020" v="73" actId="1076"/>
-          <ac:cxnSpMkLst>
-            <pc:docMk/>
-            <pc:sldMk cId="3523469521" sldId="258"/>
-            <ac:cxnSpMk id="28" creationId="{CA5D65D2-3A69-DB4F-AFCF-905B65774BAB}"/>
-          </ac:cxnSpMkLst>
-        </pc:cxnChg>
-        <pc:cxnChg chg="mod">
-          <ac:chgData name="Marcia Moraes" userId="c9c67e8a-58e2-4733-9a1c-5d44fec4775b" providerId="ADAL" clId="{9C8383A8-73D2-4259-9F6A-069219C27C46}" dt="2023-03-16T19:04:40.020" v="73" actId="1076"/>
-          <ac:cxnSpMkLst>
-            <pc:docMk/>
-            <pc:sldMk cId="3523469521" sldId="258"/>
-            <ac:cxnSpMk id="31" creationId="{FCBC81A6-9FDD-C44F-A53F-ADE8A703E28A}"/>
-          </ac:cxnSpMkLst>
-        </pc:cxnChg>
-        <pc:cxnChg chg="mod">
-          <ac:chgData name="Marcia Moraes" userId="c9c67e8a-58e2-4733-9a1c-5d44fec4775b" providerId="ADAL" clId="{9C8383A8-73D2-4259-9F6A-069219C27C46}" dt="2023-03-16T19:04:40.020" v="73" actId="1076"/>
-          <ac:cxnSpMkLst>
-            <pc:docMk/>
-            <pc:sldMk cId="3523469521" sldId="258"/>
-            <ac:cxnSpMk id="33" creationId="{87931675-0CBC-3643-A350-D0A855F13618}"/>
-          </ac:cxnSpMkLst>
-        </pc:cxnChg>
-      </pc:sldChg>
-      <pc:sldChg chg="del">
-        <pc:chgData name="Marcia Moraes" userId="c9c67e8a-58e2-4733-9a1c-5d44fec4775b" providerId="ADAL" clId="{9C8383A8-73D2-4259-9F6A-069219C27C46}" dt="2023-03-16T19:11:29.418" v="239" actId="2696"/>
-        <pc:sldMkLst>
-          <pc:docMk/>
-          <pc:sldMk cId="685287961" sldId="259"/>
-        </pc:sldMkLst>
-      </pc:sldChg>
-      <pc:sldChg chg="modSp">
-        <pc:chgData name="Marcia Moraes" userId="c9c67e8a-58e2-4733-9a1c-5d44fec4775b" providerId="ADAL" clId="{9C8383A8-73D2-4259-9F6A-069219C27C46}" dt="2023-03-16T20:23:16.398" v="571" actId="20577"/>
-        <pc:sldMkLst>
-          <pc:docMk/>
-          <pc:sldMk cId="295429786" sldId="260"/>
-        </pc:sldMkLst>
-        <pc:spChg chg="mod">
-          <ac:chgData name="Marcia Moraes" userId="c9c67e8a-58e2-4733-9a1c-5d44fec4775b" providerId="ADAL" clId="{9C8383A8-73D2-4259-9F6A-069219C27C46}" dt="2023-03-16T20:23:16.398" v="571" actId="20577"/>
-          <ac:spMkLst>
-            <pc:docMk/>
-            <pc:sldMk cId="295429786" sldId="260"/>
-            <ac:spMk id="3" creationId="{B3F7BCF3-D0E2-8047-B0A5-8223896AEC37}"/>
-          </ac:spMkLst>
-        </pc:spChg>
-      </pc:sldChg>
-      <pc:sldChg chg="modSp">
-        <pc:chgData name="Marcia Moraes" userId="c9c67e8a-58e2-4733-9a1c-5d44fec4775b" providerId="ADAL" clId="{9C8383A8-73D2-4259-9F6A-069219C27C46}" dt="2023-03-16T20:21:05.204" v="526" actId="1076"/>
-        <pc:sldMkLst>
-          <pc:docMk/>
-          <pc:sldMk cId="1414971557" sldId="261"/>
-        </pc:sldMkLst>
-        <pc:spChg chg="mod">
-          <ac:chgData name="Marcia Moraes" userId="c9c67e8a-58e2-4733-9a1c-5d44fec4775b" providerId="ADAL" clId="{9C8383A8-73D2-4259-9F6A-069219C27C46}" dt="2023-03-16T20:21:05.204" v="526" actId="1076"/>
-          <ac:spMkLst>
-            <pc:docMk/>
-            <pc:sldMk cId="1414971557" sldId="261"/>
-            <ac:spMk id="3" creationId="{40252F01-3FE5-5946-9A8A-B4CCC96D0FB9}"/>
-          </ac:spMkLst>
-        </pc:spChg>
-      </pc:sldChg>
-      <pc:sldChg chg="modSp">
-        <pc:chgData name="Marcia Moraes" userId="c9c67e8a-58e2-4733-9a1c-5d44fec4775b" providerId="ADAL" clId="{9C8383A8-73D2-4259-9F6A-069219C27C46}" dt="2023-03-16T20:22:10.316" v="552" actId="108"/>
-        <pc:sldMkLst>
-          <pc:docMk/>
-          <pc:sldMk cId="1073705540" sldId="262"/>
-        </pc:sldMkLst>
-        <pc:spChg chg="mod">
-          <ac:chgData name="Marcia Moraes" userId="c9c67e8a-58e2-4733-9a1c-5d44fec4775b" providerId="ADAL" clId="{9C8383A8-73D2-4259-9F6A-069219C27C46}" dt="2023-03-16T20:22:10.316" v="552" actId="108"/>
-          <ac:spMkLst>
-            <pc:docMk/>
-            <pc:sldMk cId="1073705540" sldId="262"/>
-            <ac:spMk id="7" creationId="{73BBBBB6-EEBB-4AA4-A4B0-BFF4F8288806}"/>
-          </ac:spMkLst>
-        </pc:spChg>
-        <pc:picChg chg="mod">
-          <ac:chgData name="Marcia Moraes" userId="c9c67e8a-58e2-4733-9a1c-5d44fec4775b" providerId="ADAL" clId="{9C8383A8-73D2-4259-9F6A-069219C27C46}" dt="2023-03-16T20:22:02.867" v="551" actId="14100"/>
-          <ac:picMkLst>
-            <pc:docMk/>
-            <pc:sldMk cId="1073705540" sldId="262"/>
-            <ac:picMk id="8" creationId="{133CEE42-FC11-40BA-B427-2113532BFE07}"/>
-          </ac:picMkLst>
-        </pc:picChg>
-      </pc:sldChg>
-      <pc:sldChg chg="modSp">
-        <pc:chgData name="Marcia Moraes" userId="c9c67e8a-58e2-4733-9a1c-5d44fec4775b" providerId="ADAL" clId="{9C8383A8-73D2-4259-9F6A-069219C27C46}" dt="2023-03-16T22:25:10.259" v="1275" actId="20577"/>
-        <pc:sldMkLst>
-          <pc:docMk/>
-          <pc:sldMk cId="2060984493" sldId="263"/>
-        </pc:sldMkLst>
-        <pc:spChg chg="mod">
-          <ac:chgData name="Marcia Moraes" userId="c9c67e8a-58e2-4733-9a1c-5d44fec4775b" providerId="ADAL" clId="{9C8383A8-73D2-4259-9F6A-069219C27C46}" dt="2023-03-16T20:56:49.384" v="1225" actId="20577"/>
-          <ac:spMkLst>
-            <pc:docMk/>
-            <pc:sldMk cId="2060984493" sldId="263"/>
-            <ac:spMk id="2" creationId="{92A43DD0-D58F-9445-8665-67B628298C4C}"/>
-          </ac:spMkLst>
-        </pc:spChg>
-        <pc:spChg chg="mod">
-          <ac:chgData name="Marcia Moraes" userId="c9c67e8a-58e2-4733-9a1c-5d44fec4775b" providerId="ADAL" clId="{9C8383A8-73D2-4259-9F6A-069219C27C46}" dt="2023-03-16T22:25:10.259" v="1275" actId="20577"/>
-          <ac:spMkLst>
-            <pc:docMk/>
-            <pc:sldMk cId="2060984493" sldId="263"/>
-            <ac:spMk id="3" creationId="{40252F01-3FE5-5946-9A8A-B4CCC96D0FB9}"/>
-          </ac:spMkLst>
-        </pc:spChg>
-      </pc:sldChg>
-      <pc:sldChg chg="addSp delSp modSp add">
-        <pc:chgData name="Marcia Moraes" userId="c9c67e8a-58e2-4733-9a1c-5d44fec4775b" providerId="ADAL" clId="{9C8383A8-73D2-4259-9F6A-069219C27C46}" dt="2023-03-16T18:59:20.662" v="30" actId="6549"/>
+      <pc:sldChg chg="addSp">
+        <pc:chgData name="Marcia Moraes" userId="c9c67e8a-58e2-4733-9a1c-5d44fec4775b" providerId="ADAL" clId="{46BE5373-9D09-4F87-A123-1FD85A8E0B47}" dt="2023-10-11T00:09:37.199" v="0"/>
         <pc:sldMkLst>
           <pc:docMk/>
           <pc:sldMk cId="2571368551" sldId="272"/>
         </pc:sldMkLst>
-        <pc:spChg chg="mod">
-          <ac:chgData name="Marcia Moraes" userId="c9c67e8a-58e2-4733-9a1c-5d44fec4775b" providerId="ADAL" clId="{9C8383A8-73D2-4259-9F6A-069219C27C46}" dt="2023-03-16T18:51:04.747" v="8" actId="1076"/>
+        <pc:spChg chg="add">
+          <ac:chgData name="Marcia Moraes" userId="c9c67e8a-58e2-4733-9a1c-5d44fec4775b" providerId="ADAL" clId="{46BE5373-9D09-4F87-A123-1FD85A8E0B47}" dt="2023-10-11T00:09:37.199" v="0"/>
           <ac:spMkLst>
             <pc:docMk/>
             <pc:sldMk cId="2571368551" sldId="272"/>
-            <ac:spMk id="2" creationId="{84CD52E7-9878-46B0-B322-12FDC9581986}"/>
+            <ac:spMk id="6" creationId="{AA6A8138-6A98-4DE5-8EB4-C33E868FC3E1}"/>
           </ac:spMkLst>
         </pc:spChg>
-        <pc:spChg chg="del mod">
-          <ac:chgData name="Marcia Moraes" userId="c9c67e8a-58e2-4733-9a1c-5d44fec4775b" providerId="ADAL" clId="{9C8383A8-73D2-4259-9F6A-069219C27C46}" dt="2023-03-16T18:56:01.859" v="22" actId="478"/>
-          <ac:spMkLst>
+        <pc:graphicFrameChg chg="add">
+          <ac:chgData name="Marcia Moraes" userId="c9c67e8a-58e2-4733-9a1c-5d44fec4775b" providerId="ADAL" clId="{46BE5373-9D09-4F87-A123-1FD85A8E0B47}" dt="2023-10-11T00:09:37.199" v="0"/>
+          <ac:graphicFrameMkLst>
             <pc:docMk/>
             <pc:sldMk cId="2571368551" sldId="272"/>
-            <ac:spMk id="6" creationId="{A2494937-C0C7-4ABC-A6FF-48F67C26DCCE}"/>
-          </ac:spMkLst>
-        </pc:spChg>
-        <pc:spChg chg="mod">
-          <ac:chgData name="Marcia Moraes" userId="c9c67e8a-58e2-4733-9a1c-5d44fec4775b" providerId="ADAL" clId="{9C8383A8-73D2-4259-9F6A-069219C27C46}" dt="2023-03-16T18:59:20.662" v="30" actId="6549"/>
-          <ac:spMkLst>
-            <pc:docMk/>
-            <pc:sldMk cId="2571368551" sldId="272"/>
-            <ac:spMk id="11" creationId="{BDA0DBC1-29A7-4498-B9AA-9B174D0FEC3E}"/>
-          </ac:spMkLst>
-        </pc:spChg>
-        <pc:picChg chg="add mod">
-          <ac:chgData name="Marcia Moraes" userId="c9c67e8a-58e2-4733-9a1c-5d44fec4775b" providerId="ADAL" clId="{9C8383A8-73D2-4259-9F6A-069219C27C46}" dt="2023-03-16T18:50:25.424" v="6" actId="14100"/>
-          <ac:picMkLst>
-            <pc:docMk/>
-            <pc:sldMk cId="2571368551" sldId="272"/>
-            <ac:picMk id="5" creationId="{32A0A0D5-1182-4BFC-8F11-4D125EC6EC1E}"/>
-          </ac:picMkLst>
-        </pc:picChg>
-        <pc:picChg chg="del mod">
-          <ac:chgData name="Marcia Moraes" userId="c9c67e8a-58e2-4733-9a1c-5d44fec4775b" providerId="ADAL" clId="{9C8383A8-73D2-4259-9F6A-069219C27C46}" dt="2023-03-16T18:50:15.693" v="2" actId="478"/>
-          <ac:picMkLst>
-            <pc:docMk/>
-            <pc:sldMk cId="2571368551" sldId="272"/>
-            <ac:picMk id="1030" creationId="{09C80CDA-F041-4168-BFBD-3B06B25C395B}"/>
-          </ac:picMkLst>
-        </pc:picChg>
+            <ac:graphicFrameMk id="7" creationId="{A32DE793-60F9-4A58-A1FB-790DB77845AA}"/>
+          </ac:graphicFrameMkLst>
+        </pc:graphicFrameChg>
       </pc:sldChg>
-      <pc:sldChg chg="modSp add">
-        <pc:chgData name="Marcia Moraes" userId="c9c67e8a-58e2-4733-9a1c-5d44fec4775b" providerId="ADAL" clId="{9C8383A8-73D2-4259-9F6A-069219C27C46}" dt="2023-03-16T19:08:35.738" v="168" actId="20577"/>
-        <pc:sldMkLst>
-          <pc:docMk/>
-          <pc:sldMk cId="769462790" sldId="273"/>
-        </pc:sldMkLst>
-        <pc:spChg chg="mod">
-          <ac:chgData name="Marcia Moraes" userId="c9c67e8a-58e2-4733-9a1c-5d44fec4775b" providerId="ADAL" clId="{9C8383A8-73D2-4259-9F6A-069219C27C46}" dt="2023-03-16T19:07:01.626" v="141" actId="20577"/>
-          <ac:spMkLst>
-            <pc:docMk/>
-            <pc:sldMk cId="769462790" sldId="273"/>
-            <ac:spMk id="2" creationId="{FD687248-3208-9A44-9A51-EB618781B9A2}"/>
-          </ac:spMkLst>
-        </pc:spChg>
-        <pc:spChg chg="mod">
-          <ac:chgData name="Marcia Moraes" userId="c9c67e8a-58e2-4733-9a1c-5d44fec4775b" providerId="ADAL" clId="{9C8383A8-73D2-4259-9F6A-069219C27C46}" dt="2023-03-16T19:08:35.738" v="168" actId="20577"/>
-          <ac:spMkLst>
-            <pc:docMk/>
-            <pc:sldMk cId="769462790" sldId="273"/>
-            <ac:spMk id="3" creationId="{59B974EA-6283-0E4B-AE4B-8490A3073B18}"/>
-          </ac:spMkLst>
-        </pc:spChg>
-      </pc:sldChg>
-      <pc:sldChg chg="modSp add ord">
-        <pc:chgData name="Marcia Moraes" userId="c9c67e8a-58e2-4733-9a1c-5d44fec4775b" providerId="ADAL" clId="{9C8383A8-73D2-4259-9F6A-069219C27C46}" dt="2023-03-16T20:24:24.752" v="608" actId="6549"/>
-        <pc:sldMkLst>
-          <pc:docMk/>
-          <pc:sldMk cId="3064797980" sldId="274"/>
-        </pc:sldMkLst>
-        <pc:spChg chg="mod">
-          <ac:chgData name="Marcia Moraes" userId="c9c67e8a-58e2-4733-9a1c-5d44fec4775b" providerId="ADAL" clId="{9C8383A8-73D2-4259-9F6A-069219C27C46}" dt="2023-03-16T20:24:24.752" v="608" actId="6549"/>
-          <ac:spMkLst>
-            <pc:docMk/>
-            <pc:sldMk cId="3064797980" sldId="274"/>
-            <ac:spMk id="3" creationId="{B3F7BCF3-D0E2-8047-B0A5-8223896AEC37}"/>
-          </ac:spMkLst>
-        </pc:spChg>
-      </pc:sldChg>
-      <pc:sldChg chg="addSp delSp modSp add del">
-        <pc:chgData name="Marcia Moraes" userId="c9c67e8a-58e2-4733-9a1c-5d44fec4775b" providerId="ADAL" clId="{9C8383A8-73D2-4259-9F6A-069219C27C46}" dt="2023-03-16T20:25:19.872" v="610" actId="2696"/>
-        <pc:sldMkLst>
-          <pc:docMk/>
-          <pc:sldMk cId="477461206" sldId="275"/>
-        </pc:sldMkLst>
-        <pc:spChg chg="mod">
-          <ac:chgData name="Marcia Moraes" userId="c9c67e8a-58e2-4733-9a1c-5d44fec4775b" providerId="ADAL" clId="{9C8383A8-73D2-4259-9F6A-069219C27C46}" dt="2023-03-16T19:47:59.685" v="304" actId="1076"/>
-          <ac:spMkLst>
-            <pc:docMk/>
-            <pc:sldMk cId="477461206" sldId="275"/>
-            <ac:spMk id="2" creationId="{5F9D756F-1A19-4997-9F54-28DF0A398A50}"/>
-          </ac:spMkLst>
-        </pc:spChg>
-        <pc:spChg chg="del">
-          <ac:chgData name="Marcia Moraes" userId="c9c67e8a-58e2-4733-9a1c-5d44fec4775b" providerId="ADAL" clId="{9C8383A8-73D2-4259-9F6A-069219C27C46}" dt="2023-03-16T19:47:06.958" v="293" actId="478"/>
-          <ac:spMkLst>
-            <pc:docMk/>
-            <pc:sldMk cId="477461206" sldId="275"/>
-            <ac:spMk id="3" creationId="{DA0C524E-DB70-416F-ADB6-499ACB721A23}"/>
-          </ac:spMkLst>
-        </pc:spChg>
-        <pc:spChg chg="add mod">
-          <ac:chgData name="Marcia Moraes" userId="c9c67e8a-58e2-4733-9a1c-5d44fec4775b" providerId="ADAL" clId="{9C8383A8-73D2-4259-9F6A-069219C27C46}" dt="2023-03-16T19:48:22.038" v="306" actId="207"/>
-          <ac:spMkLst>
-            <pc:docMk/>
-            <pc:sldMk cId="477461206" sldId="275"/>
-            <ac:spMk id="4" creationId="{7BA256FE-F4A9-4FAB-A268-651BA5171627}"/>
-          </ac:spMkLst>
-        </pc:spChg>
-        <pc:spChg chg="add mod">
-          <ac:chgData name="Marcia Moraes" userId="c9c67e8a-58e2-4733-9a1c-5d44fec4775b" providerId="ADAL" clId="{9C8383A8-73D2-4259-9F6A-069219C27C46}" dt="2023-03-16T19:50:37.167" v="322" actId="6549"/>
-          <ac:spMkLst>
-            <pc:docMk/>
-            <pc:sldMk cId="477461206" sldId="275"/>
-            <ac:spMk id="5" creationId="{418C11D3-7FBE-4C4A-A608-8FF644784B1B}"/>
-          </ac:spMkLst>
-        </pc:spChg>
-        <pc:spChg chg="add mod">
-          <ac:chgData name="Marcia Moraes" userId="c9c67e8a-58e2-4733-9a1c-5d44fec4775b" providerId="ADAL" clId="{9C8383A8-73D2-4259-9F6A-069219C27C46}" dt="2023-03-16T19:50:11.382" v="317"/>
-          <ac:spMkLst>
-            <pc:docMk/>
-            <pc:sldMk cId="477461206" sldId="275"/>
-            <ac:spMk id="6" creationId="{44963C8C-EF2B-44E9-B5C8-B9993D7D1364}"/>
-          </ac:spMkLst>
-        </pc:spChg>
-        <pc:spChg chg="add mod">
-          <ac:chgData name="Marcia Moraes" userId="c9c67e8a-58e2-4733-9a1c-5d44fec4775b" providerId="ADAL" clId="{9C8383A8-73D2-4259-9F6A-069219C27C46}" dt="2023-03-16T19:53:10.165" v="417" actId="1076"/>
-          <ac:spMkLst>
-            <pc:docMk/>
-            <pc:sldMk cId="477461206" sldId="275"/>
-            <ac:spMk id="7" creationId="{8D25B16C-09E4-4AD0-A535-9892366A46B1}"/>
-          </ac:spMkLst>
-        </pc:spChg>
-      </pc:sldChg>
-      <pc:sldChg chg="addSp delSp modSp add">
-        <pc:chgData name="Marcia Moraes" userId="c9c67e8a-58e2-4733-9a1c-5d44fec4775b" providerId="ADAL" clId="{9C8383A8-73D2-4259-9F6A-069219C27C46}" dt="2023-03-16T20:33:52.744" v="717" actId="1076"/>
-        <pc:sldMkLst>
-          <pc:docMk/>
-          <pc:sldMk cId="430795218" sldId="276"/>
-        </pc:sldMkLst>
-        <pc:spChg chg="mod">
-          <ac:chgData name="Marcia Moraes" userId="c9c67e8a-58e2-4733-9a1c-5d44fec4775b" providerId="ADAL" clId="{9C8383A8-73D2-4259-9F6A-069219C27C46}" dt="2023-03-16T20:27:35.444" v="628" actId="6549"/>
-          <ac:spMkLst>
-            <pc:docMk/>
-            <pc:sldMk cId="430795218" sldId="276"/>
-            <ac:spMk id="2" creationId="{5F9D756F-1A19-4997-9F54-28DF0A398A50}"/>
-          </ac:spMkLst>
-        </pc:spChg>
-        <pc:spChg chg="add mod">
-          <ac:chgData name="Marcia Moraes" userId="c9c67e8a-58e2-4733-9a1c-5d44fec4775b" providerId="ADAL" clId="{9C8383A8-73D2-4259-9F6A-069219C27C46}" dt="2023-03-16T20:25:53.762" v="612"/>
-          <ac:spMkLst>
-            <pc:docMk/>
-            <pc:sldMk cId="430795218" sldId="276"/>
-            <ac:spMk id="3" creationId="{E3F71595-28E5-4246-8D30-5460F8D946F6}"/>
-          </ac:spMkLst>
-        </pc:spChg>
-        <pc:spChg chg="del mod">
-          <ac:chgData name="Marcia Moraes" userId="c9c67e8a-58e2-4733-9a1c-5d44fec4775b" providerId="ADAL" clId="{9C8383A8-73D2-4259-9F6A-069219C27C46}" dt="2023-03-16T20:30:49.301" v="629" actId="478"/>
-          <ac:spMkLst>
-            <pc:docMk/>
-            <pc:sldMk cId="430795218" sldId="276"/>
-            <ac:spMk id="4" creationId="{7BA256FE-F4A9-4FAB-A268-651BA5171627}"/>
-          </ac:spMkLst>
-        </pc:spChg>
-        <pc:spChg chg="del">
-          <ac:chgData name="Marcia Moraes" userId="c9c67e8a-58e2-4733-9a1c-5d44fec4775b" providerId="ADAL" clId="{9C8383A8-73D2-4259-9F6A-069219C27C46}" dt="2023-03-16T20:30:52.536" v="630" actId="478"/>
-          <ac:spMkLst>
-            <pc:docMk/>
-            <pc:sldMk cId="430795218" sldId="276"/>
-            <ac:spMk id="5" creationId="{418C11D3-7FBE-4C4A-A608-8FF644784B1B}"/>
-          </ac:spMkLst>
-        </pc:spChg>
-        <pc:spChg chg="mod">
-          <ac:chgData name="Marcia Moraes" userId="c9c67e8a-58e2-4733-9a1c-5d44fec4775b" providerId="ADAL" clId="{9C8383A8-73D2-4259-9F6A-069219C27C46}" dt="2023-03-16T20:33:52.744" v="717" actId="1076"/>
-          <ac:spMkLst>
-            <pc:docMk/>
-            <pc:sldMk cId="430795218" sldId="276"/>
-            <ac:spMk id="7" creationId="{8D25B16C-09E4-4AD0-A535-9892366A46B1}"/>
-          </ac:spMkLst>
-        </pc:spChg>
-        <pc:spChg chg="add mod">
-          <ac:chgData name="Marcia Moraes" userId="c9c67e8a-58e2-4733-9a1c-5d44fec4775b" providerId="ADAL" clId="{9C8383A8-73D2-4259-9F6A-069219C27C46}" dt="2023-03-16T20:32:34.078" v="644" actId="1076"/>
-          <ac:spMkLst>
-            <pc:docMk/>
-            <pc:sldMk cId="430795218" sldId="276"/>
-            <ac:spMk id="8" creationId="{29EB848F-7AF9-457E-950A-263D9B55E6CE}"/>
-          </ac:spMkLst>
-        </pc:spChg>
-        <pc:spChg chg="add mod">
-          <ac:chgData name="Marcia Moraes" userId="c9c67e8a-58e2-4733-9a1c-5d44fec4775b" providerId="ADAL" clId="{9C8383A8-73D2-4259-9F6A-069219C27C46}" dt="2023-03-16T20:32:44.601" v="646" actId="6549"/>
-          <ac:spMkLst>
-            <pc:docMk/>
-            <pc:sldMk cId="430795218" sldId="276"/>
-            <ac:spMk id="9" creationId="{15B98416-32B1-4AAB-8CDA-283EF1B02A09}"/>
-          </ac:spMkLst>
-        </pc:spChg>
-      </pc:sldChg>
-      <pc:sldChg chg="modSp add del">
-        <pc:chgData name="Marcia Moraes" userId="c9c67e8a-58e2-4733-9a1c-5d44fec4775b" providerId="ADAL" clId="{9C8383A8-73D2-4259-9F6A-069219C27C46}" dt="2023-03-16T20:21:11.360" v="527" actId="2696"/>
-        <pc:sldMkLst>
-          <pc:docMk/>
-          <pc:sldMk cId="2703448146" sldId="277"/>
-        </pc:sldMkLst>
-        <pc:spChg chg="mod">
-          <ac:chgData name="Marcia Moraes" userId="c9c67e8a-58e2-4733-9a1c-5d44fec4775b" providerId="ADAL" clId="{9C8383A8-73D2-4259-9F6A-069219C27C46}" dt="2023-03-16T20:02:28.638" v="462" actId="20577"/>
-          <ac:spMkLst>
-            <pc:docMk/>
-            <pc:sldMk cId="2703448146" sldId="277"/>
-            <ac:spMk id="3" creationId="{40252F01-3FE5-5946-9A8A-B4CCC96D0FB9}"/>
-          </ac:spMkLst>
-        </pc:spChg>
-      </pc:sldChg>
-      <pc:sldChg chg="modSp add">
-        <pc:chgData name="Marcia Moraes" userId="c9c67e8a-58e2-4733-9a1c-5d44fec4775b" providerId="ADAL" clId="{9C8383A8-73D2-4259-9F6A-069219C27C46}" dt="2023-03-16T20:24:31.195" v="609" actId="6549"/>
-        <pc:sldMkLst>
-          <pc:docMk/>
-          <pc:sldMk cId="1014773807" sldId="278"/>
-        </pc:sldMkLst>
-        <pc:spChg chg="mod">
-          <ac:chgData name="Marcia Moraes" userId="c9c67e8a-58e2-4733-9a1c-5d44fec4775b" providerId="ADAL" clId="{9C8383A8-73D2-4259-9F6A-069219C27C46}" dt="2023-03-16T20:03:04.478" v="476" actId="20577"/>
-          <ac:spMkLst>
-            <pc:docMk/>
-            <pc:sldMk cId="1014773807" sldId="278"/>
-            <ac:spMk id="2" creationId="{28869225-903E-C84A-94F6-965D9022496B}"/>
-          </ac:spMkLst>
-        </pc:spChg>
-        <pc:spChg chg="mod">
-          <ac:chgData name="Marcia Moraes" userId="c9c67e8a-58e2-4733-9a1c-5d44fec4775b" providerId="ADAL" clId="{9C8383A8-73D2-4259-9F6A-069219C27C46}" dt="2023-03-16T20:24:31.195" v="609" actId="6549"/>
-          <ac:spMkLst>
-            <pc:docMk/>
-            <pc:sldMk cId="1014773807" sldId="278"/>
-            <ac:spMk id="3" creationId="{B3F7BCF3-D0E2-8047-B0A5-8223896AEC37}"/>
-          </ac:spMkLst>
-        </pc:spChg>
-      </pc:sldChg>
-      <pc:sldChg chg="addSp modSp add">
-        <pc:chgData name="Marcia Moraes" userId="c9c67e8a-58e2-4733-9a1c-5d44fec4775b" providerId="ADAL" clId="{9C8383A8-73D2-4259-9F6A-069219C27C46}" dt="2023-03-16T20:40:32.336" v="1036" actId="1076"/>
-        <pc:sldMkLst>
-          <pc:docMk/>
-          <pc:sldMk cId="502461413" sldId="279"/>
-        </pc:sldMkLst>
-        <pc:spChg chg="add mod">
-          <ac:chgData name="Marcia Moraes" userId="c9c67e8a-58e2-4733-9a1c-5d44fec4775b" providerId="ADAL" clId="{9C8383A8-73D2-4259-9F6A-069219C27C46}" dt="2023-03-16T20:40:32.336" v="1036" actId="1076"/>
-          <ac:spMkLst>
-            <pc:docMk/>
-            <pc:sldMk cId="502461413" sldId="279"/>
-            <ac:spMk id="4" creationId="{5E11631D-BACA-472E-9EFF-4C433E2C262A}"/>
-          </ac:spMkLst>
-        </pc:spChg>
-        <pc:spChg chg="mod">
-          <ac:chgData name="Marcia Moraes" userId="c9c67e8a-58e2-4733-9a1c-5d44fec4775b" providerId="ADAL" clId="{9C8383A8-73D2-4259-9F6A-069219C27C46}" dt="2023-03-16T20:36:18.490" v="973" actId="113"/>
-          <ac:spMkLst>
-            <pc:docMk/>
-            <pc:sldMk cId="502461413" sldId="279"/>
-            <ac:spMk id="7" creationId="{8D25B16C-09E4-4AD0-A535-9892366A46B1}"/>
-          </ac:spMkLst>
-        </pc:spChg>
-        <pc:spChg chg="mod">
-          <ac:chgData name="Marcia Moraes" userId="c9c67e8a-58e2-4733-9a1c-5d44fec4775b" providerId="ADAL" clId="{9C8383A8-73D2-4259-9F6A-069219C27C46}" dt="2023-03-16T20:36:55.277" v="977" actId="1076"/>
-          <ac:spMkLst>
-            <pc:docMk/>
-            <pc:sldMk cId="502461413" sldId="279"/>
-            <ac:spMk id="8" creationId="{29EB848F-7AF9-457E-950A-263D9B55E6CE}"/>
-          </ac:spMkLst>
-        </pc:spChg>
-      </pc:sldChg>
-      <pc:sldChg chg="addSp delSp modSp add addAnim delAnim modAnim">
-        <pc:chgData name="Marcia Moraes" userId="c9c67e8a-58e2-4733-9a1c-5d44fec4775b" providerId="ADAL" clId="{9C8383A8-73D2-4259-9F6A-069219C27C46}" dt="2023-03-16T20:55:28.019" v="1173" actId="20577"/>
-        <pc:sldMkLst>
-          <pc:docMk/>
-          <pc:sldMk cId="3238287260" sldId="280"/>
-        </pc:sldMkLst>
-        <pc:spChg chg="del">
-          <ac:chgData name="Marcia Moraes" userId="c9c67e8a-58e2-4733-9a1c-5d44fec4775b" providerId="ADAL" clId="{9C8383A8-73D2-4259-9F6A-069219C27C46}" dt="2023-03-16T20:47:28.002" v="1039" actId="478"/>
-          <ac:spMkLst>
-            <pc:docMk/>
-            <pc:sldMk cId="3238287260" sldId="280"/>
-            <ac:spMk id="4" creationId="{5E11631D-BACA-472E-9EFF-4C433E2C262A}"/>
-          </ac:spMkLst>
-        </pc:spChg>
-        <pc:spChg chg="add mod">
-          <ac:chgData name="Marcia Moraes" userId="c9c67e8a-58e2-4733-9a1c-5d44fec4775b" providerId="ADAL" clId="{9C8383A8-73D2-4259-9F6A-069219C27C46}" dt="2023-03-16T20:50:04.173" v="1067" actId="6549"/>
-          <ac:spMkLst>
-            <pc:docMk/>
-            <pc:sldMk cId="3238287260" sldId="280"/>
-            <ac:spMk id="5" creationId="{14164F67-5CFC-4A8B-9353-14C3A89CBBE2}"/>
-          </ac:spMkLst>
-        </pc:spChg>
-        <pc:spChg chg="del">
-          <ac:chgData name="Marcia Moraes" userId="c9c67e8a-58e2-4733-9a1c-5d44fec4775b" providerId="ADAL" clId="{9C8383A8-73D2-4259-9F6A-069219C27C46}" dt="2023-03-16T20:47:24.961" v="1038" actId="478"/>
-          <ac:spMkLst>
-            <pc:docMk/>
-            <pc:sldMk cId="3238287260" sldId="280"/>
-            <ac:spMk id="7" creationId="{8D25B16C-09E4-4AD0-A535-9892366A46B1}"/>
-          </ac:spMkLst>
-        </pc:spChg>
-        <pc:spChg chg="del">
-          <ac:chgData name="Marcia Moraes" userId="c9c67e8a-58e2-4733-9a1c-5d44fec4775b" providerId="ADAL" clId="{9C8383A8-73D2-4259-9F6A-069219C27C46}" dt="2023-03-16T20:47:32.480" v="1040" actId="478"/>
-          <ac:spMkLst>
-            <pc:docMk/>
-            <pc:sldMk cId="3238287260" sldId="280"/>
-            <ac:spMk id="8" creationId="{29EB848F-7AF9-457E-950A-263D9B55E6CE}"/>
-          </ac:spMkLst>
-        </pc:spChg>
-        <pc:spChg chg="del">
-          <ac:chgData name="Marcia Moraes" userId="c9c67e8a-58e2-4733-9a1c-5d44fec4775b" providerId="ADAL" clId="{9C8383A8-73D2-4259-9F6A-069219C27C46}" dt="2023-03-16T20:47:36.032" v="1041" actId="478"/>
-          <ac:spMkLst>
-            <pc:docMk/>
-            <pc:sldMk cId="3238287260" sldId="280"/>
-            <ac:spMk id="9" creationId="{15B98416-32B1-4AAB-8CDA-283EF1B02A09}"/>
-          </ac:spMkLst>
-        </pc:spChg>
-        <pc:spChg chg="add mod">
-          <ac:chgData name="Marcia Moraes" userId="c9c67e8a-58e2-4733-9a1c-5d44fec4775b" providerId="ADAL" clId="{9C8383A8-73D2-4259-9F6A-069219C27C46}" dt="2023-03-16T20:49:00.603" v="1051" actId="1076"/>
-          <ac:spMkLst>
-            <pc:docMk/>
-            <pc:sldMk cId="3238287260" sldId="280"/>
-            <ac:spMk id="10" creationId="{E2A033B6-45AB-4118-A988-96FDA4B8C0AF}"/>
-          </ac:spMkLst>
-        </pc:spChg>
-        <pc:spChg chg="add mod">
-          <ac:chgData name="Marcia Moraes" userId="c9c67e8a-58e2-4733-9a1c-5d44fec4775b" providerId="ADAL" clId="{9C8383A8-73D2-4259-9F6A-069219C27C46}" dt="2023-03-16T20:49:28.423" v="1052" actId="11529"/>
-          <ac:spMkLst>
-            <pc:docMk/>
-            <pc:sldMk cId="3238287260" sldId="280"/>
-            <ac:spMk id="11" creationId="{237836F5-2AC6-4730-9FE9-9C3DEB333794}"/>
-          </ac:spMkLst>
-        </pc:spChg>
-        <pc:spChg chg="add mod">
-          <ac:chgData name="Marcia Moraes" userId="c9c67e8a-58e2-4733-9a1c-5d44fec4775b" providerId="ADAL" clId="{9C8383A8-73D2-4259-9F6A-069219C27C46}" dt="2023-03-16T20:49:51.646" v="1065" actId="1076"/>
-          <ac:spMkLst>
-            <pc:docMk/>
-            <pc:sldMk cId="3238287260" sldId="280"/>
-            <ac:spMk id="12" creationId="{1DF6FFAF-5868-495D-9C60-6F42AD1E8851}"/>
-          </ac:spMkLst>
-        </pc:spChg>
-        <pc:spChg chg="add mod">
-          <ac:chgData name="Marcia Moraes" userId="c9c67e8a-58e2-4733-9a1c-5d44fec4775b" providerId="ADAL" clId="{9C8383A8-73D2-4259-9F6A-069219C27C46}" dt="2023-03-16T20:50:29.888" v="1069" actId="1076"/>
-          <ac:spMkLst>
-            <pc:docMk/>
-            <pc:sldMk cId="3238287260" sldId="280"/>
-            <ac:spMk id="13" creationId="{BC108EA6-47D7-44AD-BF11-B47C5D8B7895}"/>
-          </ac:spMkLst>
-        </pc:spChg>
-        <pc:spChg chg="add del mod">
-          <ac:chgData name="Marcia Moraes" userId="c9c67e8a-58e2-4733-9a1c-5d44fec4775b" providerId="ADAL" clId="{9C8383A8-73D2-4259-9F6A-069219C27C46}" dt="2023-03-16T20:51:12.764" v="1103" actId="478"/>
-          <ac:spMkLst>
-            <pc:docMk/>
-            <pc:sldMk cId="3238287260" sldId="280"/>
-            <ac:spMk id="14" creationId="{6736F3C9-F78E-4265-868A-8EBC63E317BB}"/>
-          </ac:spMkLst>
-        </pc:spChg>
-        <pc:spChg chg="add mod">
-          <ac:chgData name="Marcia Moraes" userId="c9c67e8a-58e2-4733-9a1c-5d44fec4775b" providerId="ADAL" clId="{9C8383A8-73D2-4259-9F6A-069219C27C46}" dt="2023-03-16T20:52:08.817" v="1111" actId="1076"/>
-          <ac:spMkLst>
-            <pc:docMk/>
-            <pc:sldMk cId="3238287260" sldId="280"/>
-            <ac:spMk id="15" creationId="{79F05CC1-D5E5-405A-B62D-4445D44796E2}"/>
-          </ac:spMkLst>
-        </pc:spChg>
-        <pc:spChg chg="add mod">
-          <ac:chgData name="Marcia Moraes" userId="c9c67e8a-58e2-4733-9a1c-5d44fec4775b" providerId="ADAL" clId="{9C8383A8-73D2-4259-9F6A-069219C27C46}" dt="2023-03-16T20:52:37.174" v="1167" actId="14100"/>
-          <ac:spMkLst>
-            <pc:docMk/>
-            <pc:sldMk cId="3238287260" sldId="280"/>
-            <ac:spMk id="16" creationId="{52363757-CAEB-4BE8-A673-86AFD55AF3E2}"/>
-          </ac:spMkLst>
-        </pc:spChg>
-        <pc:spChg chg="add mod">
-          <ac:chgData name="Marcia Moraes" userId="c9c67e8a-58e2-4733-9a1c-5d44fec4775b" providerId="ADAL" clId="{9C8383A8-73D2-4259-9F6A-069219C27C46}" dt="2023-03-16T20:55:28.019" v="1173" actId="20577"/>
-          <ac:spMkLst>
-            <pc:docMk/>
-            <pc:sldMk cId="3238287260" sldId="280"/>
-            <ac:spMk id="17" creationId="{C54DE07B-D007-48FE-BD2E-C1B7AC46D027}"/>
-          </ac:spMkLst>
-        </pc:spChg>
-      </pc:sldChg>
-      <pc:sldMasterChg chg="modSldLayout">
-        <pc:chgData name="Marcia Moraes" userId="c9c67e8a-58e2-4733-9a1c-5d44fec4775b" providerId="ADAL" clId="{9C8383A8-73D2-4259-9F6A-069219C27C46}" dt="2023-03-16T19:09:51.333" v="235" actId="20577"/>
-        <pc:sldMasterMkLst>
-          <pc:docMk/>
-          <pc:sldMasterMk cId="3965733437" sldId="2147483648"/>
-        </pc:sldMasterMkLst>
-        <pc:sldLayoutChg chg="modSp">
-          <pc:chgData name="Marcia Moraes" userId="c9c67e8a-58e2-4733-9a1c-5d44fec4775b" providerId="ADAL" clId="{9C8383A8-73D2-4259-9F6A-069219C27C46}" dt="2023-03-16T19:09:51.333" v="235" actId="20577"/>
-          <pc:sldLayoutMkLst>
-            <pc:docMk/>
-            <pc:sldMasterMk cId="3965733437" sldId="2147483648"/>
-            <pc:sldLayoutMk cId="0" sldId="2147483689"/>
-          </pc:sldLayoutMkLst>
-          <pc:spChg chg="mod">
-            <ac:chgData name="Marcia Moraes" userId="c9c67e8a-58e2-4733-9a1c-5d44fec4775b" providerId="ADAL" clId="{9C8383A8-73D2-4259-9F6A-069219C27C46}" dt="2023-03-16T19:09:10.115" v="170" actId="1076"/>
-            <ac:spMkLst>
-              <pc:docMk/>
-              <pc:sldMasterMk cId="3965733437" sldId="2147483648"/>
-              <pc:sldLayoutMk cId="0" sldId="2147483689"/>
-              <ac:spMk id="9" creationId="{518974DB-51D0-2C49-9088-48CE2D84AB1C}"/>
-            </ac:spMkLst>
-          </pc:spChg>
-          <pc:spChg chg="mod">
-            <ac:chgData name="Marcia Moraes" userId="c9c67e8a-58e2-4733-9a1c-5d44fec4775b" providerId="ADAL" clId="{9C8383A8-73D2-4259-9F6A-069219C27C46}" dt="2023-03-16T19:09:51.333" v="235" actId="20577"/>
-            <ac:spMkLst>
-              <pc:docMk/>
-              <pc:sldMasterMk cId="3965733437" sldId="2147483648"/>
-              <pc:sldLayoutMk cId="0" sldId="2147483689"/>
-              <ac:spMk id="11" creationId="{F621E987-BD36-AF48-B11C-CC4BAD65092F}"/>
-            </ac:spMkLst>
-          </pc:spChg>
-          <pc:picChg chg="mod">
-            <ac:chgData name="Marcia Moraes" userId="c9c67e8a-58e2-4733-9a1c-5d44fec4775b" providerId="ADAL" clId="{9C8383A8-73D2-4259-9F6A-069219C27C46}" dt="2023-03-16T19:09:24.579" v="173" actId="1076"/>
-            <ac:picMkLst>
-              <pc:docMk/>
-              <pc:sldMasterMk cId="3965733437" sldId="2147483648"/>
-              <pc:sldLayoutMk cId="0" sldId="2147483689"/>
-              <ac:picMk id="5" creationId="{00000000-0000-0000-0000-000000000000}"/>
-            </ac:picMkLst>
-          </pc:picChg>
-          <pc:picChg chg="mod">
-            <ac:chgData name="Marcia Moraes" userId="c9c67e8a-58e2-4733-9a1c-5d44fec4775b" providerId="ADAL" clId="{9C8383A8-73D2-4259-9F6A-069219C27C46}" dt="2023-03-16T19:09:05.196" v="169" actId="1076"/>
-            <ac:picMkLst>
-              <pc:docMk/>
-              <pc:sldMasterMk cId="3965733437" sldId="2147483648"/>
-              <pc:sldLayoutMk cId="0" sldId="2147483689"/>
-              <ac:picMk id="7" creationId="{00000000-0000-0000-0000-000000000000}"/>
-            </ac:picMkLst>
-          </pc:picChg>
-        </pc:sldLayoutChg>
-      </pc:sldMasterChg>
     </pc:docChg>
   </pc:docChgLst>
   <pc:docChgLst>
@@ -951,7 +270,7 @@
           <a:p>
             <a:fld id="{4D7E51A5-B478-1E40-8CBB-0DAA8831E99D}" type="datetimeFigureOut">
               <a:rPr lang="en-US" smtClean="0"/>
-              <a:t>3/16/2023</a:t>
+              <a:t>10/11/2023</a:t>
             </a:fld>
             <a:endParaRPr lang="en-US"/>
           </a:p>
@@ -1116,7 +435,7 @@
           <a:p>
             <a:fld id="{D0ED587F-861E-6740-9643-E3DDAE89B8D6}" type="datetimeFigureOut">
               <a:rPr lang="en-US" smtClean="0"/>
-              <a:t>3/16/2023</a:t>
+              <a:t>10/11/2023</a:t>
             </a:fld>
             <a:endParaRPr lang="en-US"/>
           </a:p>
@@ -17818,6 +17137,1439 @@
           </a:prstGeom>
         </p:spPr>
       </p:pic>
+      <p:sp>
+        <p:nvSpPr>
+          <p:cNvPr id="6" name="TextBox 5">
+            <a:extLst>
+              <a:ext uri="{FF2B5EF4-FFF2-40B4-BE49-F238E27FC236}">
+                <a16:creationId xmlns:a16="http://schemas.microsoft.com/office/drawing/2014/main" id="{AA6A8138-6A98-4DE5-8EB4-C33E868FC3E1}"/>
+              </a:ext>
+            </a:extLst>
+          </p:cNvPr>
+          <p:cNvSpPr txBox="1"/>
+          <p:nvPr/>
+        </p:nvSpPr>
+        <p:spPr>
+          <a:xfrm flipH="1">
+            <a:off x="9976198" y="3363522"/>
+            <a:ext cx="2444933" cy="400110"/>
+          </a:xfrm>
+          <a:prstGeom prst="rect">
+            <a:avLst/>
+          </a:prstGeom>
+          <a:noFill/>
+        </p:spPr>
+        <p:txBody>
+          <a:bodyPr wrap="square" rtlCol="0">
+            <a:spAutoFit/>
+          </a:bodyPr>
+          <a:lstStyle/>
+          <a:p>
+            <a:r>
+              <a:rPr lang="en-US" dirty="0"/>
+              <a:t>Help Desk</a:t>
+            </a:r>
+          </a:p>
+        </p:txBody>
+      </p:sp>
+      <p:graphicFrame>
+        <p:nvGraphicFramePr>
+          <p:cNvPr id="7" name="Table 6">
+            <a:extLst>
+              <a:ext uri="{FF2B5EF4-FFF2-40B4-BE49-F238E27FC236}">
+                <a16:creationId xmlns:a16="http://schemas.microsoft.com/office/drawing/2014/main" id="{A32DE793-60F9-4A58-A1FB-790DB77845AA}"/>
+              </a:ext>
+            </a:extLst>
+          </p:cNvPr>
+          <p:cNvGraphicFramePr>
+            <a:graphicFrameLocks noGrp="1"/>
+          </p:cNvGraphicFramePr>
+          <p:nvPr>
+            <p:extLst>
+              <p:ext uri="{D42A27DB-BD31-4B8C-83A1-F6EECF244321}">
+                <p14:modId xmlns:p14="http://schemas.microsoft.com/office/powerpoint/2010/main" val="3085342150"/>
+              </p:ext>
+            </p:extLst>
+          </p:nvPr>
+        </p:nvGraphicFramePr>
+        <p:xfrm>
+          <a:off x="9987253" y="3863702"/>
+          <a:ext cx="3572199" cy="3253859"/>
+        </p:xfrm>
+        <a:graphic>
+          <a:graphicData uri="http://schemas.openxmlformats.org/drawingml/2006/table">
+            <a:tbl>
+              <a:tblPr firstRow="1">
+                <a:tableStyleId>{5C22544A-7EE6-4342-B048-85BDC9FD1C3A}</a:tableStyleId>
+              </a:tblPr>
+              <a:tblGrid>
+                <a:gridCol w="1105468">
+                  <a:extLst>
+                    <a:ext uri="{9D8B030D-6E8A-4147-A177-3AD203B41FA5}">
+                      <a16:colId xmlns:a16="http://schemas.microsoft.com/office/drawing/2014/main" val="1333462331"/>
+                    </a:ext>
+                  </a:extLst>
+                </a:gridCol>
+                <a:gridCol w="2466731">
+                  <a:extLst>
+                    <a:ext uri="{9D8B030D-6E8A-4147-A177-3AD203B41FA5}">
+                      <a16:colId xmlns:a16="http://schemas.microsoft.com/office/drawing/2014/main" val="668155110"/>
+                    </a:ext>
+                  </a:extLst>
+                </a:gridCol>
+              </a:tblGrid>
+              <a:tr h="165373">
+                <a:tc>
+                  <a:txBody>
+                    <a:bodyPr/>
+                    <a:lstStyle/>
+                    <a:p>
+                      <a:pPr marL="0" marR="0">
+                        <a:lnSpc>
+                          <a:spcPct val="107000"/>
+                        </a:lnSpc>
+                        <a:spcBef>
+                          <a:spcPts val="0"/>
+                        </a:spcBef>
+                        <a:spcAft>
+                          <a:spcPts val="800"/>
+                        </a:spcAft>
+                      </a:pPr>
+                      <a:r>
+                        <a:rPr lang="en-US" sz="1600" dirty="0">
+                          <a:solidFill>
+                            <a:schemeClr val="tx1"/>
+                          </a:solidFill>
+                          <a:effectLst/>
+                        </a:rPr>
+                        <a:t>Day</a:t>
+                      </a:r>
+                      <a:endParaRPr lang="en-US" sz="1600" dirty="0">
+                        <a:solidFill>
+                          <a:schemeClr val="tx1"/>
+                        </a:solidFill>
+                        <a:effectLst/>
+                        <a:latin typeface="Calibri" panose="020F0502020204030204" pitchFamily="34" charset="0"/>
+                        <a:ea typeface="Calibri" panose="020F0502020204030204" pitchFamily="34" charset="0"/>
+                        <a:cs typeface="Times New Roman" panose="02020603050405020304" pitchFamily="18" charset="0"/>
+                      </a:endParaRPr>
+                    </a:p>
+                  </a:txBody>
+                  <a:tcPr marL="15875" marR="15875" marT="15875" marB="15875" anchor="ctr">
+                    <a:lnL w="12700" cap="flat" cmpd="sng" algn="ctr">
+                      <a:solidFill>
+                        <a:schemeClr val="tx1"/>
+                      </a:solidFill>
+                      <a:prstDash val="solid"/>
+                      <a:round/>
+                      <a:headEnd type="none" w="med" len="med"/>
+                      <a:tailEnd type="none" w="med" len="med"/>
+                    </a:lnL>
+                    <a:lnR w="12700" cap="flat" cmpd="sng" algn="ctr">
+                      <a:solidFill>
+                        <a:schemeClr val="tx1"/>
+                      </a:solidFill>
+                      <a:prstDash val="solid"/>
+                      <a:round/>
+                      <a:headEnd type="none" w="med" len="med"/>
+                      <a:tailEnd type="none" w="med" len="med"/>
+                    </a:lnR>
+                    <a:lnT w="12700" cap="flat" cmpd="sng" algn="ctr">
+                      <a:solidFill>
+                        <a:schemeClr val="tx1"/>
+                      </a:solidFill>
+                      <a:prstDash val="solid"/>
+                      <a:round/>
+                      <a:headEnd type="none" w="med" len="med"/>
+                      <a:tailEnd type="none" w="med" len="med"/>
+                    </a:lnT>
+                    <a:lnB w="12700" cap="flat" cmpd="sng" algn="ctr">
+                      <a:solidFill>
+                        <a:schemeClr val="tx1"/>
+                      </a:solidFill>
+                      <a:prstDash val="solid"/>
+                      <a:round/>
+                      <a:headEnd type="none" w="med" len="med"/>
+                      <a:tailEnd type="none" w="med" len="med"/>
+                    </a:lnB>
+                    <a:lnTlToBr w="12700" cmpd="sng">
+                      <a:noFill/>
+                      <a:prstDash val="solid"/>
+                    </a:lnTlToBr>
+                    <a:lnBlToTr w="12700" cmpd="sng">
+                      <a:noFill/>
+                      <a:prstDash val="solid"/>
+                    </a:lnBlToTr>
+                    <a:solidFill>
+                      <a:schemeClr val="bg1"/>
+                    </a:solidFill>
+                  </a:tcPr>
+                </a:tc>
+                <a:tc>
+                  <a:txBody>
+                    <a:bodyPr/>
+                    <a:lstStyle/>
+                    <a:p>
+                      <a:pPr marL="0" marR="0">
+                        <a:lnSpc>
+                          <a:spcPct val="107000"/>
+                        </a:lnSpc>
+                        <a:spcBef>
+                          <a:spcPts val="0"/>
+                        </a:spcBef>
+                        <a:spcAft>
+                          <a:spcPts val="800"/>
+                        </a:spcAft>
+                      </a:pPr>
+                      <a:r>
+                        <a:rPr lang="en-US" sz="1600" dirty="0">
+                          <a:solidFill>
+                            <a:schemeClr val="tx1"/>
+                          </a:solidFill>
+                          <a:effectLst/>
+                        </a:rPr>
+                        <a:t>Time : Room</a:t>
+                      </a:r>
+                      <a:endParaRPr lang="en-US" sz="1600" dirty="0">
+                        <a:solidFill>
+                          <a:schemeClr val="tx1"/>
+                        </a:solidFill>
+                        <a:effectLst/>
+                        <a:latin typeface="Calibri" panose="020F0502020204030204" pitchFamily="34" charset="0"/>
+                        <a:ea typeface="Calibri" panose="020F0502020204030204" pitchFamily="34" charset="0"/>
+                        <a:cs typeface="Times New Roman" panose="02020603050405020304" pitchFamily="18" charset="0"/>
+                      </a:endParaRPr>
+                    </a:p>
+                  </a:txBody>
+                  <a:tcPr marL="15875" marR="15875" marT="15875" marB="15875" anchor="ctr">
+                    <a:lnL w="12700" cap="flat" cmpd="sng" algn="ctr">
+                      <a:solidFill>
+                        <a:schemeClr val="tx1"/>
+                      </a:solidFill>
+                      <a:prstDash val="solid"/>
+                      <a:round/>
+                      <a:headEnd type="none" w="med" len="med"/>
+                      <a:tailEnd type="none" w="med" len="med"/>
+                    </a:lnL>
+                    <a:lnR w="12700" cap="flat" cmpd="sng" algn="ctr">
+                      <a:solidFill>
+                        <a:schemeClr val="tx1"/>
+                      </a:solidFill>
+                      <a:prstDash val="solid"/>
+                      <a:round/>
+                      <a:headEnd type="none" w="med" len="med"/>
+                      <a:tailEnd type="none" w="med" len="med"/>
+                    </a:lnR>
+                    <a:lnT w="12700" cap="flat" cmpd="sng" algn="ctr">
+                      <a:solidFill>
+                        <a:schemeClr val="tx1"/>
+                      </a:solidFill>
+                      <a:prstDash val="solid"/>
+                      <a:round/>
+                      <a:headEnd type="none" w="med" len="med"/>
+                      <a:tailEnd type="none" w="med" len="med"/>
+                    </a:lnT>
+                    <a:lnB w="12700" cap="flat" cmpd="sng" algn="ctr">
+                      <a:solidFill>
+                        <a:schemeClr val="tx1"/>
+                      </a:solidFill>
+                      <a:prstDash val="solid"/>
+                      <a:round/>
+                      <a:headEnd type="none" w="med" len="med"/>
+                      <a:tailEnd type="none" w="med" len="med"/>
+                    </a:lnB>
+                    <a:lnTlToBr w="12700" cmpd="sng">
+                      <a:noFill/>
+                      <a:prstDash val="solid"/>
+                    </a:lnTlToBr>
+                    <a:lnBlToTr w="12700" cmpd="sng">
+                      <a:noFill/>
+                      <a:prstDash val="solid"/>
+                    </a:lnBlToTr>
+                    <a:solidFill>
+                      <a:schemeClr val="bg1"/>
+                    </a:solidFill>
+                  </a:tcPr>
+                </a:tc>
+                <a:extLst>
+                  <a:ext uri="{0D108BD9-81ED-4DB2-BD59-A6C34878D82A}">
+                    <a16:rowId xmlns:a16="http://schemas.microsoft.com/office/drawing/2014/main" val="3093163206"/>
+                  </a:ext>
+                </a:extLst>
+              </a:tr>
+              <a:tr h="581669">
+                <a:tc>
+                  <a:txBody>
+                    <a:bodyPr/>
+                    <a:lstStyle/>
+                    <a:p>
+                      <a:pPr marL="0" marR="0">
+                        <a:lnSpc>
+                          <a:spcPct val="107000"/>
+                        </a:lnSpc>
+                        <a:spcBef>
+                          <a:spcPts val="0"/>
+                        </a:spcBef>
+                        <a:spcAft>
+                          <a:spcPts val="800"/>
+                        </a:spcAft>
+                      </a:pPr>
+                      <a:r>
+                        <a:rPr lang="en-US" sz="1600" dirty="0">
+                          <a:effectLst/>
+                        </a:rPr>
+                        <a:t>Monday</a:t>
+                      </a:r>
+                      <a:endParaRPr lang="en-US" sz="1600" dirty="0">
+                        <a:effectLst/>
+                        <a:latin typeface="Calibri" panose="020F0502020204030204" pitchFamily="34" charset="0"/>
+                        <a:ea typeface="Calibri" panose="020F0502020204030204" pitchFamily="34" charset="0"/>
+                        <a:cs typeface="Times New Roman" panose="02020603050405020304" pitchFamily="18" charset="0"/>
+                      </a:endParaRPr>
+                    </a:p>
+                  </a:txBody>
+                  <a:tcPr marL="15875" marR="15875" marT="15875" marB="15875" anchor="ctr">
+                    <a:lnL w="12700" cap="flat" cmpd="sng" algn="ctr">
+                      <a:solidFill>
+                        <a:schemeClr val="tx1"/>
+                      </a:solidFill>
+                      <a:prstDash val="solid"/>
+                      <a:round/>
+                      <a:headEnd type="none" w="med" len="med"/>
+                      <a:tailEnd type="none" w="med" len="med"/>
+                    </a:lnL>
+                    <a:lnR w="12700" cap="flat" cmpd="sng" algn="ctr">
+                      <a:solidFill>
+                        <a:schemeClr val="tx1"/>
+                      </a:solidFill>
+                      <a:prstDash val="solid"/>
+                      <a:round/>
+                      <a:headEnd type="none" w="med" len="med"/>
+                      <a:tailEnd type="none" w="med" len="med"/>
+                    </a:lnR>
+                    <a:lnT w="12700" cap="flat" cmpd="sng" algn="ctr">
+                      <a:solidFill>
+                        <a:schemeClr val="tx1"/>
+                      </a:solidFill>
+                      <a:prstDash val="solid"/>
+                      <a:round/>
+                      <a:headEnd type="none" w="med" len="med"/>
+                      <a:tailEnd type="none" w="med" len="med"/>
+                    </a:lnT>
+                    <a:lnB w="12700" cap="flat" cmpd="sng" algn="ctr">
+                      <a:solidFill>
+                        <a:schemeClr val="tx1"/>
+                      </a:solidFill>
+                      <a:prstDash val="solid"/>
+                      <a:round/>
+                      <a:headEnd type="none" w="med" len="med"/>
+                      <a:tailEnd type="none" w="med" len="med"/>
+                    </a:lnB>
+                    <a:lnTlToBr w="12700" cmpd="sng">
+                      <a:noFill/>
+                      <a:prstDash val="solid"/>
+                    </a:lnTlToBr>
+                    <a:lnBlToTr w="12700" cmpd="sng">
+                      <a:noFill/>
+                      <a:prstDash val="solid"/>
+                    </a:lnBlToTr>
+                    <a:solidFill>
+                      <a:schemeClr val="bg1"/>
+                    </a:solidFill>
+                  </a:tcPr>
+                </a:tc>
+                <a:tc>
+                  <a:txBody>
+                    <a:bodyPr/>
+                    <a:lstStyle/>
+                    <a:p>
+                      <a:pPr marL="0" marR="0">
+                        <a:lnSpc>
+                          <a:spcPct val="107000"/>
+                        </a:lnSpc>
+                        <a:spcBef>
+                          <a:spcPts val="0"/>
+                        </a:spcBef>
+                        <a:spcAft>
+                          <a:spcPts val="800"/>
+                        </a:spcAft>
+                      </a:pPr>
+                      <a:r>
+                        <a:rPr lang="en-US" sz="1600" dirty="0">
+                          <a:effectLst/>
+                        </a:rPr>
+                        <a:t>12 PM - 2 PM : CSB 120</a:t>
+                      </a:r>
+                      <a:endParaRPr lang="en-US" sz="1600" dirty="0">
+                        <a:effectLst/>
+                        <a:latin typeface="Calibri" panose="020F0502020204030204" pitchFamily="34" charset="0"/>
+                        <a:ea typeface="Calibri" panose="020F0502020204030204" pitchFamily="34" charset="0"/>
+                        <a:cs typeface="Times New Roman" panose="02020603050405020304" pitchFamily="18" charset="0"/>
+                      </a:endParaRPr>
+                    </a:p>
+                  </a:txBody>
+                  <a:tcPr marL="15875" marR="15875" marT="15875" marB="15875" anchor="ctr">
+                    <a:lnL w="12700" cap="flat" cmpd="sng" algn="ctr">
+                      <a:solidFill>
+                        <a:schemeClr val="tx1"/>
+                      </a:solidFill>
+                      <a:prstDash val="solid"/>
+                      <a:round/>
+                      <a:headEnd type="none" w="med" len="med"/>
+                      <a:tailEnd type="none" w="med" len="med"/>
+                    </a:lnL>
+                    <a:lnR w="12700" cap="flat" cmpd="sng" algn="ctr">
+                      <a:solidFill>
+                        <a:schemeClr val="tx1"/>
+                      </a:solidFill>
+                      <a:prstDash val="solid"/>
+                      <a:round/>
+                      <a:headEnd type="none" w="med" len="med"/>
+                      <a:tailEnd type="none" w="med" len="med"/>
+                    </a:lnR>
+                    <a:lnT w="12700" cap="flat" cmpd="sng" algn="ctr">
+                      <a:solidFill>
+                        <a:schemeClr val="tx1"/>
+                      </a:solidFill>
+                      <a:prstDash val="solid"/>
+                      <a:round/>
+                      <a:headEnd type="none" w="med" len="med"/>
+                      <a:tailEnd type="none" w="med" len="med"/>
+                    </a:lnT>
+                    <a:lnB w="12700" cap="flat" cmpd="sng" algn="ctr">
+                      <a:solidFill>
+                        <a:schemeClr val="tx1"/>
+                      </a:solidFill>
+                      <a:prstDash val="solid"/>
+                      <a:round/>
+                      <a:headEnd type="none" w="med" len="med"/>
+                      <a:tailEnd type="none" w="med" len="med"/>
+                    </a:lnB>
+                    <a:lnTlToBr w="12700" cmpd="sng">
+                      <a:noFill/>
+                      <a:prstDash val="solid"/>
+                    </a:lnTlToBr>
+                    <a:lnBlToTr w="12700" cmpd="sng">
+                      <a:noFill/>
+                      <a:prstDash val="solid"/>
+                    </a:lnBlToTr>
+                    <a:solidFill>
+                      <a:schemeClr val="bg1"/>
+                    </a:solidFill>
+                  </a:tcPr>
+                </a:tc>
+                <a:extLst>
+                  <a:ext uri="{0D108BD9-81ED-4DB2-BD59-A6C34878D82A}">
+                    <a16:rowId xmlns:a16="http://schemas.microsoft.com/office/drawing/2014/main" val="1139786997"/>
+                  </a:ext>
+                </a:extLst>
+              </a:tr>
+              <a:tr h="307347">
+                <a:tc>
+                  <a:txBody>
+                    <a:bodyPr/>
+                    <a:lstStyle/>
+                    <a:p>
+                      <a:pPr marL="0" marR="0">
+                        <a:lnSpc>
+                          <a:spcPct val="107000"/>
+                        </a:lnSpc>
+                        <a:spcBef>
+                          <a:spcPts val="0"/>
+                        </a:spcBef>
+                        <a:spcAft>
+                          <a:spcPts val="800"/>
+                        </a:spcAft>
+                      </a:pPr>
+                      <a:r>
+                        <a:rPr lang="en-US" sz="1600">
+                          <a:effectLst/>
+                        </a:rPr>
+                        <a:t>Tuesday</a:t>
+                      </a:r>
+                      <a:endParaRPr lang="en-US" sz="1600">
+                        <a:effectLst/>
+                        <a:latin typeface="Calibri" panose="020F0502020204030204" pitchFamily="34" charset="0"/>
+                        <a:ea typeface="Calibri" panose="020F0502020204030204" pitchFamily="34" charset="0"/>
+                        <a:cs typeface="Times New Roman" panose="02020603050405020304" pitchFamily="18" charset="0"/>
+                      </a:endParaRPr>
+                    </a:p>
+                  </a:txBody>
+                  <a:tcPr marL="15875" marR="15875" marT="15875" marB="15875" anchor="ctr">
+                    <a:lnL w="12700" cap="flat" cmpd="sng" algn="ctr">
+                      <a:solidFill>
+                        <a:schemeClr val="tx1"/>
+                      </a:solidFill>
+                      <a:prstDash val="solid"/>
+                      <a:round/>
+                      <a:headEnd type="none" w="med" len="med"/>
+                      <a:tailEnd type="none" w="med" len="med"/>
+                    </a:lnL>
+                    <a:lnR w="12700" cap="flat" cmpd="sng" algn="ctr">
+                      <a:solidFill>
+                        <a:schemeClr val="tx1"/>
+                      </a:solidFill>
+                      <a:prstDash val="solid"/>
+                      <a:round/>
+                      <a:headEnd type="none" w="med" len="med"/>
+                      <a:tailEnd type="none" w="med" len="med"/>
+                    </a:lnR>
+                    <a:lnT w="12700" cap="flat" cmpd="sng" algn="ctr">
+                      <a:solidFill>
+                        <a:schemeClr val="tx1"/>
+                      </a:solidFill>
+                      <a:prstDash val="solid"/>
+                      <a:round/>
+                      <a:headEnd type="none" w="med" len="med"/>
+                      <a:tailEnd type="none" w="med" len="med"/>
+                    </a:lnT>
+                    <a:lnB w="12700" cap="flat" cmpd="sng" algn="ctr">
+                      <a:solidFill>
+                        <a:schemeClr val="tx1"/>
+                      </a:solidFill>
+                      <a:prstDash val="solid"/>
+                      <a:round/>
+                      <a:headEnd type="none" w="med" len="med"/>
+                      <a:tailEnd type="none" w="med" len="med"/>
+                    </a:lnB>
+                    <a:lnTlToBr w="12700" cmpd="sng">
+                      <a:noFill/>
+                      <a:prstDash val="solid"/>
+                    </a:lnTlToBr>
+                    <a:lnBlToTr w="12700" cmpd="sng">
+                      <a:noFill/>
+                      <a:prstDash val="solid"/>
+                    </a:lnBlToTr>
+                    <a:solidFill>
+                      <a:schemeClr val="bg1"/>
+                    </a:solidFill>
+                  </a:tcPr>
+                </a:tc>
+                <a:tc>
+                  <a:txBody>
+                    <a:bodyPr/>
+                    <a:lstStyle/>
+                    <a:p>
+                      <a:pPr marL="0" marR="0">
+                        <a:lnSpc>
+                          <a:spcPct val="107000"/>
+                        </a:lnSpc>
+                        <a:spcBef>
+                          <a:spcPts val="0"/>
+                        </a:spcBef>
+                        <a:spcAft>
+                          <a:spcPts val="800"/>
+                        </a:spcAft>
+                      </a:pPr>
+                      <a:r>
+                        <a:rPr lang="en-US" sz="1600">
+                          <a:effectLst/>
+                        </a:rPr>
+                        <a:t>6 PM - 8 PM : Teams</a:t>
+                      </a:r>
+                      <a:endParaRPr lang="en-US" sz="1600">
+                        <a:effectLst/>
+                        <a:latin typeface="Calibri" panose="020F0502020204030204" pitchFamily="34" charset="0"/>
+                        <a:ea typeface="Calibri" panose="020F0502020204030204" pitchFamily="34" charset="0"/>
+                        <a:cs typeface="Times New Roman" panose="02020603050405020304" pitchFamily="18" charset="0"/>
+                      </a:endParaRPr>
+                    </a:p>
+                  </a:txBody>
+                  <a:tcPr marL="15875" marR="15875" marT="15875" marB="15875" anchor="ctr">
+                    <a:lnL w="12700" cap="flat" cmpd="sng" algn="ctr">
+                      <a:solidFill>
+                        <a:schemeClr val="tx1"/>
+                      </a:solidFill>
+                      <a:prstDash val="solid"/>
+                      <a:round/>
+                      <a:headEnd type="none" w="med" len="med"/>
+                      <a:tailEnd type="none" w="med" len="med"/>
+                    </a:lnL>
+                    <a:lnR w="12700" cap="flat" cmpd="sng" algn="ctr">
+                      <a:solidFill>
+                        <a:schemeClr val="tx1"/>
+                      </a:solidFill>
+                      <a:prstDash val="solid"/>
+                      <a:round/>
+                      <a:headEnd type="none" w="med" len="med"/>
+                      <a:tailEnd type="none" w="med" len="med"/>
+                    </a:lnR>
+                    <a:lnT w="12700" cap="flat" cmpd="sng" algn="ctr">
+                      <a:solidFill>
+                        <a:schemeClr val="tx1"/>
+                      </a:solidFill>
+                      <a:prstDash val="solid"/>
+                      <a:round/>
+                      <a:headEnd type="none" w="med" len="med"/>
+                      <a:tailEnd type="none" w="med" len="med"/>
+                    </a:lnT>
+                    <a:lnB w="12700" cap="flat" cmpd="sng" algn="ctr">
+                      <a:solidFill>
+                        <a:schemeClr val="tx1"/>
+                      </a:solidFill>
+                      <a:prstDash val="solid"/>
+                      <a:round/>
+                      <a:headEnd type="none" w="med" len="med"/>
+                      <a:tailEnd type="none" w="med" len="med"/>
+                    </a:lnB>
+                    <a:lnTlToBr w="12700" cmpd="sng">
+                      <a:noFill/>
+                      <a:prstDash val="solid"/>
+                    </a:lnTlToBr>
+                    <a:lnBlToTr w="12700" cmpd="sng">
+                      <a:noFill/>
+                      <a:prstDash val="solid"/>
+                    </a:lnBlToTr>
+                    <a:solidFill>
+                      <a:schemeClr val="bg1"/>
+                    </a:solidFill>
+                  </a:tcPr>
+                </a:tc>
+                <a:extLst>
+                  <a:ext uri="{0D108BD9-81ED-4DB2-BD59-A6C34878D82A}">
+                    <a16:rowId xmlns:a16="http://schemas.microsoft.com/office/drawing/2014/main" val="1164388044"/>
+                  </a:ext>
+                </a:extLst>
+              </a:tr>
+              <a:tr h="581669">
+                <a:tc>
+                  <a:txBody>
+                    <a:bodyPr/>
+                    <a:lstStyle/>
+                    <a:p>
+                      <a:pPr marL="0" marR="0">
+                        <a:lnSpc>
+                          <a:spcPct val="107000"/>
+                        </a:lnSpc>
+                        <a:spcBef>
+                          <a:spcPts val="0"/>
+                        </a:spcBef>
+                        <a:spcAft>
+                          <a:spcPts val="800"/>
+                        </a:spcAft>
+                      </a:pPr>
+                      <a:r>
+                        <a:rPr lang="en-US" sz="1600">
+                          <a:effectLst/>
+                        </a:rPr>
+                        <a:t>Wednesday</a:t>
+                      </a:r>
+                      <a:endParaRPr lang="en-US" sz="1600">
+                        <a:effectLst/>
+                        <a:latin typeface="Calibri" panose="020F0502020204030204" pitchFamily="34" charset="0"/>
+                        <a:ea typeface="Calibri" panose="020F0502020204030204" pitchFamily="34" charset="0"/>
+                        <a:cs typeface="Times New Roman" panose="02020603050405020304" pitchFamily="18" charset="0"/>
+                      </a:endParaRPr>
+                    </a:p>
+                  </a:txBody>
+                  <a:tcPr marL="15875" marR="15875" marT="15875" marB="15875" anchor="ctr">
+                    <a:lnL w="12700" cap="flat" cmpd="sng" algn="ctr">
+                      <a:solidFill>
+                        <a:schemeClr val="tx1"/>
+                      </a:solidFill>
+                      <a:prstDash val="solid"/>
+                      <a:round/>
+                      <a:headEnd type="none" w="med" len="med"/>
+                      <a:tailEnd type="none" w="med" len="med"/>
+                    </a:lnL>
+                    <a:lnR w="12700" cap="flat" cmpd="sng" algn="ctr">
+                      <a:solidFill>
+                        <a:schemeClr val="tx1"/>
+                      </a:solidFill>
+                      <a:prstDash val="solid"/>
+                      <a:round/>
+                      <a:headEnd type="none" w="med" len="med"/>
+                      <a:tailEnd type="none" w="med" len="med"/>
+                    </a:lnR>
+                    <a:lnT w="12700" cap="flat" cmpd="sng" algn="ctr">
+                      <a:solidFill>
+                        <a:schemeClr val="tx1"/>
+                      </a:solidFill>
+                      <a:prstDash val="solid"/>
+                      <a:round/>
+                      <a:headEnd type="none" w="med" len="med"/>
+                      <a:tailEnd type="none" w="med" len="med"/>
+                    </a:lnT>
+                    <a:lnB w="12700" cap="flat" cmpd="sng" algn="ctr">
+                      <a:solidFill>
+                        <a:schemeClr val="tx1"/>
+                      </a:solidFill>
+                      <a:prstDash val="solid"/>
+                      <a:round/>
+                      <a:headEnd type="none" w="med" len="med"/>
+                      <a:tailEnd type="none" w="med" len="med"/>
+                    </a:lnB>
+                    <a:lnTlToBr w="12700" cmpd="sng">
+                      <a:noFill/>
+                      <a:prstDash val="solid"/>
+                    </a:lnTlToBr>
+                    <a:lnBlToTr w="12700" cmpd="sng">
+                      <a:noFill/>
+                      <a:prstDash val="solid"/>
+                    </a:lnBlToTr>
+                    <a:solidFill>
+                      <a:schemeClr val="bg1"/>
+                    </a:solidFill>
+                  </a:tcPr>
+                </a:tc>
+                <a:tc>
+                  <a:txBody>
+                    <a:bodyPr/>
+                    <a:lstStyle/>
+                    <a:p>
+                      <a:pPr marL="0" marR="0">
+                        <a:lnSpc>
+                          <a:spcPct val="107000"/>
+                        </a:lnSpc>
+                        <a:spcBef>
+                          <a:spcPts val="0"/>
+                        </a:spcBef>
+                        <a:spcAft>
+                          <a:spcPts val="800"/>
+                        </a:spcAft>
+                      </a:pPr>
+                      <a:r>
+                        <a:rPr lang="en-US" sz="1600">
+                          <a:effectLst/>
+                        </a:rPr>
+                        <a:t>3 PM - 5 PM : CSB 120</a:t>
+                      </a:r>
+                      <a:endParaRPr lang="en-US" sz="1600">
+                        <a:effectLst/>
+                        <a:latin typeface="Calibri" panose="020F0502020204030204" pitchFamily="34" charset="0"/>
+                        <a:ea typeface="Calibri" panose="020F0502020204030204" pitchFamily="34" charset="0"/>
+                        <a:cs typeface="Times New Roman" panose="02020603050405020304" pitchFamily="18" charset="0"/>
+                      </a:endParaRPr>
+                    </a:p>
+                  </a:txBody>
+                  <a:tcPr marL="15875" marR="15875" marT="15875" marB="15875" anchor="ctr">
+                    <a:lnL w="12700" cap="flat" cmpd="sng" algn="ctr">
+                      <a:solidFill>
+                        <a:schemeClr val="tx1"/>
+                      </a:solidFill>
+                      <a:prstDash val="solid"/>
+                      <a:round/>
+                      <a:headEnd type="none" w="med" len="med"/>
+                      <a:tailEnd type="none" w="med" len="med"/>
+                    </a:lnL>
+                    <a:lnR w="12700" cap="flat" cmpd="sng" algn="ctr">
+                      <a:solidFill>
+                        <a:schemeClr val="tx1"/>
+                      </a:solidFill>
+                      <a:prstDash val="solid"/>
+                      <a:round/>
+                      <a:headEnd type="none" w="med" len="med"/>
+                      <a:tailEnd type="none" w="med" len="med"/>
+                    </a:lnR>
+                    <a:lnT w="12700" cap="flat" cmpd="sng" algn="ctr">
+                      <a:solidFill>
+                        <a:schemeClr val="tx1"/>
+                      </a:solidFill>
+                      <a:prstDash val="solid"/>
+                      <a:round/>
+                      <a:headEnd type="none" w="med" len="med"/>
+                      <a:tailEnd type="none" w="med" len="med"/>
+                    </a:lnT>
+                    <a:lnB w="12700" cap="flat" cmpd="sng" algn="ctr">
+                      <a:solidFill>
+                        <a:schemeClr val="tx1"/>
+                      </a:solidFill>
+                      <a:prstDash val="solid"/>
+                      <a:round/>
+                      <a:headEnd type="none" w="med" len="med"/>
+                      <a:tailEnd type="none" w="med" len="med"/>
+                    </a:lnB>
+                    <a:lnTlToBr w="12700" cmpd="sng">
+                      <a:noFill/>
+                      <a:prstDash val="solid"/>
+                    </a:lnTlToBr>
+                    <a:lnBlToTr w="12700" cmpd="sng">
+                      <a:noFill/>
+                      <a:prstDash val="solid"/>
+                    </a:lnBlToTr>
+                    <a:solidFill>
+                      <a:schemeClr val="bg1"/>
+                    </a:solidFill>
+                  </a:tcPr>
+                </a:tc>
+                <a:extLst>
+                  <a:ext uri="{0D108BD9-81ED-4DB2-BD59-A6C34878D82A}">
+                    <a16:rowId xmlns:a16="http://schemas.microsoft.com/office/drawing/2014/main" val="1097778555"/>
+                  </a:ext>
+                </a:extLst>
+              </a:tr>
+              <a:tr h="307347">
+                <a:tc>
+                  <a:txBody>
+                    <a:bodyPr/>
+                    <a:lstStyle/>
+                    <a:p>
+                      <a:pPr marL="0" marR="0">
+                        <a:lnSpc>
+                          <a:spcPct val="107000"/>
+                        </a:lnSpc>
+                        <a:spcBef>
+                          <a:spcPts val="0"/>
+                        </a:spcBef>
+                        <a:spcAft>
+                          <a:spcPts val="800"/>
+                        </a:spcAft>
+                      </a:pPr>
+                      <a:r>
+                        <a:rPr lang="en-US" sz="1600">
+                          <a:effectLst/>
+                        </a:rPr>
+                        <a:t>Thursday</a:t>
+                      </a:r>
+                      <a:endParaRPr lang="en-US" sz="1600">
+                        <a:effectLst/>
+                        <a:latin typeface="Calibri" panose="020F0502020204030204" pitchFamily="34" charset="0"/>
+                        <a:ea typeface="Calibri" panose="020F0502020204030204" pitchFamily="34" charset="0"/>
+                        <a:cs typeface="Times New Roman" panose="02020603050405020304" pitchFamily="18" charset="0"/>
+                      </a:endParaRPr>
+                    </a:p>
+                  </a:txBody>
+                  <a:tcPr marL="15875" marR="15875" marT="15875" marB="15875" anchor="ctr">
+                    <a:lnL w="12700" cap="flat" cmpd="sng" algn="ctr">
+                      <a:solidFill>
+                        <a:schemeClr val="tx1"/>
+                      </a:solidFill>
+                      <a:prstDash val="solid"/>
+                      <a:round/>
+                      <a:headEnd type="none" w="med" len="med"/>
+                      <a:tailEnd type="none" w="med" len="med"/>
+                    </a:lnL>
+                    <a:lnR w="12700" cap="flat" cmpd="sng" algn="ctr">
+                      <a:solidFill>
+                        <a:schemeClr val="tx1"/>
+                      </a:solidFill>
+                      <a:prstDash val="solid"/>
+                      <a:round/>
+                      <a:headEnd type="none" w="med" len="med"/>
+                      <a:tailEnd type="none" w="med" len="med"/>
+                    </a:lnR>
+                    <a:lnT w="12700" cap="flat" cmpd="sng" algn="ctr">
+                      <a:solidFill>
+                        <a:schemeClr val="tx1"/>
+                      </a:solidFill>
+                      <a:prstDash val="solid"/>
+                      <a:round/>
+                      <a:headEnd type="none" w="med" len="med"/>
+                      <a:tailEnd type="none" w="med" len="med"/>
+                    </a:lnT>
+                    <a:lnB w="12700" cap="flat" cmpd="sng" algn="ctr">
+                      <a:solidFill>
+                        <a:schemeClr val="tx1"/>
+                      </a:solidFill>
+                      <a:prstDash val="solid"/>
+                      <a:round/>
+                      <a:headEnd type="none" w="med" len="med"/>
+                      <a:tailEnd type="none" w="med" len="med"/>
+                    </a:lnB>
+                    <a:lnTlToBr w="12700" cmpd="sng">
+                      <a:noFill/>
+                      <a:prstDash val="solid"/>
+                    </a:lnTlToBr>
+                    <a:lnBlToTr w="12700" cmpd="sng">
+                      <a:noFill/>
+                      <a:prstDash val="solid"/>
+                    </a:lnBlToTr>
+                    <a:solidFill>
+                      <a:schemeClr val="bg1"/>
+                    </a:solidFill>
+                  </a:tcPr>
+                </a:tc>
+                <a:tc>
+                  <a:txBody>
+                    <a:bodyPr/>
+                    <a:lstStyle/>
+                    <a:p>
+                      <a:pPr marL="0" marR="0">
+                        <a:lnSpc>
+                          <a:spcPct val="107000"/>
+                        </a:lnSpc>
+                        <a:spcBef>
+                          <a:spcPts val="0"/>
+                        </a:spcBef>
+                        <a:spcAft>
+                          <a:spcPts val="800"/>
+                        </a:spcAft>
+                      </a:pPr>
+                      <a:r>
+                        <a:rPr lang="en-US" sz="1600">
+                          <a:effectLst/>
+                        </a:rPr>
+                        <a:t>6 PM - 8 PM : Teams</a:t>
+                      </a:r>
+                      <a:endParaRPr lang="en-US" sz="1600">
+                        <a:effectLst/>
+                        <a:latin typeface="Calibri" panose="020F0502020204030204" pitchFamily="34" charset="0"/>
+                        <a:ea typeface="Calibri" panose="020F0502020204030204" pitchFamily="34" charset="0"/>
+                        <a:cs typeface="Times New Roman" panose="02020603050405020304" pitchFamily="18" charset="0"/>
+                      </a:endParaRPr>
+                    </a:p>
+                  </a:txBody>
+                  <a:tcPr marL="15875" marR="15875" marT="15875" marB="15875" anchor="ctr">
+                    <a:lnL w="12700" cap="flat" cmpd="sng" algn="ctr">
+                      <a:solidFill>
+                        <a:schemeClr val="tx1"/>
+                      </a:solidFill>
+                      <a:prstDash val="solid"/>
+                      <a:round/>
+                      <a:headEnd type="none" w="med" len="med"/>
+                      <a:tailEnd type="none" w="med" len="med"/>
+                    </a:lnL>
+                    <a:lnR w="12700" cap="flat" cmpd="sng" algn="ctr">
+                      <a:solidFill>
+                        <a:schemeClr val="tx1"/>
+                      </a:solidFill>
+                      <a:prstDash val="solid"/>
+                      <a:round/>
+                      <a:headEnd type="none" w="med" len="med"/>
+                      <a:tailEnd type="none" w="med" len="med"/>
+                    </a:lnR>
+                    <a:lnT w="12700" cap="flat" cmpd="sng" algn="ctr">
+                      <a:solidFill>
+                        <a:schemeClr val="tx1"/>
+                      </a:solidFill>
+                      <a:prstDash val="solid"/>
+                      <a:round/>
+                      <a:headEnd type="none" w="med" len="med"/>
+                      <a:tailEnd type="none" w="med" len="med"/>
+                    </a:lnT>
+                    <a:lnB w="12700" cap="flat" cmpd="sng" algn="ctr">
+                      <a:solidFill>
+                        <a:schemeClr val="tx1"/>
+                      </a:solidFill>
+                      <a:prstDash val="solid"/>
+                      <a:round/>
+                      <a:headEnd type="none" w="med" len="med"/>
+                      <a:tailEnd type="none" w="med" len="med"/>
+                    </a:lnB>
+                    <a:lnTlToBr w="12700" cmpd="sng">
+                      <a:noFill/>
+                      <a:prstDash val="solid"/>
+                    </a:lnTlToBr>
+                    <a:lnBlToTr w="12700" cmpd="sng">
+                      <a:noFill/>
+                      <a:prstDash val="solid"/>
+                    </a:lnBlToTr>
+                    <a:solidFill>
+                      <a:schemeClr val="bg1"/>
+                    </a:solidFill>
+                  </a:tcPr>
+                </a:tc>
+                <a:extLst>
+                  <a:ext uri="{0D108BD9-81ED-4DB2-BD59-A6C34878D82A}">
+                    <a16:rowId xmlns:a16="http://schemas.microsoft.com/office/drawing/2014/main" val="1747960062"/>
+                  </a:ext>
+                </a:extLst>
+              </a:tr>
+              <a:tr h="581669">
+                <a:tc>
+                  <a:txBody>
+                    <a:bodyPr/>
+                    <a:lstStyle/>
+                    <a:p>
+                      <a:pPr marL="0" marR="0">
+                        <a:lnSpc>
+                          <a:spcPct val="107000"/>
+                        </a:lnSpc>
+                        <a:spcBef>
+                          <a:spcPts val="0"/>
+                        </a:spcBef>
+                        <a:spcAft>
+                          <a:spcPts val="800"/>
+                        </a:spcAft>
+                      </a:pPr>
+                      <a:r>
+                        <a:rPr lang="en-US" sz="1600">
+                          <a:effectLst/>
+                        </a:rPr>
+                        <a:t>Friday</a:t>
+                      </a:r>
+                      <a:endParaRPr lang="en-US" sz="1600">
+                        <a:effectLst/>
+                        <a:latin typeface="Calibri" panose="020F0502020204030204" pitchFamily="34" charset="0"/>
+                        <a:ea typeface="Calibri" panose="020F0502020204030204" pitchFamily="34" charset="0"/>
+                        <a:cs typeface="Times New Roman" panose="02020603050405020304" pitchFamily="18" charset="0"/>
+                      </a:endParaRPr>
+                    </a:p>
+                  </a:txBody>
+                  <a:tcPr marL="15875" marR="15875" marT="15875" marB="15875" anchor="ctr">
+                    <a:lnL w="12700" cap="flat" cmpd="sng" algn="ctr">
+                      <a:solidFill>
+                        <a:schemeClr val="tx1"/>
+                      </a:solidFill>
+                      <a:prstDash val="solid"/>
+                      <a:round/>
+                      <a:headEnd type="none" w="med" len="med"/>
+                      <a:tailEnd type="none" w="med" len="med"/>
+                    </a:lnL>
+                    <a:lnR w="12700" cap="flat" cmpd="sng" algn="ctr">
+                      <a:solidFill>
+                        <a:schemeClr val="tx1"/>
+                      </a:solidFill>
+                      <a:prstDash val="solid"/>
+                      <a:round/>
+                      <a:headEnd type="none" w="med" len="med"/>
+                      <a:tailEnd type="none" w="med" len="med"/>
+                    </a:lnR>
+                    <a:lnT w="12700" cap="flat" cmpd="sng" algn="ctr">
+                      <a:solidFill>
+                        <a:schemeClr val="tx1"/>
+                      </a:solidFill>
+                      <a:prstDash val="solid"/>
+                      <a:round/>
+                      <a:headEnd type="none" w="med" len="med"/>
+                      <a:tailEnd type="none" w="med" len="med"/>
+                    </a:lnT>
+                    <a:lnB w="12700" cap="flat" cmpd="sng" algn="ctr">
+                      <a:solidFill>
+                        <a:schemeClr val="tx1"/>
+                      </a:solidFill>
+                      <a:prstDash val="solid"/>
+                      <a:round/>
+                      <a:headEnd type="none" w="med" len="med"/>
+                      <a:tailEnd type="none" w="med" len="med"/>
+                    </a:lnB>
+                    <a:lnTlToBr w="12700" cmpd="sng">
+                      <a:noFill/>
+                      <a:prstDash val="solid"/>
+                    </a:lnTlToBr>
+                    <a:lnBlToTr w="12700" cmpd="sng">
+                      <a:noFill/>
+                      <a:prstDash val="solid"/>
+                    </a:lnBlToTr>
+                    <a:solidFill>
+                      <a:schemeClr val="bg1"/>
+                    </a:solidFill>
+                  </a:tcPr>
+                </a:tc>
+                <a:tc>
+                  <a:txBody>
+                    <a:bodyPr/>
+                    <a:lstStyle/>
+                    <a:p>
+                      <a:pPr marL="0" marR="0">
+                        <a:lnSpc>
+                          <a:spcPct val="107000"/>
+                        </a:lnSpc>
+                        <a:spcBef>
+                          <a:spcPts val="0"/>
+                        </a:spcBef>
+                        <a:spcAft>
+                          <a:spcPts val="800"/>
+                        </a:spcAft>
+                      </a:pPr>
+                      <a:r>
+                        <a:rPr lang="en-US" sz="1600">
+                          <a:effectLst/>
+                        </a:rPr>
+                        <a:t>3 PM - 5 PM : CSB 120</a:t>
+                      </a:r>
+                      <a:endParaRPr lang="en-US" sz="1600">
+                        <a:effectLst/>
+                        <a:latin typeface="Calibri" panose="020F0502020204030204" pitchFamily="34" charset="0"/>
+                        <a:ea typeface="Calibri" panose="020F0502020204030204" pitchFamily="34" charset="0"/>
+                        <a:cs typeface="Times New Roman" panose="02020603050405020304" pitchFamily="18" charset="0"/>
+                      </a:endParaRPr>
+                    </a:p>
+                  </a:txBody>
+                  <a:tcPr marL="15875" marR="15875" marT="15875" marB="15875" anchor="ctr">
+                    <a:lnL w="12700" cap="flat" cmpd="sng" algn="ctr">
+                      <a:solidFill>
+                        <a:schemeClr val="tx1"/>
+                      </a:solidFill>
+                      <a:prstDash val="solid"/>
+                      <a:round/>
+                      <a:headEnd type="none" w="med" len="med"/>
+                      <a:tailEnd type="none" w="med" len="med"/>
+                    </a:lnL>
+                    <a:lnR w="12700" cap="flat" cmpd="sng" algn="ctr">
+                      <a:solidFill>
+                        <a:schemeClr val="tx1"/>
+                      </a:solidFill>
+                      <a:prstDash val="solid"/>
+                      <a:round/>
+                      <a:headEnd type="none" w="med" len="med"/>
+                      <a:tailEnd type="none" w="med" len="med"/>
+                    </a:lnR>
+                    <a:lnT w="12700" cap="flat" cmpd="sng" algn="ctr">
+                      <a:solidFill>
+                        <a:schemeClr val="tx1"/>
+                      </a:solidFill>
+                      <a:prstDash val="solid"/>
+                      <a:round/>
+                      <a:headEnd type="none" w="med" len="med"/>
+                      <a:tailEnd type="none" w="med" len="med"/>
+                    </a:lnT>
+                    <a:lnB w="12700" cap="flat" cmpd="sng" algn="ctr">
+                      <a:solidFill>
+                        <a:schemeClr val="tx1"/>
+                      </a:solidFill>
+                      <a:prstDash val="solid"/>
+                      <a:round/>
+                      <a:headEnd type="none" w="med" len="med"/>
+                      <a:tailEnd type="none" w="med" len="med"/>
+                    </a:lnB>
+                    <a:lnTlToBr w="12700" cmpd="sng">
+                      <a:noFill/>
+                      <a:prstDash val="solid"/>
+                    </a:lnTlToBr>
+                    <a:lnBlToTr w="12700" cmpd="sng">
+                      <a:noFill/>
+                      <a:prstDash val="solid"/>
+                    </a:lnBlToTr>
+                    <a:solidFill>
+                      <a:schemeClr val="bg1"/>
+                    </a:solidFill>
+                  </a:tcPr>
+                </a:tc>
+                <a:extLst>
+                  <a:ext uri="{0D108BD9-81ED-4DB2-BD59-A6C34878D82A}">
+                    <a16:rowId xmlns:a16="http://schemas.microsoft.com/office/drawing/2014/main" val="1553865624"/>
+                  </a:ext>
+                </a:extLst>
+              </a:tr>
+              <a:tr h="307347">
+                <a:tc>
+                  <a:txBody>
+                    <a:bodyPr/>
+                    <a:lstStyle/>
+                    <a:p>
+                      <a:pPr marL="0" marR="0">
+                        <a:lnSpc>
+                          <a:spcPct val="107000"/>
+                        </a:lnSpc>
+                        <a:spcBef>
+                          <a:spcPts val="0"/>
+                        </a:spcBef>
+                        <a:spcAft>
+                          <a:spcPts val="800"/>
+                        </a:spcAft>
+                      </a:pPr>
+                      <a:r>
+                        <a:rPr lang="en-US" sz="1600">
+                          <a:effectLst/>
+                        </a:rPr>
+                        <a:t>Saturday</a:t>
+                      </a:r>
+                      <a:endParaRPr lang="en-US" sz="1600">
+                        <a:effectLst/>
+                        <a:latin typeface="Calibri" panose="020F0502020204030204" pitchFamily="34" charset="0"/>
+                        <a:ea typeface="Calibri" panose="020F0502020204030204" pitchFamily="34" charset="0"/>
+                        <a:cs typeface="Times New Roman" panose="02020603050405020304" pitchFamily="18" charset="0"/>
+                      </a:endParaRPr>
+                    </a:p>
+                  </a:txBody>
+                  <a:tcPr marL="15875" marR="15875" marT="15875" marB="15875" anchor="ctr">
+                    <a:lnL w="12700" cap="flat" cmpd="sng" algn="ctr">
+                      <a:solidFill>
+                        <a:schemeClr val="tx1"/>
+                      </a:solidFill>
+                      <a:prstDash val="solid"/>
+                      <a:round/>
+                      <a:headEnd type="none" w="med" len="med"/>
+                      <a:tailEnd type="none" w="med" len="med"/>
+                    </a:lnL>
+                    <a:lnR w="12700" cap="flat" cmpd="sng" algn="ctr">
+                      <a:solidFill>
+                        <a:schemeClr val="tx1"/>
+                      </a:solidFill>
+                      <a:prstDash val="solid"/>
+                      <a:round/>
+                      <a:headEnd type="none" w="med" len="med"/>
+                      <a:tailEnd type="none" w="med" len="med"/>
+                    </a:lnR>
+                    <a:lnT w="12700" cap="flat" cmpd="sng" algn="ctr">
+                      <a:solidFill>
+                        <a:schemeClr val="tx1"/>
+                      </a:solidFill>
+                      <a:prstDash val="solid"/>
+                      <a:round/>
+                      <a:headEnd type="none" w="med" len="med"/>
+                      <a:tailEnd type="none" w="med" len="med"/>
+                    </a:lnT>
+                    <a:lnB w="12700" cap="flat" cmpd="sng" algn="ctr">
+                      <a:solidFill>
+                        <a:schemeClr val="tx1"/>
+                      </a:solidFill>
+                      <a:prstDash val="solid"/>
+                      <a:round/>
+                      <a:headEnd type="none" w="med" len="med"/>
+                      <a:tailEnd type="none" w="med" len="med"/>
+                    </a:lnB>
+                    <a:lnTlToBr w="12700" cmpd="sng">
+                      <a:noFill/>
+                      <a:prstDash val="solid"/>
+                    </a:lnTlToBr>
+                    <a:lnBlToTr w="12700" cmpd="sng">
+                      <a:noFill/>
+                      <a:prstDash val="solid"/>
+                    </a:lnBlToTr>
+                    <a:solidFill>
+                      <a:schemeClr val="bg1"/>
+                    </a:solidFill>
+                  </a:tcPr>
+                </a:tc>
+                <a:tc>
+                  <a:txBody>
+                    <a:bodyPr/>
+                    <a:lstStyle/>
+                    <a:p>
+                      <a:pPr marL="0" marR="0">
+                        <a:lnSpc>
+                          <a:spcPct val="107000"/>
+                        </a:lnSpc>
+                        <a:spcBef>
+                          <a:spcPts val="0"/>
+                        </a:spcBef>
+                        <a:spcAft>
+                          <a:spcPts val="800"/>
+                        </a:spcAft>
+                      </a:pPr>
+                      <a:r>
+                        <a:rPr lang="en-US" sz="1600" dirty="0">
+                          <a:effectLst/>
+                        </a:rPr>
+                        <a:t>12 PM - 4 PM : Teams</a:t>
+                      </a:r>
+                      <a:endParaRPr lang="en-US" sz="1600" dirty="0">
+                        <a:effectLst/>
+                        <a:latin typeface="Calibri" panose="020F0502020204030204" pitchFamily="34" charset="0"/>
+                        <a:ea typeface="Calibri" panose="020F0502020204030204" pitchFamily="34" charset="0"/>
+                        <a:cs typeface="Times New Roman" panose="02020603050405020304" pitchFamily="18" charset="0"/>
+                      </a:endParaRPr>
+                    </a:p>
+                  </a:txBody>
+                  <a:tcPr marL="15875" marR="15875" marT="15875" marB="15875" anchor="ctr">
+                    <a:lnL w="12700" cap="flat" cmpd="sng" algn="ctr">
+                      <a:solidFill>
+                        <a:schemeClr val="tx1"/>
+                      </a:solidFill>
+                      <a:prstDash val="solid"/>
+                      <a:round/>
+                      <a:headEnd type="none" w="med" len="med"/>
+                      <a:tailEnd type="none" w="med" len="med"/>
+                    </a:lnL>
+                    <a:lnR w="12700" cap="flat" cmpd="sng" algn="ctr">
+                      <a:solidFill>
+                        <a:schemeClr val="tx1"/>
+                      </a:solidFill>
+                      <a:prstDash val="solid"/>
+                      <a:round/>
+                      <a:headEnd type="none" w="med" len="med"/>
+                      <a:tailEnd type="none" w="med" len="med"/>
+                    </a:lnR>
+                    <a:lnT w="12700" cap="flat" cmpd="sng" algn="ctr">
+                      <a:solidFill>
+                        <a:schemeClr val="tx1"/>
+                      </a:solidFill>
+                      <a:prstDash val="solid"/>
+                      <a:round/>
+                      <a:headEnd type="none" w="med" len="med"/>
+                      <a:tailEnd type="none" w="med" len="med"/>
+                    </a:lnT>
+                    <a:lnB w="12700" cap="flat" cmpd="sng" algn="ctr">
+                      <a:solidFill>
+                        <a:schemeClr val="tx1"/>
+                      </a:solidFill>
+                      <a:prstDash val="solid"/>
+                      <a:round/>
+                      <a:headEnd type="none" w="med" len="med"/>
+                      <a:tailEnd type="none" w="med" len="med"/>
+                    </a:lnB>
+                    <a:lnTlToBr w="12700" cmpd="sng">
+                      <a:noFill/>
+                      <a:prstDash val="solid"/>
+                    </a:lnTlToBr>
+                    <a:lnBlToTr w="12700" cmpd="sng">
+                      <a:noFill/>
+                      <a:prstDash val="solid"/>
+                    </a:lnBlToTr>
+                    <a:solidFill>
+                      <a:schemeClr val="bg1"/>
+                    </a:solidFill>
+                  </a:tcPr>
+                </a:tc>
+                <a:extLst>
+                  <a:ext uri="{0D108BD9-81ED-4DB2-BD59-A6C34878D82A}">
+                    <a16:rowId xmlns:a16="http://schemas.microsoft.com/office/drawing/2014/main" val="3921746368"/>
+                  </a:ext>
+                </a:extLst>
+              </a:tr>
+              <a:tr h="307347">
+                <a:tc>
+                  <a:txBody>
+                    <a:bodyPr/>
+                    <a:lstStyle/>
+                    <a:p>
+                      <a:pPr marL="0" marR="0">
+                        <a:lnSpc>
+                          <a:spcPct val="107000"/>
+                        </a:lnSpc>
+                        <a:spcBef>
+                          <a:spcPts val="0"/>
+                        </a:spcBef>
+                        <a:spcAft>
+                          <a:spcPts val="800"/>
+                        </a:spcAft>
+                      </a:pPr>
+                      <a:r>
+                        <a:rPr lang="en-US" sz="1600">
+                          <a:effectLst/>
+                        </a:rPr>
+                        <a:t>Sunday</a:t>
+                      </a:r>
+                      <a:endParaRPr lang="en-US" sz="1600">
+                        <a:effectLst/>
+                        <a:latin typeface="Calibri" panose="020F0502020204030204" pitchFamily="34" charset="0"/>
+                        <a:ea typeface="Calibri" panose="020F0502020204030204" pitchFamily="34" charset="0"/>
+                        <a:cs typeface="Times New Roman" panose="02020603050405020304" pitchFamily="18" charset="0"/>
+                      </a:endParaRPr>
+                    </a:p>
+                  </a:txBody>
+                  <a:tcPr marL="15875" marR="15875" marT="15875" marB="15875" anchor="ctr">
+                    <a:lnL w="12700" cap="flat" cmpd="sng" algn="ctr">
+                      <a:solidFill>
+                        <a:schemeClr val="tx1"/>
+                      </a:solidFill>
+                      <a:prstDash val="solid"/>
+                      <a:round/>
+                      <a:headEnd type="none" w="med" len="med"/>
+                      <a:tailEnd type="none" w="med" len="med"/>
+                    </a:lnL>
+                    <a:lnR w="12700" cap="flat" cmpd="sng" algn="ctr">
+                      <a:solidFill>
+                        <a:schemeClr val="tx1"/>
+                      </a:solidFill>
+                      <a:prstDash val="solid"/>
+                      <a:round/>
+                      <a:headEnd type="none" w="med" len="med"/>
+                      <a:tailEnd type="none" w="med" len="med"/>
+                    </a:lnR>
+                    <a:lnT w="12700" cap="flat" cmpd="sng" algn="ctr">
+                      <a:solidFill>
+                        <a:schemeClr val="tx1"/>
+                      </a:solidFill>
+                      <a:prstDash val="solid"/>
+                      <a:round/>
+                      <a:headEnd type="none" w="med" len="med"/>
+                      <a:tailEnd type="none" w="med" len="med"/>
+                    </a:lnT>
+                    <a:lnB w="12700" cap="flat" cmpd="sng" algn="ctr">
+                      <a:solidFill>
+                        <a:schemeClr val="tx1"/>
+                      </a:solidFill>
+                      <a:prstDash val="solid"/>
+                      <a:round/>
+                      <a:headEnd type="none" w="med" len="med"/>
+                      <a:tailEnd type="none" w="med" len="med"/>
+                    </a:lnB>
+                    <a:lnTlToBr w="12700" cmpd="sng">
+                      <a:noFill/>
+                      <a:prstDash val="solid"/>
+                    </a:lnTlToBr>
+                    <a:lnBlToTr w="12700" cmpd="sng">
+                      <a:noFill/>
+                      <a:prstDash val="solid"/>
+                    </a:lnBlToTr>
+                    <a:solidFill>
+                      <a:schemeClr val="bg1"/>
+                    </a:solidFill>
+                  </a:tcPr>
+                </a:tc>
+                <a:tc>
+                  <a:txBody>
+                    <a:bodyPr/>
+                    <a:lstStyle/>
+                    <a:p>
+                      <a:pPr marL="0" marR="0">
+                        <a:lnSpc>
+                          <a:spcPct val="107000"/>
+                        </a:lnSpc>
+                        <a:spcBef>
+                          <a:spcPts val="0"/>
+                        </a:spcBef>
+                        <a:spcAft>
+                          <a:spcPts val="800"/>
+                        </a:spcAft>
+                      </a:pPr>
+                      <a:r>
+                        <a:rPr lang="en-US" sz="1600" dirty="0">
+                          <a:effectLst/>
+                        </a:rPr>
+                        <a:t>12 PM - 4 PM : Teams</a:t>
+                      </a:r>
+                      <a:endParaRPr lang="en-US" sz="1600" dirty="0">
+                        <a:effectLst/>
+                        <a:latin typeface="Calibri" panose="020F0502020204030204" pitchFamily="34" charset="0"/>
+                        <a:ea typeface="Calibri" panose="020F0502020204030204" pitchFamily="34" charset="0"/>
+                        <a:cs typeface="Times New Roman" panose="02020603050405020304" pitchFamily="18" charset="0"/>
+                      </a:endParaRPr>
+                    </a:p>
+                  </a:txBody>
+                  <a:tcPr marL="15875" marR="15875" marT="15875" marB="15875" anchor="ctr">
+                    <a:lnL w="12700" cap="flat" cmpd="sng" algn="ctr">
+                      <a:solidFill>
+                        <a:schemeClr val="tx1"/>
+                      </a:solidFill>
+                      <a:prstDash val="solid"/>
+                      <a:round/>
+                      <a:headEnd type="none" w="med" len="med"/>
+                      <a:tailEnd type="none" w="med" len="med"/>
+                    </a:lnL>
+                    <a:lnR w="12700" cap="flat" cmpd="sng" algn="ctr">
+                      <a:solidFill>
+                        <a:schemeClr val="tx1"/>
+                      </a:solidFill>
+                      <a:prstDash val="solid"/>
+                      <a:round/>
+                      <a:headEnd type="none" w="med" len="med"/>
+                      <a:tailEnd type="none" w="med" len="med"/>
+                    </a:lnR>
+                    <a:lnT w="12700" cap="flat" cmpd="sng" algn="ctr">
+                      <a:solidFill>
+                        <a:schemeClr val="tx1"/>
+                      </a:solidFill>
+                      <a:prstDash val="solid"/>
+                      <a:round/>
+                      <a:headEnd type="none" w="med" len="med"/>
+                      <a:tailEnd type="none" w="med" len="med"/>
+                    </a:lnT>
+                    <a:lnB w="12700" cap="flat" cmpd="sng" algn="ctr">
+                      <a:solidFill>
+                        <a:schemeClr val="tx1"/>
+                      </a:solidFill>
+                      <a:prstDash val="solid"/>
+                      <a:round/>
+                      <a:headEnd type="none" w="med" len="med"/>
+                      <a:tailEnd type="none" w="med" len="med"/>
+                    </a:lnB>
+                    <a:lnTlToBr w="12700" cmpd="sng">
+                      <a:noFill/>
+                      <a:prstDash val="solid"/>
+                    </a:lnTlToBr>
+                    <a:lnBlToTr w="12700" cmpd="sng">
+                      <a:noFill/>
+                      <a:prstDash val="solid"/>
+                    </a:lnBlToTr>
+                    <a:solidFill>
+                      <a:schemeClr val="bg1"/>
+                    </a:solidFill>
+                  </a:tcPr>
+                </a:tc>
+                <a:extLst>
+                  <a:ext uri="{0D108BD9-81ED-4DB2-BD59-A6C34878D82A}">
+                    <a16:rowId xmlns:a16="http://schemas.microsoft.com/office/drawing/2014/main" val="1928039740"/>
+                  </a:ext>
+                </a:extLst>
+              </a:tr>
+            </a:tbl>
+          </a:graphicData>
+        </a:graphic>
+      </p:graphicFrame>
     </p:spTree>
     <p:extLst>
       <p:ext uri="{BB962C8B-B14F-4D97-AF65-F5344CB8AC3E}">

--- a/slides/On-Campus/09_01_OSandFileWriting.pptx
+++ b/slides/On-Campus/09_01_OSandFileWriting.pptx
@@ -152,38 +152,44 @@
   </pc:docChgLst>
   <pc:docChgLst>
     <pc:chgData name="Marcia Moraes" userId="c9c67e8a-58e2-4733-9a1c-5d44fec4775b" providerId="ADAL" clId="{46BE5373-9D09-4F87-A123-1FD85A8E0B47}"/>
-    <pc:docChg chg="modSld">
-      <pc:chgData name="Marcia Moraes" userId="c9c67e8a-58e2-4733-9a1c-5d44fec4775b" providerId="ADAL" clId="{46BE5373-9D09-4F87-A123-1FD85A8E0B47}" dt="2023-10-11T00:09:37.199" v="0"/>
+  </pc:docChgLst>
+  <pc:docChgLst>
+    <pc:chgData name="Moraes,Marcia" userId="c9c67e8a-58e2-4733-9a1c-5d44fec4775b" providerId="ADAL" clId="{0D3D1F53-216D-468A-B6D0-42132F61F75F}"/>
+  </pc:docChgLst>
+  <pc:docChgLst>
+    <pc:chgData name="Moraes,Marcia" userId="c9c67e8a-58e2-4733-9a1c-5d44fec4775b" providerId="ADAL" clId="{46BE5373-9D09-4F87-A123-1FD85A8E0B47}"/>
+  </pc:docChgLst>
+  <pc:docChgLst>
+    <pc:chgData name="Marcia Moraes" userId="c9c67e8a-58e2-4733-9a1c-5d44fec4775b" providerId="ADAL" clId="{E4CE0DD7-C744-4FD1-AF72-43B9FE76208B}"/>
+    <pc:docChg chg="custSel modSld">
+      <pc:chgData name="Marcia Moraes" userId="c9c67e8a-58e2-4733-9a1c-5d44fec4775b" providerId="ADAL" clId="{E4CE0DD7-C744-4FD1-AF72-43B9FE76208B}" dt="2024-03-06T15:31:14.453" v="2" actId="1076"/>
       <pc:docMkLst>
         <pc:docMk/>
       </pc:docMkLst>
-      <pc:sldChg chg="addSp">
-        <pc:chgData name="Marcia Moraes" userId="c9c67e8a-58e2-4733-9a1c-5d44fec4775b" providerId="ADAL" clId="{46BE5373-9D09-4F87-A123-1FD85A8E0B47}" dt="2023-10-11T00:09:37.199" v="0"/>
+      <pc:sldChg chg="addSp delSp modSp">
+        <pc:chgData name="Marcia Moraes" userId="c9c67e8a-58e2-4733-9a1c-5d44fec4775b" providerId="ADAL" clId="{E4CE0DD7-C744-4FD1-AF72-43B9FE76208B}" dt="2024-03-06T15:31:14.453" v="2" actId="1076"/>
         <pc:sldMkLst>
           <pc:docMk/>
           <pc:sldMk cId="2571368551" sldId="272"/>
         </pc:sldMkLst>
-        <pc:spChg chg="add">
-          <ac:chgData name="Marcia Moraes" userId="c9c67e8a-58e2-4733-9a1c-5d44fec4775b" providerId="ADAL" clId="{46BE5373-9D09-4F87-A123-1FD85A8E0B47}" dt="2023-10-11T00:09:37.199" v="0"/>
-          <ac:spMkLst>
-            <pc:docMk/>
-            <pc:sldMk cId="2571368551" sldId="272"/>
-            <ac:spMk id="6" creationId="{AA6A8138-6A98-4DE5-8EB4-C33E868FC3E1}"/>
-          </ac:spMkLst>
-        </pc:spChg>
-        <pc:graphicFrameChg chg="add">
-          <ac:chgData name="Marcia Moraes" userId="c9c67e8a-58e2-4733-9a1c-5d44fec4775b" providerId="ADAL" clId="{46BE5373-9D09-4F87-A123-1FD85A8E0B47}" dt="2023-10-11T00:09:37.199" v="0"/>
+        <pc:graphicFrameChg chg="del">
+          <ac:chgData name="Marcia Moraes" userId="c9c67e8a-58e2-4733-9a1c-5d44fec4775b" providerId="ADAL" clId="{E4CE0DD7-C744-4FD1-AF72-43B9FE76208B}" dt="2024-03-06T15:30:53.583" v="0" actId="478"/>
           <ac:graphicFrameMkLst>
             <pc:docMk/>
             <pc:sldMk cId="2571368551" sldId="272"/>
             <ac:graphicFrameMk id="7" creationId="{A32DE793-60F9-4A58-A1FB-790DB77845AA}"/>
           </ac:graphicFrameMkLst>
         </pc:graphicFrameChg>
+        <pc:graphicFrameChg chg="add mod">
+          <ac:chgData name="Marcia Moraes" userId="c9c67e8a-58e2-4733-9a1c-5d44fec4775b" providerId="ADAL" clId="{E4CE0DD7-C744-4FD1-AF72-43B9FE76208B}" dt="2024-03-06T15:31:14.453" v="2" actId="1076"/>
+          <ac:graphicFrameMkLst>
+            <pc:docMk/>
+            <pc:sldMk cId="2571368551" sldId="272"/>
+            <ac:graphicFrameMk id="8" creationId="{5DC24B50-0BD3-45AB-8653-28927089CA5A}"/>
+          </ac:graphicFrameMkLst>
+        </pc:graphicFrameChg>
       </pc:sldChg>
     </pc:docChg>
-  </pc:docChgLst>
-  <pc:docChgLst>
-    <pc:chgData name="Moraes,Marcia" userId="c9c67e8a-58e2-4733-9a1c-5d44fec4775b" providerId="ADAL" clId="{0D3D1F53-216D-468A-B6D0-42132F61F75F}"/>
   </pc:docChgLst>
 </pc:chgInfo>
 </file>
@@ -270,7 +276,7 @@
           <a:p>
             <a:fld id="{4D7E51A5-B478-1E40-8CBB-0DAA8831E99D}" type="datetimeFigureOut">
               <a:rPr lang="en-US" smtClean="0"/>
-              <a:t>10/11/2023</a:t>
+              <a:t>3/6/2024</a:t>
             </a:fld>
             <a:endParaRPr lang="en-US"/>
           </a:p>
@@ -435,7 +441,7 @@
           <a:p>
             <a:fld id="{D0ED587F-861E-6740-9643-E3DDAE89B8D6}" type="datetimeFigureOut">
               <a:rPr lang="en-US" smtClean="0"/>
-              <a:t>10/11/2023</a:t>
+              <a:t>3/6/2024</a:t>
             </a:fld>
             <a:endParaRPr lang="en-US"/>
           </a:p>
@@ -16419,7 +16425,7 @@
         </p:nvSpPr>
         <p:spPr>
           <a:xfrm>
-            <a:off x="628075" y="1681593"/>
+            <a:off x="497446" y="1441823"/>
             <a:ext cx="10518896" cy="5293757"/>
           </a:xfrm>
           <a:prstGeom prst="rect">
@@ -16719,7 +16725,7 @@
                 <a:cs typeface="Arial"/>
                 <a:sym typeface="Arial"/>
               </a:rPr>
-              <a:t>11</a:t>
+              <a:t>11 – participation activity due in lab</a:t>
             </a:r>
           </a:p>
           <a:p>
@@ -16797,7 +16803,7 @@
                 <a:cs typeface="Arial"/>
                 <a:sym typeface="Arial"/>
               </a:rPr>
-              <a:t>Lab 12</a:t>
+              <a:t>Lab 12 – participation activity due in lab</a:t>
             </a:r>
           </a:p>
           <a:p>
@@ -17174,10 +17180,10 @@
       </p:sp>
       <p:graphicFrame>
         <p:nvGraphicFramePr>
-          <p:cNvPr id="7" name="Table 6">
+          <p:cNvPr id="8" name="Table 7">
             <a:extLst>
               <a:ext uri="{FF2B5EF4-FFF2-40B4-BE49-F238E27FC236}">
-                <a16:creationId xmlns:a16="http://schemas.microsoft.com/office/drawing/2014/main" id="{A32DE793-60F9-4A58-A1FB-790DB77845AA}"/>
+                <a16:creationId xmlns:a16="http://schemas.microsoft.com/office/drawing/2014/main" id="{5DC24B50-0BD3-45AB-8653-28927089CA5A}"/>
               </a:ext>
             </a:extLst>
           </p:cNvPr>
@@ -17187,121 +17193,92 @@
           <p:nvPr>
             <p:extLst>
               <p:ext uri="{D42A27DB-BD31-4B8C-83A1-F6EECF244321}">
-                <p14:modId xmlns:p14="http://schemas.microsoft.com/office/powerpoint/2010/main" val="3085342150"/>
+                <p14:modId xmlns:p14="http://schemas.microsoft.com/office/powerpoint/2010/main" val="2801261929"/>
               </p:ext>
             </p:extLst>
           </p:nvPr>
         </p:nvGraphicFramePr>
         <p:xfrm>
-          <a:off x="9987253" y="3863702"/>
-          <a:ext cx="3572199" cy="3253859"/>
+          <a:off x="10025176" y="3998912"/>
+          <a:ext cx="3671207" cy="3097098"/>
         </p:xfrm>
         <a:graphic>
           <a:graphicData uri="http://schemas.openxmlformats.org/drawingml/2006/table">
             <a:tbl>
-              <a:tblPr firstRow="1">
-                <a:tableStyleId>{5C22544A-7EE6-4342-B048-85BDC9FD1C3A}</a:tableStyleId>
-              </a:tblPr>
+              <a:tblPr/>
               <a:tblGrid>
-                <a:gridCol w="1105468">
+                <a:gridCol w="1197995">
                   <a:extLst>
                     <a:ext uri="{9D8B030D-6E8A-4147-A177-3AD203B41FA5}">
-                      <a16:colId xmlns:a16="http://schemas.microsoft.com/office/drawing/2014/main" val="1333462331"/>
+                      <a16:colId xmlns:a16="http://schemas.microsoft.com/office/drawing/2014/main" val="3463123554"/>
                     </a:ext>
                   </a:extLst>
                 </a:gridCol>
-                <a:gridCol w="2466731">
+                <a:gridCol w="2473212">
                   <a:extLst>
                     <a:ext uri="{9D8B030D-6E8A-4147-A177-3AD203B41FA5}">
-                      <a16:colId xmlns:a16="http://schemas.microsoft.com/office/drawing/2014/main" val="668155110"/>
+                      <a16:colId xmlns:a16="http://schemas.microsoft.com/office/drawing/2014/main" val="378576746"/>
                     </a:ext>
                   </a:extLst>
                 </a:gridCol>
               </a:tblGrid>
-              <a:tr h="165373">
+              <a:tr h="289830">
                 <a:tc>
                   <a:txBody>
                     <a:bodyPr/>
                     <a:lstStyle/>
                     <a:p>
-                      <a:pPr marL="0" marR="0">
-                        <a:lnSpc>
-                          <a:spcPct val="107000"/>
-                        </a:lnSpc>
-                        <a:spcBef>
-                          <a:spcPts val="0"/>
-                        </a:spcBef>
-                        <a:spcAft>
-                          <a:spcPts val="800"/>
-                        </a:spcAft>
-                      </a:pPr>
+                      <a:pPr algn="l"/>
                       <a:r>
-                        <a:rPr lang="en-US" sz="1600" dirty="0">
+                        <a:rPr lang="en-US" sz="1700">
                           <a:solidFill>
-                            <a:schemeClr val="tx1"/>
+                            <a:srgbClr val="000000"/>
                           </a:solidFill>
                           <a:effectLst/>
                         </a:rPr>
                         <a:t>Day</a:t>
                       </a:r>
-                      <a:endParaRPr lang="en-US" sz="1600" dirty="0">
-                        <a:solidFill>
-                          <a:schemeClr val="tx1"/>
-                        </a:solidFill>
-                        <a:effectLst/>
-                        <a:latin typeface="Calibri" panose="020F0502020204030204" pitchFamily="34" charset="0"/>
-                        <a:ea typeface="Calibri" panose="020F0502020204030204" pitchFamily="34" charset="0"/>
-                        <a:cs typeface="Times New Roman" panose="02020603050405020304" pitchFamily="18" charset="0"/>
-                      </a:endParaRPr>
                     </a:p>
                   </a:txBody>
-                  <a:tcPr marL="15875" marR="15875" marT="15875" marB="15875" anchor="ctr">
-                    <a:lnL w="12700" cap="flat" cmpd="sng" algn="ctr">
+                  <a:tcPr marL="15681" marR="15681" marT="15681" marB="15681" anchor="ctr">
+                    <a:lnL w="6350" cap="flat" cmpd="sng" algn="ctr">
                       <a:solidFill>
-                        <a:schemeClr val="tx1"/>
+                        <a:srgbClr val="E0E0E0"/>
                       </a:solidFill>
                       <a:prstDash val="solid"/>
                       <a:round/>
                       <a:headEnd type="none" w="med" len="med"/>
                       <a:tailEnd type="none" w="med" len="med"/>
                     </a:lnL>
-                    <a:lnR w="12700" cap="flat" cmpd="sng" algn="ctr">
+                    <a:lnR w="6350" cap="flat" cmpd="sng" algn="ctr">
                       <a:solidFill>
-                        <a:schemeClr val="tx1"/>
+                        <a:srgbClr val="E0E0E0"/>
                       </a:solidFill>
                       <a:prstDash val="solid"/>
                       <a:round/>
                       <a:headEnd type="none" w="med" len="med"/>
                       <a:tailEnd type="none" w="med" len="med"/>
                     </a:lnR>
-                    <a:lnT w="12700" cap="flat" cmpd="sng" algn="ctr">
+                    <a:lnT w="6350" cap="flat" cmpd="sng" algn="ctr">
                       <a:solidFill>
-                        <a:schemeClr val="tx1"/>
+                        <a:srgbClr val="E0E0E0"/>
                       </a:solidFill>
                       <a:prstDash val="solid"/>
                       <a:round/>
                       <a:headEnd type="none" w="med" len="med"/>
                       <a:tailEnd type="none" w="med" len="med"/>
                     </a:lnT>
-                    <a:lnB w="12700" cap="flat" cmpd="sng" algn="ctr">
+                    <a:lnB w="6350" cap="flat" cmpd="sng" algn="ctr">
                       <a:solidFill>
-                        <a:schemeClr val="tx1"/>
+                        <a:srgbClr val="E0E0E0"/>
                       </a:solidFill>
                       <a:prstDash val="solid"/>
                       <a:round/>
                       <a:headEnd type="none" w="med" len="med"/>
                       <a:tailEnd type="none" w="med" len="med"/>
                     </a:lnB>
-                    <a:lnTlToBr w="12700" cmpd="sng">
-                      <a:noFill/>
-                      <a:prstDash val="solid"/>
-                    </a:lnTlToBr>
-                    <a:lnBlToTr w="12700" cmpd="sng">
-                      <a:noFill/>
-                      <a:prstDash val="solid"/>
-                    </a:lnBlToTr>
                     <a:solidFill>
-                      <a:schemeClr val="bg1"/>
+                      <a:srgbClr val="F7F7F7"/>
                     </a:solidFill>
                   </a:tcPr>
                 </a:tc>
@@ -17310,171 +17287,119 @@
                     <a:bodyPr/>
                     <a:lstStyle/>
                     <a:p>
-                      <a:pPr marL="0" marR="0">
-                        <a:lnSpc>
-                          <a:spcPct val="107000"/>
-                        </a:lnSpc>
-                        <a:spcBef>
-                          <a:spcPts val="0"/>
-                        </a:spcBef>
-                        <a:spcAft>
-                          <a:spcPts val="800"/>
-                        </a:spcAft>
-                      </a:pPr>
+                      <a:pPr algn="l"/>
                       <a:r>
-                        <a:rPr lang="en-US" sz="1600" dirty="0">
+                        <a:rPr lang="en-US" sz="1700" dirty="0">
                           <a:solidFill>
-                            <a:schemeClr val="tx1"/>
+                            <a:srgbClr val="000000"/>
                           </a:solidFill>
                           <a:effectLst/>
                         </a:rPr>
                         <a:t>Time : Room</a:t>
                       </a:r>
-                      <a:endParaRPr lang="en-US" sz="1600" dirty="0">
-                        <a:solidFill>
-                          <a:schemeClr val="tx1"/>
-                        </a:solidFill>
-                        <a:effectLst/>
-                        <a:latin typeface="Calibri" panose="020F0502020204030204" pitchFamily="34" charset="0"/>
-                        <a:ea typeface="Calibri" panose="020F0502020204030204" pitchFamily="34" charset="0"/>
-                        <a:cs typeface="Times New Roman" panose="02020603050405020304" pitchFamily="18" charset="0"/>
-                      </a:endParaRPr>
                     </a:p>
                   </a:txBody>
-                  <a:tcPr marL="15875" marR="15875" marT="15875" marB="15875" anchor="ctr">
-                    <a:lnL w="12700" cap="flat" cmpd="sng" algn="ctr">
+                  <a:tcPr marL="15681" marR="15681" marT="15681" marB="15681" anchor="ctr">
+                    <a:lnL w="6350" cap="flat" cmpd="sng" algn="ctr">
                       <a:solidFill>
-                        <a:schemeClr val="tx1"/>
+                        <a:srgbClr val="E0E0E0"/>
                       </a:solidFill>
                       <a:prstDash val="solid"/>
                       <a:round/>
                       <a:headEnd type="none" w="med" len="med"/>
                       <a:tailEnd type="none" w="med" len="med"/>
                     </a:lnL>
-                    <a:lnR w="12700" cap="flat" cmpd="sng" algn="ctr">
+                    <a:lnR w="6350" cap="flat" cmpd="sng" algn="ctr">
                       <a:solidFill>
-                        <a:schemeClr val="tx1"/>
+                        <a:srgbClr val="E0E0E0"/>
                       </a:solidFill>
                       <a:prstDash val="solid"/>
                       <a:round/>
                       <a:headEnd type="none" w="med" len="med"/>
                       <a:tailEnd type="none" w="med" len="med"/>
                     </a:lnR>
-                    <a:lnT w="12700" cap="flat" cmpd="sng" algn="ctr">
+                    <a:lnT w="6350" cap="flat" cmpd="sng" algn="ctr">
                       <a:solidFill>
-                        <a:schemeClr val="tx1"/>
+                        <a:srgbClr val="E0E0E0"/>
                       </a:solidFill>
                       <a:prstDash val="solid"/>
                       <a:round/>
                       <a:headEnd type="none" w="med" len="med"/>
                       <a:tailEnd type="none" w="med" len="med"/>
                     </a:lnT>
-                    <a:lnB w="12700" cap="flat" cmpd="sng" algn="ctr">
+                    <a:lnB w="6350" cap="flat" cmpd="sng" algn="ctr">
                       <a:solidFill>
-                        <a:schemeClr val="tx1"/>
+                        <a:srgbClr val="E0E0E0"/>
                       </a:solidFill>
                       <a:prstDash val="solid"/>
                       <a:round/>
                       <a:headEnd type="none" w="med" len="med"/>
                       <a:tailEnd type="none" w="med" len="med"/>
                     </a:lnB>
-                    <a:lnTlToBr w="12700" cmpd="sng">
-                      <a:noFill/>
-                      <a:prstDash val="solid"/>
-                    </a:lnTlToBr>
-                    <a:lnBlToTr w="12700" cmpd="sng">
-                      <a:noFill/>
-                      <a:prstDash val="solid"/>
-                    </a:lnBlToTr>
                     <a:solidFill>
-                      <a:schemeClr val="bg1"/>
+                      <a:srgbClr val="F7F7F7"/>
                     </a:solidFill>
                   </a:tcPr>
                 </a:tc>
                 <a:extLst>
                   <a:ext uri="{0D108BD9-81ED-4DB2-BD59-A6C34878D82A}">
-                    <a16:rowId xmlns:a16="http://schemas.microsoft.com/office/drawing/2014/main" val="3093163206"/>
+                    <a16:rowId xmlns:a16="http://schemas.microsoft.com/office/drawing/2014/main" val="3967578678"/>
                   </a:ext>
                 </a:extLst>
               </a:tr>
-              <a:tr h="581669">
+              <a:tr h="548296">
                 <a:tc>
                   <a:txBody>
                     <a:bodyPr/>
                     <a:lstStyle/>
                     <a:p>
-                      <a:pPr marL="0" marR="0">
-                        <a:lnSpc>
-                          <a:spcPct val="107000"/>
-                        </a:lnSpc>
-                        <a:spcBef>
-                          <a:spcPts val="0"/>
-                        </a:spcBef>
-                        <a:spcAft>
-                          <a:spcPts val="800"/>
-                        </a:spcAft>
-                      </a:pPr>
                       <a:r>
-                        <a:rPr lang="en-US" sz="1600" dirty="0">
+                        <a:rPr lang="en-US" sz="1700">
                           <a:effectLst/>
                         </a:rPr>
                         <a:t>Monday</a:t>
                       </a:r>
-                      <a:endParaRPr lang="en-US" sz="1600" dirty="0">
-                        <a:effectLst/>
-                        <a:latin typeface="Calibri" panose="020F0502020204030204" pitchFamily="34" charset="0"/>
-                        <a:ea typeface="Calibri" panose="020F0502020204030204" pitchFamily="34" charset="0"/>
-                        <a:cs typeface="Times New Roman" panose="02020603050405020304" pitchFamily="18" charset="0"/>
-                      </a:endParaRPr>
                     </a:p>
                   </a:txBody>
-                  <a:tcPr marL="15875" marR="15875" marT="15875" marB="15875" anchor="ctr">
-                    <a:lnL w="12700" cap="flat" cmpd="sng" algn="ctr">
+                  <a:tcPr marL="15681" marR="15681" marT="15681" marB="15681" anchor="ctr">
+                    <a:lnL w="6350" cap="flat" cmpd="sng" algn="ctr">
                       <a:solidFill>
-                        <a:schemeClr val="tx1"/>
+                        <a:srgbClr val="E0E0E0"/>
                       </a:solidFill>
                       <a:prstDash val="solid"/>
                       <a:round/>
                       <a:headEnd type="none" w="med" len="med"/>
                       <a:tailEnd type="none" w="med" len="med"/>
                     </a:lnL>
-                    <a:lnR w="12700" cap="flat" cmpd="sng" algn="ctr">
+                    <a:lnR w="6350" cap="flat" cmpd="sng" algn="ctr">
                       <a:solidFill>
-                        <a:schemeClr val="tx1"/>
+                        <a:srgbClr val="E0E0E0"/>
                       </a:solidFill>
                       <a:prstDash val="solid"/>
                       <a:round/>
                       <a:headEnd type="none" w="med" len="med"/>
                       <a:tailEnd type="none" w="med" len="med"/>
                     </a:lnR>
-                    <a:lnT w="12700" cap="flat" cmpd="sng" algn="ctr">
+                    <a:lnT w="6350" cap="flat" cmpd="sng" algn="ctr">
                       <a:solidFill>
-                        <a:schemeClr val="tx1"/>
+                        <a:srgbClr val="E0E0E0"/>
                       </a:solidFill>
                       <a:prstDash val="solid"/>
                       <a:round/>
                       <a:headEnd type="none" w="med" len="med"/>
                       <a:tailEnd type="none" w="med" len="med"/>
                     </a:lnT>
-                    <a:lnB w="12700" cap="flat" cmpd="sng" algn="ctr">
+                    <a:lnB w="6350" cap="flat" cmpd="sng" algn="ctr">
                       <a:solidFill>
-                        <a:schemeClr val="tx1"/>
+                        <a:srgbClr val="E0E0E0"/>
                       </a:solidFill>
                       <a:prstDash val="solid"/>
                       <a:round/>
                       <a:headEnd type="none" w="med" len="med"/>
                       <a:tailEnd type="none" w="med" len="med"/>
                     </a:lnB>
-                    <a:lnTlToBr w="12700" cmpd="sng">
-                      <a:noFill/>
-                      <a:prstDash val="solid"/>
-                    </a:lnTlToBr>
-                    <a:lnBlToTr w="12700" cmpd="sng">
-                      <a:noFill/>
-                      <a:prstDash val="solid"/>
-                    </a:lnBlToTr>
                     <a:solidFill>
-                      <a:schemeClr val="bg1"/>
+                      <a:srgbClr val="FFFFFF"/>
                     </a:solidFill>
                   </a:tcPr>
                 </a:tc>
@@ -17483,165 +17408,133 @@
                     <a:bodyPr/>
                     <a:lstStyle/>
                     <a:p>
-                      <a:pPr marL="0" marR="0">
-                        <a:lnSpc>
-                          <a:spcPct val="107000"/>
-                        </a:lnSpc>
-                        <a:spcBef>
-                          <a:spcPts val="0"/>
-                        </a:spcBef>
-                        <a:spcAft>
-                          <a:spcPts val="800"/>
-                        </a:spcAft>
-                      </a:pPr>
                       <a:r>
-                        <a:rPr lang="en-US" sz="1600" dirty="0">
+                        <a:rPr lang="en-US" sz="1700">
                           <a:effectLst/>
                         </a:rPr>
-                        <a:t>12 PM - 2 PM : CSB 120</a:t>
+                        <a:t>3 </a:t>
                       </a:r>
-                      <a:endParaRPr lang="en-US" sz="1600" dirty="0">
-                        <a:effectLst/>
-                        <a:latin typeface="Calibri" panose="020F0502020204030204" pitchFamily="34" charset="0"/>
-                        <a:ea typeface="Calibri" panose="020F0502020204030204" pitchFamily="34" charset="0"/>
-                        <a:cs typeface="Times New Roman" panose="02020603050405020304" pitchFamily="18" charset="0"/>
-                      </a:endParaRPr>
+                      <a:r>
+                        <a:rPr lang="en-US" sz="1700" dirty="0">
+                          <a:effectLst/>
+                        </a:rPr>
+                        <a:t>PM </a:t>
+                      </a:r>
+                      <a:r>
+                        <a:rPr lang="en-US" sz="1700">
+                          <a:effectLst/>
+                        </a:rPr>
+                        <a:t>- 5 </a:t>
+                      </a:r>
+                      <a:r>
+                        <a:rPr lang="en-US" sz="1700" dirty="0">
+                          <a:effectLst/>
+                        </a:rPr>
+                        <a:t>PM : CSB 120</a:t>
+                      </a:r>
                     </a:p>
                   </a:txBody>
-                  <a:tcPr marL="15875" marR="15875" marT="15875" marB="15875" anchor="ctr">
-                    <a:lnL w="12700" cap="flat" cmpd="sng" algn="ctr">
+                  <a:tcPr marL="15681" marR="15681" marT="15681" marB="15681" anchor="ctr">
+                    <a:lnL w="6350" cap="flat" cmpd="sng" algn="ctr">
                       <a:solidFill>
-                        <a:schemeClr val="tx1"/>
+                        <a:srgbClr val="E0E0E0"/>
                       </a:solidFill>
                       <a:prstDash val="solid"/>
                       <a:round/>
                       <a:headEnd type="none" w="med" len="med"/>
                       <a:tailEnd type="none" w="med" len="med"/>
                     </a:lnL>
-                    <a:lnR w="12700" cap="flat" cmpd="sng" algn="ctr">
+                    <a:lnR w="6350" cap="flat" cmpd="sng" algn="ctr">
                       <a:solidFill>
-                        <a:schemeClr val="tx1"/>
+                        <a:srgbClr val="E0E0E0"/>
                       </a:solidFill>
                       <a:prstDash val="solid"/>
                       <a:round/>
                       <a:headEnd type="none" w="med" len="med"/>
                       <a:tailEnd type="none" w="med" len="med"/>
                     </a:lnR>
-                    <a:lnT w="12700" cap="flat" cmpd="sng" algn="ctr">
+                    <a:lnT w="6350" cap="flat" cmpd="sng" algn="ctr">
                       <a:solidFill>
-                        <a:schemeClr val="tx1"/>
+                        <a:srgbClr val="E0E0E0"/>
                       </a:solidFill>
                       <a:prstDash val="solid"/>
                       <a:round/>
                       <a:headEnd type="none" w="med" len="med"/>
                       <a:tailEnd type="none" w="med" len="med"/>
                     </a:lnT>
-                    <a:lnB w="12700" cap="flat" cmpd="sng" algn="ctr">
+                    <a:lnB w="6350" cap="flat" cmpd="sng" algn="ctr">
                       <a:solidFill>
-                        <a:schemeClr val="tx1"/>
+                        <a:srgbClr val="E0E0E0"/>
                       </a:solidFill>
                       <a:prstDash val="solid"/>
                       <a:round/>
                       <a:headEnd type="none" w="med" len="med"/>
                       <a:tailEnd type="none" w="med" len="med"/>
                     </a:lnB>
-                    <a:lnTlToBr w="12700" cmpd="sng">
-                      <a:noFill/>
-                      <a:prstDash val="solid"/>
-                    </a:lnTlToBr>
-                    <a:lnBlToTr w="12700" cmpd="sng">
-                      <a:noFill/>
-                      <a:prstDash val="solid"/>
-                    </a:lnBlToTr>
                     <a:solidFill>
-                      <a:schemeClr val="bg1"/>
+                      <a:srgbClr val="FFFFFF"/>
                     </a:solidFill>
                   </a:tcPr>
                 </a:tc>
                 <a:extLst>
                   <a:ext uri="{0D108BD9-81ED-4DB2-BD59-A6C34878D82A}">
-                    <a16:rowId xmlns:a16="http://schemas.microsoft.com/office/drawing/2014/main" val="1139786997"/>
+                    <a16:rowId xmlns:a16="http://schemas.microsoft.com/office/drawing/2014/main" val="4272848274"/>
                   </a:ext>
                 </a:extLst>
               </a:tr>
-              <a:tr h="307347">
+              <a:tr h="289830">
                 <a:tc>
                   <a:txBody>
                     <a:bodyPr/>
                     <a:lstStyle/>
                     <a:p>
-                      <a:pPr marL="0" marR="0">
-                        <a:lnSpc>
-                          <a:spcPct val="107000"/>
-                        </a:lnSpc>
-                        <a:spcBef>
-                          <a:spcPts val="0"/>
-                        </a:spcBef>
-                        <a:spcAft>
-                          <a:spcPts val="800"/>
-                        </a:spcAft>
-                      </a:pPr>
                       <a:r>
-                        <a:rPr lang="en-US" sz="1600">
+                        <a:rPr lang="en-US" sz="1700">
                           <a:effectLst/>
                         </a:rPr>
                         <a:t>Tuesday</a:t>
                       </a:r>
-                      <a:endParaRPr lang="en-US" sz="1600">
-                        <a:effectLst/>
-                        <a:latin typeface="Calibri" panose="020F0502020204030204" pitchFamily="34" charset="0"/>
-                        <a:ea typeface="Calibri" panose="020F0502020204030204" pitchFamily="34" charset="0"/>
-                        <a:cs typeface="Times New Roman" panose="02020603050405020304" pitchFamily="18" charset="0"/>
-                      </a:endParaRPr>
                     </a:p>
                   </a:txBody>
-                  <a:tcPr marL="15875" marR="15875" marT="15875" marB="15875" anchor="ctr">
-                    <a:lnL w="12700" cap="flat" cmpd="sng" algn="ctr">
+                  <a:tcPr marL="15681" marR="15681" marT="15681" marB="15681" anchor="ctr">
+                    <a:lnL w="6350" cap="flat" cmpd="sng" algn="ctr">
                       <a:solidFill>
-                        <a:schemeClr val="tx1"/>
+                        <a:srgbClr val="E0E0E0"/>
                       </a:solidFill>
                       <a:prstDash val="solid"/>
                       <a:round/>
                       <a:headEnd type="none" w="med" len="med"/>
                       <a:tailEnd type="none" w="med" len="med"/>
                     </a:lnL>
-                    <a:lnR w="12700" cap="flat" cmpd="sng" algn="ctr">
+                    <a:lnR w="6350" cap="flat" cmpd="sng" algn="ctr">
                       <a:solidFill>
-                        <a:schemeClr val="tx1"/>
+                        <a:srgbClr val="E0E0E0"/>
                       </a:solidFill>
                       <a:prstDash val="solid"/>
                       <a:round/>
                       <a:headEnd type="none" w="med" len="med"/>
                       <a:tailEnd type="none" w="med" len="med"/>
                     </a:lnR>
-                    <a:lnT w="12700" cap="flat" cmpd="sng" algn="ctr">
+                    <a:lnT w="6350" cap="flat" cmpd="sng" algn="ctr">
                       <a:solidFill>
-                        <a:schemeClr val="tx1"/>
+                        <a:srgbClr val="E0E0E0"/>
                       </a:solidFill>
                       <a:prstDash val="solid"/>
                       <a:round/>
                       <a:headEnd type="none" w="med" len="med"/>
                       <a:tailEnd type="none" w="med" len="med"/>
                     </a:lnT>
-                    <a:lnB w="12700" cap="flat" cmpd="sng" algn="ctr">
+                    <a:lnB w="6350" cap="flat" cmpd="sng" algn="ctr">
                       <a:solidFill>
-                        <a:schemeClr val="tx1"/>
+                        <a:srgbClr val="E0E0E0"/>
                       </a:solidFill>
                       <a:prstDash val="solid"/>
                       <a:round/>
                       <a:headEnd type="none" w="med" len="med"/>
                       <a:tailEnd type="none" w="med" len="med"/>
                     </a:lnB>
-                    <a:lnTlToBr w="12700" cmpd="sng">
-                      <a:noFill/>
-                      <a:prstDash val="solid"/>
-                    </a:lnTlToBr>
-                    <a:lnBlToTr w="12700" cmpd="sng">
-                      <a:noFill/>
-                      <a:prstDash val="solid"/>
-                    </a:lnBlToTr>
                     <a:solidFill>
-                      <a:schemeClr val="bg1"/>
+                      <a:srgbClr val="FFFFFF"/>
                     </a:solidFill>
                   </a:tcPr>
                 </a:tc>
@@ -17650,165 +17543,115 @@
                     <a:bodyPr/>
                     <a:lstStyle/>
                     <a:p>
-                      <a:pPr marL="0" marR="0">
-                        <a:lnSpc>
-                          <a:spcPct val="107000"/>
-                        </a:lnSpc>
-                        <a:spcBef>
-                          <a:spcPts val="0"/>
-                        </a:spcBef>
-                        <a:spcAft>
-                          <a:spcPts val="800"/>
-                        </a:spcAft>
-                      </a:pPr>
                       <a:r>
-                        <a:rPr lang="en-US" sz="1600">
+                        <a:rPr lang="en-US" sz="1700">
                           <a:effectLst/>
                         </a:rPr>
                         <a:t>6 PM - 8 PM : Teams</a:t>
                       </a:r>
-                      <a:endParaRPr lang="en-US" sz="1600">
-                        <a:effectLst/>
-                        <a:latin typeface="Calibri" panose="020F0502020204030204" pitchFamily="34" charset="0"/>
-                        <a:ea typeface="Calibri" panose="020F0502020204030204" pitchFamily="34" charset="0"/>
-                        <a:cs typeface="Times New Roman" panose="02020603050405020304" pitchFamily="18" charset="0"/>
-                      </a:endParaRPr>
                     </a:p>
                   </a:txBody>
-                  <a:tcPr marL="15875" marR="15875" marT="15875" marB="15875" anchor="ctr">
-                    <a:lnL w="12700" cap="flat" cmpd="sng" algn="ctr">
+                  <a:tcPr marL="15681" marR="15681" marT="15681" marB="15681" anchor="ctr">
+                    <a:lnL w="6350" cap="flat" cmpd="sng" algn="ctr">
                       <a:solidFill>
-                        <a:schemeClr val="tx1"/>
+                        <a:srgbClr val="E0E0E0"/>
                       </a:solidFill>
                       <a:prstDash val="solid"/>
                       <a:round/>
                       <a:headEnd type="none" w="med" len="med"/>
                       <a:tailEnd type="none" w="med" len="med"/>
                     </a:lnL>
-                    <a:lnR w="12700" cap="flat" cmpd="sng" algn="ctr">
+                    <a:lnR w="6350" cap="flat" cmpd="sng" algn="ctr">
                       <a:solidFill>
-                        <a:schemeClr val="tx1"/>
+                        <a:srgbClr val="E0E0E0"/>
                       </a:solidFill>
                       <a:prstDash val="solid"/>
                       <a:round/>
                       <a:headEnd type="none" w="med" len="med"/>
                       <a:tailEnd type="none" w="med" len="med"/>
                     </a:lnR>
-                    <a:lnT w="12700" cap="flat" cmpd="sng" algn="ctr">
+                    <a:lnT w="6350" cap="flat" cmpd="sng" algn="ctr">
                       <a:solidFill>
-                        <a:schemeClr val="tx1"/>
+                        <a:srgbClr val="E0E0E0"/>
                       </a:solidFill>
                       <a:prstDash val="solid"/>
                       <a:round/>
                       <a:headEnd type="none" w="med" len="med"/>
                       <a:tailEnd type="none" w="med" len="med"/>
                     </a:lnT>
-                    <a:lnB w="12700" cap="flat" cmpd="sng" algn="ctr">
+                    <a:lnB w="6350" cap="flat" cmpd="sng" algn="ctr">
                       <a:solidFill>
-                        <a:schemeClr val="tx1"/>
+                        <a:srgbClr val="E0E0E0"/>
                       </a:solidFill>
                       <a:prstDash val="solid"/>
                       <a:round/>
                       <a:headEnd type="none" w="med" len="med"/>
                       <a:tailEnd type="none" w="med" len="med"/>
                     </a:lnB>
-                    <a:lnTlToBr w="12700" cmpd="sng">
-                      <a:noFill/>
-                      <a:prstDash val="solid"/>
-                    </a:lnTlToBr>
-                    <a:lnBlToTr w="12700" cmpd="sng">
-                      <a:noFill/>
-                      <a:prstDash val="solid"/>
-                    </a:lnBlToTr>
                     <a:solidFill>
-                      <a:schemeClr val="bg1"/>
+                      <a:srgbClr val="FFFFFF"/>
                     </a:solidFill>
                   </a:tcPr>
                 </a:tc>
                 <a:extLst>
                   <a:ext uri="{0D108BD9-81ED-4DB2-BD59-A6C34878D82A}">
-                    <a16:rowId xmlns:a16="http://schemas.microsoft.com/office/drawing/2014/main" val="1164388044"/>
+                    <a16:rowId xmlns:a16="http://schemas.microsoft.com/office/drawing/2014/main" val="369786881"/>
                   </a:ext>
                 </a:extLst>
               </a:tr>
-              <a:tr h="581669">
+              <a:tr h="548296">
                 <a:tc>
                   <a:txBody>
                     <a:bodyPr/>
                     <a:lstStyle/>
                     <a:p>
-                      <a:pPr marL="0" marR="0">
-                        <a:lnSpc>
-                          <a:spcPct val="107000"/>
-                        </a:lnSpc>
-                        <a:spcBef>
-                          <a:spcPts val="0"/>
-                        </a:spcBef>
-                        <a:spcAft>
-                          <a:spcPts val="800"/>
-                        </a:spcAft>
-                      </a:pPr>
                       <a:r>
-                        <a:rPr lang="en-US" sz="1600">
+                        <a:rPr lang="en-US" sz="1700">
                           <a:effectLst/>
                         </a:rPr>
                         <a:t>Wednesday</a:t>
                       </a:r>
-                      <a:endParaRPr lang="en-US" sz="1600">
-                        <a:effectLst/>
-                        <a:latin typeface="Calibri" panose="020F0502020204030204" pitchFamily="34" charset="0"/>
-                        <a:ea typeface="Calibri" panose="020F0502020204030204" pitchFamily="34" charset="0"/>
-                        <a:cs typeface="Times New Roman" panose="02020603050405020304" pitchFamily="18" charset="0"/>
-                      </a:endParaRPr>
                     </a:p>
                   </a:txBody>
-                  <a:tcPr marL="15875" marR="15875" marT="15875" marB="15875" anchor="ctr">
-                    <a:lnL w="12700" cap="flat" cmpd="sng" algn="ctr">
+                  <a:tcPr marL="15681" marR="15681" marT="15681" marB="15681" anchor="ctr">
+                    <a:lnL w="6350" cap="flat" cmpd="sng" algn="ctr">
                       <a:solidFill>
-                        <a:schemeClr val="tx1"/>
+                        <a:srgbClr val="E0E0E0"/>
                       </a:solidFill>
                       <a:prstDash val="solid"/>
                       <a:round/>
                       <a:headEnd type="none" w="med" len="med"/>
                       <a:tailEnd type="none" w="med" len="med"/>
                     </a:lnL>
-                    <a:lnR w="12700" cap="flat" cmpd="sng" algn="ctr">
+                    <a:lnR w="6350" cap="flat" cmpd="sng" algn="ctr">
                       <a:solidFill>
-                        <a:schemeClr val="tx1"/>
+                        <a:srgbClr val="E0E0E0"/>
                       </a:solidFill>
                       <a:prstDash val="solid"/>
                       <a:round/>
                       <a:headEnd type="none" w="med" len="med"/>
                       <a:tailEnd type="none" w="med" len="med"/>
                     </a:lnR>
-                    <a:lnT w="12700" cap="flat" cmpd="sng" algn="ctr">
+                    <a:lnT w="6350" cap="flat" cmpd="sng" algn="ctr">
                       <a:solidFill>
-                        <a:schemeClr val="tx1"/>
+                        <a:srgbClr val="E0E0E0"/>
                       </a:solidFill>
                       <a:prstDash val="solid"/>
                       <a:round/>
                       <a:headEnd type="none" w="med" len="med"/>
                       <a:tailEnd type="none" w="med" len="med"/>
                     </a:lnT>
-                    <a:lnB w="12700" cap="flat" cmpd="sng" algn="ctr">
+                    <a:lnB w="6350" cap="flat" cmpd="sng" algn="ctr">
                       <a:solidFill>
-                        <a:schemeClr val="tx1"/>
+                        <a:srgbClr val="E0E0E0"/>
                       </a:solidFill>
                       <a:prstDash val="solid"/>
                       <a:round/>
                       <a:headEnd type="none" w="med" len="med"/>
                       <a:tailEnd type="none" w="med" len="med"/>
                     </a:lnB>
-                    <a:lnTlToBr w="12700" cmpd="sng">
-                      <a:noFill/>
-                      <a:prstDash val="solid"/>
-                    </a:lnTlToBr>
-                    <a:lnBlToTr w="12700" cmpd="sng">
-                      <a:noFill/>
-                      <a:prstDash val="solid"/>
-                    </a:lnBlToTr>
                     <a:solidFill>
-                      <a:schemeClr val="bg1"/>
+                      <a:srgbClr val="FFFFFF"/>
                     </a:solidFill>
                   </a:tcPr>
                 </a:tc>
@@ -17817,165 +17660,115 @@
                     <a:bodyPr/>
                     <a:lstStyle/>
                     <a:p>
-                      <a:pPr marL="0" marR="0">
-                        <a:lnSpc>
-                          <a:spcPct val="107000"/>
-                        </a:lnSpc>
-                        <a:spcBef>
-                          <a:spcPts val="0"/>
-                        </a:spcBef>
-                        <a:spcAft>
-                          <a:spcPts val="800"/>
-                        </a:spcAft>
-                      </a:pPr>
                       <a:r>
-                        <a:rPr lang="en-US" sz="1600">
+                        <a:rPr lang="en-US" sz="1700">
                           <a:effectLst/>
                         </a:rPr>
                         <a:t>3 PM - 5 PM : CSB 120</a:t>
                       </a:r>
-                      <a:endParaRPr lang="en-US" sz="1600">
-                        <a:effectLst/>
-                        <a:latin typeface="Calibri" panose="020F0502020204030204" pitchFamily="34" charset="0"/>
-                        <a:ea typeface="Calibri" panose="020F0502020204030204" pitchFamily="34" charset="0"/>
-                        <a:cs typeface="Times New Roman" panose="02020603050405020304" pitchFamily="18" charset="0"/>
-                      </a:endParaRPr>
                     </a:p>
                   </a:txBody>
-                  <a:tcPr marL="15875" marR="15875" marT="15875" marB="15875" anchor="ctr">
-                    <a:lnL w="12700" cap="flat" cmpd="sng" algn="ctr">
+                  <a:tcPr marL="15681" marR="15681" marT="15681" marB="15681" anchor="ctr">
+                    <a:lnL w="6350" cap="flat" cmpd="sng" algn="ctr">
                       <a:solidFill>
-                        <a:schemeClr val="tx1"/>
+                        <a:srgbClr val="E0E0E0"/>
                       </a:solidFill>
                       <a:prstDash val="solid"/>
                       <a:round/>
                       <a:headEnd type="none" w="med" len="med"/>
                       <a:tailEnd type="none" w="med" len="med"/>
                     </a:lnL>
-                    <a:lnR w="12700" cap="flat" cmpd="sng" algn="ctr">
+                    <a:lnR w="6350" cap="flat" cmpd="sng" algn="ctr">
                       <a:solidFill>
-                        <a:schemeClr val="tx1"/>
+                        <a:srgbClr val="E0E0E0"/>
                       </a:solidFill>
                       <a:prstDash val="solid"/>
                       <a:round/>
                       <a:headEnd type="none" w="med" len="med"/>
                       <a:tailEnd type="none" w="med" len="med"/>
                     </a:lnR>
-                    <a:lnT w="12700" cap="flat" cmpd="sng" algn="ctr">
+                    <a:lnT w="6350" cap="flat" cmpd="sng" algn="ctr">
                       <a:solidFill>
-                        <a:schemeClr val="tx1"/>
+                        <a:srgbClr val="E0E0E0"/>
                       </a:solidFill>
                       <a:prstDash val="solid"/>
                       <a:round/>
                       <a:headEnd type="none" w="med" len="med"/>
                       <a:tailEnd type="none" w="med" len="med"/>
                     </a:lnT>
-                    <a:lnB w="12700" cap="flat" cmpd="sng" algn="ctr">
+                    <a:lnB w="6350" cap="flat" cmpd="sng" algn="ctr">
                       <a:solidFill>
-                        <a:schemeClr val="tx1"/>
+                        <a:srgbClr val="E0E0E0"/>
                       </a:solidFill>
                       <a:prstDash val="solid"/>
                       <a:round/>
                       <a:headEnd type="none" w="med" len="med"/>
                       <a:tailEnd type="none" w="med" len="med"/>
                     </a:lnB>
-                    <a:lnTlToBr w="12700" cmpd="sng">
-                      <a:noFill/>
-                      <a:prstDash val="solid"/>
-                    </a:lnTlToBr>
-                    <a:lnBlToTr w="12700" cmpd="sng">
-                      <a:noFill/>
-                      <a:prstDash val="solid"/>
-                    </a:lnBlToTr>
                     <a:solidFill>
-                      <a:schemeClr val="bg1"/>
+                      <a:srgbClr val="FFFFFF"/>
                     </a:solidFill>
                   </a:tcPr>
                 </a:tc>
                 <a:extLst>
                   <a:ext uri="{0D108BD9-81ED-4DB2-BD59-A6C34878D82A}">
-                    <a16:rowId xmlns:a16="http://schemas.microsoft.com/office/drawing/2014/main" val="1097778555"/>
+                    <a16:rowId xmlns:a16="http://schemas.microsoft.com/office/drawing/2014/main" val="252902362"/>
                   </a:ext>
                 </a:extLst>
               </a:tr>
-              <a:tr h="307347">
+              <a:tr h="289830">
                 <a:tc>
                   <a:txBody>
                     <a:bodyPr/>
                     <a:lstStyle/>
                     <a:p>
-                      <a:pPr marL="0" marR="0">
-                        <a:lnSpc>
-                          <a:spcPct val="107000"/>
-                        </a:lnSpc>
-                        <a:spcBef>
-                          <a:spcPts val="0"/>
-                        </a:spcBef>
-                        <a:spcAft>
-                          <a:spcPts val="800"/>
-                        </a:spcAft>
-                      </a:pPr>
                       <a:r>
-                        <a:rPr lang="en-US" sz="1600">
+                        <a:rPr lang="en-US" sz="1700">
                           <a:effectLst/>
                         </a:rPr>
                         <a:t>Thursday</a:t>
                       </a:r>
-                      <a:endParaRPr lang="en-US" sz="1600">
-                        <a:effectLst/>
-                        <a:latin typeface="Calibri" panose="020F0502020204030204" pitchFamily="34" charset="0"/>
-                        <a:ea typeface="Calibri" panose="020F0502020204030204" pitchFamily="34" charset="0"/>
-                        <a:cs typeface="Times New Roman" panose="02020603050405020304" pitchFamily="18" charset="0"/>
-                      </a:endParaRPr>
                     </a:p>
                   </a:txBody>
-                  <a:tcPr marL="15875" marR="15875" marT="15875" marB="15875" anchor="ctr">
-                    <a:lnL w="12700" cap="flat" cmpd="sng" algn="ctr">
+                  <a:tcPr marL="15681" marR="15681" marT="15681" marB="15681" anchor="ctr">
+                    <a:lnL w="6350" cap="flat" cmpd="sng" algn="ctr">
                       <a:solidFill>
-                        <a:schemeClr val="tx1"/>
+                        <a:srgbClr val="E0E0E0"/>
                       </a:solidFill>
                       <a:prstDash val="solid"/>
                       <a:round/>
                       <a:headEnd type="none" w="med" len="med"/>
                       <a:tailEnd type="none" w="med" len="med"/>
                     </a:lnL>
-                    <a:lnR w="12700" cap="flat" cmpd="sng" algn="ctr">
+                    <a:lnR w="6350" cap="flat" cmpd="sng" algn="ctr">
                       <a:solidFill>
-                        <a:schemeClr val="tx1"/>
+                        <a:srgbClr val="E0E0E0"/>
                       </a:solidFill>
                       <a:prstDash val="solid"/>
                       <a:round/>
                       <a:headEnd type="none" w="med" len="med"/>
                       <a:tailEnd type="none" w="med" len="med"/>
                     </a:lnR>
-                    <a:lnT w="12700" cap="flat" cmpd="sng" algn="ctr">
+                    <a:lnT w="6350" cap="flat" cmpd="sng" algn="ctr">
                       <a:solidFill>
-                        <a:schemeClr val="tx1"/>
+                        <a:srgbClr val="E0E0E0"/>
                       </a:solidFill>
                       <a:prstDash val="solid"/>
                       <a:round/>
                       <a:headEnd type="none" w="med" len="med"/>
                       <a:tailEnd type="none" w="med" len="med"/>
                     </a:lnT>
-                    <a:lnB w="12700" cap="flat" cmpd="sng" algn="ctr">
+                    <a:lnB w="6350" cap="flat" cmpd="sng" algn="ctr">
                       <a:solidFill>
-                        <a:schemeClr val="tx1"/>
+                        <a:srgbClr val="E0E0E0"/>
                       </a:solidFill>
                       <a:prstDash val="solid"/>
                       <a:round/>
                       <a:headEnd type="none" w="med" len="med"/>
                       <a:tailEnd type="none" w="med" len="med"/>
                     </a:lnB>
-                    <a:lnTlToBr w="12700" cmpd="sng">
-                      <a:noFill/>
-                      <a:prstDash val="solid"/>
-                    </a:lnTlToBr>
-                    <a:lnBlToTr w="12700" cmpd="sng">
-                      <a:noFill/>
-                      <a:prstDash val="solid"/>
-                    </a:lnBlToTr>
                     <a:solidFill>
-                      <a:schemeClr val="bg1"/>
+                      <a:srgbClr val="FFFFFF"/>
                     </a:solidFill>
                   </a:tcPr>
                 </a:tc>
@@ -17984,165 +17777,115 @@
                     <a:bodyPr/>
                     <a:lstStyle/>
                     <a:p>
-                      <a:pPr marL="0" marR="0">
-                        <a:lnSpc>
-                          <a:spcPct val="107000"/>
-                        </a:lnSpc>
-                        <a:spcBef>
-                          <a:spcPts val="0"/>
-                        </a:spcBef>
-                        <a:spcAft>
-                          <a:spcPts val="800"/>
-                        </a:spcAft>
-                      </a:pPr>
                       <a:r>
-                        <a:rPr lang="en-US" sz="1600">
+                        <a:rPr lang="en-US" sz="1700">
                           <a:effectLst/>
                         </a:rPr>
                         <a:t>6 PM - 8 PM : Teams</a:t>
                       </a:r>
-                      <a:endParaRPr lang="en-US" sz="1600">
-                        <a:effectLst/>
-                        <a:latin typeface="Calibri" panose="020F0502020204030204" pitchFamily="34" charset="0"/>
-                        <a:ea typeface="Calibri" panose="020F0502020204030204" pitchFamily="34" charset="0"/>
-                        <a:cs typeface="Times New Roman" panose="02020603050405020304" pitchFamily="18" charset="0"/>
-                      </a:endParaRPr>
                     </a:p>
                   </a:txBody>
-                  <a:tcPr marL="15875" marR="15875" marT="15875" marB="15875" anchor="ctr">
-                    <a:lnL w="12700" cap="flat" cmpd="sng" algn="ctr">
+                  <a:tcPr marL="15681" marR="15681" marT="15681" marB="15681" anchor="ctr">
+                    <a:lnL w="6350" cap="flat" cmpd="sng" algn="ctr">
                       <a:solidFill>
-                        <a:schemeClr val="tx1"/>
+                        <a:srgbClr val="E0E0E0"/>
                       </a:solidFill>
                       <a:prstDash val="solid"/>
                       <a:round/>
                       <a:headEnd type="none" w="med" len="med"/>
                       <a:tailEnd type="none" w="med" len="med"/>
                     </a:lnL>
-                    <a:lnR w="12700" cap="flat" cmpd="sng" algn="ctr">
+                    <a:lnR w="6350" cap="flat" cmpd="sng" algn="ctr">
                       <a:solidFill>
-                        <a:schemeClr val="tx1"/>
+                        <a:srgbClr val="E0E0E0"/>
                       </a:solidFill>
                       <a:prstDash val="solid"/>
                       <a:round/>
                       <a:headEnd type="none" w="med" len="med"/>
                       <a:tailEnd type="none" w="med" len="med"/>
                     </a:lnR>
-                    <a:lnT w="12700" cap="flat" cmpd="sng" algn="ctr">
+                    <a:lnT w="6350" cap="flat" cmpd="sng" algn="ctr">
                       <a:solidFill>
-                        <a:schemeClr val="tx1"/>
+                        <a:srgbClr val="E0E0E0"/>
                       </a:solidFill>
                       <a:prstDash val="solid"/>
                       <a:round/>
                       <a:headEnd type="none" w="med" len="med"/>
                       <a:tailEnd type="none" w="med" len="med"/>
                     </a:lnT>
-                    <a:lnB w="12700" cap="flat" cmpd="sng" algn="ctr">
+                    <a:lnB w="6350" cap="flat" cmpd="sng" algn="ctr">
                       <a:solidFill>
-                        <a:schemeClr val="tx1"/>
+                        <a:srgbClr val="E0E0E0"/>
                       </a:solidFill>
                       <a:prstDash val="solid"/>
                       <a:round/>
                       <a:headEnd type="none" w="med" len="med"/>
                       <a:tailEnd type="none" w="med" len="med"/>
                     </a:lnB>
-                    <a:lnTlToBr w="12700" cmpd="sng">
-                      <a:noFill/>
-                      <a:prstDash val="solid"/>
-                    </a:lnTlToBr>
-                    <a:lnBlToTr w="12700" cmpd="sng">
-                      <a:noFill/>
-                      <a:prstDash val="solid"/>
-                    </a:lnBlToTr>
                     <a:solidFill>
-                      <a:schemeClr val="bg1"/>
+                      <a:srgbClr val="FFFFFF"/>
                     </a:solidFill>
                   </a:tcPr>
                 </a:tc>
                 <a:extLst>
                   <a:ext uri="{0D108BD9-81ED-4DB2-BD59-A6C34878D82A}">
-                    <a16:rowId xmlns:a16="http://schemas.microsoft.com/office/drawing/2014/main" val="1747960062"/>
+                    <a16:rowId xmlns:a16="http://schemas.microsoft.com/office/drawing/2014/main" val="2125508035"/>
                   </a:ext>
                 </a:extLst>
               </a:tr>
-              <a:tr h="581669">
+              <a:tr h="548296">
                 <a:tc>
                   <a:txBody>
                     <a:bodyPr/>
                     <a:lstStyle/>
                     <a:p>
-                      <a:pPr marL="0" marR="0">
-                        <a:lnSpc>
-                          <a:spcPct val="107000"/>
-                        </a:lnSpc>
-                        <a:spcBef>
-                          <a:spcPts val="0"/>
-                        </a:spcBef>
-                        <a:spcAft>
-                          <a:spcPts val="800"/>
-                        </a:spcAft>
-                      </a:pPr>
                       <a:r>
-                        <a:rPr lang="en-US" sz="1600">
+                        <a:rPr lang="en-US" sz="1700">
                           <a:effectLst/>
                         </a:rPr>
                         <a:t>Friday</a:t>
                       </a:r>
-                      <a:endParaRPr lang="en-US" sz="1600">
-                        <a:effectLst/>
-                        <a:latin typeface="Calibri" panose="020F0502020204030204" pitchFamily="34" charset="0"/>
-                        <a:ea typeface="Calibri" panose="020F0502020204030204" pitchFamily="34" charset="0"/>
-                        <a:cs typeface="Times New Roman" panose="02020603050405020304" pitchFamily="18" charset="0"/>
-                      </a:endParaRPr>
                     </a:p>
                   </a:txBody>
-                  <a:tcPr marL="15875" marR="15875" marT="15875" marB="15875" anchor="ctr">
-                    <a:lnL w="12700" cap="flat" cmpd="sng" algn="ctr">
+                  <a:tcPr marL="15681" marR="15681" marT="15681" marB="15681" anchor="ctr">
+                    <a:lnL w="6350" cap="flat" cmpd="sng" algn="ctr">
                       <a:solidFill>
-                        <a:schemeClr val="tx1"/>
+                        <a:srgbClr val="E0E0E0"/>
                       </a:solidFill>
                       <a:prstDash val="solid"/>
                       <a:round/>
                       <a:headEnd type="none" w="med" len="med"/>
                       <a:tailEnd type="none" w="med" len="med"/>
                     </a:lnL>
-                    <a:lnR w="12700" cap="flat" cmpd="sng" algn="ctr">
+                    <a:lnR w="6350" cap="flat" cmpd="sng" algn="ctr">
                       <a:solidFill>
-                        <a:schemeClr val="tx1"/>
+                        <a:srgbClr val="E0E0E0"/>
                       </a:solidFill>
                       <a:prstDash val="solid"/>
                       <a:round/>
                       <a:headEnd type="none" w="med" len="med"/>
                       <a:tailEnd type="none" w="med" len="med"/>
                     </a:lnR>
-                    <a:lnT w="12700" cap="flat" cmpd="sng" algn="ctr">
+                    <a:lnT w="6350" cap="flat" cmpd="sng" algn="ctr">
                       <a:solidFill>
-                        <a:schemeClr val="tx1"/>
+                        <a:srgbClr val="E0E0E0"/>
                       </a:solidFill>
                       <a:prstDash val="solid"/>
                       <a:round/>
                       <a:headEnd type="none" w="med" len="med"/>
                       <a:tailEnd type="none" w="med" len="med"/>
                     </a:lnT>
-                    <a:lnB w="12700" cap="flat" cmpd="sng" algn="ctr">
+                    <a:lnB w="6350" cap="flat" cmpd="sng" algn="ctr">
                       <a:solidFill>
-                        <a:schemeClr val="tx1"/>
+                        <a:srgbClr val="E0E0E0"/>
                       </a:solidFill>
                       <a:prstDash val="solid"/>
                       <a:round/>
                       <a:headEnd type="none" w="med" len="med"/>
                       <a:tailEnd type="none" w="med" len="med"/>
                     </a:lnB>
-                    <a:lnTlToBr w="12700" cmpd="sng">
-                      <a:noFill/>
-                      <a:prstDash val="solid"/>
-                    </a:lnTlToBr>
-                    <a:lnBlToTr w="12700" cmpd="sng">
-                      <a:noFill/>
-                      <a:prstDash val="solid"/>
-                    </a:lnBlToTr>
                     <a:solidFill>
-                      <a:schemeClr val="bg1"/>
+                      <a:srgbClr val="FFFFFF"/>
                     </a:solidFill>
                   </a:tcPr>
                 </a:tc>
@@ -18151,165 +17894,115 @@
                     <a:bodyPr/>
                     <a:lstStyle/>
                     <a:p>
-                      <a:pPr marL="0" marR="0">
-                        <a:lnSpc>
-                          <a:spcPct val="107000"/>
-                        </a:lnSpc>
-                        <a:spcBef>
-                          <a:spcPts val="0"/>
-                        </a:spcBef>
-                        <a:spcAft>
-                          <a:spcPts val="800"/>
-                        </a:spcAft>
-                      </a:pPr>
                       <a:r>
-                        <a:rPr lang="en-US" sz="1600">
+                        <a:rPr lang="en-US" sz="1700">
                           <a:effectLst/>
                         </a:rPr>
                         <a:t>3 PM - 5 PM : CSB 120</a:t>
                       </a:r>
-                      <a:endParaRPr lang="en-US" sz="1600">
-                        <a:effectLst/>
-                        <a:latin typeface="Calibri" panose="020F0502020204030204" pitchFamily="34" charset="0"/>
-                        <a:ea typeface="Calibri" panose="020F0502020204030204" pitchFamily="34" charset="0"/>
-                        <a:cs typeface="Times New Roman" panose="02020603050405020304" pitchFamily="18" charset="0"/>
-                      </a:endParaRPr>
                     </a:p>
                   </a:txBody>
-                  <a:tcPr marL="15875" marR="15875" marT="15875" marB="15875" anchor="ctr">
-                    <a:lnL w="12700" cap="flat" cmpd="sng" algn="ctr">
+                  <a:tcPr marL="15681" marR="15681" marT="15681" marB="15681" anchor="ctr">
+                    <a:lnL w="6350" cap="flat" cmpd="sng" algn="ctr">
                       <a:solidFill>
-                        <a:schemeClr val="tx1"/>
+                        <a:srgbClr val="E0E0E0"/>
                       </a:solidFill>
                       <a:prstDash val="solid"/>
                       <a:round/>
                       <a:headEnd type="none" w="med" len="med"/>
                       <a:tailEnd type="none" w="med" len="med"/>
                     </a:lnL>
-                    <a:lnR w="12700" cap="flat" cmpd="sng" algn="ctr">
+                    <a:lnR w="6350" cap="flat" cmpd="sng" algn="ctr">
                       <a:solidFill>
-                        <a:schemeClr val="tx1"/>
+                        <a:srgbClr val="E0E0E0"/>
                       </a:solidFill>
                       <a:prstDash val="solid"/>
                       <a:round/>
                       <a:headEnd type="none" w="med" len="med"/>
                       <a:tailEnd type="none" w="med" len="med"/>
                     </a:lnR>
-                    <a:lnT w="12700" cap="flat" cmpd="sng" algn="ctr">
+                    <a:lnT w="6350" cap="flat" cmpd="sng" algn="ctr">
                       <a:solidFill>
-                        <a:schemeClr val="tx1"/>
+                        <a:srgbClr val="E0E0E0"/>
                       </a:solidFill>
                       <a:prstDash val="solid"/>
                       <a:round/>
                       <a:headEnd type="none" w="med" len="med"/>
                       <a:tailEnd type="none" w="med" len="med"/>
                     </a:lnT>
-                    <a:lnB w="12700" cap="flat" cmpd="sng" algn="ctr">
+                    <a:lnB w="6350" cap="flat" cmpd="sng" algn="ctr">
                       <a:solidFill>
-                        <a:schemeClr val="tx1"/>
+                        <a:srgbClr val="E0E0E0"/>
                       </a:solidFill>
                       <a:prstDash val="solid"/>
                       <a:round/>
                       <a:headEnd type="none" w="med" len="med"/>
                       <a:tailEnd type="none" w="med" len="med"/>
                     </a:lnB>
-                    <a:lnTlToBr w="12700" cmpd="sng">
-                      <a:noFill/>
-                      <a:prstDash val="solid"/>
-                    </a:lnTlToBr>
-                    <a:lnBlToTr w="12700" cmpd="sng">
-                      <a:noFill/>
-                      <a:prstDash val="solid"/>
-                    </a:lnBlToTr>
                     <a:solidFill>
-                      <a:schemeClr val="bg1"/>
+                      <a:srgbClr val="FFFFFF"/>
                     </a:solidFill>
                   </a:tcPr>
                 </a:tc>
                 <a:extLst>
                   <a:ext uri="{0D108BD9-81ED-4DB2-BD59-A6C34878D82A}">
-                    <a16:rowId xmlns:a16="http://schemas.microsoft.com/office/drawing/2014/main" val="1553865624"/>
+                    <a16:rowId xmlns:a16="http://schemas.microsoft.com/office/drawing/2014/main" val="772220127"/>
                   </a:ext>
                 </a:extLst>
               </a:tr>
-              <a:tr h="307347">
+              <a:tr h="289830">
                 <a:tc>
                   <a:txBody>
                     <a:bodyPr/>
                     <a:lstStyle/>
                     <a:p>
-                      <a:pPr marL="0" marR="0">
-                        <a:lnSpc>
-                          <a:spcPct val="107000"/>
-                        </a:lnSpc>
-                        <a:spcBef>
-                          <a:spcPts val="0"/>
-                        </a:spcBef>
-                        <a:spcAft>
-                          <a:spcPts val="800"/>
-                        </a:spcAft>
-                      </a:pPr>
                       <a:r>
-                        <a:rPr lang="en-US" sz="1600">
+                        <a:rPr lang="en-US" sz="1700">
                           <a:effectLst/>
                         </a:rPr>
                         <a:t>Saturday</a:t>
                       </a:r>
-                      <a:endParaRPr lang="en-US" sz="1600">
-                        <a:effectLst/>
-                        <a:latin typeface="Calibri" panose="020F0502020204030204" pitchFamily="34" charset="0"/>
-                        <a:ea typeface="Calibri" panose="020F0502020204030204" pitchFamily="34" charset="0"/>
-                        <a:cs typeface="Times New Roman" panose="02020603050405020304" pitchFamily="18" charset="0"/>
-                      </a:endParaRPr>
                     </a:p>
                   </a:txBody>
-                  <a:tcPr marL="15875" marR="15875" marT="15875" marB="15875" anchor="ctr">
-                    <a:lnL w="12700" cap="flat" cmpd="sng" algn="ctr">
+                  <a:tcPr marL="15681" marR="15681" marT="15681" marB="15681" anchor="ctr">
+                    <a:lnL w="6350" cap="flat" cmpd="sng" algn="ctr">
                       <a:solidFill>
-                        <a:schemeClr val="tx1"/>
+                        <a:srgbClr val="E0E0E0"/>
                       </a:solidFill>
                       <a:prstDash val="solid"/>
                       <a:round/>
                       <a:headEnd type="none" w="med" len="med"/>
                       <a:tailEnd type="none" w="med" len="med"/>
                     </a:lnL>
-                    <a:lnR w="12700" cap="flat" cmpd="sng" algn="ctr">
+                    <a:lnR w="6350" cap="flat" cmpd="sng" algn="ctr">
                       <a:solidFill>
-                        <a:schemeClr val="tx1"/>
+                        <a:srgbClr val="E0E0E0"/>
                       </a:solidFill>
                       <a:prstDash val="solid"/>
                       <a:round/>
                       <a:headEnd type="none" w="med" len="med"/>
                       <a:tailEnd type="none" w="med" len="med"/>
                     </a:lnR>
-                    <a:lnT w="12700" cap="flat" cmpd="sng" algn="ctr">
+                    <a:lnT w="6350" cap="flat" cmpd="sng" algn="ctr">
                       <a:solidFill>
-                        <a:schemeClr val="tx1"/>
+                        <a:srgbClr val="E0E0E0"/>
                       </a:solidFill>
                       <a:prstDash val="solid"/>
                       <a:round/>
                       <a:headEnd type="none" w="med" len="med"/>
                       <a:tailEnd type="none" w="med" len="med"/>
                     </a:lnT>
-                    <a:lnB w="12700" cap="flat" cmpd="sng" algn="ctr">
+                    <a:lnB w="6350" cap="flat" cmpd="sng" algn="ctr">
                       <a:solidFill>
-                        <a:schemeClr val="tx1"/>
+                        <a:srgbClr val="E0E0E0"/>
                       </a:solidFill>
                       <a:prstDash val="solid"/>
                       <a:round/>
                       <a:headEnd type="none" w="med" len="med"/>
                       <a:tailEnd type="none" w="med" len="med"/>
                     </a:lnB>
-                    <a:lnTlToBr w="12700" cmpd="sng">
-                      <a:noFill/>
-                      <a:prstDash val="solid"/>
-                    </a:lnTlToBr>
-                    <a:lnBlToTr w="12700" cmpd="sng">
-                      <a:noFill/>
-                      <a:prstDash val="solid"/>
-                    </a:lnBlToTr>
                     <a:solidFill>
-                      <a:schemeClr val="bg1"/>
+                      <a:srgbClr val="FFFFFF"/>
                     </a:solidFill>
                   </a:tcPr>
                 </a:tc>
@@ -18318,165 +18011,115 @@
                     <a:bodyPr/>
                     <a:lstStyle/>
                     <a:p>
-                      <a:pPr marL="0" marR="0">
-                        <a:lnSpc>
-                          <a:spcPct val="107000"/>
-                        </a:lnSpc>
-                        <a:spcBef>
-                          <a:spcPts val="0"/>
-                        </a:spcBef>
-                        <a:spcAft>
-                          <a:spcPts val="800"/>
-                        </a:spcAft>
-                      </a:pPr>
                       <a:r>
-                        <a:rPr lang="en-US" sz="1600" dirty="0">
+                        <a:rPr lang="en-US" sz="1700">
                           <a:effectLst/>
                         </a:rPr>
                         <a:t>12 PM - 4 PM : Teams</a:t>
                       </a:r>
-                      <a:endParaRPr lang="en-US" sz="1600" dirty="0">
-                        <a:effectLst/>
-                        <a:latin typeface="Calibri" panose="020F0502020204030204" pitchFamily="34" charset="0"/>
-                        <a:ea typeface="Calibri" panose="020F0502020204030204" pitchFamily="34" charset="0"/>
-                        <a:cs typeface="Times New Roman" panose="02020603050405020304" pitchFamily="18" charset="0"/>
-                      </a:endParaRPr>
                     </a:p>
                   </a:txBody>
-                  <a:tcPr marL="15875" marR="15875" marT="15875" marB="15875" anchor="ctr">
-                    <a:lnL w="12700" cap="flat" cmpd="sng" algn="ctr">
+                  <a:tcPr marL="15681" marR="15681" marT="15681" marB="15681" anchor="ctr">
+                    <a:lnL w="6350" cap="flat" cmpd="sng" algn="ctr">
                       <a:solidFill>
-                        <a:schemeClr val="tx1"/>
+                        <a:srgbClr val="E0E0E0"/>
                       </a:solidFill>
                       <a:prstDash val="solid"/>
                       <a:round/>
                       <a:headEnd type="none" w="med" len="med"/>
                       <a:tailEnd type="none" w="med" len="med"/>
                     </a:lnL>
-                    <a:lnR w="12700" cap="flat" cmpd="sng" algn="ctr">
+                    <a:lnR w="6350" cap="flat" cmpd="sng" algn="ctr">
                       <a:solidFill>
-                        <a:schemeClr val="tx1"/>
+                        <a:srgbClr val="E0E0E0"/>
                       </a:solidFill>
                       <a:prstDash val="solid"/>
                       <a:round/>
                       <a:headEnd type="none" w="med" len="med"/>
                       <a:tailEnd type="none" w="med" len="med"/>
                     </a:lnR>
-                    <a:lnT w="12700" cap="flat" cmpd="sng" algn="ctr">
+                    <a:lnT w="6350" cap="flat" cmpd="sng" algn="ctr">
                       <a:solidFill>
-                        <a:schemeClr val="tx1"/>
+                        <a:srgbClr val="E0E0E0"/>
                       </a:solidFill>
                       <a:prstDash val="solid"/>
                       <a:round/>
                       <a:headEnd type="none" w="med" len="med"/>
                       <a:tailEnd type="none" w="med" len="med"/>
                     </a:lnT>
-                    <a:lnB w="12700" cap="flat" cmpd="sng" algn="ctr">
+                    <a:lnB w="6350" cap="flat" cmpd="sng" algn="ctr">
                       <a:solidFill>
-                        <a:schemeClr val="tx1"/>
+                        <a:srgbClr val="E0E0E0"/>
                       </a:solidFill>
                       <a:prstDash val="solid"/>
                       <a:round/>
                       <a:headEnd type="none" w="med" len="med"/>
                       <a:tailEnd type="none" w="med" len="med"/>
                     </a:lnB>
-                    <a:lnTlToBr w="12700" cmpd="sng">
-                      <a:noFill/>
-                      <a:prstDash val="solid"/>
-                    </a:lnTlToBr>
-                    <a:lnBlToTr w="12700" cmpd="sng">
-                      <a:noFill/>
-                      <a:prstDash val="solid"/>
-                    </a:lnBlToTr>
                     <a:solidFill>
-                      <a:schemeClr val="bg1"/>
+                      <a:srgbClr val="FFFFFF"/>
                     </a:solidFill>
                   </a:tcPr>
                 </a:tc>
                 <a:extLst>
                   <a:ext uri="{0D108BD9-81ED-4DB2-BD59-A6C34878D82A}">
-                    <a16:rowId xmlns:a16="http://schemas.microsoft.com/office/drawing/2014/main" val="3921746368"/>
+                    <a16:rowId xmlns:a16="http://schemas.microsoft.com/office/drawing/2014/main" val="3754499503"/>
                   </a:ext>
                 </a:extLst>
               </a:tr>
-              <a:tr h="307347">
+              <a:tr h="289830">
                 <a:tc>
                   <a:txBody>
                     <a:bodyPr/>
                     <a:lstStyle/>
                     <a:p>
-                      <a:pPr marL="0" marR="0">
-                        <a:lnSpc>
-                          <a:spcPct val="107000"/>
-                        </a:lnSpc>
-                        <a:spcBef>
-                          <a:spcPts val="0"/>
-                        </a:spcBef>
-                        <a:spcAft>
-                          <a:spcPts val="800"/>
-                        </a:spcAft>
-                      </a:pPr>
                       <a:r>
-                        <a:rPr lang="en-US" sz="1600">
+                        <a:rPr lang="en-US" sz="1700">
                           <a:effectLst/>
                         </a:rPr>
                         <a:t>Sunday</a:t>
                       </a:r>
-                      <a:endParaRPr lang="en-US" sz="1600">
-                        <a:effectLst/>
-                        <a:latin typeface="Calibri" panose="020F0502020204030204" pitchFamily="34" charset="0"/>
-                        <a:ea typeface="Calibri" panose="020F0502020204030204" pitchFamily="34" charset="0"/>
-                        <a:cs typeface="Times New Roman" panose="02020603050405020304" pitchFamily="18" charset="0"/>
-                      </a:endParaRPr>
                     </a:p>
                   </a:txBody>
-                  <a:tcPr marL="15875" marR="15875" marT="15875" marB="15875" anchor="ctr">
-                    <a:lnL w="12700" cap="flat" cmpd="sng" algn="ctr">
+                  <a:tcPr marL="15681" marR="15681" marT="15681" marB="15681" anchor="ctr">
+                    <a:lnL w="6350" cap="flat" cmpd="sng" algn="ctr">
                       <a:solidFill>
-                        <a:schemeClr val="tx1"/>
+                        <a:srgbClr val="E0E0E0"/>
                       </a:solidFill>
                       <a:prstDash val="solid"/>
                       <a:round/>
                       <a:headEnd type="none" w="med" len="med"/>
                       <a:tailEnd type="none" w="med" len="med"/>
                     </a:lnL>
-                    <a:lnR w="12700" cap="flat" cmpd="sng" algn="ctr">
+                    <a:lnR w="6350" cap="flat" cmpd="sng" algn="ctr">
                       <a:solidFill>
-                        <a:schemeClr val="tx1"/>
+                        <a:srgbClr val="E0E0E0"/>
                       </a:solidFill>
                       <a:prstDash val="solid"/>
                       <a:round/>
                       <a:headEnd type="none" w="med" len="med"/>
                       <a:tailEnd type="none" w="med" len="med"/>
                     </a:lnR>
-                    <a:lnT w="12700" cap="flat" cmpd="sng" algn="ctr">
+                    <a:lnT w="6350" cap="flat" cmpd="sng" algn="ctr">
                       <a:solidFill>
-                        <a:schemeClr val="tx1"/>
+                        <a:srgbClr val="E0E0E0"/>
                       </a:solidFill>
                       <a:prstDash val="solid"/>
                       <a:round/>
                       <a:headEnd type="none" w="med" len="med"/>
                       <a:tailEnd type="none" w="med" len="med"/>
                     </a:lnT>
-                    <a:lnB w="12700" cap="flat" cmpd="sng" algn="ctr">
+                    <a:lnB w="6350" cap="flat" cmpd="sng" algn="ctr">
                       <a:solidFill>
-                        <a:schemeClr val="tx1"/>
+                        <a:srgbClr val="E0E0E0"/>
                       </a:solidFill>
                       <a:prstDash val="solid"/>
                       <a:round/>
                       <a:headEnd type="none" w="med" len="med"/>
                       <a:tailEnd type="none" w="med" len="med"/>
                     </a:lnB>
-                    <a:lnTlToBr w="12700" cmpd="sng">
-                      <a:noFill/>
-                      <a:prstDash val="solid"/>
-                    </a:lnTlToBr>
-                    <a:lnBlToTr w="12700" cmpd="sng">
-                      <a:noFill/>
-                      <a:prstDash val="solid"/>
-                    </a:lnBlToTr>
                     <a:solidFill>
-                      <a:schemeClr val="bg1"/>
+                      <a:srgbClr val="FFFFFF"/>
                     </a:solidFill>
                   </a:tcPr>
                 </a:tc>
@@ -18485,84 +18128,59 @@
                     <a:bodyPr/>
                     <a:lstStyle/>
                     <a:p>
-                      <a:pPr marL="0" marR="0">
-                        <a:lnSpc>
-                          <a:spcPct val="107000"/>
-                        </a:lnSpc>
-                        <a:spcBef>
-                          <a:spcPts val="0"/>
-                        </a:spcBef>
-                        <a:spcAft>
-                          <a:spcPts val="800"/>
-                        </a:spcAft>
-                      </a:pPr>
                       <a:r>
-                        <a:rPr lang="en-US" sz="1600" dirty="0">
+                        <a:rPr lang="en-US" sz="1700" dirty="0">
                           <a:effectLst/>
                         </a:rPr>
                         <a:t>12 PM - 4 PM : Teams</a:t>
                       </a:r>
-                      <a:endParaRPr lang="en-US" sz="1600" dirty="0">
-                        <a:effectLst/>
-                        <a:latin typeface="Calibri" panose="020F0502020204030204" pitchFamily="34" charset="0"/>
-                        <a:ea typeface="Calibri" panose="020F0502020204030204" pitchFamily="34" charset="0"/>
-                        <a:cs typeface="Times New Roman" panose="02020603050405020304" pitchFamily="18" charset="0"/>
-                      </a:endParaRPr>
                     </a:p>
                   </a:txBody>
-                  <a:tcPr marL="15875" marR="15875" marT="15875" marB="15875" anchor="ctr">
-                    <a:lnL w="12700" cap="flat" cmpd="sng" algn="ctr">
+                  <a:tcPr marL="15681" marR="15681" marT="15681" marB="15681" anchor="ctr">
+                    <a:lnL w="6350" cap="flat" cmpd="sng" algn="ctr">
                       <a:solidFill>
-                        <a:schemeClr val="tx1"/>
+                        <a:srgbClr val="E0E0E0"/>
                       </a:solidFill>
                       <a:prstDash val="solid"/>
                       <a:round/>
                       <a:headEnd type="none" w="med" len="med"/>
                       <a:tailEnd type="none" w="med" len="med"/>
                     </a:lnL>
-                    <a:lnR w="12700" cap="flat" cmpd="sng" algn="ctr">
+                    <a:lnR w="6350" cap="flat" cmpd="sng" algn="ctr">
                       <a:solidFill>
-                        <a:schemeClr val="tx1"/>
+                        <a:srgbClr val="E0E0E0"/>
                       </a:solidFill>
                       <a:prstDash val="solid"/>
                       <a:round/>
                       <a:headEnd type="none" w="med" len="med"/>
                       <a:tailEnd type="none" w="med" len="med"/>
                     </a:lnR>
-                    <a:lnT w="12700" cap="flat" cmpd="sng" algn="ctr">
+                    <a:lnT w="6350" cap="flat" cmpd="sng" algn="ctr">
                       <a:solidFill>
-                        <a:schemeClr val="tx1"/>
+                        <a:srgbClr val="E0E0E0"/>
                       </a:solidFill>
                       <a:prstDash val="solid"/>
                       <a:round/>
                       <a:headEnd type="none" w="med" len="med"/>
                       <a:tailEnd type="none" w="med" len="med"/>
                     </a:lnT>
-                    <a:lnB w="12700" cap="flat" cmpd="sng" algn="ctr">
+                    <a:lnB w="6350" cap="flat" cmpd="sng" algn="ctr">
                       <a:solidFill>
-                        <a:schemeClr val="tx1"/>
+                        <a:srgbClr val="E0E0E0"/>
                       </a:solidFill>
                       <a:prstDash val="solid"/>
                       <a:round/>
                       <a:headEnd type="none" w="med" len="med"/>
                       <a:tailEnd type="none" w="med" len="med"/>
                     </a:lnB>
-                    <a:lnTlToBr w="12700" cmpd="sng">
-                      <a:noFill/>
-                      <a:prstDash val="solid"/>
-                    </a:lnTlToBr>
-                    <a:lnBlToTr w="12700" cmpd="sng">
-                      <a:noFill/>
-                      <a:prstDash val="solid"/>
-                    </a:lnBlToTr>
                     <a:solidFill>
-                      <a:schemeClr val="bg1"/>
+                      <a:srgbClr val="FFFFFF"/>
                     </a:solidFill>
                   </a:tcPr>
                 </a:tc>
                 <a:extLst>
                   <a:ext uri="{0D108BD9-81ED-4DB2-BD59-A6C34878D82A}">
-                    <a16:rowId xmlns:a16="http://schemas.microsoft.com/office/drawing/2014/main" val="1928039740"/>
+                    <a16:rowId xmlns:a16="http://schemas.microsoft.com/office/drawing/2014/main" val="1778919050"/>
                   </a:ext>
                 </a:extLst>
               </a:tr>
@@ -21421,8 +21039,8 @@
         </p:nvSpPr>
         <p:spPr>
           <a:xfrm>
-            <a:off x="6377940" y="1711730"/>
-            <a:ext cx="8412480" cy="6803144"/>
+            <a:off x="6241886" y="1711730"/>
+            <a:ext cx="7724485" cy="5612611"/>
           </a:xfrm>
         </p:spPr>
         <p:txBody>
@@ -21519,7 +21137,7 @@
               <a:rPr lang="en-US" b="1" dirty="0">
                 <a:latin typeface="Consolas" panose="020B0609020204030204" pitchFamily="49" charset="0"/>
               </a:rPr>
-              <a:t>(new File(“notes.txt”);</a:t>
+              <a:t>(new File(“notes.txt”));</a:t>
             </a:r>
           </a:p>
           <a:p>
@@ -21580,7 +21198,7 @@
               <a:rPr lang="en-US" b="1" dirty="0">
                 <a:latin typeface="Consolas" panose="020B0609020204030204" pitchFamily="49" charset="0"/>
               </a:rPr>
-              <a:t>(“notes.txt”);</a:t>
+              <a:t>(“notes.txt”));</a:t>
             </a:r>
           </a:p>
           <a:p>
@@ -21627,7 +21245,7 @@
         </p:blipFill>
         <p:spPr>
           <a:xfrm>
-            <a:off x="249275" y="1711731"/>
+            <a:off x="151304" y="1711730"/>
             <a:ext cx="6069899" cy="3786099"/>
           </a:xfrm>
           <a:prstGeom prst="rect">

--- a/slides/On-Campus/09_01_OSandFileWriting.pptx
+++ b/slides/On-Campus/09_01_OSandFileWriting.pptx
@@ -148,16 +148,7 @@
 <file path=ppt/changesInfos/changesInfo1.xml><?xml version="1.0" encoding="utf-8"?>
 <pc:chgInfo xmlns:a="http://schemas.openxmlformats.org/drawingml/2006/main" xmlns:r="http://schemas.openxmlformats.org/officeDocument/2006/relationships" xmlns:ac="http://schemas.microsoft.com/office/drawing/2013/main/command" xmlns:pc="http://schemas.microsoft.com/office/powerpoint/2013/main/command">
   <pc:docChgLst>
-    <pc:chgData name="Marcia Moraes" userId="c9c67e8a-58e2-4733-9a1c-5d44fec4775b" providerId="ADAL" clId="{9C8383A8-73D2-4259-9F6A-069219C27C46}"/>
-  </pc:docChgLst>
-  <pc:docChgLst>
     <pc:chgData name="Marcia Moraes" userId="c9c67e8a-58e2-4733-9a1c-5d44fec4775b" providerId="ADAL" clId="{46BE5373-9D09-4F87-A123-1FD85A8E0B47}"/>
-  </pc:docChgLst>
-  <pc:docChgLst>
-    <pc:chgData name="Moraes,Marcia" userId="c9c67e8a-58e2-4733-9a1c-5d44fec4775b" providerId="ADAL" clId="{0D3D1F53-216D-468A-B6D0-42132F61F75F}"/>
-  </pc:docChgLst>
-  <pc:docChgLst>
-    <pc:chgData name="Moraes,Marcia" userId="c9c67e8a-58e2-4733-9a1c-5d44fec4775b" providerId="ADAL" clId="{46BE5373-9D09-4F87-A123-1FD85A8E0B47}"/>
   </pc:docChgLst>
   <pc:docChgLst>
     <pc:chgData name="Marcia Moraes" userId="c9c67e8a-58e2-4733-9a1c-5d44fec4775b" providerId="ADAL" clId="{E4CE0DD7-C744-4FD1-AF72-43B9FE76208B}"/>
@@ -190,6 +181,39 @@
         </pc:graphicFrameChg>
       </pc:sldChg>
     </pc:docChg>
+  </pc:docChgLst>
+  <pc:docChgLst>
+    <pc:chgData name="Moraes,Marcia" userId="c9c67e8a-58e2-4733-9a1c-5d44fec4775b" providerId="ADAL" clId="{0D3D1F53-216D-468A-B6D0-42132F61F75F}"/>
+  </pc:docChgLst>
+  <pc:docChgLst>
+    <pc:chgData name="Moraes,Marcia" userId="c9c67e8a-58e2-4733-9a1c-5d44fec4775b" providerId="ADAL" clId="{E4CE0DD7-C744-4FD1-AF72-43B9FE76208B}"/>
+    <pc:docChg chg="modSld">
+      <pc:chgData name="Moraes,Marcia" userId="c9c67e8a-58e2-4733-9a1c-5d44fec4775b" providerId="ADAL" clId="{E4CE0DD7-C744-4FD1-AF72-43B9FE76208B}" dt="2024-03-18T15:40:01.405" v="0" actId="6549"/>
+      <pc:docMkLst>
+        <pc:docMk/>
+      </pc:docMkLst>
+      <pc:sldChg chg="modSp">
+        <pc:chgData name="Moraes,Marcia" userId="c9c67e8a-58e2-4733-9a1c-5d44fec4775b" providerId="ADAL" clId="{E4CE0DD7-C744-4FD1-AF72-43B9FE76208B}" dt="2024-03-18T15:40:01.405" v="0" actId="6549"/>
+        <pc:sldMkLst>
+          <pc:docMk/>
+          <pc:sldMk cId="2060984493" sldId="263"/>
+        </pc:sldMkLst>
+        <pc:spChg chg="mod">
+          <ac:chgData name="Moraes,Marcia" userId="c9c67e8a-58e2-4733-9a1c-5d44fec4775b" providerId="ADAL" clId="{E4CE0DD7-C744-4FD1-AF72-43B9FE76208B}" dt="2024-03-18T15:40:01.405" v="0" actId="6549"/>
+          <ac:spMkLst>
+            <pc:docMk/>
+            <pc:sldMk cId="2060984493" sldId="263"/>
+            <ac:spMk id="3" creationId="{40252F01-3FE5-5946-9A8A-B4CCC96D0FB9}"/>
+          </ac:spMkLst>
+        </pc:spChg>
+      </pc:sldChg>
+    </pc:docChg>
+  </pc:docChgLst>
+  <pc:docChgLst>
+    <pc:chgData name="Moraes,Marcia" userId="c9c67e8a-58e2-4733-9a1c-5d44fec4775b" providerId="ADAL" clId="{46BE5373-9D09-4F87-A123-1FD85A8E0B47}"/>
+  </pc:docChgLst>
+  <pc:docChgLst>
+    <pc:chgData name="Marcia Moraes" userId="c9c67e8a-58e2-4733-9a1c-5d44fec4775b" providerId="ADAL" clId="{9C8383A8-73D2-4259-9F6A-069219C27C46}"/>
   </pc:docChgLst>
 </pc:chgInfo>
 </file>
@@ -276,7 +300,7 @@
           <a:p>
             <a:fld id="{4D7E51A5-B478-1E40-8CBB-0DAA8831E99D}" type="datetimeFigureOut">
               <a:rPr lang="en-US" smtClean="0"/>
-              <a:t>3/6/2024</a:t>
+              <a:t>3/18/2024</a:t>
             </a:fld>
             <a:endParaRPr lang="en-US"/>
           </a:p>
@@ -441,7 +465,7 @@
           <a:p>
             <a:fld id="{D0ED587F-861E-6740-9643-E3DDAE89B8D6}" type="datetimeFigureOut">
               <a:rPr lang="en-US" smtClean="0"/>
-              <a:t>3/6/2024</a:t>
+              <a:t>3/18/2024</a:t>
             </a:fld>
             <a:endParaRPr lang="en-US"/>
           </a:p>
@@ -16291,7 +16315,7 @@
         <p:spPr>
           <a:xfrm>
             <a:off x="628075" y="1626781"/>
-            <a:ext cx="12561453" cy="2066784"/>
+            <a:ext cx="12561453" cy="1473737"/>
           </a:xfrm>
         </p:spPr>
         <p:txBody>
@@ -16307,32 +16331,26 @@
           <a:p>
             <a:pPr lvl="1" fontAlgn="base"/>
             <a:r>
-              <a:rPr lang="en-US" sz="2200"/>
+              <a:rPr lang="en-US" sz="2200" dirty="0"/>
               <a:t>Files available: </a:t>
+            </a:r>
+            <a:r>
+              <a:rPr lang="en-US" sz="2200" dirty="0">
+                <a:hlinkClick r:id="rId2"/>
+              </a:rPr>
+              <a:t>https://github.com/CSU-CompSci-CS163-4/Handouts/tree/main/ClassExamples/</a:t>
             </a:r>
             <a:r>
               <a:rPr lang="en-US" sz="2200">
                 <a:hlinkClick r:id="rId2"/>
               </a:rPr>
-              <a:t>https://github.com/CSU-CompSci-CS163-4/Handouts/tree/main/ClassExamples/09FileWrite</a:t>
+              <a:t>09FileWrite</a:t>
             </a:r>
             <a:r>
               <a:rPr lang="en-US" sz="2200"/>
               <a:t> </a:t>
             </a:r>
             <a:endParaRPr lang="en-US" sz="2200" dirty="0"/>
-          </a:p>
-          <a:p>
-            <a:pPr fontAlgn="base"/>
-            <a:r>
-              <a:rPr lang="en-US" sz="2400" dirty="0"/>
-              <a:t>In Class Activity on </a:t>
-            </a:r>
-            <a:r>
-              <a:rPr lang="en-US" sz="2400" dirty="0" err="1"/>
-              <a:t>zybooks</a:t>
-            </a:r>
-            <a:endParaRPr lang="en-US" dirty="0"/>
           </a:p>
         </p:txBody>
       </p:sp>
